--- a/Images/Figures_PPT/Prototype_Rictor_Diagram_Stramenopiles.pptx
+++ b/Images/Figures_PPT/Prototype_Rictor_Diagram_Stramenopiles.pptx
@@ -5,15 +5,18 @@
     <p:sldMasterId id="2147483648" r:id="rId1"/>
   </p:sldMasterIdLst>
   <p:notesMasterIdLst>
-    <p:notesMasterId r:id="rId8"/>
+    <p:notesMasterId r:id="rId11"/>
   </p:notesMasterIdLst>
   <p:sldIdLst>
     <p:sldId id="256" r:id="rId2"/>
     <p:sldId id="262" r:id="rId3"/>
-    <p:sldId id="257" r:id="rId4"/>
+    <p:sldId id="260" r:id="rId4"/>
     <p:sldId id="258" r:id="rId5"/>
-    <p:sldId id="260" r:id="rId6"/>
-    <p:sldId id="261" r:id="rId7"/>
+    <p:sldId id="261" r:id="rId6"/>
+    <p:sldId id="263" r:id="rId7"/>
+    <p:sldId id="264" r:id="rId8"/>
+    <p:sldId id="265" r:id="rId9"/>
+    <p:sldId id="266" r:id="rId10"/>
   </p:sldIdLst>
   <p:sldSz cx="12192000" cy="6858000"/>
   <p:notesSz cx="6858000" cy="9144000"/>
@@ -202,7 +205,7 @@
           <a:p>
             <a:fld id="{A9CD932A-8F3F-445A-BB98-0784D76FA3A3}" type="datetimeFigureOut">
               <a:rPr lang="en-US" smtClean="0"/>
-              <a:t>3/25/2025</a:t>
+              <a:t>4/2/2025</a:t>
             </a:fld>
             <a:endParaRPr lang="en-US"/>
           </a:p>
@@ -616,7 +619,7 @@
           <a:p>
             <a:fld id="{DEA3E70D-7777-4D36-8DA1-3B2457C715AC}" type="datetimeFigureOut">
               <a:rPr lang="en-US" smtClean="0"/>
-              <a:t>3/25/2025</a:t>
+              <a:t>4/2/2025</a:t>
             </a:fld>
             <a:endParaRPr lang="en-US"/>
           </a:p>
@@ -814,7 +817,7 @@
           <a:p>
             <a:fld id="{DEA3E70D-7777-4D36-8DA1-3B2457C715AC}" type="datetimeFigureOut">
               <a:rPr lang="en-US" smtClean="0"/>
-              <a:t>3/25/2025</a:t>
+              <a:t>4/2/2025</a:t>
             </a:fld>
             <a:endParaRPr lang="en-US"/>
           </a:p>
@@ -1022,7 +1025,7 @@
           <a:p>
             <a:fld id="{DEA3E70D-7777-4D36-8DA1-3B2457C715AC}" type="datetimeFigureOut">
               <a:rPr lang="en-US" smtClean="0"/>
-              <a:t>3/25/2025</a:t>
+              <a:t>4/2/2025</a:t>
             </a:fld>
             <a:endParaRPr lang="en-US"/>
           </a:p>
@@ -1220,7 +1223,7 @@
           <a:p>
             <a:fld id="{DEA3E70D-7777-4D36-8DA1-3B2457C715AC}" type="datetimeFigureOut">
               <a:rPr lang="en-US" smtClean="0"/>
-              <a:t>3/25/2025</a:t>
+              <a:t>4/2/2025</a:t>
             </a:fld>
             <a:endParaRPr lang="en-US"/>
           </a:p>
@@ -1495,7 +1498,7 @@
           <a:p>
             <a:fld id="{DEA3E70D-7777-4D36-8DA1-3B2457C715AC}" type="datetimeFigureOut">
               <a:rPr lang="en-US" smtClean="0"/>
-              <a:t>3/25/2025</a:t>
+              <a:t>4/2/2025</a:t>
             </a:fld>
             <a:endParaRPr lang="en-US"/>
           </a:p>
@@ -1760,7 +1763,7 @@
           <a:p>
             <a:fld id="{DEA3E70D-7777-4D36-8DA1-3B2457C715AC}" type="datetimeFigureOut">
               <a:rPr lang="en-US" smtClean="0"/>
-              <a:t>3/25/2025</a:t>
+              <a:t>4/2/2025</a:t>
             </a:fld>
             <a:endParaRPr lang="en-US"/>
           </a:p>
@@ -2172,7 +2175,7 @@
           <a:p>
             <a:fld id="{DEA3E70D-7777-4D36-8DA1-3B2457C715AC}" type="datetimeFigureOut">
               <a:rPr lang="en-US" smtClean="0"/>
-              <a:t>3/25/2025</a:t>
+              <a:t>4/2/2025</a:t>
             </a:fld>
             <a:endParaRPr lang="en-US"/>
           </a:p>
@@ -2313,7 +2316,7 @@
           <a:p>
             <a:fld id="{DEA3E70D-7777-4D36-8DA1-3B2457C715AC}" type="datetimeFigureOut">
               <a:rPr lang="en-US" smtClean="0"/>
-              <a:t>3/25/2025</a:t>
+              <a:t>4/2/2025</a:t>
             </a:fld>
             <a:endParaRPr lang="en-US"/>
           </a:p>
@@ -2426,7 +2429,7 @@
           <a:p>
             <a:fld id="{DEA3E70D-7777-4D36-8DA1-3B2457C715AC}" type="datetimeFigureOut">
               <a:rPr lang="en-US" smtClean="0"/>
-              <a:t>3/25/2025</a:t>
+              <a:t>4/2/2025</a:t>
             </a:fld>
             <a:endParaRPr lang="en-US"/>
           </a:p>
@@ -2737,7 +2740,7 @@
           <a:p>
             <a:fld id="{DEA3E70D-7777-4D36-8DA1-3B2457C715AC}" type="datetimeFigureOut">
               <a:rPr lang="en-US" smtClean="0"/>
-              <a:t>3/25/2025</a:t>
+              <a:t>4/2/2025</a:t>
             </a:fld>
             <a:endParaRPr lang="en-US"/>
           </a:p>
@@ -3025,7 +3028,7 @@
           <a:p>
             <a:fld id="{DEA3E70D-7777-4D36-8DA1-3B2457C715AC}" type="datetimeFigureOut">
               <a:rPr lang="en-US" smtClean="0"/>
-              <a:t>3/25/2025</a:t>
+              <a:t>4/2/2025</a:t>
             </a:fld>
             <a:endParaRPr lang="en-US"/>
           </a:p>
@@ -3266,7 +3269,7 @@
           <a:p>
             <a:fld id="{DEA3E70D-7777-4D36-8DA1-3B2457C715AC}" type="datetimeFigureOut">
               <a:rPr lang="en-US" smtClean="0"/>
-              <a:t>3/25/2025</a:t>
+              <a:t>4/2/2025</a:t>
             </a:fld>
             <a:endParaRPr lang="en-US"/>
           </a:p>
@@ -5618,10 +5621,10 @@
       </p:grpSpPr>
       <p:sp>
         <p:nvSpPr>
-          <p:cNvPr id="4" name="Oval 3">
-            <a:extLst>
-              <a:ext uri="{FF2B5EF4-FFF2-40B4-BE49-F238E27FC236}">
-                <a16:creationId xmlns:a16="http://schemas.microsoft.com/office/drawing/2014/main" id="{7D797BC2-06CA-33D9-5F8D-C895CD9371C6}"/>
+          <p:cNvPr id="48" name="Oval 47">
+            <a:extLst>
+              <a:ext uri="{FF2B5EF4-FFF2-40B4-BE49-F238E27FC236}">
+                <a16:creationId xmlns:a16="http://schemas.microsoft.com/office/drawing/2014/main" id="{49CE7BE2-3D7A-A264-B04E-0666D28BD311}"/>
               </a:ext>
             </a:extLst>
           </p:cNvPr>
@@ -5630,18 +5633,22 @@
         </p:nvSpPr>
         <p:spPr>
           <a:xfrm>
-            <a:off x="1905582" y="1340189"/>
-            <a:ext cx="2310430" cy="1633356"/>
+            <a:off x="4232834" y="3842792"/>
+            <a:ext cx="2540643" cy="2561100"/>
           </a:xfrm>
           <a:prstGeom prst="ellipse">
             <a:avLst/>
           </a:prstGeom>
           <a:solidFill>
-            <a:schemeClr val="accent6">
-              <a:lumMod val="20000"/>
-              <a:lumOff val="80000"/>
+            <a:schemeClr val="tx1">
+              <a:lumMod val="75000"/>
+              <a:lumOff val="25000"/>
+              <a:alpha val="14902"/>
             </a:schemeClr>
           </a:solidFill>
+          <a:ln>
+            <a:prstDash val="dash"/>
+          </a:ln>
         </p:spPr>
         <p:style>
           <a:lnRef idx="2">
@@ -5664,23 +5671,16 @@
           <a:lstStyle/>
           <a:p>
             <a:pPr algn="ctr"/>
-            <a:r>
-              <a:rPr lang="en-US" dirty="0">
-                <a:solidFill>
-                  <a:schemeClr val="tx1"/>
-                </a:solidFill>
-              </a:rPr>
-              <a:t>MTOR</a:t>
-            </a:r>
-          </a:p>
-        </p:txBody>
-      </p:sp>
-      <p:sp>
-        <p:nvSpPr>
-          <p:cNvPr id="5" name="Oval 4">
-            <a:extLst>
-              <a:ext uri="{FF2B5EF4-FFF2-40B4-BE49-F238E27FC236}">
-                <a16:creationId xmlns:a16="http://schemas.microsoft.com/office/drawing/2014/main" id="{80033587-6CDE-45F4-FC6A-FA8BAE0CD5BE}"/>
+            <a:endParaRPr lang="en-US" dirty="0"/>
+          </a:p>
+        </p:txBody>
+      </p:sp>
+      <p:sp>
+        <p:nvSpPr>
+          <p:cNvPr id="44" name="Oval 43">
+            <a:extLst>
+              <a:ext uri="{FF2B5EF4-FFF2-40B4-BE49-F238E27FC236}">
+                <a16:creationId xmlns:a16="http://schemas.microsoft.com/office/drawing/2014/main" id="{BA338C49-6341-7358-7DFB-A273207E7513}"/>
               </a:ext>
             </a:extLst>
           </p:cNvPr>
@@ -5689,17 +5689,16 @@
         </p:nvSpPr>
         <p:spPr>
           <a:xfrm>
-            <a:off x="1993414" y="2598361"/>
-            <a:ext cx="1064473" cy="830639"/>
+            <a:off x="964939" y="985358"/>
+            <a:ext cx="2879200" cy="2744784"/>
           </a:xfrm>
           <a:prstGeom prst="ellipse">
             <a:avLst/>
           </a:prstGeom>
           <a:solidFill>
-            <a:schemeClr val="tx2">
-              <a:lumMod val="50000"/>
-              <a:lumOff val="50000"/>
-            </a:schemeClr>
+            <a:srgbClr val="13501B">
+              <a:alpha val="20000"/>
+            </a:srgbClr>
           </a:solidFill>
         </p:spPr>
         <p:style>
@@ -5723,19 +5722,646 @@
           <a:lstStyle/>
           <a:p>
             <a:pPr algn="ctr"/>
-            <a:r>
-              <a:rPr lang="en-US" dirty="0"/>
-              <a:t>LST8</a:t>
-            </a:r>
-          </a:p>
-        </p:txBody>
-      </p:sp>
-      <p:sp>
-        <p:nvSpPr>
-          <p:cNvPr id="6" name="Oval 5">
-            <a:extLst>
-              <a:ext uri="{FF2B5EF4-FFF2-40B4-BE49-F238E27FC236}">
-                <a16:creationId xmlns:a16="http://schemas.microsoft.com/office/drawing/2014/main" id="{6DCEAC80-310C-787D-D4ED-AF209251B063}"/>
+            <a:endParaRPr lang="en-US" dirty="0"/>
+          </a:p>
+        </p:txBody>
+      </p:sp>
+      <p:cxnSp>
+        <p:nvCxnSpPr>
+          <p:cNvPr id="3" name="Straight Connector 2">
+            <a:extLst>
+              <a:ext uri="{FF2B5EF4-FFF2-40B4-BE49-F238E27FC236}">
+                <a16:creationId xmlns:a16="http://schemas.microsoft.com/office/drawing/2014/main" id="{D9684930-4E17-5147-A210-E20C3EF720A1}"/>
+              </a:ext>
+            </a:extLst>
+          </p:cNvPr>
+          <p:cNvCxnSpPr>
+            <a:cxnSpLocks/>
+          </p:cNvCxnSpPr>
+          <p:nvPr/>
+        </p:nvCxnSpPr>
+        <p:spPr>
+          <a:xfrm flipV="1">
+            <a:off x="827590" y="1755341"/>
+            <a:ext cx="7922782" cy="3441690"/>
+          </a:xfrm>
+          <a:prstGeom prst="line">
+            <a:avLst/>
+          </a:prstGeom>
+        </p:spPr>
+        <p:style>
+          <a:lnRef idx="2">
+            <a:schemeClr val="accent1"/>
+          </a:lnRef>
+          <a:fillRef idx="0">
+            <a:schemeClr val="accent1"/>
+          </a:fillRef>
+          <a:effectRef idx="1">
+            <a:schemeClr val="accent1"/>
+          </a:effectRef>
+          <a:fontRef idx="minor">
+            <a:schemeClr val="tx1"/>
+          </a:fontRef>
+        </p:style>
+      </p:cxnSp>
+      <p:cxnSp>
+        <p:nvCxnSpPr>
+          <p:cNvPr id="5" name="Straight Connector 4">
+            <a:extLst>
+              <a:ext uri="{FF2B5EF4-FFF2-40B4-BE49-F238E27FC236}">
+                <a16:creationId xmlns:a16="http://schemas.microsoft.com/office/drawing/2014/main" id="{0E530E74-CB4F-2A6A-0A67-00D98682C573}"/>
+              </a:ext>
+            </a:extLst>
+          </p:cNvPr>
+          <p:cNvCxnSpPr>
+            <a:cxnSpLocks/>
+          </p:cNvCxnSpPr>
+          <p:nvPr/>
+        </p:nvCxnSpPr>
+        <p:spPr>
+          <a:xfrm>
+            <a:off x="3264060" y="4126372"/>
+            <a:ext cx="1522072" cy="1157469"/>
+          </a:xfrm>
+          <a:prstGeom prst="line">
+            <a:avLst/>
+          </a:prstGeom>
+        </p:spPr>
+        <p:style>
+          <a:lnRef idx="2">
+            <a:schemeClr val="accent1"/>
+          </a:lnRef>
+          <a:fillRef idx="0">
+            <a:schemeClr val="accent1"/>
+          </a:fillRef>
+          <a:effectRef idx="1">
+            <a:schemeClr val="accent1"/>
+          </a:effectRef>
+          <a:fontRef idx="minor">
+            <a:schemeClr val="tx1"/>
+          </a:fontRef>
+        </p:style>
+      </p:cxnSp>
+      <p:cxnSp>
+        <p:nvCxnSpPr>
+          <p:cNvPr id="8" name="Straight Connector 7">
+            <a:extLst>
+              <a:ext uri="{FF2B5EF4-FFF2-40B4-BE49-F238E27FC236}">
+                <a16:creationId xmlns:a16="http://schemas.microsoft.com/office/drawing/2014/main" id="{E14F04FB-0D5B-474D-0657-B04B7B498BD1}"/>
+              </a:ext>
+            </a:extLst>
+          </p:cNvPr>
+          <p:cNvCxnSpPr>
+            <a:cxnSpLocks/>
+          </p:cNvCxnSpPr>
+          <p:nvPr/>
+        </p:nvCxnSpPr>
+        <p:spPr>
+          <a:xfrm>
+            <a:off x="3640238" y="3970114"/>
+            <a:ext cx="2314756" cy="1067506"/>
+          </a:xfrm>
+          <a:prstGeom prst="line">
+            <a:avLst/>
+          </a:prstGeom>
+        </p:spPr>
+        <p:style>
+          <a:lnRef idx="2">
+            <a:schemeClr val="accent1"/>
+          </a:lnRef>
+          <a:fillRef idx="0">
+            <a:schemeClr val="accent1"/>
+          </a:fillRef>
+          <a:effectRef idx="1">
+            <a:schemeClr val="accent1"/>
+          </a:effectRef>
+          <a:fontRef idx="minor">
+            <a:schemeClr val="tx1"/>
+          </a:fontRef>
+        </p:style>
+      </p:cxnSp>
+      <p:cxnSp>
+        <p:nvCxnSpPr>
+          <p:cNvPr id="10" name="Straight Connector 9">
+            <a:extLst>
+              <a:ext uri="{FF2B5EF4-FFF2-40B4-BE49-F238E27FC236}">
+                <a16:creationId xmlns:a16="http://schemas.microsoft.com/office/drawing/2014/main" id="{FF0F60FB-B1F0-4F2E-5E2E-5F5A10A12753}"/>
+              </a:ext>
+            </a:extLst>
+          </p:cNvPr>
+          <p:cNvCxnSpPr/>
+          <p:nvPr/>
+        </p:nvCxnSpPr>
+        <p:spPr>
+          <a:xfrm flipV="1">
+            <a:off x="1950334" y="3463722"/>
+            <a:ext cx="520861" cy="1241385"/>
+          </a:xfrm>
+          <a:prstGeom prst="line">
+            <a:avLst/>
+          </a:prstGeom>
+        </p:spPr>
+        <p:style>
+          <a:lnRef idx="2">
+            <a:schemeClr val="accent1"/>
+          </a:lnRef>
+          <a:fillRef idx="0">
+            <a:schemeClr val="accent1"/>
+          </a:fillRef>
+          <a:effectRef idx="1">
+            <a:schemeClr val="accent1"/>
+          </a:effectRef>
+          <a:fontRef idx="minor">
+            <a:schemeClr val="tx1"/>
+          </a:fontRef>
+        </p:style>
+      </p:cxnSp>
+      <p:cxnSp>
+        <p:nvCxnSpPr>
+          <p:cNvPr id="12" name="Straight Connector 11">
+            <a:extLst>
+              <a:ext uri="{FF2B5EF4-FFF2-40B4-BE49-F238E27FC236}">
+                <a16:creationId xmlns:a16="http://schemas.microsoft.com/office/drawing/2014/main" id="{8A0D334E-B4E4-4B42-7084-2BE4E73EAEE3}"/>
+              </a:ext>
+            </a:extLst>
+          </p:cNvPr>
+          <p:cNvCxnSpPr/>
+          <p:nvPr/>
+        </p:nvCxnSpPr>
+        <p:spPr>
+          <a:xfrm flipH="1" flipV="1">
+            <a:off x="1953227" y="2268636"/>
+            <a:ext cx="590309" cy="1009891"/>
+          </a:xfrm>
+          <a:prstGeom prst="line">
+            <a:avLst/>
+          </a:prstGeom>
+        </p:spPr>
+        <p:style>
+          <a:lnRef idx="2">
+            <a:schemeClr val="accent1"/>
+          </a:lnRef>
+          <a:fillRef idx="0">
+            <a:schemeClr val="accent1"/>
+          </a:fillRef>
+          <a:effectRef idx="1">
+            <a:schemeClr val="accent1"/>
+          </a:effectRef>
+          <a:fontRef idx="minor">
+            <a:schemeClr val="tx1"/>
+          </a:fontRef>
+        </p:style>
+      </p:cxnSp>
+      <p:cxnSp>
+        <p:nvCxnSpPr>
+          <p:cNvPr id="14" name="Straight Connector 13">
+            <a:extLst>
+              <a:ext uri="{FF2B5EF4-FFF2-40B4-BE49-F238E27FC236}">
+                <a16:creationId xmlns:a16="http://schemas.microsoft.com/office/drawing/2014/main" id="{FF128FDF-662E-63C3-6B1A-1BCB195B884B}"/>
+              </a:ext>
+            </a:extLst>
+          </p:cNvPr>
+          <p:cNvCxnSpPr>
+            <a:cxnSpLocks/>
+          </p:cNvCxnSpPr>
+          <p:nvPr/>
+        </p:nvCxnSpPr>
+        <p:spPr>
+          <a:xfrm flipV="1">
+            <a:off x="2471195" y="1816704"/>
+            <a:ext cx="669884" cy="1656355"/>
+          </a:xfrm>
+          <a:prstGeom prst="line">
+            <a:avLst/>
+          </a:prstGeom>
+        </p:spPr>
+        <p:style>
+          <a:lnRef idx="2">
+            <a:schemeClr val="accent1"/>
+          </a:lnRef>
+          <a:fillRef idx="0">
+            <a:schemeClr val="accent1"/>
+          </a:fillRef>
+          <a:effectRef idx="1">
+            <a:schemeClr val="accent1"/>
+          </a:effectRef>
+          <a:fontRef idx="minor">
+            <a:schemeClr val="tx1"/>
+          </a:fontRef>
+        </p:style>
+      </p:cxnSp>
+      <p:cxnSp>
+        <p:nvCxnSpPr>
+          <p:cNvPr id="16" name="Straight Connector 15">
+            <a:extLst>
+              <a:ext uri="{FF2B5EF4-FFF2-40B4-BE49-F238E27FC236}">
+                <a16:creationId xmlns:a16="http://schemas.microsoft.com/office/drawing/2014/main" id="{6650A656-B778-6379-96F9-536B33D10EF3}"/>
+              </a:ext>
+            </a:extLst>
+          </p:cNvPr>
+          <p:cNvCxnSpPr>
+            <a:cxnSpLocks/>
+          </p:cNvCxnSpPr>
+          <p:nvPr/>
+        </p:nvCxnSpPr>
+        <p:spPr>
+          <a:xfrm flipH="1" flipV="1">
+            <a:off x="2324331" y="1795521"/>
+            <a:ext cx="453593" cy="918740"/>
+          </a:xfrm>
+          <a:prstGeom prst="line">
+            <a:avLst/>
+          </a:prstGeom>
+        </p:spPr>
+        <p:style>
+          <a:lnRef idx="2">
+            <a:schemeClr val="accent1"/>
+          </a:lnRef>
+          <a:fillRef idx="0">
+            <a:schemeClr val="accent1"/>
+          </a:fillRef>
+          <a:effectRef idx="1">
+            <a:schemeClr val="accent1"/>
+          </a:effectRef>
+          <a:fontRef idx="minor">
+            <a:schemeClr val="tx1"/>
+          </a:fontRef>
+        </p:style>
+      </p:cxnSp>
+      <p:cxnSp>
+        <p:nvCxnSpPr>
+          <p:cNvPr id="19" name="Straight Connector 18">
+            <a:extLst>
+              <a:ext uri="{FF2B5EF4-FFF2-40B4-BE49-F238E27FC236}">
+                <a16:creationId xmlns:a16="http://schemas.microsoft.com/office/drawing/2014/main" id="{135A0122-057C-1D74-CE16-1783AE5C08DE}"/>
+              </a:ext>
+            </a:extLst>
+          </p:cNvPr>
+          <p:cNvCxnSpPr>
+            <a:cxnSpLocks/>
+          </p:cNvCxnSpPr>
+          <p:nvPr/>
+        </p:nvCxnSpPr>
+        <p:spPr>
+          <a:xfrm flipV="1">
+            <a:off x="5214395" y="1365034"/>
+            <a:ext cx="382328" cy="1910599"/>
+          </a:xfrm>
+          <a:prstGeom prst="line">
+            <a:avLst/>
+          </a:prstGeom>
+        </p:spPr>
+        <p:style>
+          <a:lnRef idx="2">
+            <a:schemeClr val="accent1"/>
+          </a:lnRef>
+          <a:fillRef idx="0">
+            <a:schemeClr val="accent1"/>
+          </a:fillRef>
+          <a:effectRef idx="1">
+            <a:schemeClr val="accent1"/>
+          </a:effectRef>
+          <a:fontRef idx="minor">
+            <a:schemeClr val="tx1"/>
+          </a:fontRef>
+        </p:style>
+      </p:cxnSp>
+      <p:cxnSp>
+        <p:nvCxnSpPr>
+          <p:cNvPr id="21" name="Straight Connector 20">
+            <a:extLst>
+              <a:ext uri="{FF2B5EF4-FFF2-40B4-BE49-F238E27FC236}">
+                <a16:creationId xmlns:a16="http://schemas.microsoft.com/office/drawing/2014/main" id="{2D627DC8-DCDA-6334-07E4-81D7BA9CA14B}"/>
+              </a:ext>
+            </a:extLst>
+          </p:cNvPr>
+          <p:cNvCxnSpPr>
+            <a:cxnSpLocks/>
+          </p:cNvCxnSpPr>
+          <p:nvPr/>
+        </p:nvCxnSpPr>
+        <p:spPr>
+          <a:xfrm flipH="1" flipV="1">
+            <a:off x="4626980" y="2021361"/>
+            <a:ext cx="708949" cy="635027"/>
+          </a:xfrm>
+          <a:prstGeom prst="line">
+            <a:avLst/>
+          </a:prstGeom>
+        </p:spPr>
+        <p:style>
+          <a:lnRef idx="2">
+            <a:schemeClr val="accent1"/>
+          </a:lnRef>
+          <a:fillRef idx="0">
+            <a:schemeClr val="accent1"/>
+          </a:fillRef>
+          <a:effectRef idx="1">
+            <a:schemeClr val="accent1"/>
+          </a:effectRef>
+          <a:fontRef idx="minor">
+            <a:schemeClr val="tx1"/>
+          </a:fontRef>
+        </p:style>
+      </p:cxnSp>
+      <p:cxnSp>
+        <p:nvCxnSpPr>
+          <p:cNvPr id="24" name="Straight Connector 23">
+            <a:extLst>
+              <a:ext uri="{FF2B5EF4-FFF2-40B4-BE49-F238E27FC236}">
+                <a16:creationId xmlns:a16="http://schemas.microsoft.com/office/drawing/2014/main" id="{B75215DC-6700-A93C-7F48-BABFBDE5FA5F}"/>
+              </a:ext>
+            </a:extLst>
+          </p:cNvPr>
+          <p:cNvCxnSpPr>
+            <a:cxnSpLocks/>
+          </p:cNvCxnSpPr>
+          <p:nvPr/>
+        </p:nvCxnSpPr>
+        <p:spPr>
+          <a:xfrm flipH="1" flipV="1">
+            <a:off x="4864262" y="1594412"/>
+            <a:ext cx="564265" cy="674224"/>
+          </a:xfrm>
+          <a:prstGeom prst="line">
+            <a:avLst/>
+          </a:prstGeom>
+        </p:spPr>
+        <p:style>
+          <a:lnRef idx="2">
+            <a:schemeClr val="accent1"/>
+          </a:lnRef>
+          <a:fillRef idx="0">
+            <a:schemeClr val="accent1"/>
+          </a:fillRef>
+          <a:effectRef idx="1">
+            <a:schemeClr val="accent1"/>
+          </a:effectRef>
+          <a:fontRef idx="minor">
+            <a:schemeClr val="tx1"/>
+          </a:fontRef>
+        </p:style>
+      </p:cxnSp>
+      <p:cxnSp>
+        <p:nvCxnSpPr>
+          <p:cNvPr id="27" name="Straight Connector 26">
+            <a:extLst>
+              <a:ext uri="{FF2B5EF4-FFF2-40B4-BE49-F238E27FC236}">
+                <a16:creationId xmlns:a16="http://schemas.microsoft.com/office/drawing/2014/main" id="{EE5F58FA-EB04-459A-151C-19F4C34D14D4}"/>
+              </a:ext>
+            </a:extLst>
+          </p:cNvPr>
+          <p:cNvCxnSpPr>
+            <a:cxnSpLocks/>
+          </p:cNvCxnSpPr>
+          <p:nvPr/>
+        </p:nvCxnSpPr>
+        <p:spPr>
+          <a:xfrm flipV="1">
+            <a:off x="7413585" y="1495191"/>
+            <a:ext cx="893132" cy="831318"/>
+          </a:xfrm>
+          <a:prstGeom prst="line">
+            <a:avLst/>
+          </a:prstGeom>
+        </p:spPr>
+        <p:style>
+          <a:lnRef idx="2">
+            <a:schemeClr val="accent1"/>
+          </a:lnRef>
+          <a:fillRef idx="0">
+            <a:schemeClr val="accent1"/>
+          </a:fillRef>
+          <a:effectRef idx="1">
+            <a:schemeClr val="accent1"/>
+          </a:effectRef>
+          <a:fontRef idx="minor">
+            <a:schemeClr val="tx1"/>
+          </a:fontRef>
+        </p:style>
+      </p:cxnSp>
+      <p:cxnSp>
+        <p:nvCxnSpPr>
+          <p:cNvPr id="30" name="Straight Connector 29">
+            <a:extLst>
+              <a:ext uri="{FF2B5EF4-FFF2-40B4-BE49-F238E27FC236}">
+                <a16:creationId xmlns:a16="http://schemas.microsoft.com/office/drawing/2014/main" id="{340578D7-2FF4-281A-97D8-A6A1ECE5A759}"/>
+              </a:ext>
+            </a:extLst>
+          </p:cNvPr>
+          <p:cNvCxnSpPr>
+            <a:cxnSpLocks/>
+          </p:cNvCxnSpPr>
+          <p:nvPr/>
+        </p:nvCxnSpPr>
+        <p:spPr>
+          <a:xfrm>
+            <a:off x="7413585" y="2337856"/>
+            <a:ext cx="1226916" cy="202785"/>
+          </a:xfrm>
+          <a:prstGeom prst="line">
+            <a:avLst/>
+          </a:prstGeom>
+        </p:spPr>
+        <p:style>
+          <a:lnRef idx="2">
+            <a:schemeClr val="accent1"/>
+          </a:lnRef>
+          <a:fillRef idx="0">
+            <a:schemeClr val="accent1"/>
+          </a:fillRef>
+          <a:effectRef idx="1">
+            <a:schemeClr val="accent1"/>
+          </a:effectRef>
+          <a:fontRef idx="minor">
+            <a:schemeClr val="tx1"/>
+          </a:fontRef>
+        </p:style>
+      </p:cxnSp>
+      <p:sp>
+        <p:nvSpPr>
+          <p:cNvPr id="36" name="TextBox 35">
+            <a:extLst>
+              <a:ext uri="{FF2B5EF4-FFF2-40B4-BE49-F238E27FC236}">
+                <a16:creationId xmlns:a16="http://schemas.microsoft.com/office/drawing/2014/main" id="{E1A60A13-B181-6174-C145-CD784F8203F8}"/>
+              </a:ext>
+            </a:extLst>
+          </p:cNvPr>
+          <p:cNvSpPr txBox="1"/>
+          <p:nvPr/>
+        </p:nvSpPr>
+        <p:spPr>
+          <a:xfrm>
+            <a:off x="1297087" y="2516604"/>
+            <a:ext cx="885464" cy="246221"/>
+          </a:xfrm>
+          <a:prstGeom prst="rect">
+            <a:avLst/>
+          </a:prstGeom>
+          <a:noFill/>
+        </p:spPr>
+        <p:txBody>
+          <a:bodyPr wrap="square" rtlCol="0">
+            <a:spAutoFit/>
+          </a:bodyPr>
+          <a:lstStyle/>
+          <a:p>
+            <a:r>
+              <a:rPr lang="en-US" sz="1000" dirty="0"/>
+              <a:t>Rhodophyta</a:t>
+            </a:r>
+          </a:p>
+        </p:txBody>
+      </p:sp>
+      <p:sp>
+        <p:nvSpPr>
+          <p:cNvPr id="39" name="TextBox 38">
+            <a:extLst>
+              <a:ext uri="{FF2B5EF4-FFF2-40B4-BE49-F238E27FC236}">
+                <a16:creationId xmlns:a16="http://schemas.microsoft.com/office/drawing/2014/main" id="{C25E415D-C8A3-B85B-3744-09054A6296A8}"/>
+              </a:ext>
+            </a:extLst>
+          </p:cNvPr>
+          <p:cNvSpPr txBox="1"/>
+          <p:nvPr/>
+        </p:nvSpPr>
+        <p:spPr>
+          <a:xfrm>
+            <a:off x="1640162" y="1935605"/>
+            <a:ext cx="885464" cy="246221"/>
+          </a:xfrm>
+          <a:prstGeom prst="rect">
+            <a:avLst/>
+          </a:prstGeom>
+          <a:noFill/>
+        </p:spPr>
+        <p:txBody>
+          <a:bodyPr wrap="square" rtlCol="0">
+            <a:spAutoFit/>
+          </a:bodyPr>
+          <a:lstStyle/>
+          <a:p>
+            <a:r>
+              <a:rPr lang="en-US" sz="1000" dirty="0"/>
+              <a:t>Chlorophyta</a:t>
+            </a:r>
+          </a:p>
+        </p:txBody>
+      </p:sp>
+      <p:sp>
+        <p:nvSpPr>
+          <p:cNvPr id="40" name="TextBox 39">
+            <a:extLst>
+              <a:ext uri="{FF2B5EF4-FFF2-40B4-BE49-F238E27FC236}">
+                <a16:creationId xmlns:a16="http://schemas.microsoft.com/office/drawing/2014/main" id="{79477B01-461E-9542-3592-BD8988DD3630}"/>
+              </a:ext>
+            </a:extLst>
+          </p:cNvPr>
+          <p:cNvSpPr txBox="1"/>
+          <p:nvPr/>
+        </p:nvSpPr>
+        <p:spPr>
+          <a:xfrm>
+            <a:off x="2914640" y="2201855"/>
+            <a:ext cx="962144" cy="246221"/>
+          </a:xfrm>
+          <a:prstGeom prst="rect">
+            <a:avLst/>
+          </a:prstGeom>
+          <a:noFill/>
+        </p:spPr>
+        <p:txBody>
+          <a:bodyPr wrap="square" rtlCol="0">
+            <a:spAutoFit/>
+          </a:bodyPr>
+          <a:lstStyle/>
+          <a:p>
+            <a:r>
+              <a:rPr lang="en-US" sz="1000" dirty="0" err="1"/>
+              <a:t>Streptophyta</a:t>
+            </a:r>
+            <a:endParaRPr lang="en-US" sz="1000" dirty="0"/>
+          </a:p>
+        </p:txBody>
+      </p:sp>
+      <p:sp>
+        <p:nvSpPr>
+          <p:cNvPr id="46" name="TextBox 45">
+            <a:extLst>
+              <a:ext uri="{FF2B5EF4-FFF2-40B4-BE49-F238E27FC236}">
+                <a16:creationId xmlns:a16="http://schemas.microsoft.com/office/drawing/2014/main" id="{DFF78256-4004-5551-9211-7CCE7288B698}"/>
+              </a:ext>
+            </a:extLst>
+          </p:cNvPr>
+          <p:cNvSpPr txBox="1"/>
+          <p:nvPr/>
+        </p:nvSpPr>
+        <p:spPr>
+          <a:xfrm>
+            <a:off x="4431837" y="4871105"/>
+            <a:ext cx="1034486" cy="246221"/>
+          </a:xfrm>
+          <a:prstGeom prst="rect">
+            <a:avLst/>
+          </a:prstGeom>
+          <a:noFill/>
+        </p:spPr>
+        <p:txBody>
+          <a:bodyPr wrap="square" rtlCol="0">
+            <a:spAutoFit/>
+          </a:bodyPr>
+          <a:lstStyle/>
+          <a:p>
+            <a:r>
+              <a:rPr lang="en-US" sz="1000" dirty="0" err="1"/>
+              <a:t>Metamonada</a:t>
+            </a:r>
+            <a:endParaRPr lang="en-US" sz="1000" dirty="0"/>
+          </a:p>
+        </p:txBody>
+      </p:sp>
+      <p:sp>
+        <p:nvSpPr>
+          <p:cNvPr id="47" name="TextBox 46">
+            <a:extLst>
+              <a:ext uri="{FF2B5EF4-FFF2-40B4-BE49-F238E27FC236}">
+                <a16:creationId xmlns:a16="http://schemas.microsoft.com/office/drawing/2014/main" id="{799B8D34-BE77-4494-4F8B-E76F9BAA6F7E}"/>
+              </a:ext>
+            </a:extLst>
+          </p:cNvPr>
+          <p:cNvSpPr txBox="1"/>
+          <p:nvPr/>
+        </p:nvSpPr>
+        <p:spPr>
+          <a:xfrm>
+            <a:off x="5346342" y="4514586"/>
+            <a:ext cx="1034486" cy="246221"/>
+          </a:xfrm>
+          <a:prstGeom prst="rect">
+            <a:avLst/>
+          </a:prstGeom>
+          <a:noFill/>
+        </p:spPr>
+        <p:txBody>
+          <a:bodyPr wrap="square" rtlCol="0">
+            <a:spAutoFit/>
+          </a:bodyPr>
+          <a:lstStyle/>
+          <a:p>
+            <a:r>
+              <a:rPr lang="en-US" sz="1000" dirty="0" err="1"/>
+              <a:t>Discoba</a:t>
+            </a:r>
+            <a:endParaRPr lang="en-US" sz="1000" dirty="0"/>
+          </a:p>
+        </p:txBody>
+      </p:sp>
+      <p:sp>
+        <p:nvSpPr>
+          <p:cNvPr id="49" name="Oval 48">
+            <a:extLst>
+              <a:ext uri="{FF2B5EF4-FFF2-40B4-BE49-F238E27FC236}">
+                <a16:creationId xmlns:a16="http://schemas.microsoft.com/office/drawing/2014/main" id="{803BD206-D1E4-D1E9-338B-BF91A29DF7D7}"/>
               </a:ext>
             </a:extLst>
           </p:cNvPr>
@@ -5744,8 +6370,8 @@
         </p:nvSpPr>
         <p:spPr>
           <a:xfrm>
-            <a:off x="1553085" y="766073"/>
-            <a:ext cx="1504802" cy="1258172"/>
+            <a:off x="3980696" y="619703"/>
+            <a:ext cx="2711368" cy="2394003"/>
           </a:xfrm>
           <a:prstGeom prst="ellipse">
             <a:avLst/>
@@ -5753,6 +6379,7 @@
           <a:solidFill>
             <a:schemeClr val="accent2">
               <a:lumMod val="75000"/>
+              <a:alpha val="20000"/>
             </a:schemeClr>
           </a:solidFill>
         </p:spPr>
@@ -5777,19 +6404,124 @@
           <a:lstStyle/>
           <a:p>
             <a:pPr algn="ctr"/>
-            <a:r>
-              <a:rPr lang="en-US" dirty="0"/>
-              <a:t>RPTOR</a:t>
-            </a:r>
-          </a:p>
-        </p:txBody>
-      </p:sp>
-      <p:sp>
-        <p:nvSpPr>
-          <p:cNvPr id="8" name="Oval 7">
-            <a:extLst>
-              <a:ext uri="{FF2B5EF4-FFF2-40B4-BE49-F238E27FC236}">
-                <a16:creationId xmlns:a16="http://schemas.microsoft.com/office/drawing/2014/main" id="{64AF686E-CB47-AF5B-8AAA-EBB091CDD324}"/>
+            <a:endParaRPr lang="en-US" dirty="0"/>
+          </a:p>
+        </p:txBody>
+      </p:sp>
+      <p:sp>
+        <p:nvSpPr>
+          <p:cNvPr id="50" name="TextBox 49">
+            <a:extLst>
+              <a:ext uri="{FF2B5EF4-FFF2-40B4-BE49-F238E27FC236}">
+                <a16:creationId xmlns:a16="http://schemas.microsoft.com/office/drawing/2014/main" id="{ACC06168-AEA9-95AA-DD43-2229E5E550AF}"/>
+              </a:ext>
+            </a:extLst>
+          </p:cNvPr>
+          <p:cNvSpPr txBox="1"/>
+          <p:nvPr/>
+        </p:nvSpPr>
+        <p:spPr>
+          <a:xfrm>
+            <a:off x="4369445" y="2227865"/>
+            <a:ext cx="962144" cy="246221"/>
+          </a:xfrm>
+          <a:prstGeom prst="rect">
+            <a:avLst/>
+          </a:prstGeom>
+          <a:noFill/>
+        </p:spPr>
+        <p:txBody>
+          <a:bodyPr wrap="square" rtlCol="0">
+            <a:spAutoFit/>
+          </a:bodyPr>
+          <a:lstStyle/>
+          <a:p>
+            <a:r>
+              <a:rPr lang="en-US" sz="1000" dirty="0" err="1"/>
+              <a:t>Rhizaria</a:t>
+            </a:r>
+            <a:endParaRPr lang="en-US" sz="1000" dirty="0"/>
+          </a:p>
+        </p:txBody>
+      </p:sp>
+      <p:sp>
+        <p:nvSpPr>
+          <p:cNvPr id="51" name="TextBox 50">
+            <a:extLst>
+              <a:ext uri="{FF2B5EF4-FFF2-40B4-BE49-F238E27FC236}">
+                <a16:creationId xmlns:a16="http://schemas.microsoft.com/office/drawing/2014/main" id="{21799F08-E74C-B91B-346F-A2F15042E973}"/>
+              </a:ext>
+            </a:extLst>
+          </p:cNvPr>
+          <p:cNvSpPr txBox="1"/>
+          <p:nvPr/>
+        </p:nvSpPr>
+        <p:spPr>
+          <a:xfrm>
+            <a:off x="4426799" y="1711200"/>
+            <a:ext cx="962144" cy="246221"/>
+          </a:xfrm>
+          <a:prstGeom prst="rect">
+            <a:avLst/>
+          </a:prstGeom>
+          <a:noFill/>
+        </p:spPr>
+        <p:txBody>
+          <a:bodyPr wrap="square" rtlCol="0">
+            <a:spAutoFit/>
+          </a:bodyPr>
+          <a:lstStyle/>
+          <a:p>
+            <a:r>
+              <a:rPr lang="en-US" sz="1000" dirty="0" err="1"/>
+              <a:t>Alveolata</a:t>
+            </a:r>
+            <a:endParaRPr lang="en-US" sz="1000" dirty="0"/>
+          </a:p>
+        </p:txBody>
+      </p:sp>
+      <p:sp>
+        <p:nvSpPr>
+          <p:cNvPr id="52" name="TextBox 51">
+            <a:extLst>
+              <a:ext uri="{FF2B5EF4-FFF2-40B4-BE49-F238E27FC236}">
+                <a16:creationId xmlns:a16="http://schemas.microsoft.com/office/drawing/2014/main" id="{71FC45A3-B10C-86D9-3C08-3368BDFEFA88}"/>
+              </a:ext>
+            </a:extLst>
+          </p:cNvPr>
+          <p:cNvSpPr txBox="1"/>
+          <p:nvPr/>
+        </p:nvSpPr>
+        <p:spPr>
+          <a:xfrm>
+            <a:off x="5451361" y="1877731"/>
+            <a:ext cx="1062875" cy="246221"/>
+          </a:xfrm>
+          <a:prstGeom prst="rect">
+            <a:avLst/>
+          </a:prstGeom>
+          <a:noFill/>
+        </p:spPr>
+        <p:txBody>
+          <a:bodyPr wrap="square" rtlCol="0">
+            <a:spAutoFit/>
+          </a:bodyPr>
+          <a:lstStyle/>
+          <a:p>
+            <a:r>
+              <a:rPr lang="en-US" sz="1000" dirty="0" err="1"/>
+              <a:t>Stramenopiles</a:t>
+            </a:r>
+            <a:endParaRPr lang="en-US" sz="1000" dirty="0"/>
+          </a:p>
+        </p:txBody>
+      </p:sp>
+      <p:sp>
+        <p:nvSpPr>
+          <p:cNvPr id="53" name="Oval 52">
+            <a:extLst>
+              <a:ext uri="{FF2B5EF4-FFF2-40B4-BE49-F238E27FC236}">
+                <a16:creationId xmlns:a16="http://schemas.microsoft.com/office/drawing/2014/main" id="{3EDE6128-A97D-F354-F3EB-732F8EBED4C9}"/>
               </a:ext>
             </a:extLst>
           </p:cNvPr>
@@ -5798,16 +6530,17 @@
         </p:nvSpPr>
         <p:spPr>
           <a:xfrm>
-            <a:off x="7975988" y="1340189"/>
-            <a:ext cx="2310430" cy="1633356"/>
+            <a:off x="6758736" y="623104"/>
+            <a:ext cx="3606791" cy="3347010"/>
           </a:xfrm>
           <a:prstGeom prst="ellipse">
             <a:avLst/>
           </a:prstGeom>
           <a:solidFill>
-            <a:schemeClr val="accent6">
-              <a:lumMod val="20000"/>
-              <a:lumOff val="80000"/>
+            <a:schemeClr val="tx2">
+              <a:lumMod val="90000"/>
+              <a:lumOff val="10000"/>
+              <a:alpha val="20000"/>
             </a:schemeClr>
           </a:solidFill>
         </p:spPr>
@@ -5832,187 +6565,16 @@
           <a:lstStyle/>
           <a:p>
             <a:pPr algn="ctr"/>
-            <a:r>
-              <a:rPr lang="en-US" dirty="0">
-                <a:solidFill>
-                  <a:schemeClr val="tx1"/>
-                </a:solidFill>
-              </a:rPr>
-              <a:t>MTOR</a:t>
-            </a:r>
-          </a:p>
-        </p:txBody>
-      </p:sp>
-      <p:sp>
-        <p:nvSpPr>
-          <p:cNvPr id="9" name="Oval 8">
-            <a:extLst>
-              <a:ext uri="{FF2B5EF4-FFF2-40B4-BE49-F238E27FC236}">
-                <a16:creationId xmlns:a16="http://schemas.microsoft.com/office/drawing/2014/main" id="{D54008FA-4075-4476-624D-7A8C43438635}"/>
-              </a:ext>
-            </a:extLst>
-          </p:cNvPr>
-          <p:cNvSpPr/>
-          <p:nvPr/>
-        </p:nvSpPr>
-        <p:spPr>
-          <a:xfrm>
-            <a:off x="7932942" y="585170"/>
-            <a:ext cx="1403010" cy="1137765"/>
-          </a:xfrm>
-          <a:prstGeom prst="ellipse">
-            <a:avLst/>
-          </a:prstGeom>
-          <a:solidFill>
-            <a:schemeClr val="accent5">
-              <a:lumMod val="60000"/>
-              <a:lumOff val="40000"/>
-            </a:schemeClr>
-          </a:solidFill>
-        </p:spPr>
-        <p:style>
-          <a:lnRef idx="2">
-            <a:schemeClr val="accent1">
-              <a:shade val="15000"/>
-            </a:schemeClr>
-          </a:lnRef>
-          <a:fillRef idx="1">
-            <a:schemeClr val="accent1"/>
-          </a:fillRef>
-          <a:effectRef idx="0">
-            <a:schemeClr val="accent1"/>
-          </a:effectRef>
-          <a:fontRef idx="minor">
-            <a:schemeClr val="lt1"/>
-          </a:fontRef>
-        </p:style>
-        <p:txBody>
-          <a:bodyPr rtlCol="0" anchor="ctr"/>
-          <a:lstStyle/>
-          <a:p>
-            <a:pPr algn="ctr"/>
-            <a:r>
-              <a:rPr lang="en-US" dirty="0"/>
-              <a:t>RICTOR</a:t>
-            </a:r>
-          </a:p>
-        </p:txBody>
-      </p:sp>
-      <p:sp>
-        <p:nvSpPr>
-          <p:cNvPr id="10" name="Oval 9">
-            <a:extLst>
-              <a:ext uri="{FF2B5EF4-FFF2-40B4-BE49-F238E27FC236}">
-                <a16:creationId xmlns:a16="http://schemas.microsoft.com/office/drawing/2014/main" id="{D2EE9887-5CB5-C396-2AED-1323A7E4D0FF}"/>
-              </a:ext>
-            </a:extLst>
-          </p:cNvPr>
-          <p:cNvSpPr/>
-          <p:nvPr/>
-        </p:nvSpPr>
-        <p:spPr>
-          <a:xfrm>
-            <a:off x="8102211" y="2558225"/>
-            <a:ext cx="1064473" cy="830639"/>
-          </a:xfrm>
-          <a:prstGeom prst="ellipse">
-            <a:avLst/>
-          </a:prstGeom>
-          <a:solidFill>
-            <a:schemeClr val="tx2">
-              <a:lumMod val="50000"/>
-              <a:lumOff val="50000"/>
-            </a:schemeClr>
-          </a:solidFill>
-        </p:spPr>
-        <p:style>
-          <a:lnRef idx="2">
-            <a:schemeClr val="accent1">
-              <a:shade val="15000"/>
-            </a:schemeClr>
-          </a:lnRef>
-          <a:fillRef idx="1">
-            <a:schemeClr val="accent1"/>
-          </a:fillRef>
-          <a:effectRef idx="0">
-            <a:schemeClr val="accent1"/>
-          </a:effectRef>
-          <a:fontRef idx="minor">
-            <a:schemeClr val="lt1"/>
-          </a:fontRef>
-        </p:style>
-        <p:txBody>
-          <a:bodyPr rtlCol="0" anchor="ctr"/>
-          <a:lstStyle/>
-          <a:p>
-            <a:pPr algn="ctr"/>
-            <a:r>
-              <a:rPr lang="en-US" dirty="0"/>
-              <a:t>LST8</a:t>
-            </a:r>
-          </a:p>
-        </p:txBody>
-      </p:sp>
-      <p:sp>
-        <p:nvSpPr>
-          <p:cNvPr id="11" name="Oval 10">
-            <a:extLst>
-              <a:ext uri="{FF2B5EF4-FFF2-40B4-BE49-F238E27FC236}">
-                <a16:creationId xmlns:a16="http://schemas.microsoft.com/office/drawing/2014/main" id="{FEB19292-32D0-03AC-3398-A8217A6438D6}"/>
-              </a:ext>
-            </a:extLst>
-          </p:cNvPr>
-          <p:cNvSpPr/>
-          <p:nvPr/>
-        </p:nvSpPr>
-        <p:spPr>
-          <a:xfrm>
-            <a:off x="7504536" y="1344842"/>
-            <a:ext cx="942903" cy="679402"/>
-          </a:xfrm>
-          <a:prstGeom prst="ellipse">
-            <a:avLst/>
-          </a:prstGeom>
-          <a:solidFill>
-            <a:schemeClr val="accent5">
-              <a:lumMod val="50000"/>
-            </a:schemeClr>
-          </a:solidFill>
-        </p:spPr>
-        <p:style>
-          <a:lnRef idx="2">
-            <a:schemeClr val="accent1">
-              <a:shade val="15000"/>
-            </a:schemeClr>
-          </a:lnRef>
-          <a:fillRef idx="1">
-            <a:schemeClr val="accent1"/>
-          </a:fillRef>
-          <a:effectRef idx="0">
-            <a:schemeClr val="accent1"/>
-          </a:effectRef>
-          <a:fontRef idx="minor">
-            <a:schemeClr val="lt1"/>
-          </a:fontRef>
-        </p:style>
-        <p:txBody>
-          <a:bodyPr rtlCol="0" anchor="ctr"/>
-          <a:lstStyle/>
-          <a:p>
-            <a:pPr algn="ctr"/>
-            <a:r>
-              <a:rPr lang="en-US" dirty="0"/>
-              <a:t>SIN1</a:t>
-            </a:r>
-          </a:p>
-        </p:txBody>
-      </p:sp>
-      <p:sp>
-        <p:nvSpPr>
-          <p:cNvPr id="12" name="TextBox 11">
-            <a:extLst>
-              <a:ext uri="{FF2B5EF4-FFF2-40B4-BE49-F238E27FC236}">
-                <a16:creationId xmlns:a16="http://schemas.microsoft.com/office/drawing/2014/main" id="{62BC53D3-F975-6365-0639-E3C601344F62}"/>
+            <a:endParaRPr lang="en-US" dirty="0"/>
+          </a:p>
+        </p:txBody>
+      </p:sp>
+      <p:sp>
+        <p:nvSpPr>
+          <p:cNvPr id="54" name="TextBox 53">
+            <a:extLst>
+              <a:ext uri="{FF2B5EF4-FFF2-40B4-BE49-F238E27FC236}">
+                <a16:creationId xmlns:a16="http://schemas.microsoft.com/office/drawing/2014/main" id="{68E284C8-3B96-4CEE-1E84-B93AFD61A8C7}"/>
               </a:ext>
             </a:extLst>
           </p:cNvPr>
@@ -6021,8 +6583,8 @@
         </p:nvSpPr>
         <p:spPr>
           <a:xfrm>
-            <a:off x="1396031" y="3547662"/>
-            <a:ext cx="3762303" cy="646331"/>
+            <a:off x="7563205" y="805356"/>
+            <a:ext cx="2008207" cy="369332"/>
           </a:xfrm>
           <a:prstGeom prst="rect">
             <a:avLst/>
@@ -6037,22 +6599,19 @@
           <a:p>
             <a:pPr algn="ctr"/>
             <a:r>
-              <a:rPr lang="en-US" dirty="0"/>
-              <a:t>TOR Complex 1</a:t>
-            </a:r>
-          </a:p>
-          <a:p>
-            <a:pPr algn="ctr"/>
+              <a:rPr lang="en-US" dirty="0" err="1"/>
+              <a:t>Amorphea</a:t>
+            </a:r>
             <a:endParaRPr lang="en-US" dirty="0"/>
           </a:p>
         </p:txBody>
       </p:sp>
       <p:sp>
         <p:nvSpPr>
-          <p:cNvPr id="13" name="TextBox 12">
-            <a:extLst>
-              <a:ext uri="{FF2B5EF4-FFF2-40B4-BE49-F238E27FC236}">
-                <a16:creationId xmlns:a16="http://schemas.microsoft.com/office/drawing/2014/main" id="{558D8E2C-8431-B55F-8D8E-D485442D0568}"/>
+          <p:cNvPr id="55" name="TextBox 54">
+            <a:extLst>
+              <a:ext uri="{FF2B5EF4-FFF2-40B4-BE49-F238E27FC236}">
+                <a16:creationId xmlns:a16="http://schemas.microsoft.com/office/drawing/2014/main" id="{E8137989-C7E0-D1D5-7267-5E68A2F06221}"/>
               </a:ext>
             </a:extLst>
           </p:cNvPr>
@@ -6061,8 +6620,8 @@
         </p:nvSpPr>
         <p:spPr>
           <a:xfrm>
-            <a:off x="7250051" y="3547661"/>
-            <a:ext cx="3762303" cy="646331"/>
+            <a:off x="4382642" y="743453"/>
+            <a:ext cx="2008207" cy="369332"/>
           </a:xfrm>
           <a:prstGeom prst="rect">
             <a:avLst/>
@@ -6078,19 +6637,829 @@
             <a:pPr algn="ctr"/>
             <a:r>
               <a:rPr lang="en-US" dirty="0"/>
-              <a:t>TOR Complex 2</a:t>
-            </a:r>
-          </a:p>
+              <a:t>SAR</a:t>
+            </a:r>
+          </a:p>
+        </p:txBody>
+      </p:sp>
+      <p:sp>
+        <p:nvSpPr>
+          <p:cNvPr id="56" name="TextBox 55">
+            <a:extLst>
+              <a:ext uri="{FF2B5EF4-FFF2-40B4-BE49-F238E27FC236}">
+                <a16:creationId xmlns:a16="http://schemas.microsoft.com/office/drawing/2014/main" id="{69EF1871-B793-1C63-CAA9-DC21D3D0517D}"/>
+              </a:ext>
+            </a:extLst>
+          </p:cNvPr>
+          <p:cNvSpPr txBox="1"/>
+          <p:nvPr/>
+        </p:nvSpPr>
+        <p:spPr>
+          <a:xfrm>
+            <a:off x="1440327" y="1386009"/>
+            <a:ext cx="2008207" cy="369332"/>
+          </a:xfrm>
+          <a:prstGeom prst="rect">
+            <a:avLst/>
+          </a:prstGeom>
+          <a:noFill/>
+        </p:spPr>
+        <p:txBody>
+          <a:bodyPr wrap="square" rtlCol="0">
+            <a:spAutoFit/>
+          </a:bodyPr>
+          <a:lstStyle/>
           <a:p>
             <a:pPr algn="ctr"/>
+            <a:r>
+              <a:rPr lang="en-US" dirty="0"/>
+              <a:t>Archaeplastida</a:t>
+            </a:r>
+          </a:p>
+        </p:txBody>
+      </p:sp>
+      <p:sp>
+        <p:nvSpPr>
+          <p:cNvPr id="57" name="TextBox 56">
+            <a:extLst>
+              <a:ext uri="{FF2B5EF4-FFF2-40B4-BE49-F238E27FC236}">
+                <a16:creationId xmlns:a16="http://schemas.microsoft.com/office/drawing/2014/main" id="{B0443472-EFFA-924E-2D90-860BFD89AA42}"/>
+              </a:ext>
+            </a:extLst>
+          </p:cNvPr>
+          <p:cNvSpPr txBox="1"/>
+          <p:nvPr/>
+        </p:nvSpPr>
+        <p:spPr>
+          <a:xfrm>
+            <a:off x="4331824" y="5788515"/>
+            <a:ext cx="2008207" cy="369332"/>
+          </a:xfrm>
+          <a:prstGeom prst="rect">
+            <a:avLst/>
+          </a:prstGeom>
+          <a:noFill/>
+        </p:spPr>
+        <p:txBody>
+          <a:bodyPr wrap="square" rtlCol="0">
+            <a:spAutoFit/>
+          </a:bodyPr>
+          <a:lstStyle/>
+          <a:p>
+            <a:pPr algn="ctr"/>
+            <a:r>
+              <a:rPr lang="en-US" dirty="0" err="1"/>
+              <a:t>Excavata</a:t>
+            </a:r>
             <a:endParaRPr lang="en-US" dirty="0"/>
+          </a:p>
+        </p:txBody>
+      </p:sp>
+      <p:cxnSp>
+        <p:nvCxnSpPr>
+          <p:cNvPr id="59" name="Straight Arrow Connector 58">
+            <a:extLst>
+              <a:ext uri="{FF2B5EF4-FFF2-40B4-BE49-F238E27FC236}">
+                <a16:creationId xmlns:a16="http://schemas.microsoft.com/office/drawing/2014/main" id="{F7C1CEC9-22D5-7906-4986-27EB4D75944C}"/>
+              </a:ext>
+            </a:extLst>
+          </p:cNvPr>
+          <p:cNvCxnSpPr>
+            <a:cxnSpLocks/>
+          </p:cNvCxnSpPr>
+          <p:nvPr/>
+        </p:nvCxnSpPr>
+        <p:spPr>
+          <a:xfrm flipV="1">
+            <a:off x="2047996" y="4487545"/>
+            <a:ext cx="7900" cy="1201412"/>
+          </a:xfrm>
+          <a:prstGeom prst="straightConnector1">
+            <a:avLst/>
+          </a:prstGeom>
+          <a:ln>
+            <a:tailEnd type="triangle"/>
+          </a:ln>
+        </p:spPr>
+        <p:style>
+          <a:lnRef idx="2">
+            <a:schemeClr val="dk1"/>
+          </a:lnRef>
+          <a:fillRef idx="0">
+            <a:schemeClr val="dk1"/>
+          </a:fillRef>
+          <a:effectRef idx="1">
+            <a:schemeClr val="dk1"/>
+          </a:effectRef>
+          <a:fontRef idx="minor">
+            <a:schemeClr val="tx1"/>
+          </a:fontRef>
+        </p:style>
+      </p:cxnSp>
+      <p:sp>
+        <p:nvSpPr>
+          <p:cNvPr id="61" name="TextBox 60">
+            <a:extLst>
+              <a:ext uri="{FF2B5EF4-FFF2-40B4-BE49-F238E27FC236}">
+                <a16:creationId xmlns:a16="http://schemas.microsoft.com/office/drawing/2014/main" id="{32F918D0-9A74-158A-0654-2F40ADB4C191}"/>
+              </a:ext>
+            </a:extLst>
+          </p:cNvPr>
+          <p:cNvSpPr txBox="1"/>
+          <p:nvPr/>
+        </p:nvSpPr>
+        <p:spPr>
+          <a:xfrm>
+            <a:off x="1337418" y="5685077"/>
+            <a:ext cx="1559327" cy="400110"/>
+          </a:xfrm>
+          <a:prstGeom prst="rect">
+            <a:avLst/>
+          </a:prstGeom>
+          <a:noFill/>
+          <a:ln>
+            <a:solidFill>
+              <a:schemeClr val="accent3">
+                <a:lumMod val="75000"/>
+              </a:schemeClr>
+            </a:solidFill>
+          </a:ln>
+        </p:spPr>
+        <p:txBody>
+          <a:bodyPr wrap="square" rtlCol="0">
+            <a:spAutoFit/>
+          </a:bodyPr>
+          <a:lstStyle/>
+          <a:p>
+            <a:r>
+              <a:rPr lang="en-US" sz="1000" dirty="0"/>
+              <a:t>Primary Endosymbiosis</a:t>
+            </a:r>
+          </a:p>
+          <a:p>
+            <a:pPr algn="ctr"/>
+            <a:r>
+              <a:rPr lang="en-US" sz="1000" dirty="0"/>
+              <a:t>Event</a:t>
+            </a:r>
+          </a:p>
+        </p:txBody>
+      </p:sp>
+      <p:cxnSp>
+        <p:nvCxnSpPr>
+          <p:cNvPr id="62" name="Straight Arrow Connector 61">
+            <a:extLst>
+              <a:ext uri="{FF2B5EF4-FFF2-40B4-BE49-F238E27FC236}">
+                <a16:creationId xmlns:a16="http://schemas.microsoft.com/office/drawing/2014/main" id="{3263FC4B-11FB-AE11-94D0-C56410F6B5D9}"/>
+              </a:ext>
+            </a:extLst>
+          </p:cNvPr>
+          <p:cNvCxnSpPr>
+            <a:cxnSpLocks/>
+            <a:stCxn id="64" idx="3"/>
+          </p:cNvCxnSpPr>
+          <p:nvPr/>
+        </p:nvCxnSpPr>
+        <p:spPr>
+          <a:xfrm>
+            <a:off x="4426799" y="387693"/>
+            <a:ext cx="1208943" cy="1292567"/>
+          </a:xfrm>
+          <a:prstGeom prst="straightConnector1">
+            <a:avLst/>
+          </a:prstGeom>
+          <a:ln>
+            <a:tailEnd type="triangle"/>
+          </a:ln>
+        </p:spPr>
+        <p:style>
+          <a:lnRef idx="2">
+            <a:schemeClr val="dk1"/>
+          </a:lnRef>
+          <a:fillRef idx="0">
+            <a:schemeClr val="dk1"/>
+          </a:fillRef>
+          <a:effectRef idx="1">
+            <a:schemeClr val="dk1"/>
+          </a:effectRef>
+          <a:fontRef idx="minor">
+            <a:schemeClr val="tx1"/>
+          </a:fontRef>
+        </p:style>
+      </p:cxnSp>
+      <p:sp>
+        <p:nvSpPr>
+          <p:cNvPr id="64" name="TextBox 63">
+            <a:extLst>
+              <a:ext uri="{FF2B5EF4-FFF2-40B4-BE49-F238E27FC236}">
+                <a16:creationId xmlns:a16="http://schemas.microsoft.com/office/drawing/2014/main" id="{58D79DB5-79B7-7287-8E67-9E20E671C247}"/>
+              </a:ext>
+            </a:extLst>
+          </p:cNvPr>
+          <p:cNvSpPr txBox="1"/>
+          <p:nvPr/>
+        </p:nvSpPr>
+        <p:spPr>
+          <a:xfrm>
+            <a:off x="2709042" y="187638"/>
+            <a:ext cx="1717757" cy="400110"/>
+          </a:xfrm>
+          <a:prstGeom prst="rect">
+            <a:avLst/>
+          </a:prstGeom>
+          <a:noFill/>
+          <a:ln>
+            <a:solidFill>
+              <a:schemeClr val="accent2">
+                <a:lumMod val="75000"/>
+              </a:schemeClr>
+            </a:solidFill>
+          </a:ln>
+        </p:spPr>
+        <p:txBody>
+          <a:bodyPr wrap="square" rtlCol="0">
+            <a:spAutoFit/>
+          </a:bodyPr>
+          <a:lstStyle/>
+          <a:p>
+            <a:pPr algn="ctr"/>
+            <a:r>
+              <a:rPr lang="en-US" sz="1000" dirty="0"/>
+              <a:t>Secondary Endosymbiosis Event</a:t>
+            </a:r>
+          </a:p>
+        </p:txBody>
+      </p:sp>
+      <p:cxnSp>
+        <p:nvCxnSpPr>
+          <p:cNvPr id="69" name="Straight Arrow Connector 68">
+            <a:extLst>
+              <a:ext uri="{FF2B5EF4-FFF2-40B4-BE49-F238E27FC236}">
+                <a16:creationId xmlns:a16="http://schemas.microsoft.com/office/drawing/2014/main" id="{7DA35436-5D6C-6CC7-3984-4E3E8E8DB21A}"/>
+              </a:ext>
+            </a:extLst>
+          </p:cNvPr>
+          <p:cNvCxnSpPr>
+            <a:cxnSpLocks/>
+            <a:stCxn id="64" idx="3"/>
+          </p:cNvCxnSpPr>
+          <p:nvPr/>
+        </p:nvCxnSpPr>
+        <p:spPr>
+          <a:xfrm>
+            <a:off x="4426799" y="387693"/>
+            <a:ext cx="522281" cy="1292567"/>
+          </a:xfrm>
+          <a:prstGeom prst="straightConnector1">
+            <a:avLst/>
+          </a:prstGeom>
+          <a:ln>
+            <a:tailEnd type="triangle"/>
+          </a:ln>
+        </p:spPr>
+        <p:style>
+          <a:lnRef idx="2">
+            <a:schemeClr val="dk1"/>
+          </a:lnRef>
+          <a:fillRef idx="0">
+            <a:schemeClr val="dk1"/>
+          </a:fillRef>
+          <a:effectRef idx="1">
+            <a:schemeClr val="dk1"/>
+          </a:effectRef>
+          <a:fontRef idx="minor">
+            <a:schemeClr val="tx1"/>
+          </a:fontRef>
+        </p:style>
+      </p:cxnSp>
+      <p:cxnSp>
+        <p:nvCxnSpPr>
+          <p:cNvPr id="73" name="Straight Arrow Connector 72">
+            <a:extLst>
+              <a:ext uri="{FF2B5EF4-FFF2-40B4-BE49-F238E27FC236}">
+                <a16:creationId xmlns:a16="http://schemas.microsoft.com/office/drawing/2014/main" id="{40183B61-BEF5-40E3-78FB-F86D5DEE990A}"/>
+              </a:ext>
+            </a:extLst>
+          </p:cNvPr>
+          <p:cNvCxnSpPr>
+            <a:cxnSpLocks/>
+          </p:cNvCxnSpPr>
+          <p:nvPr/>
+        </p:nvCxnSpPr>
+        <p:spPr>
+          <a:xfrm flipH="1">
+            <a:off x="5604615" y="4718441"/>
+            <a:ext cx="1418050" cy="325564"/>
+          </a:xfrm>
+          <a:prstGeom prst="straightConnector1">
+            <a:avLst/>
+          </a:prstGeom>
+          <a:ln>
+            <a:solidFill>
+              <a:schemeClr val="tx1"/>
+            </a:solidFill>
+            <a:tailEnd type="triangle"/>
+          </a:ln>
+        </p:spPr>
+        <p:style>
+          <a:lnRef idx="2">
+            <a:schemeClr val="accent1"/>
+          </a:lnRef>
+          <a:fillRef idx="0">
+            <a:schemeClr val="accent1"/>
+          </a:fillRef>
+          <a:effectRef idx="1">
+            <a:schemeClr val="accent1"/>
+          </a:effectRef>
+          <a:fontRef idx="minor">
+            <a:schemeClr val="tx1"/>
+          </a:fontRef>
+        </p:style>
+      </p:cxnSp>
+      <p:sp>
+        <p:nvSpPr>
+          <p:cNvPr id="81" name="TextBox 80">
+            <a:extLst>
+              <a:ext uri="{FF2B5EF4-FFF2-40B4-BE49-F238E27FC236}">
+                <a16:creationId xmlns:a16="http://schemas.microsoft.com/office/drawing/2014/main" id="{742E1DD4-8213-3370-6D14-1CED41C2A339}"/>
+              </a:ext>
+            </a:extLst>
+          </p:cNvPr>
+          <p:cNvSpPr txBox="1"/>
+          <p:nvPr/>
+        </p:nvSpPr>
+        <p:spPr>
+          <a:xfrm>
+            <a:off x="7027640" y="4412379"/>
+            <a:ext cx="1717757" cy="400110"/>
+          </a:xfrm>
+          <a:prstGeom prst="rect">
+            <a:avLst/>
+          </a:prstGeom>
+          <a:noFill/>
+          <a:ln>
+            <a:solidFill>
+              <a:schemeClr val="accent2">
+                <a:lumMod val="75000"/>
+              </a:schemeClr>
+            </a:solidFill>
+          </a:ln>
+        </p:spPr>
+        <p:txBody>
+          <a:bodyPr wrap="square" rtlCol="0">
+            <a:spAutoFit/>
+          </a:bodyPr>
+          <a:lstStyle/>
+          <a:p>
+            <a:pPr algn="ctr"/>
+            <a:r>
+              <a:rPr lang="en-US" sz="1000" dirty="0"/>
+              <a:t>Secondary Endosymbiosis Event</a:t>
+            </a:r>
+          </a:p>
+        </p:txBody>
+      </p:sp>
+      <p:cxnSp>
+        <p:nvCxnSpPr>
+          <p:cNvPr id="11" name="Straight Connector 10">
+            <a:extLst>
+              <a:ext uri="{FF2B5EF4-FFF2-40B4-BE49-F238E27FC236}">
+                <a16:creationId xmlns:a16="http://schemas.microsoft.com/office/drawing/2014/main" id="{E8709B0C-E3BF-673D-7A02-B29DD8D457BD}"/>
+              </a:ext>
+            </a:extLst>
+          </p:cNvPr>
+          <p:cNvCxnSpPr/>
+          <p:nvPr/>
+        </p:nvCxnSpPr>
+        <p:spPr>
+          <a:xfrm>
+            <a:off x="5505207" y="4831588"/>
+            <a:ext cx="122676" cy="428893"/>
+          </a:xfrm>
+          <a:prstGeom prst="line">
+            <a:avLst/>
+          </a:prstGeom>
+        </p:spPr>
+        <p:style>
+          <a:lnRef idx="2">
+            <a:schemeClr val="accent1"/>
+          </a:lnRef>
+          <a:fillRef idx="0">
+            <a:schemeClr val="accent1"/>
+          </a:fillRef>
+          <a:effectRef idx="1">
+            <a:schemeClr val="accent1"/>
+          </a:effectRef>
+          <a:fontRef idx="minor">
+            <a:schemeClr val="tx1"/>
+          </a:fontRef>
+        </p:style>
+      </p:cxnSp>
+      <p:sp>
+        <p:nvSpPr>
+          <p:cNvPr id="23" name="TextBox 22">
+            <a:extLst>
+              <a:ext uri="{FF2B5EF4-FFF2-40B4-BE49-F238E27FC236}">
+                <a16:creationId xmlns:a16="http://schemas.microsoft.com/office/drawing/2014/main" id="{40839AEC-4941-814F-B53B-5AF3D37489C3}"/>
+              </a:ext>
+            </a:extLst>
+          </p:cNvPr>
+          <p:cNvSpPr txBox="1"/>
+          <p:nvPr/>
+        </p:nvSpPr>
+        <p:spPr>
+          <a:xfrm>
+            <a:off x="5571083" y="5127767"/>
+            <a:ext cx="889630" cy="400110"/>
+          </a:xfrm>
+          <a:prstGeom prst="rect">
+            <a:avLst/>
+          </a:prstGeom>
+          <a:noFill/>
+        </p:spPr>
+        <p:txBody>
+          <a:bodyPr wrap="square" rtlCol="0">
+            <a:spAutoFit/>
+          </a:bodyPr>
+          <a:lstStyle/>
+          <a:p>
+            <a:r>
+              <a:rPr lang="en-US" sz="1000" i="1" dirty="0"/>
+              <a:t>Euglena </a:t>
+            </a:r>
+            <a:r>
+              <a:rPr lang="en-US" sz="1000" i="1" dirty="0" err="1"/>
+              <a:t>gracilis</a:t>
+            </a:r>
+            <a:endParaRPr lang="en-US" sz="1000" i="1" dirty="0"/>
+          </a:p>
+        </p:txBody>
+      </p:sp>
+      <p:cxnSp>
+        <p:nvCxnSpPr>
+          <p:cNvPr id="28" name="Straight Connector 27">
+            <a:extLst>
+              <a:ext uri="{FF2B5EF4-FFF2-40B4-BE49-F238E27FC236}">
+                <a16:creationId xmlns:a16="http://schemas.microsoft.com/office/drawing/2014/main" id="{22072B39-108E-1C4C-F778-868EB6594EB0}"/>
+              </a:ext>
+            </a:extLst>
+          </p:cNvPr>
+          <p:cNvCxnSpPr>
+            <a:cxnSpLocks/>
+          </p:cNvCxnSpPr>
+          <p:nvPr/>
+        </p:nvCxnSpPr>
+        <p:spPr>
+          <a:xfrm flipV="1">
+            <a:off x="5059694" y="1456969"/>
+            <a:ext cx="235361" cy="359736"/>
+          </a:xfrm>
+          <a:prstGeom prst="line">
+            <a:avLst/>
+          </a:prstGeom>
+        </p:spPr>
+        <p:style>
+          <a:lnRef idx="2">
+            <a:schemeClr val="accent1"/>
+          </a:lnRef>
+          <a:fillRef idx="0">
+            <a:schemeClr val="accent1"/>
+          </a:fillRef>
+          <a:effectRef idx="1">
+            <a:schemeClr val="accent1"/>
+          </a:effectRef>
+          <a:fontRef idx="minor">
+            <a:schemeClr val="tx1"/>
+          </a:fontRef>
+        </p:style>
+      </p:cxnSp>
+      <p:cxnSp>
+        <p:nvCxnSpPr>
+          <p:cNvPr id="31" name="Straight Connector 30">
+            <a:extLst>
+              <a:ext uri="{FF2B5EF4-FFF2-40B4-BE49-F238E27FC236}">
+                <a16:creationId xmlns:a16="http://schemas.microsoft.com/office/drawing/2014/main" id="{ED908F6D-DF17-29FA-6A67-F88FC550665C}"/>
+              </a:ext>
+            </a:extLst>
+          </p:cNvPr>
+          <p:cNvCxnSpPr>
+            <a:cxnSpLocks/>
+          </p:cNvCxnSpPr>
+          <p:nvPr/>
+        </p:nvCxnSpPr>
+        <p:spPr>
+          <a:xfrm flipH="1" flipV="1">
+            <a:off x="4674636" y="1371358"/>
+            <a:ext cx="189626" cy="223054"/>
+          </a:xfrm>
+          <a:prstGeom prst="line">
+            <a:avLst/>
+          </a:prstGeom>
+        </p:spPr>
+        <p:style>
+          <a:lnRef idx="2">
+            <a:schemeClr val="accent1"/>
+          </a:lnRef>
+          <a:fillRef idx="0">
+            <a:schemeClr val="accent1"/>
+          </a:fillRef>
+          <a:effectRef idx="1">
+            <a:schemeClr val="accent1"/>
+          </a:effectRef>
+          <a:fontRef idx="minor">
+            <a:schemeClr val="tx1"/>
+          </a:fontRef>
+        </p:style>
+      </p:cxnSp>
+      <p:sp>
+        <p:nvSpPr>
+          <p:cNvPr id="45" name="TextBox 44">
+            <a:extLst>
+              <a:ext uri="{FF2B5EF4-FFF2-40B4-BE49-F238E27FC236}">
+                <a16:creationId xmlns:a16="http://schemas.microsoft.com/office/drawing/2014/main" id="{CF3222DB-5B07-8159-07E2-BE543CD2384E}"/>
+              </a:ext>
+            </a:extLst>
+          </p:cNvPr>
+          <p:cNvSpPr txBox="1"/>
+          <p:nvPr/>
+        </p:nvSpPr>
+        <p:spPr>
+          <a:xfrm>
+            <a:off x="4822125" y="1269802"/>
+            <a:ext cx="664095" cy="246221"/>
+          </a:xfrm>
+          <a:prstGeom prst="rect">
+            <a:avLst/>
+          </a:prstGeom>
+          <a:noFill/>
+        </p:spPr>
+        <p:txBody>
+          <a:bodyPr wrap="square" rtlCol="0">
+            <a:spAutoFit/>
+          </a:bodyPr>
+          <a:lstStyle/>
+          <a:p>
+            <a:r>
+              <a:rPr lang="en-US" sz="1000" i="1" dirty="0"/>
+              <a:t>Ciliates</a:t>
+            </a:r>
+          </a:p>
+        </p:txBody>
+      </p:sp>
+      <p:cxnSp>
+        <p:nvCxnSpPr>
+          <p:cNvPr id="71" name="Straight Connector 70">
+            <a:extLst>
+              <a:ext uri="{FF2B5EF4-FFF2-40B4-BE49-F238E27FC236}">
+                <a16:creationId xmlns:a16="http://schemas.microsoft.com/office/drawing/2014/main" id="{7E048B31-E4BD-CCC5-80B9-01E0AF5B079B}"/>
+              </a:ext>
+            </a:extLst>
+          </p:cNvPr>
+          <p:cNvCxnSpPr/>
+          <p:nvPr/>
+        </p:nvCxnSpPr>
+        <p:spPr>
+          <a:xfrm flipV="1">
+            <a:off x="5527064" y="1483064"/>
+            <a:ext cx="534363" cy="272456"/>
+          </a:xfrm>
+          <a:prstGeom prst="line">
+            <a:avLst/>
+          </a:prstGeom>
+        </p:spPr>
+        <p:style>
+          <a:lnRef idx="2">
+            <a:schemeClr val="accent1"/>
+          </a:lnRef>
+          <a:fillRef idx="0">
+            <a:schemeClr val="accent1"/>
+          </a:fillRef>
+          <a:effectRef idx="1">
+            <a:schemeClr val="accent1"/>
+          </a:effectRef>
+          <a:fontRef idx="minor">
+            <a:schemeClr val="tx1"/>
+          </a:fontRef>
+        </p:style>
+      </p:cxnSp>
+      <p:sp>
+        <p:nvSpPr>
+          <p:cNvPr id="75" name="TextBox 74">
+            <a:extLst>
+              <a:ext uri="{FF2B5EF4-FFF2-40B4-BE49-F238E27FC236}">
+                <a16:creationId xmlns:a16="http://schemas.microsoft.com/office/drawing/2014/main" id="{34745E5F-8204-2FA4-BFA1-FAB2645BD84F}"/>
+              </a:ext>
+            </a:extLst>
+          </p:cNvPr>
+          <p:cNvSpPr txBox="1"/>
+          <p:nvPr/>
+        </p:nvSpPr>
+        <p:spPr>
+          <a:xfrm>
+            <a:off x="5734844" y="1279642"/>
+            <a:ext cx="833905" cy="246221"/>
+          </a:xfrm>
+          <a:prstGeom prst="rect">
+            <a:avLst/>
+          </a:prstGeom>
+          <a:noFill/>
+        </p:spPr>
+        <p:txBody>
+          <a:bodyPr wrap="square" rtlCol="0">
+            <a:spAutoFit/>
+          </a:bodyPr>
+          <a:lstStyle/>
+          <a:p>
+            <a:r>
+              <a:rPr lang="en-US" sz="1000" i="1" dirty="0" err="1"/>
+              <a:t>Ochrophyta</a:t>
+            </a:r>
+            <a:endParaRPr lang="en-US" sz="1000" i="1" dirty="0"/>
+          </a:p>
+        </p:txBody>
+      </p:sp>
+      <p:sp>
+        <p:nvSpPr>
+          <p:cNvPr id="84" name="TextBox 83">
+            <a:extLst>
+              <a:ext uri="{FF2B5EF4-FFF2-40B4-BE49-F238E27FC236}">
+                <a16:creationId xmlns:a16="http://schemas.microsoft.com/office/drawing/2014/main" id="{8F3CC3FF-C442-F47B-76B2-E1C765990FD6}"/>
+              </a:ext>
+            </a:extLst>
+          </p:cNvPr>
+          <p:cNvSpPr txBox="1"/>
+          <p:nvPr/>
+        </p:nvSpPr>
+        <p:spPr>
+          <a:xfrm>
+            <a:off x="7627725" y="2503901"/>
+            <a:ext cx="1062875" cy="246221"/>
+          </a:xfrm>
+          <a:prstGeom prst="rect">
+            <a:avLst/>
+          </a:prstGeom>
+          <a:noFill/>
+        </p:spPr>
+        <p:txBody>
+          <a:bodyPr wrap="square" rtlCol="0">
+            <a:spAutoFit/>
+          </a:bodyPr>
+          <a:lstStyle/>
+          <a:p>
+            <a:r>
+              <a:rPr lang="en-US" sz="1000" dirty="0" err="1"/>
+              <a:t>Opisthokonta</a:t>
+            </a:r>
+            <a:endParaRPr lang="en-US" sz="1000" dirty="0"/>
+          </a:p>
+        </p:txBody>
+      </p:sp>
+      <p:sp>
+        <p:nvSpPr>
+          <p:cNvPr id="89" name="TextBox 88">
+            <a:extLst>
+              <a:ext uri="{FF2B5EF4-FFF2-40B4-BE49-F238E27FC236}">
+                <a16:creationId xmlns:a16="http://schemas.microsoft.com/office/drawing/2014/main" id="{22ECF741-7774-753C-42F7-3551A5D8CDD0}"/>
+              </a:ext>
+            </a:extLst>
+          </p:cNvPr>
+          <p:cNvSpPr txBox="1"/>
+          <p:nvPr/>
+        </p:nvSpPr>
+        <p:spPr>
+          <a:xfrm>
+            <a:off x="8287213" y="1946454"/>
+            <a:ext cx="1062875" cy="246221"/>
+          </a:xfrm>
+          <a:prstGeom prst="rect">
+            <a:avLst/>
+          </a:prstGeom>
+          <a:noFill/>
+        </p:spPr>
+        <p:txBody>
+          <a:bodyPr wrap="square" rtlCol="0">
+            <a:spAutoFit/>
+          </a:bodyPr>
+          <a:lstStyle/>
+          <a:p>
+            <a:r>
+              <a:rPr lang="en-US" sz="1000" dirty="0"/>
+              <a:t>Breviates</a:t>
+            </a:r>
+          </a:p>
+        </p:txBody>
+      </p:sp>
+      <p:sp>
+        <p:nvSpPr>
+          <p:cNvPr id="90" name="TextBox 89">
+            <a:extLst>
+              <a:ext uri="{FF2B5EF4-FFF2-40B4-BE49-F238E27FC236}">
+                <a16:creationId xmlns:a16="http://schemas.microsoft.com/office/drawing/2014/main" id="{8DEF4A3A-B4CB-7BB2-6B61-ABA2F61241C6}"/>
+              </a:ext>
+            </a:extLst>
+          </p:cNvPr>
+          <p:cNvSpPr txBox="1"/>
+          <p:nvPr/>
+        </p:nvSpPr>
+        <p:spPr>
+          <a:xfrm>
+            <a:off x="7044192" y="1591267"/>
+            <a:ext cx="1062875" cy="246221"/>
+          </a:xfrm>
+          <a:prstGeom prst="rect">
+            <a:avLst/>
+          </a:prstGeom>
+          <a:noFill/>
+        </p:spPr>
+        <p:txBody>
+          <a:bodyPr wrap="square" rtlCol="0">
+            <a:spAutoFit/>
+          </a:bodyPr>
+          <a:lstStyle/>
+          <a:p>
+            <a:r>
+              <a:rPr lang="en-US" sz="1000" dirty="0" err="1"/>
+              <a:t>Apusomonada</a:t>
+            </a:r>
+            <a:endParaRPr lang="en-US" sz="1000" dirty="0"/>
+          </a:p>
+        </p:txBody>
+      </p:sp>
+      <p:cxnSp>
+        <p:nvCxnSpPr>
+          <p:cNvPr id="97" name="Straight Connector 96">
+            <a:extLst>
+              <a:ext uri="{FF2B5EF4-FFF2-40B4-BE49-F238E27FC236}">
+                <a16:creationId xmlns:a16="http://schemas.microsoft.com/office/drawing/2014/main" id="{51D777A7-C7C0-DF09-95F0-191014BB451F}"/>
+              </a:ext>
+            </a:extLst>
+          </p:cNvPr>
+          <p:cNvCxnSpPr/>
+          <p:nvPr/>
+        </p:nvCxnSpPr>
+        <p:spPr>
+          <a:xfrm>
+            <a:off x="6767229" y="2616288"/>
+            <a:ext cx="2238577" cy="922696"/>
+          </a:xfrm>
+          <a:prstGeom prst="line">
+            <a:avLst/>
+          </a:prstGeom>
+        </p:spPr>
+        <p:style>
+          <a:lnRef idx="2">
+            <a:schemeClr val="accent1"/>
+          </a:lnRef>
+          <a:fillRef idx="0">
+            <a:schemeClr val="accent1"/>
+          </a:fillRef>
+          <a:effectRef idx="1">
+            <a:schemeClr val="accent1"/>
+          </a:effectRef>
+          <a:fontRef idx="minor">
+            <a:schemeClr val="tx1"/>
+          </a:fontRef>
+        </p:style>
+      </p:cxnSp>
+      <p:sp>
+        <p:nvSpPr>
+          <p:cNvPr id="98" name="TextBox 97">
+            <a:extLst>
+              <a:ext uri="{FF2B5EF4-FFF2-40B4-BE49-F238E27FC236}">
+                <a16:creationId xmlns:a16="http://schemas.microsoft.com/office/drawing/2014/main" id="{20F8CCC3-791C-A50E-CA00-652B564E6445}"/>
+              </a:ext>
+            </a:extLst>
+          </p:cNvPr>
+          <p:cNvSpPr txBox="1"/>
+          <p:nvPr/>
+        </p:nvSpPr>
+        <p:spPr>
+          <a:xfrm>
+            <a:off x="8128343" y="3444666"/>
+            <a:ext cx="1877661" cy="246221"/>
+          </a:xfrm>
+          <a:prstGeom prst="rect">
+            <a:avLst/>
+          </a:prstGeom>
+          <a:noFill/>
+        </p:spPr>
+        <p:txBody>
+          <a:bodyPr wrap="square" rtlCol="0">
+            <a:spAutoFit/>
+          </a:bodyPr>
+          <a:lstStyle/>
+          <a:p>
+            <a:r>
+              <a:rPr lang="en-US" sz="1000" dirty="0"/>
+              <a:t>Amoebozoa</a:t>
+            </a:r>
           </a:p>
         </p:txBody>
       </p:sp>
     </p:spTree>
     <p:extLst>
       <p:ext uri="{BB962C8B-B14F-4D97-AF65-F5344CB8AC3E}">
-        <p14:creationId xmlns:p14="http://schemas.microsoft.com/office/powerpoint/2010/main" val="4260244636"/>
+        <p14:creationId xmlns:p14="http://schemas.microsoft.com/office/powerpoint/2010/main" val="3186843952"/>
       </p:ext>
     </p:extLst>
   </p:cSld>
@@ -6117,48 +7486,12 @@
           <a:chExt cx="0" cy="0"/>
         </a:xfrm>
       </p:grpSpPr>
-      <p:sp>
-        <p:nvSpPr>
-          <p:cNvPr id="13" name="TextBox 12">
-            <a:extLst>
-              <a:ext uri="{FF2B5EF4-FFF2-40B4-BE49-F238E27FC236}">
-                <a16:creationId xmlns:a16="http://schemas.microsoft.com/office/drawing/2014/main" id="{53EC8688-EA4F-9139-2659-CB66027F3614}"/>
-              </a:ext>
-            </a:extLst>
-          </p:cNvPr>
-          <p:cNvSpPr txBox="1"/>
-          <p:nvPr/>
-        </p:nvSpPr>
-        <p:spPr>
-          <a:xfrm>
-            <a:off x="7948424" y="3429000"/>
-            <a:ext cx="1719072" cy="246221"/>
-          </a:xfrm>
-          <a:prstGeom prst="rect">
-            <a:avLst/>
-          </a:prstGeom>
-          <a:noFill/>
-        </p:spPr>
-        <p:txBody>
-          <a:bodyPr wrap="square" rtlCol="0">
-            <a:spAutoFit/>
-          </a:bodyPr>
-          <a:lstStyle/>
-          <a:p>
-            <a:r>
-              <a:rPr lang="en-US" sz="1000" dirty="0" err="1"/>
-              <a:t>Streptophyta</a:t>
-            </a:r>
-            <a:endParaRPr lang="en-US" sz="1000" dirty="0"/>
-          </a:p>
-        </p:txBody>
-      </p:sp>
       <p:pic>
         <p:nvPicPr>
-          <p:cNvPr id="3" name="Picture 2" descr="A circular pattern of umbrellas&#10;&#10;AI-generated content may be incorrect.">
-            <a:extLst>
-              <a:ext uri="{FF2B5EF4-FFF2-40B4-BE49-F238E27FC236}">
-                <a16:creationId xmlns:a16="http://schemas.microsoft.com/office/drawing/2014/main" id="{1C811F05-79FD-9C63-44F6-1CCDAC66FB47}"/>
+          <p:cNvPr id="7" name="Picture 6" descr="A circular pattern of colorful umbrellas&#10;&#10;AI-generated content may be incorrect.">
+            <a:extLst>
+              <a:ext uri="{FF2B5EF4-FFF2-40B4-BE49-F238E27FC236}">
+                <a16:creationId xmlns:a16="http://schemas.microsoft.com/office/drawing/2014/main" id="{B9D1BC98-ED31-33DE-9379-B4A64FC8BAA9}"/>
               </a:ext>
             </a:extLst>
           </p:cNvPr>
@@ -6181,8 +7514,8 @@
         </p:blipFill>
         <p:spPr>
           <a:xfrm>
-            <a:off x="-949299" y="275"/>
-            <a:ext cx="12019823" cy="6761150"/>
+            <a:off x="10736" y="186678"/>
+            <a:ext cx="11430599" cy="6429712"/>
           </a:xfrm>
           <a:prstGeom prst="rect">
             <a:avLst/>
@@ -6191,10 +7524,10 @@
       </p:pic>
       <p:sp>
         <p:nvSpPr>
-          <p:cNvPr id="4" name="TextBox 3">
-            <a:extLst>
-              <a:ext uri="{FF2B5EF4-FFF2-40B4-BE49-F238E27FC236}">
-                <a16:creationId xmlns:a16="http://schemas.microsoft.com/office/drawing/2014/main" id="{29F10CA6-B960-DD7D-5944-06F803C3EB03}"/>
+          <p:cNvPr id="8" name="TextBox 7">
+            <a:extLst>
+              <a:ext uri="{FF2B5EF4-FFF2-40B4-BE49-F238E27FC236}">
+                <a16:creationId xmlns:a16="http://schemas.microsoft.com/office/drawing/2014/main" id="{DC8C6F74-6BF4-2FD9-B0D5-695E639C91FC}"/>
               </a:ext>
             </a:extLst>
           </p:cNvPr>
@@ -6203,8 +7536,8 @@
         </p:nvSpPr>
         <p:spPr>
           <a:xfrm>
-            <a:off x="1779942" y="1535958"/>
-            <a:ext cx="879499" cy="307777"/>
+            <a:off x="3598127" y="576854"/>
+            <a:ext cx="1011044" cy="261610"/>
           </a:xfrm>
           <a:prstGeom prst="rect">
             <a:avLst/>
@@ -6217,20 +7550,27 @@
           </a:bodyPr>
           <a:lstStyle/>
           <a:p>
-            <a:r>
-              <a:rPr lang="en-US" sz="1400" dirty="0" err="1"/>
-              <a:t>Discoba</a:t>
-            </a:r>
-            <a:endParaRPr lang="en-US" sz="1400" dirty="0"/>
-          </a:p>
-        </p:txBody>
-      </p:sp>
-      <p:sp>
-        <p:nvSpPr>
-          <p:cNvPr id="5" name="TextBox 4">
-            <a:extLst>
-              <a:ext uri="{FF2B5EF4-FFF2-40B4-BE49-F238E27FC236}">
-                <a16:creationId xmlns:a16="http://schemas.microsoft.com/office/drawing/2014/main" id="{7E8CCEE8-AC96-2323-BA16-9ACB2D0E1E49}"/>
+            <a:pPr algn="ctr"/>
+            <a:r>
+              <a:rPr lang="en-US" sz="1100" dirty="0" err="1">
+                <a:latin typeface="Times New Roman" panose="02020603050405020304" pitchFamily="18" charset="0"/>
+                <a:cs typeface="Times New Roman" panose="02020603050405020304" pitchFamily="18" charset="0"/>
+              </a:rPr>
+              <a:t>Opisthokonta</a:t>
+            </a:r>
+            <a:endParaRPr lang="en-US" sz="1100" dirty="0">
+              <a:latin typeface="Times New Roman" panose="02020603050405020304" pitchFamily="18" charset="0"/>
+              <a:cs typeface="Times New Roman" panose="02020603050405020304" pitchFamily="18" charset="0"/>
+            </a:endParaRPr>
+          </a:p>
+        </p:txBody>
+      </p:sp>
+      <p:sp>
+        <p:nvSpPr>
+          <p:cNvPr id="9" name="TextBox 8">
+            <a:extLst>
+              <a:ext uri="{FF2B5EF4-FFF2-40B4-BE49-F238E27FC236}">
+                <a16:creationId xmlns:a16="http://schemas.microsoft.com/office/drawing/2014/main" id="{793945FE-ABDC-0534-9C29-1DB55F9C8DC4}"/>
               </a:ext>
             </a:extLst>
           </p:cNvPr>
@@ -6239,8 +7579,8 @@
         </p:nvSpPr>
         <p:spPr>
           <a:xfrm>
-            <a:off x="1779942" y="2567858"/>
-            <a:ext cx="879499" cy="307777"/>
+            <a:off x="2479288" y="1613918"/>
+            <a:ext cx="1011044" cy="261610"/>
           </a:xfrm>
           <a:prstGeom prst="rect">
             <a:avLst/>
@@ -6253,20 +7593,27 @@
           </a:bodyPr>
           <a:lstStyle/>
           <a:p>
-            <a:r>
-              <a:rPr lang="en-US" sz="1400" dirty="0" err="1"/>
-              <a:t>Rhizaria</a:t>
-            </a:r>
-            <a:endParaRPr lang="en-US" sz="1400" dirty="0"/>
-          </a:p>
-        </p:txBody>
-      </p:sp>
-      <p:sp>
-        <p:nvSpPr>
-          <p:cNvPr id="6" name="TextBox 5">
-            <a:extLst>
-              <a:ext uri="{FF2B5EF4-FFF2-40B4-BE49-F238E27FC236}">
-                <a16:creationId xmlns:a16="http://schemas.microsoft.com/office/drawing/2014/main" id="{38E5A89D-40E9-AB49-79D5-27F88FC695FD}"/>
+            <a:pPr algn="ctr"/>
+            <a:r>
+              <a:rPr lang="en-US" sz="1100" dirty="0" err="1">
+                <a:latin typeface="Times New Roman" panose="02020603050405020304" pitchFamily="18" charset="0"/>
+                <a:cs typeface="Times New Roman" panose="02020603050405020304" pitchFamily="18" charset="0"/>
+              </a:rPr>
+              <a:t>Discoba</a:t>
+            </a:r>
+            <a:endParaRPr lang="en-US" sz="1100" dirty="0">
+              <a:latin typeface="Times New Roman" panose="02020603050405020304" pitchFamily="18" charset="0"/>
+              <a:cs typeface="Times New Roman" panose="02020603050405020304" pitchFamily="18" charset="0"/>
+            </a:endParaRPr>
+          </a:p>
+        </p:txBody>
+      </p:sp>
+      <p:sp>
+        <p:nvSpPr>
+          <p:cNvPr id="10" name="TextBox 9">
+            <a:extLst>
+              <a:ext uri="{FF2B5EF4-FFF2-40B4-BE49-F238E27FC236}">
+                <a16:creationId xmlns:a16="http://schemas.microsoft.com/office/drawing/2014/main" id="{0B46839F-68A6-7935-13FE-2276EC030D94}"/>
               </a:ext>
             </a:extLst>
           </p:cNvPr>
@@ -6275,8 +7622,8 @@
         </p:nvSpPr>
         <p:spPr>
           <a:xfrm>
-            <a:off x="1269227" y="3398221"/>
-            <a:ext cx="943484" cy="307777"/>
+            <a:off x="2416098" y="2717889"/>
+            <a:ext cx="1011044" cy="261610"/>
           </a:xfrm>
           <a:prstGeom prst="rect">
             <a:avLst/>
@@ -6289,20 +7636,27 @@
           </a:bodyPr>
           <a:lstStyle/>
           <a:p>
-            <a:r>
-              <a:rPr lang="en-US" sz="1400" dirty="0" err="1"/>
-              <a:t>Alveolata</a:t>
-            </a:r>
-            <a:endParaRPr lang="en-US" sz="1400" dirty="0"/>
-          </a:p>
-        </p:txBody>
-      </p:sp>
-      <p:sp>
-        <p:nvSpPr>
-          <p:cNvPr id="17" name="TextBox 16">
-            <a:extLst>
-              <a:ext uri="{FF2B5EF4-FFF2-40B4-BE49-F238E27FC236}">
-                <a16:creationId xmlns:a16="http://schemas.microsoft.com/office/drawing/2014/main" id="{C8180D02-F614-EB89-C568-D64EF0352560}"/>
+            <a:pPr algn="ctr"/>
+            <a:r>
+              <a:rPr lang="en-US" sz="1100" dirty="0" err="1">
+                <a:latin typeface="Times New Roman" panose="02020603050405020304" pitchFamily="18" charset="0"/>
+                <a:cs typeface="Times New Roman" panose="02020603050405020304" pitchFamily="18" charset="0"/>
+              </a:rPr>
+              <a:t>Rhizaria</a:t>
+            </a:r>
+            <a:endParaRPr lang="en-US" sz="1100" dirty="0">
+              <a:latin typeface="Times New Roman" panose="02020603050405020304" pitchFamily="18" charset="0"/>
+              <a:cs typeface="Times New Roman" panose="02020603050405020304" pitchFamily="18" charset="0"/>
+            </a:endParaRPr>
+          </a:p>
+        </p:txBody>
+      </p:sp>
+      <p:sp>
+        <p:nvSpPr>
+          <p:cNvPr id="11" name="TextBox 10">
+            <a:extLst>
+              <a:ext uri="{FF2B5EF4-FFF2-40B4-BE49-F238E27FC236}">
+                <a16:creationId xmlns:a16="http://schemas.microsoft.com/office/drawing/2014/main" id="{B553D199-A107-BD9D-C7F7-ACDDC0A86559}"/>
               </a:ext>
             </a:extLst>
           </p:cNvPr>
@@ -6311,8 +7665,8 @@
         </p:nvSpPr>
         <p:spPr>
           <a:xfrm>
-            <a:off x="1535054" y="4772046"/>
-            <a:ext cx="1369273" cy="307777"/>
+            <a:off x="2092712" y="3558656"/>
+            <a:ext cx="1011044" cy="261610"/>
           </a:xfrm>
           <a:prstGeom prst="rect">
             <a:avLst/>
@@ -6325,20 +7679,27 @@
           </a:bodyPr>
           <a:lstStyle/>
           <a:p>
-            <a:r>
-              <a:rPr lang="en-US" sz="1400" dirty="0" err="1"/>
-              <a:t>Stramenopiles</a:t>
-            </a:r>
-            <a:endParaRPr lang="en-US" sz="1400" dirty="0"/>
-          </a:p>
-        </p:txBody>
-      </p:sp>
-      <p:sp>
-        <p:nvSpPr>
-          <p:cNvPr id="18" name="TextBox 17">
-            <a:extLst>
-              <a:ext uri="{FF2B5EF4-FFF2-40B4-BE49-F238E27FC236}">
-                <a16:creationId xmlns:a16="http://schemas.microsoft.com/office/drawing/2014/main" id="{BCB84C7E-0E0A-ADED-1382-26347CE4A2CF}"/>
+            <a:pPr algn="ctr"/>
+            <a:r>
+              <a:rPr lang="en-US" sz="1100" dirty="0" err="1">
+                <a:latin typeface="Times New Roman" panose="02020603050405020304" pitchFamily="18" charset="0"/>
+                <a:cs typeface="Times New Roman" panose="02020603050405020304" pitchFamily="18" charset="0"/>
+              </a:rPr>
+              <a:t>Alveolata</a:t>
+            </a:r>
+            <a:endParaRPr lang="en-US" sz="1100" dirty="0">
+              <a:latin typeface="Times New Roman" panose="02020603050405020304" pitchFamily="18" charset="0"/>
+              <a:cs typeface="Times New Roman" panose="02020603050405020304" pitchFamily="18" charset="0"/>
+            </a:endParaRPr>
+          </a:p>
+        </p:txBody>
+      </p:sp>
+      <p:sp>
+        <p:nvSpPr>
+          <p:cNvPr id="12" name="TextBox 11">
+            <a:extLst>
+              <a:ext uri="{FF2B5EF4-FFF2-40B4-BE49-F238E27FC236}">
+                <a16:creationId xmlns:a16="http://schemas.microsoft.com/office/drawing/2014/main" id="{160FB732-288B-11E0-E364-FDDCBB5156B3}"/>
               </a:ext>
             </a:extLst>
           </p:cNvPr>
@@ -6347,8 +7708,8 @@
         </p:nvSpPr>
         <p:spPr>
           <a:xfrm>
-            <a:off x="2212711" y="5803946"/>
-            <a:ext cx="1369273" cy="307777"/>
+            <a:off x="2587083" y="4667139"/>
+            <a:ext cx="1011044" cy="261610"/>
           </a:xfrm>
           <a:prstGeom prst="rect">
             <a:avLst/>
@@ -6361,19 +7722,27 @@
           </a:bodyPr>
           <a:lstStyle/>
           <a:p>
-            <a:r>
-              <a:rPr lang="en-US" sz="1400" dirty="0"/>
-              <a:t>Rhodophyta</a:t>
-            </a:r>
-          </a:p>
-        </p:txBody>
-      </p:sp>
-      <p:sp>
-        <p:nvSpPr>
-          <p:cNvPr id="19" name="TextBox 18">
-            <a:extLst>
-              <a:ext uri="{FF2B5EF4-FFF2-40B4-BE49-F238E27FC236}">
-                <a16:creationId xmlns:a16="http://schemas.microsoft.com/office/drawing/2014/main" id="{5F89D7CF-113A-9052-03DC-2E300B9FA1C0}"/>
+            <a:pPr algn="ctr"/>
+            <a:r>
+              <a:rPr lang="en-US" sz="1100" dirty="0" err="1">
+                <a:latin typeface="Times New Roman" panose="02020603050405020304" pitchFamily="18" charset="0"/>
+                <a:cs typeface="Times New Roman" panose="02020603050405020304" pitchFamily="18" charset="0"/>
+              </a:rPr>
+              <a:t>Stramenopila</a:t>
+            </a:r>
+            <a:endParaRPr lang="en-US" sz="1100" dirty="0">
+              <a:latin typeface="Times New Roman" panose="02020603050405020304" pitchFamily="18" charset="0"/>
+              <a:cs typeface="Times New Roman" panose="02020603050405020304" pitchFamily="18" charset="0"/>
+            </a:endParaRPr>
+          </a:p>
+        </p:txBody>
+      </p:sp>
+      <p:sp>
+        <p:nvSpPr>
+          <p:cNvPr id="14" name="TextBox 13">
+            <a:extLst>
+              <a:ext uri="{FF2B5EF4-FFF2-40B4-BE49-F238E27FC236}">
+                <a16:creationId xmlns:a16="http://schemas.microsoft.com/office/drawing/2014/main" id="{8F4C0F50-F4AC-DD7D-8B61-A46595B4889F}"/>
               </a:ext>
             </a:extLst>
           </p:cNvPr>
@@ -6382,8 +7751,8 @@
         </p:nvSpPr>
         <p:spPr>
           <a:xfrm>
-            <a:off x="4375975" y="6299537"/>
-            <a:ext cx="1369273" cy="307777"/>
+            <a:off x="3289610" y="5771110"/>
+            <a:ext cx="1011044" cy="261610"/>
           </a:xfrm>
           <a:prstGeom prst="rect">
             <a:avLst/>
@@ -6396,19 +7765,23 @@
           </a:bodyPr>
           <a:lstStyle/>
           <a:p>
-            <a:r>
-              <a:rPr lang="en-US" sz="1400" dirty="0"/>
-              <a:t>Chlorophyta</a:t>
-            </a:r>
-          </a:p>
-        </p:txBody>
-      </p:sp>
-      <p:sp>
-        <p:nvSpPr>
-          <p:cNvPr id="20" name="TextBox 19">
-            <a:extLst>
-              <a:ext uri="{FF2B5EF4-FFF2-40B4-BE49-F238E27FC236}">
-                <a16:creationId xmlns:a16="http://schemas.microsoft.com/office/drawing/2014/main" id="{4EB7C2D6-E149-3C6E-45E6-C8B96E88A72D}"/>
+            <a:pPr algn="ctr"/>
+            <a:r>
+              <a:rPr lang="en-US" sz="1100" dirty="0">
+                <a:latin typeface="Times New Roman" panose="02020603050405020304" pitchFamily="18" charset="0"/>
+                <a:cs typeface="Times New Roman" panose="02020603050405020304" pitchFamily="18" charset="0"/>
+              </a:rPr>
+              <a:t>Rhodophyta</a:t>
+            </a:r>
+          </a:p>
+        </p:txBody>
+      </p:sp>
+      <p:sp>
+        <p:nvSpPr>
+          <p:cNvPr id="15" name="TextBox 14">
+            <a:extLst>
+              <a:ext uri="{FF2B5EF4-FFF2-40B4-BE49-F238E27FC236}">
+                <a16:creationId xmlns:a16="http://schemas.microsoft.com/office/drawing/2014/main" id="{911D1DF6-6073-EC11-EF7E-511C628EE4E1}"/>
               </a:ext>
             </a:extLst>
           </p:cNvPr>
@@ -6417,8 +7790,8 @@
         </p:nvSpPr>
         <p:spPr>
           <a:xfrm>
-            <a:off x="2574516" y="460339"/>
-            <a:ext cx="1340769" cy="307777"/>
+            <a:off x="5220513" y="6250612"/>
+            <a:ext cx="1011044" cy="261610"/>
           </a:xfrm>
           <a:prstGeom prst="rect">
             <a:avLst/>
@@ -6431,20 +7804,23 @@
           </a:bodyPr>
           <a:lstStyle/>
           <a:p>
-            <a:r>
-              <a:rPr lang="en-US" sz="1400" dirty="0" err="1"/>
-              <a:t>Opisthokonta</a:t>
-            </a:r>
-            <a:endParaRPr lang="en-US" sz="1400" dirty="0"/>
-          </a:p>
-        </p:txBody>
-      </p:sp>
-      <p:sp>
-        <p:nvSpPr>
-          <p:cNvPr id="21" name="TextBox 20">
-            <a:extLst>
-              <a:ext uri="{FF2B5EF4-FFF2-40B4-BE49-F238E27FC236}">
-                <a16:creationId xmlns:a16="http://schemas.microsoft.com/office/drawing/2014/main" id="{635E6A2D-36ED-4DE4-87B6-D54B911ED011}"/>
+            <a:pPr algn="ctr"/>
+            <a:r>
+              <a:rPr lang="en-US" sz="1100" dirty="0">
+                <a:latin typeface="Times New Roman" panose="02020603050405020304" pitchFamily="18" charset="0"/>
+                <a:cs typeface="Times New Roman" panose="02020603050405020304" pitchFamily="18" charset="0"/>
+              </a:rPr>
+              <a:t>Chlorophyta</a:t>
+            </a:r>
+          </a:p>
+        </p:txBody>
+      </p:sp>
+      <p:sp>
+        <p:nvSpPr>
+          <p:cNvPr id="16" name="TextBox 15">
+            <a:extLst>
+              <a:ext uri="{FF2B5EF4-FFF2-40B4-BE49-F238E27FC236}">
+                <a16:creationId xmlns:a16="http://schemas.microsoft.com/office/drawing/2014/main" id="{4156A964-07FC-271D-5DA5-43F438500EE1}"/>
               </a:ext>
             </a:extLst>
           </p:cNvPr>
@@ -6453,8 +7829,8 @@
         </p:nvSpPr>
         <p:spPr>
           <a:xfrm>
-            <a:off x="4476317" y="108149"/>
-            <a:ext cx="1340769" cy="307777"/>
+            <a:off x="8517557" y="3270729"/>
+            <a:ext cx="1011044" cy="261610"/>
           </a:xfrm>
           <a:prstGeom prst="rect">
             <a:avLst/>
@@ -6467,20 +7843,27 @@
           </a:bodyPr>
           <a:lstStyle/>
           <a:p>
-            <a:r>
-              <a:rPr lang="en-US" sz="1400" dirty="0" err="1"/>
-              <a:t>Metamonada</a:t>
-            </a:r>
-            <a:endParaRPr lang="en-US" sz="1400" dirty="0"/>
-          </a:p>
-        </p:txBody>
-      </p:sp>
-      <p:sp>
-        <p:nvSpPr>
-          <p:cNvPr id="22" name="TextBox 21">
-            <a:extLst>
-              <a:ext uri="{FF2B5EF4-FFF2-40B4-BE49-F238E27FC236}">
-                <a16:creationId xmlns:a16="http://schemas.microsoft.com/office/drawing/2014/main" id="{35F6EBAC-1F12-74B6-5747-EF02BDEE9264}"/>
+            <a:pPr algn="ctr"/>
+            <a:r>
+              <a:rPr lang="en-US" sz="1100" dirty="0" err="1">
+                <a:latin typeface="Times New Roman" panose="02020603050405020304" pitchFamily="18" charset="0"/>
+                <a:cs typeface="Times New Roman" panose="02020603050405020304" pitchFamily="18" charset="0"/>
+              </a:rPr>
+              <a:t>Streptophyta</a:t>
+            </a:r>
+            <a:endParaRPr lang="en-US" sz="1100" dirty="0">
+              <a:latin typeface="Times New Roman" panose="02020603050405020304" pitchFamily="18" charset="0"/>
+              <a:cs typeface="Times New Roman" panose="02020603050405020304" pitchFamily="18" charset="0"/>
+            </a:endParaRPr>
+          </a:p>
+        </p:txBody>
+      </p:sp>
+      <p:sp>
+        <p:nvSpPr>
+          <p:cNvPr id="23" name="TextBox 22">
+            <a:extLst>
+              <a:ext uri="{FF2B5EF4-FFF2-40B4-BE49-F238E27FC236}">
+                <a16:creationId xmlns:a16="http://schemas.microsoft.com/office/drawing/2014/main" id="{B38FCB63-E832-66F1-1D6C-258637972C49}"/>
               </a:ext>
             </a:extLst>
           </p:cNvPr>
@@ -6489,8 +7872,8 @@
         </p:nvSpPr>
         <p:spPr>
           <a:xfrm>
-            <a:off x="8046374" y="3226961"/>
-            <a:ext cx="1340769" cy="307777"/>
+            <a:off x="5220513" y="241610"/>
+            <a:ext cx="1011044" cy="261610"/>
           </a:xfrm>
           <a:prstGeom prst="rect">
             <a:avLst/>
@@ -6503,20 +7886,27 @@
           </a:bodyPr>
           <a:lstStyle/>
           <a:p>
-            <a:r>
-              <a:rPr lang="en-US" sz="1400" dirty="0" err="1"/>
-              <a:t>Streptophyta</a:t>
-            </a:r>
-            <a:endParaRPr lang="en-US" sz="1400" dirty="0"/>
-          </a:p>
-        </p:txBody>
-      </p:sp>
-      <p:sp>
-        <p:nvSpPr>
-          <p:cNvPr id="25" name="TextBox 24">
-            <a:extLst>
-              <a:ext uri="{FF2B5EF4-FFF2-40B4-BE49-F238E27FC236}">
-                <a16:creationId xmlns:a16="http://schemas.microsoft.com/office/drawing/2014/main" id="{20C5122B-04C0-49FF-002C-00A218B4DF84}"/>
+            <a:pPr algn="ctr"/>
+            <a:r>
+              <a:rPr lang="en-US" sz="1100" dirty="0" err="1">
+                <a:latin typeface="Times New Roman" panose="02020603050405020304" pitchFamily="18" charset="0"/>
+                <a:cs typeface="Times New Roman" panose="02020603050405020304" pitchFamily="18" charset="0"/>
+              </a:rPr>
+              <a:t>Metamonada</a:t>
+            </a:r>
+            <a:endParaRPr lang="en-US" sz="1100" dirty="0">
+              <a:latin typeface="Times New Roman" panose="02020603050405020304" pitchFamily="18" charset="0"/>
+              <a:cs typeface="Times New Roman" panose="02020603050405020304" pitchFamily="18" charset="0"/>
+            </a:endParaRPr>
+          </a:p>
+        </p:txBody>
+      </p:sp>
+      <p:sp>
+        <p:nvSpPr>
+          <p:cNvPr id="24" name="TextBox 23">
+            <a:extLst>
+              <a:ext uri="{FF2B5EF4-FFF2-40B4-BE49-F238E27FC236}">
+                <a16:creationId xmlns:a16="http://schemas.microsoft.com/office/drawing/2014/main" id="{8F4D2E3A-EDA5-67F8-8578-51E9DC1D0650}"/>
               </a:ext>
             </a:extLst>
           </p:cNvPr>
@@ -6525,8 +7915,8 @@
         </p:nvSpPr>
         <p:spPr>
           <a:xfrm>
-            <a:off x="6307153" y="415926"/>
-            <a:ext cx="1340769" cy="307777"/>
+            <a:off x="6904347" y="576854"/>
+            <a:ext cx="1011044" cy="261610"/>
           </a:xfrm>
           <a:prstGeom prst="rect">
             <a:avLst/>
@@ -6539,8 +7929,12 @@
           </a:bodyPr>
           <a:lstStyle/>
           <a:p>
-            <a:r>
-              <a:rPr lang="en-US" sz="1400" dirty="0"/>
+            <a:pPr algn="ctr"/>
+            <a:r>
+              <a:rPr lang="en-US" sz="1100" dirty="0">
+                <a:latin typeface="Times New Roman" panose="02020603050405020304" pitchFamily="18" charset="0"/>
+                <a:cs typeface="Times New Roman" panose="02020603050405020304" pitchFamily="18" charset="0"/>
+              </a:rPr>
               <a:t>Amoebozoa</a:t>
             </a:r>
           </a:p>
@@ -6576,1847 +7970,46 @@
           <a:chExt cx="0" cy="0"/>
         </a:xfrm>
       </p:grpSpPr>
-      <p:sp>
-        <p:nvSpPr>
-          <p:cNvPr id="48" name="Oval 47">
-            <a:extLst>
-              <a:ext uri="{FF2B5EF4-FFF2-40B4-BE49-F238E27FC236}">
-                <a16:creationId xmlns:a16="http://schemas.microsoft.com/office/drawing/2014/main" id="{49CE7BE2-3D7A-A264-B04E-0666D28BD311}"/>
-              </a:ext>
-            </a:extLst>
-          </p:cNvPr>
-          <p:cNvSpPr/>
-          <p:nvPr/>
-        </p:nvSpPr>
-        <p:spPr>
-          <a:xfrm>
-            <a:off x="4232834" y="3842792"/>
-            <a:ext cx="2540643" cy="2561100"/>
-          </a:xfrm>
-          <a:prstGeom prst="ellipse">
-            <a:avLst/>
-          </a:prstGeom>
-          <a:solidFill>
-            <a:schemeClr val="tx1">
-              <a:lumMod val="75000"/>
-              <a:lumOff val="25000"/>
-              <a:alpha val="14902"/>
-            </a:schemeClr>
-          </a:solidFill>
-          <a:ln>
-            <a:prstDash val="dash"/>
-          </a:ln>
-        </p:spPr>
-        <p:style>
-          <a:lnRef idx="2">
-            <a:schemeClr val="accent1">
-              <a:shade val="15000"/>
-            </a:schemeClr>
-          </a:lnRef>
-          <a:fillRef idx="1">
-            <a:schemeClr val="accent1"/>
-          </a:fillRef>
-          <a:effectRef idx="0">
-            <a:schemeClr val="accent1"/>
-          </a:effectRef>
-          <a:fontRef idx="minor">
-            <a:schemeClr val="lt1"/>
-          </a:fontRef>
-        </p:style>
-        <p:txBody>
-          <a:bodyPr rtlCol="0" anchor="ctr"/>
-          <a:lstStyle/>
-          <a:p>
-            <a:pPr algn="ctr"/>
-            <a:endParaRPr lang="en-US" dirty="0"/>
-          </a:p>
-        </p:txBody>
-      </p:sp>
-      <p:sp>
-        <p:nvSpPr>
-          <p:cNvPr id="44" name="Oval 43">
-            <a:extLst>
-              <a:ext uri="{FF2B5EF4-FFF2-40B4-BE49-F238E27FC236}">
-                <a16:creationId xmlns:a16="http://schemas.microsoft.com/office/drawing/2014/main" id="{BA338C49-6341-7358-7DFB-A273207E7513}"/>
-              </a:ext>
-            </a:extLst>
-          </p:cNvPr>
-          <p:cNvSpPr/>
-          <p:nvPr/>
-        </p:nvSpPr>
-        <p:spPr>
-          <a:xfrm>
-            <a:off x="964939" y="985358"/>
-            <a:ext cx="2879200" cy="2744784"/>
-          </a:xfrm>
-          <a:prstGeom prst="ellipse">
-            <a:avLst/>
-          </a:prstGeom>
-          <a:solidFill>
-            <a:srgbClr val="13501B">
-              <a:alpha val="20000"/>
-            </a:srgbClr>
-          </a:solidFill>
-        </p:spPr>
-        <p:style>
-          <a:lnRef idx="2">
-            <a:schemeClr val="accent1">
-              <a:shade val="15000"/>
-            </a:schemeClr>
-          </a:lnRef>
-          <a:fillRef idx="1">
-            <a:schemeClr val="accent1"/>
-          </a:fillRef>
-          <a:effectRef idx="0">
-            <a:schemeClr val="accent1"/>
-          </a:effectRef>
-          <a:fontRef idx="minor">
-            <a:schemeClr val="lt1"/>
-          </a:fontRef>
-        </p:style>
-        <p:txBody>
-          <a:bodyPr rtlCol="0" anchor="ctr"/>
-          <a:lstStyle/>
-          <a:p>
-            <a:pPr algn="ctr"/>
-            <a:endParaRPr lang="en-US" dirty="0"/>
-          </a:p>
-        </p:txBody>
-      </p:sp>
-      <p:cxnSp>
-        <p:nvCxnSpPr>
-          <p:cNvPr id="3" name="Straight Connector 2">
-            <a:extLst>
-              <a:ext uri="{FF2B5EF4-FFF2-40B4-BE49-F238E27FC236}">
-                <a16:creationId xmlns:a16="http://schemas.microsoft.com/office/drawing/2014/main" id="{D9684930-4E17-5147-A210-E20C3EF720A1}"/>
-              </a:ext>
-            </a:extLst>
-          </p:cNvPr>
-          <p:cNvCxnSpPr>
-            <a:cxnSpLocks/>
-          </p:cNvCxnSpPr>
-          <p:nvPr/>
-        </p:nvCxnSpPr>
-        <p:spPr>
-          <a:xfrm flipV="1">
-            <a:off x="827590" y="1755341"/>
-            <a:ext cx="7922782" cy="3441690"/>
-          </a:xfrm>
-          <a:prstGeom prst="line">
-            <a:avLst/>
-          </a:prstGeom>
-        </p:spPr>
-        <p:style>
-          <a:lnRef idx="2">
-            <a:schemeClr val="accent1"/>
-          </a:lnRef>
-          <a:fillRef idx="0">
-            <a:schemeClr val="accent1"/>
-          </a:fillRef>
-          <a:effectRef idx="1">
-            <a:schemeClr val="accent1"/>
-          </a:effectRef>
-          <a:fontRef idx="minor">
-            <a:schemeClr val="tx1"/>
-          </a:fontRef>
-        </p:style>
-      </p:cxnSp>
-      <p:cxnSp>
-        <p:nvCxnSpPr>
-          <p:cNvPr id="5" name="Straight Connector 4">
-            <a:extLst>
-              <a:ext uri="{FF2B5EF4-FFF2-40B4-BE49-F238E27FC236}">
-                <a16:creationId xmlns:a16="http://schemas.microsoft.com/office/drawing/2014/main" id="{0E530E74-CB4F-2A6A-0A67-00D98682C573}"/>
-              </a:ext>
-            </a:extLst>
-          </p:cNvPr>
-          <p:cNvCxnSpPr>
-            <a:cxnSpLocks/>
-          </p:cNvCxnSpPr>
-          <p:nvPr/>
-        </p:nvCxnSpPr>
-        <p:spPr>
-          <a:xfrm>
-            <a:off x="3264060" y="4126372"/>
-            <a:ext cx="1522072" cy="1157469"/>
-          </a:xfrm>
-          <a:prstGeom prst="line">
-            <a:avLst/>
-          </a:prstGeom>
-        </p:spPr>
-        <p:style>
-          <a:lnRef idx="2">
-            <a:schemeClr val="accent1"/>
-          </a:lnRef>
-          <a:fillRef idx="0">
-            <a:schemeClr val="accent1"/>
-          </a:fillRef>
-          <a:effectRef idx="1">
-            <a:schemeClr val="accent1"/>
-          </a:effectRef>
-          <a:fontRef idx="minor">
-            <a:schemeClr val="tx1"/>
-          </a:fontRef>
-        </p:style>
-      </p:cxnSp>
-      <p:cxnSp>
-        <p:nvCxnSpPr>
-          <p:cNvPr id="8" name="Straight Connector 7">
-            <a:extLst>
-              <a:ext uri="{FF2B5EF4-FFF2-40B4-BE49-F238E27FC236}">
-                <a16:creationId xmlns:a16="http://schemas.microsoft.com/office/drawing/2014/main" id="{E14F04FB-0D5B-474D-0657-B04B7B498BD1}"/>
-              </a:ext>
-            </a:extLst>
-          </p:cNvPr>
-          <p:cNvCxnSpPr>
-            <a:cxnSpLocks/>
-          </p:cNvCxnSpPr>
-          <p:nvPr/>
-        </p:nvCxnSpPr>
-        <p:spPr>
-          <a:xfrm>
-            <a:off x="3640238" y="3970114"/>
-            <a:ext cx="2314756" cy="1067506"/>
-          </a:xfrm>
-          <a:prstGeom prst="line">
-            <a:avLst/>
-          </a:prstGeom>
-        </p:spPr>
-        <p:style>
-          <a:lnRef idx="2">
-            <a:schemeClr val="accent1"/>
-          </a:lnRef>
-          <a:fillRef idx="0">
-            <a:schemeClr val="accent1"/>
-          </a:fillRef>
-          <a:effectRef idx="1">
-            <a:schemeClr val="accent1"/>
-          </a:effectRef>
-          <a:fontRef idx="minor">
-            <a:schemeClr val="tx1"/>
-          </a:fontRef>
-        </p:style>
-      </p:cxnSp>
-      <p:cxnSp>
-        <p:nvCxnSpPr>
-          <p:cNvPr id="10" name="Straight Connector 9">
-            <a:extLst>
-              <a:ext uri="{FF2B5EF4-FFF2-40B4-BE49-F238E27FC236}">
-                <a16:creationId xmlns:a16="http://schemas.microsoft.com/office/drawing/2014/main" id="{FF0F60FB-B1F0-4F2E-5E2E-5F5A10A12753}"/>
-              </a:ext>
-            </a:extLst>
-          </p:cNvPr>
-          <p:cNvCxnSpPr/>
-          <p:nvPr/>
-        </p:nvCxnSpPr>
-        <p:spPr>
-          <a:xfrm flipV="1">
-            <a:off x="1950334" y="3463722"/>
-            <a:ext cx="520861" cy="1241385"/>
-          </a:xfrm>
-          <a:prstGeom prst="line">
-            <a:avLst/>
-          </a:prstGeom>
-        </p:spPr>
-        <p:style>
-          <a:lnRef idx="2">
-            <a:schemeClr val="accent1"/>
-          </a:lnRef>
-          <a:fillRef idx="0">
-            <a:schemeClr val="accent1"/>
-          </a:fillRef>
-          <a:effectRef idx="1">
-            <a:schemeClr val="accent1"/>
-          </a:effectRef>
-          <a:fontRef idx="minor">
-            <a:schemeClr val="tx1"/>
-          </a:fontRef>
-        </p:style>
-      </p:cxnSp>
-      <p:cxnSp>
-        <p:nvCxnSpPr>
-          <p:cNvPr id="12" name="Straight Connector 11">
-            <a:extLst>
-              <a:ext uri="{FF2B5EF4-FFF2-40B4-BE49-F238E27FC236}">
-                <a16:creationId xmlns:a16="http://schemas.microsoft.com/office/drawing/2014/main" id="{8A0D334E-B4E4-4B42-7084-2BE4E73EAEE3}"/>
-              </a:ext>
-            </a:extLst>
-          </p:cNvPr>
-          <p:cNvCxnSpPr/>
-          <p:nvPr/>
-        </p:nvCxnSpPr>
-        <p:spPr>
-          <a:xfrm flipH="1" flipV="1">
-            <a:off x="1953227" y="2268636"/>
-            <a:ext cx="590309" cy="1009891"/>
-          </a:xfrm>
-          <a:prstGeom prst="line">
-            <a:avLst/>
-          </a:prstGeom>
-        </p:spPr>
-        <p:style>
-          <a:lnRef idx="2">
-            <a:schemeClr val="accent1"/>
-          </a:lnRef>
-          <a:fillRef idx="0">
-            <a:schemeClr val="accent1"/>
-          </a:fillRef>
-          <a:effectRef idx="1">
-            <a:schemeClr val="accent1"/>
-          </a:effectRef>
-          <a:fontRef idx="minor">
-            <a:schemeClr val="tx1"/>
-          </a:fontRef>
-        </p:style>
-      </p:cxnSp>
-      <p:cxnSp>
-        <p:nvCxnSpPr>
-          <p:cNvPr id="14" name="Straight Connector 13">
-            <a:extLst>
-              <a:ext uri="{FF2B5EF4-FFF2-40B4-BE49-F238E27FC236}">
-                <a16:creationId xmlns:a16="http://schemas.microsoft.com/office/drawing/2014/main" id="{FF128FDF-662E-63C3-6B1A-1BCB195B884B}"/>
-              </a:ext>
-            </a:extLst>
-          </p:cNvPr>
-          <p:cNvCxnSpPr>
-            <a:cxnSpLocks/>
-          </p:cNvCxnSpPr>
-          <p:nvPr/>
-        </p:nvCxnSpPr>
-        <p:spPr>
-          <a:xfrm flipV="1">
-            <a:off x="2471195" y="1816704"/>
-            <a:ext cx="669884" cy="1656355"/>
-          </a:xfrm>
-          <a:prstGeom prst="line">
-            <a:avLst/>
-          </a:prstGeom>
-        </p:spPr>
-        <p:style>
-          <a:lnRef idx="2">
-            <a:schemeClr val="accent1"/>
-          </a:lnRef>
-          <a:fillRef idx="0">
-            <a:schemeClr val="accent1"/>
-          </a:fillRef>
-          <a:effectRef idx="1">
-            <a:schemeClr val="accent1"/>
-          </a:effectRef>
-          <a:fontRef idx="minor">
-            <a:schemeClr val="tx1"/>
-          </a:fontRef>
-        </p:style>
-      </p:cxnSp>
-      <p:cxnSp>
-        <p:nvCxnSpPr>
-          <p:cNvPr id="16" name="Straight Connector 15">
-            <a:extLst>
-              <a:ext uri="{FF2B5EF4-FFF2-40B4-BE49-F238E27FC236}">
-                <a16:creationId xmlns:a16="http://schemas.microsoft.com/office/drawing/2014/main" id="{6650A656-B778-6379-96F9-536B33D10EF3}"/>
-              </a:ext>
-            </a:extLst>
-          </p:cNvPr>
-          <p:cNvCxnSpPr>
-            <a:cxnSpLocks/>
-          </p:cNvCxnSpPr>
-          <p:nvPr/>
-        </p:nvCxnSpPr>
-        <p:spPr>
-          <a:xfrm flipH="1" flipV="1">
-            <a:off x="2324331" y="1795521"/>
-            <a:ext cx="453593" cy="918740"/>
-          </a:xfrm>
-          <a:prstGeom prst="line">
-            <a:avLst/>
-          </a:prstGeom>
-        </p:spPr>
-        <p:style>
-          <a:lnRef idx="2">
-            <a:schemeClr val="accent1"/>
-          </a:lnRef>
-          <a:fillRef idx="0">
-            <a:schemeClr val="accent1"/>
-          </a:fillRef>
-          <a:effectRef idx="1">
-            <a:schemeClr val="accent1"/>
-          </a:effectRef>
-          <a:fontRef idx="minor">
-            <a:schemeClr val="tx1"/>
-          </a:fontRef>
-        </p:style>
-      </p:cxnSp>
-      <p:cxnSp>
-        <p:nvCxnSpPr>
-          <p:cNvPr id="19" name="Straight Connector 18">
-            <a:extLst>
-              <a:ext uri="{FF2B5EF4-FFF2-40B4-BE49-F238E27FC236}">
-                <a16:creationId xmlns:a16="http://schemas.microsoft.com/office/drawing/2014/main" id="{135A0122-057C-1D74-CE16-1783AE5C08DE}"/>
-              </a:ext>
-            </a:extLst>
-          </p:cNvPr>
-          <p:cNvCxnSpPr>
-            <a:cxnSpLocks/>
-          </p:cNvCxnSpPr>
-          <p:nvPr/>
-        </p:nvCxnSpPr>
-        <p:spPr>
-          <a:xfrm flipV="1">
-            <a:off x="5214395" y="1365034"/>
-            <a:ext cx="382328" cy="1910599"/>
-          </a:xfrm>
-          <a:prstGeom prst="line">
-            <a:avLst/>
-          </a:prstGeom>
-        </p:spPr>
-        <p:style>
-          <a:lnRef idx="2">
-            <a:schemeClr val="accent1"/>
-          </a:lnRef>
-          <a:fillRef idx="0">
-            <a:schemeClr val="accent1"/>
-          </a:fillRef>
-          <a:effectRef idx="1">
-            <a:schemeClr val="accent1"/>
-          </a:effectRef>
-          <a:fontRef idx="minor">
-            <a:schemeClr val="tx1"/>
-          </a:fontRef>
-        </p:style>
-      </p:cxnSp>
-      <p:cxnSp>
-        <p:nvCxnSpPr>
-          <p:cNvPr id="21" name="Straight Connector 20">
-            <a:extLst>
-              <a:ext uri="{FF2B5EF4-FFF2-40B4-BE49-F238E27FC236}">
-                <a16:creationId xmlns:a16="http://schemas.microsoft.com/office/drawing/2014/main" id="{2D627DC8-DCDA-6334-07E4-81D7BA9CA14B}"/>
-              </a:ext>
-            </a:extLst>
-          </p:cNvPr>
-          <p:cNvCxnSpPr>
-            <a:cxnSpLocks/>
-          </p:cNvCxnSpPr>
-          <p:nvPr/>
-        </p:nvCxnSpPr>
-        <p:spPr>
-          <a:xfrm flipH="1" flipV="1">
-            <a:off x="4626980" y="2021361"/>
-            <a:ext cx="708949" cy="635027"/>
-          </a:xfrm>
-          <a:prstGeom prst="line">
-            <a:avLst/>
-          </a:prstGeom>
-        </p:spPr>
-        <p:style>
-          <a:lnRef idx="2">
-            <a:schemeClr val="accent1"/>
-          </a:lnRef>
-          <a:fillRef idx="0">
-            <a:schemeClr val="accent1"/>
-          </a:fillRef>
-          <a:effectRef idx="1">
-            <a:schemeClr val="accent1"/>
-          </a:effectRef>
-          <a:fontRef idx="minor">
-            <a:schemeClr val="tx1"/>
-          </a:fontRef>
-        </p:style>
-      </p:cxnSp>
-      <p:cxnSp>
-        <p:nvCxnSpPr>
-          <p:cNvPr id="24" name="Straight Connector 23">
-            <a:extLst>
-              <a:ext uri="{FF2B5EF4-FFF2-40B4-BE49-F238E27FC236}">
-                <a16:creationId xmlns:a16="http://schemas.microsoft.com/office/drawing/2014/main" id="{B75215DC-6700-A93C-7F48-BABFBDE5FA5F}"/>
-              </a:ext>
-            </a:extLst>
-          </p:cNvPr>
-          <p:cNvCxnSpPr>
-            <a:cxnSpLocks/>
-          </p:cNvCxnSpPr>
-          <p:nvPr/>
-        </p:nvCxnSpPr>
-        <p:spPr>
-          <a:xfrm flipH="1" flipV="1">
-            <a:off x="4864262" y="1594412"/>
-            <a:ext cx="564265" cy="674224"/>
-          </a:xfrm>
-          <a:prstGeom prst="line">
-            <a:avLst/>
-          </a:prstGeom>
-        </p:spPr>
-        <p:style>
-          <a:lnRef idx="2">
-            <a:schemeClr val="accent1"/>
-          </a:lnRef>
-          <a:fillRef idx="0">
-            <a:schemeClr val="accent1"/>
-          </a:fillRef>
-          <a:effectRef idx="1">
-            <a:schemeClr val="accent1"/>
-          </a:effectRef>
-          <a:fontRef idx="minor">
-            <a:schemeClr val="tx1"/>
-          </a:fontRef>
-        </p:style>
-      </p:cxnSp>
-      <p:cxnSp>
-        <p:nvCxnSpPr>
-          <p:cNvPr id="27" name="Straight Connector 26">
-            <a:extLst>
-              <a:ext uri="{FF2B5EF4-FFF2-40B4-BE49-F238E27FC236}">
-                <a16:creationId xmlns:a16="http://schemas.microsoft.com/office/drawing/2014/main" id="{EE5F58FA-EB04-459A-151C-19F4C34D14D4}"/>
-              </a:ext>
-            </a:extLst>
-          </p:cNvPr>
-          <p:cNvCxnSpPr>
-            <a:cxnSpLocks/>
-          </p:cNvCxnSpPr>
-          <p:nvPr/>
-        </p:nvCxnSpPr>
-        <p:spPr>
-          <a:xfrm flipV="1">
-            <a:off x="7413585" y="1495191"/>
-            <a:ext cx="893132" cy="831318"/>
-          </a:xfrm>
-          <a:prstGeom prst="line">
-            <a:avLst/>
-          </a:prstGeom>
-        </p:spPr>
-        <p:style>
-          <a:lnRef idx="2">
-            <a:schemeClr val="accent1"/>
-          </a:lnRef>
-          <a:fillRef idx="0">
-            <a:schemeClr val="accent1"/>
-          </a:fillRef>
-          <a:effectRef idx="1">
-            <a:schemeClr val="accent1"/>
-          </a:effectRef>
-          <a:fontRef idx="minor">
-            <a:schemeClr val="tx1"/>
-          </a:fontRef>
-        </p:style>
-      </p:cxnSp>
-      <p:cxnSp>
-        <p:nvCxnSpPr>
-          <p:cNvPr id="30" name="Straight Connector 29">
-            <a:extLst>
-              <a:ext uri="{FF2B5EF4-FFF2-40B4-BE49-F238E27FC236}">
-                <a16:creationId xmlns:a16="http://schemas.microsoft.com/office/drawing/2014/main" id="{340578D7-2FF4-281A-97D8-A6A1ECE5A759}"/>
-              </a:ext>
-            </a:extLst>
-          </p:cNvPr>
-          <p:cNvCxnSpPr>
-            <a:cxnSpLocks/>
-          </p:cNvCxnSpPr>
-          <p:nvPr/>
-        </p:nvCxnSpPr>
-        <p:spPr>
-          <a:xfrm>
-            <a:off x="7413585" y="2337856"/>
-            <a:ext cx="1226916" cy="202785"/>
-          </a:xfrm>
-          <a:prstGeom prst="line">
-            <a:avLst/>
-          </a:prstGeom>
-        </p:spPr>
-        <p:style>
-          <a:lnRef idx="2">
-            <a:schemeClr val="accent1"/>
-          </a:lnRef>
-          <a:fillRef idx="0">
-            <a:schemeClr val="accent1"/>
-          </a:fillRef>
-          <a:effectRef idx="1">
-            <a:schemeClr val="accent1"/>
-          </a:effectRef>
-          <a:fontRef idx="minor">
-            <a:schemeClr val="tx1"/>
-          </a:fontRef>
-        </p:style>
-      </p:cxnSp>
-      <p:sp>
-        <p:nvSpPr>
-          <p:cNvPr id="36" name="TextBox 35">
-            <a:extLst>
-              <a:ext uri="{FF2B5EF4-FFF2-40B4-BE49-F238E27FC236}">
-                <a16:creationId xmlns:a16="http://schemas.microsoft.com/office/drawing/2014/main" id="{E1A60A13-B181-6174-C145-CD784F8203F8}"/>
-              </a:ext>
-            </a:extLst>
-          </p:cNvPr>
-          <p:cNvSpPr txBox="1"/>
-          <p:nvPr/>
-        </p:nvSpPr>
-        <p:spPr>
-          <a:xfrm>
-            <a:off x="1297087" y="2516604"/>
-            <a:ext cx="885464" cy="246221"/>
+      <p:pic>
+        <p:nvPicPr>
+          <p:cNvPr id="3" name="Picture 2" descr="A circular chart with different colored circles&#10;&#10;AI-generated content may be incorrect.">
+            <a:extLst>
+              <a:ext uri="{FF2B5EF4-FFF2-40B4-BE49-F238E27FC236}">
+                <a16:creationId xmlns:a16="http://schemas.microsoft.com/office/drawing/2014/main" id="{C2E62E3D-30E5-F436-C535-D74C6B52821D}"/>
+              </a:ext>
+            </a:extLst>
+          </p:cNvPr>
+          <p:cNvPicPr>
+            <a:picLocks noChangeAspect="1"/>
+          </p:cNvPicPr>
+          <p:nvPr/>
+        </p:nvPicPr>
+        <p:blipFill>
+          <a:blip r:embed="rId2">
+            <a:extLst>
+              <a:ext uri="{28A0092B-C50C-407E-A947-70E740481C1C}">
+                <a14:useLocalDpi xmlns:a14="http://schemas.microsoft.com/office/drawing/2010/main" val="0"/>
+              </a:ext>
+            </a:extLst>
+          </a:blip>
+          <a:stretch>
+            <a:fillRect/>
+          </a:stretch>
+        </p:blipFill>
+        <p:spPr>
+          <a:xfrm>
+            <a:off x="0" y="1"/>
+            <a:ext cx="12192000" cy="6858000"/>
           </a:xfrm>
           <a:prstGeom prst="rect">
             <a:avLst/>
           </a:prstGeom>
-          <a:noFill/>
-        </p:spPr>
-        <p:txBody>
-          <a:bodyPr wrap="square" rtlCol="0">
-            <a:spAutoFit/>
-          </a:bodyPr>
-          <a:lstStyle/>
-          <a:p>
-            <a:r>
-              <a:rPr lang="en-US" sz="1000" dirty="0"/>
-              <a:t>Rhodophyta</a:t>
-            </a:r>
-          </a:p>
-        </p:txBody>
-      </p:sp>
-      <p:sp>
-        <p:nvSpPr>
-          <p:cNvPr id="39" name="TextBox 38">
-            <a:extLst>
-              <a:ext uri="{FF2B5EF4-FFF2-40B4-BE49-F238E27FC236}">
-                <a16:creationId xmlns:a16="http://schemas.microsoft.com/office/drawing/2014/main" id="{C25E415D-C8A3-B85B-3744-09054A6296A8}"/>
-              </a:ext>
-            </a:extLst>
-          </p:cNvPr>
-          <p:cNvSpPr txBox="1"/>
-          <p:nvPr/>
-        </p:nvSpPr>
-        <p:spPr>
-          <a:xfrm>
-            <a:off x="1640162" y="1935605"/>
-            <a:ext cx="885464" cy="246221"/>
-          </a:xfrm>
-          <a:prstGeom prst="rect">
-            <a:avLst/>
-          </a:prstGeom>
-          <a:noFill/>
-        </p:spPr>
-        <p:txBody>
-          <a:bodyPr wrap="square" rtlCol="0">
-            <a:spAutoFit/>
-          </a:bodyPr>
-          <a:lstStyle/>
-          <a:p>
-            <a:r>
-              <a:rPr lang="en-US" sz="1000" dirty="0"/>
-              <a:t>Chlorophyta</a:t>
-            </a:r>
-          </a:p>
-        </p:txBody>
-      </p:sp>
-      <p:sp>
-        <p:nvSpPr>
-          <p:cNvPr id="40" name="TextBox 39">
-            <a:extLst>
-              <a:ext uri="{FF2B5EF4-FFF2-40B4-BE49-F238E27FC236}">
-                <a16:creationId xmlns:a16="http://schemas.microsoft.com/office/drawing/2014/main" id="{79477B01-461E-9542-3592-BD8988DD3630}"/>
-              </a:ext>
-            </a:extLst>
-          </p:cNvPr>
-          <p:cNvSpPr txBox="1"/>
-          <p:nvPr/>
-        </p:nvSpPr>
-        <p:spPr>
-          <a:xfrm>
-            <a:off x="2914640" y="2201855"/>
-            <a:ext cx="962144" cy="246221"/>
-          </a:xfrm>
-          <a:prstGeom prst="rect">
-            <a:avLst/>
-          </a:prstGeom>
-          <a:noFill/>
-        </p:spPr>
-        <p:txBody>
-          <a:bodyPr wrap="square" rtlCol="0">
-            <a:spAutoFit/>
-          </a:bodyPr>
-          <a:lstStyle/>
-          <a:p>
-            <a:r>
-              <a:rPr lang="en-US" sz="1000" dirty="0" err="1"/>
-              <a:t>Streptophyta</a:t>
-            </a:r>
-            <a:endParaRPr lang="en-US" sz="1000" dirty="0"/>
-          </a:p>
-        </p:txBody>
-      </p:sp>
-      <p:sp>
-        <p:nvSpPr>
-          <p:cNvPr id="46" name="TextBox 45">
-            <a:extLst>
-              <a:ext uri="{FF2B5EF4-FFF2-40B4-BE49-F238E27FC236}">
-                <a16:creationId xmlns:a16="http://schemas.microsoft.com/office/drawing/2014/main" id="{DFF78256-4004-5551-9211-7CCE7288B698}"/>
-              </a:ext>
-            </a:extLst>
-          </p:cNvPr>
-          <p:cNvSpPr txBox="1"/>
-          <p:nvPr/>
-        </p:nvSpPr>
-        <p:spPr>
-          <a:xfrm>
-            <a:off x="4431837" y="4871105"/>
-            <a:ext cx="1034486" cy="246221"/>
-          </a:xfrm>
-          <a:prstGeom prst="rect">
-            <a:avLst/>
-          </a:prstGeom>
-          <a:noFill/>
-        </p:spPr>
-        <p:txBody>
-          <a:bodyPr wrap="square" rtlCol="0">
-            <a:spAutoFit/>
-          </a:bodyPr>
-          <a:lstStyle/>
-          <a:p>
-            <a:r>
-              <a:rPr lang="en-US" sz="1000" dirty="0" err="1"/>
-              <a:t>Metamonada</a:t>
-            </a:r>
-            <a:endParaRPr lang="en-US" sz="1000" dirty="0"/>
-          </a:p>
-        </p:txBody>
-      </p:sp>
-      <p:sp>
-        <p:nvSpPr>
-          <p:cNvPr id="47" name="TextBox 46">
-            <a:extLst>
-              <a:ext uri="{FF2B5EF4-FFF2-40B4-BE49-F238E27FC236}">
-                <a16:creationId xmlns:a16="http://schemas.microsoft.com/office/drawing/2014/main" id="{799B8D34-BE77-4494-4F8B-E76F9BAA6F7E}"/>
-              </a:ext>
-            </a:extLst>
-          </p:cNvPr>
-          <p:cNvSpPr txBox="1"/>
-          <p:nvPr/>
-        </p:nvSpPr>
-        <p:spPr>
-          <a:xfrm>
-            <a:off x="5346342" y="4514586"/>
-            <a:ext cx="1034486" cy="246221"/>
-          </a:xfrm>
-          <a:prstGeom prst="rect">
-            <a:avLst/>
-          </a:prstGeom>
-          <a:noFill/>
-        </p:spPr>
-        <p:txBody>
-          <a:bodyPr wrap="square" rtlCol="0">
-            <a:spAutoFit/>
-          </a:bodyPr>
-          <a:lstStyle/>
-          <a:p>
-            <a:r>
-              <a:rPr lang="en-US" sz="1000" dirty="0" err="1"/>
-              <a:t>Discoba</a:t>
-            </a:r>
-            <a:endParaRPr lang="en-US" sz="1000" dirty="0"/>
-          </a:p>
-        </p:txBody>
-      </p:sp>
-      <p:sp>
-        <p:nvSpPr>
-          <p:cNvPr id="49" name="Oval 48">
-            <a:extLst>
-              <a:ext uri="{FF2B5EF4-FFF2-40B4-BE49-F238E27FC236}">
-                <a16:creationId xmlns:a16="http://schemas.microsoft.com/office/drawing/2014/main" id="{803BD206-D1E4-D1E9-338B-BF91A29DF7D7}"/>
-              </a:ext>
-            </a:extLst>
-          </p:cNvPr>
-          <p:cNvSpPr/>
-          <p:nvPr/>
-        </p:nvSpPr>
-        <p:spPr>
-          <a:xfrm>
-            <a:off x="3980696" y="619703"/>
-            <a:ext cx="2711368" cy="2394003"/>
-          </a:xfrm>
-          <a:prstGeom prst="ellipse">
-            <a:avLst/>
-          </a:prstGeom>
-          <a:solidFill>
-            <a:schemeClr val="accent2">
-              <a:lumMod val="75000"/>
-              <a:alpha val="20000"/>
-            </a:schemeClr>
-          </a:solidFill>
-        </p:spPr>
-        <p:style>
-          <a:lnRef idx="2">
-            <a:schemeClr val="accent1">
-              <a:shade val="15000"/>
-            </a:schemeClr>
-          </a:lnRef>
-          <a:fillRef idx="1">
-            <a:schemeClr val="accent1"/>
-          </a:fillRef>
-          <a:effectRef idx="0">
-            <a:schemeClr val="accent1"/>
-          </a:effectRef>
-          <a:fontRef idx="minor">
-            <a:schemeClr val="lt1"/>
-          </a:fontRef>
-        </p:style>
-        <p:txBody>
-          <a:bodyPr rtlCol="0" anchor="ctr"/>
-          <a:lstStyle/>
-          <a:p>
-            <a:pPr algn="ctr"/>
-            <a:endParaRPr lang="en-US" dirty="0"/>
-          </a:p>
-        </p:txBody>
-      </p:sp>
-      <p:sp>
-        <p:nvSpPr>
-          <p:cNvPr id="50" name="TextBox 49">
-            <a:extLst>
-              <a:ext uri="{FF2B5EF4-FFF2-40B4-BE49-F238E27FC236}">
-                <a16:creationId xmlns:a16="http://schemas.microsoft.com/office/drawing/2014/main" id="{ACC06168-AEA9-95AA-DD43-2229E5E550AF}"/>
-              </a:ext>
-            </a:extLst>
-          </p:cNvPr>
-          <p:cNvSpPr txBox="1"/>
-          <p:nvPr/>
-        </p:nvSpPr>
-        <p:spPr>
-          <a:xfrm>
-            <a:off x="4369445" y="2227865"/>
-            <a:ext cx="962144" cy="246221"/>
-          </a:xfrm>
-          <a:prstGeom prst="rect">
-            <a:avLst/>
-          </a:prstGeom>
-          <a:noFill/>
-        </p:spPr>
-        <p:txBody>
-          <a:bodyPr wrap="square" rtlCol="0">
-            <a:spAutoFit/>
-          </a:bodyPr>
-          <a:lstStyle/>
-          <a:p>
-            <a:r>
-              <a:rPr lang="en-US" sz="1000" dirty="0" err="1"/>
-              <a:t>Rhizaria</a:t>
-            </a:r>
-            <a:endParaRPr lang="en-US" sz="1000" dirty="0"/>
-          </a:p>
-        </p:txBody>
-      </p:sp>
-      <p:sp>
-        <p:nvSpPr>
-          <p:cNvPr id="51" name="TextBox 50">
-            <a:extLst>
-              <a:ext uri="{FF2B5EF4-FFF2-40B4-BE49-F238E27FC236}">
-                <a16:creationId xmlns:a16="http://schemas.microsoft.com/office/drawing/2014/main" id="{21799F08-E74C-B91B-346F-A2F15042E973}"/>
-              </a:ext>
-            </a:extLst>
-          </p:cNvPr>
-          <p:cNvSpPr txBox="1"/>
-          <p:nvPr/>
-        </p:nvSpPr>
-        <p:spPr>
-          <a:xfrm>
-            <a:off x="4426799" y="1711200"/>
-            <a:ext cx="962144" cy="246221"/>
-          </a:xfrm>
-          <a:prstGeom prst="rect">
-            <a:avLst/>
-          </a:prstGeom>
-          <a:noFill/>
-        </p:spPr>
-        <p:txBody>
-          <a:bodyPr wrap="square" rtlCol="0">
-            <a:spAutoFit/>
-          </a:bodyPr>
-          <a:lstStyle/>
-          <a:p>
-            <a:r>
-              <a:rPr lang="en-US" sz="1000" dirty="0" err="1"/>
-              <a:t>Alveolata</a:t>
-            </a:r>
-            <a:endParaRPr lang="en-US" sz="1000" dirty="0"/>
-          </a:p>
-        </p:txBody>
-      </p:sp>
-      <p:sp>
-        <p:nvSpPr>
-          <p:cNvPr id="52" name="TextBox 51">
-            <a:extLst>
-              <a:ext uri="{FF2B5EF4-FFF2-40B4-BE49-F238E27FC236}">
-                <a16:creationId xmlns:a16="http://schemas.microsoft.com/office/drawing/2014/main" id="{71FC45A3-B10C-86D9-3C08-3368BDFEFA88}"/>
-              </a:ext>
-            </a:extLst>
-          </p:cNvPr>
-          <p:cNvSpPr txBox="1"/>
-          <p:nvPr/>
-        </p:nvSpPr>
-        <p:spPr>
-          <a:xfrm>
-            <a:off x="5451361" y="1877731"/>
-            <a:ext cx="1062875" cy="246221"/>
-          </a:xfrm>
-          <a:prstGeom prst="rect">
-            <a:avLst/>
-          </a:prstGeom>
-          <a:noFill/>
-        </p:spPr>
-        <p:txBody>
-          <a:bodyPr wrap="square" rtlCol="0">
-            <a:spAutoFit/>
-          </a:bodyPr>
-          <a:lstStyle/>
-          <a:p>
-            <a:r>
-              <a:rPr lang="en-US" sz="1000" dirty="0" err="1"/>
-              <a:t>Stramenopiles</a:t>
-            </a:r>
-            <a:endParaRPr lang="en-US" sz="1000" dirty="0"/>
-          </a:p>
-        </p:txBody>
-      </p:sp>
-      <p:sp>
-        <p:nvSpPr>
-          <p:cNvPr id="53" name="Oval 52">
-            <a:extLst>
-              <a:ext uri="{FF2B5EF4-FFF2-40B4-BE49-F238E27FC236}">
-                <a16:creationId xmlns:a16="http://schemas.microsoft.com/office/drawing/2014/main" id="{3EDE6128-A97D-F354-F3EB-732F8EBED4C9}"/>
-              </a:ext>
-            </a:extLst>
-          </p:cNvPr>
-          <p:cNvSpPr/>
-          <p:nvPr/>
-        </p:nvSpPr>
-        <p:spPr>
-          <a:xfrm>
-            <a:off x="6758736" y="623104"/>
-            <a:ext cx="3606791" cy="3347010"/>
-          </a:xfrm>
-          <a:prstGeom prst="ellipse">
-            <a:avLst/>
-          </a:prstGeom>
-          <a:solidFill>
-            <a:schemeClr val="tx2">
-              <a:lumMod val="90000"/>
-              <a:lumOff val="10000"/>
-              <a:alpha val="20000"/>
-            </a:schemeClr>
-          </a:solidFill>
-        </p:spPr>
-        <p:style>
-          <a:lnRef idx="2">
-            <a:schemeClr val="accent1">
-              <a:shade val="15000"/>
-            </a:schemeClr>
-          </a:lnRef>
-          <a:fillRef idx="1">
-            <a:schemeClr val="accent1"/>
-          </a:fillRef>
-          <a:effectRef idx="0">
-            <a:schemeClr val="accent1"/>
-          </a:effectRef>
-          <a:fontRef idx="minor">
-            <a:schemeClr val="lt1"/>
-          </a:fontRef>
-        </p:style>
-        <p:txBody>
-          <a:bodyPr rtlCol="0" anchor="ctr"/>
-          <a:lstStyle/>
-          <a:p>
-            <a:pPr algn="ctr"/>
-            <a:endParaRPr lang="en-US" dirty="0"/>
-          </a:p>
-        </p:txBody>
-      </p:sp>
-      <p:sp>
-        <p:nvSpPr>
-          <p:cNvPr id="54" name="TextBox 53">
-            <a:extLst>
-              <a:ext uri="{FF2B5EF4-FFF2-40B4-BE49-F238E27FC236}">
-                <a16:creationId xmlns:a16="http://schemas.microsoft.com/office/drawing/2014/main" id="{68E284C8-3B96-4CEE-1E84-B93AFD61A8C7}"/>
-              </a:ext>
-            </a:extLst>
-          </p:cNvPr>
-          <p:cNvSpPr txBox="1"/>
-          <p:nvPr/>
-        </p:nvSpPr>
-        <p:spPr>
-          <a:xfrm>
-            <a:off x="7563205" y="805356"/>
-            <a:ext cx="2008207" cy="369332"/>
-          </a:xfrm>
-          <a:prstGeom prst="rect">
-            <a:avLst/>
-          </a:prstGeom>
-          <a:noFill/>
-        </p:spPr>
-        <p:txBody>
-          <a:bodyPr wrap="square" rtlCol="0">
-            <a:spAutoFit/>
-          </a:bodyPr>
-          <a:lstStyle/>
-          <a:p>
-            <a:pPr algn="ctr"/>
-            <a:r>
-              <a:rPr lang="en-US" dirty="0" err="1"/>
-              <a:t>Amorphea</a:t>
-            </a:r>
-            <a:endParaRPr lang="en-US" dirty="0"/>
-          </a:p>
-        </p:txBody>
-      </p:sp>
-      <p:sp>
-        <p:nvSpPr>
-          <p:cNvPr id="55" name="TextBox 54">
-            <a:extLst>
-              <a:ext uri="{FF2B5EF4-FFF2-40B4-BE49-F238E27FC236}">
-                <a16:creationId xmlns:a16="http://schemas.microsoft.com/office/drawing/2014/main" id="{E8137989-C7E0-D1D5-7267-5E68A2F06221}"/>
-              </a:ext>
-            </a:extLst>
-          </p:cNvPr>
-          <p:cNvSpPr txBox="1"/>
-          <p:nvPr/>
-        </p:nvSpPr>
-        <p:spPr>
-          <a:xfrm>
-            <a:off x="4382642" y="743453"/>
-            <a:ext cx="2008207" cy="369332"/>
-          </a:xfrm>
-          <a:prstGeom prst="rect">
-            <a:avLst/>
-          </a:prstGeom>
-          <a:noFill/>
-        </p:spPr>
-        <p:txBody>
-          <a:bodyPr wrap="square" rtlCol="0">
-            <a:spAutoFit/>
-          </a:bodyPr>
-          <a:lstStyle/>
-          <a:p>
-            <a:pPr algn="ctr"/>
-            <a:r>
-              <a:rPr lang="en-US" dirty="0"/>
-              <a:t>SAR</a:t>
-            </a:r>
-          </a:p>
-        </p:txBody>
-      </p:sp>
-      <p:sp>
-        <p:nvSpPr>
-          <p:cNvPr id="56" name="TextBox 55">
-            <a:extLst>
-              <a:ext uri="{FF2B5EF4-FFF2-40B4-BE49-F238E27FC236}">
-                <a16:creationId xmlns:a16="http://schemas.microsoft.com/office/drawing/2014/main" id="{69EF1871-B793-1C63-CAA9-DC21D3D0517D}"/>
-              </a:ext>
-            </a:extLst>
-          </p:cNvPr>
-          <p:cNvSpPr txBox="1"/>
-          <p:nvPr/>
-        </p:nvSpPr>
-        <p:spPr>
-          <a:xfrm>
-            <a:off x="1440327" y="1386009"/>
-            <a:ext cx="2008207" cy="369332"/>
-          </a:xfrm>
-          <a:prstGeom prst="rect">
-            <a:avLst/>
-          </a:prstGeom>
-          <a:noFill/>
-        </p:spPr>
-        <p:txBody>
-          <a:bodyPr wrap="square" rtlCol="0">
-            <a:spAutoFit/>
-          </a:bodyPr>
-          <a:lstStyle/>
-          <a:p>
-            <a:pPr algn="ctr"/>
-            <a:r>
-              <a:rPr lang="en-US" dirty="0"/>
-              <a:t>Archaeplastida</a:t>
-            </a:r>
-          </a:p>
-        </p:txBody>
-      </p:sp>
-      <p:sp>
-        <p:nvSpPr>
-          <p:cNvPr id="57" name="TextBox 56">
-            <a:extLst>
-              <a:ext uri="{FF2B5EF4-FFF2-40B4-BE49-F238E27FC236}">
-                <a16:creationId xmlns:a16="http://schemas.microsoft.com/office/drawing/2014/main" id="{B0443472-EFFA-924E-2D90-860BFD89AA42}"/>
-              </a:ext>
-            </a:extLst>
-          </p:cNvPr>
-          <p:cNvSpPr txBox="1"/>
-          <p:nvPr/>
-        </p:nvSpPr>
-        <p:spPr>
-          <a:xfrm>
-            <a:off x="4331824" y="5788515"/>
-            <a:ext cx="2008207" cy="369332"/>
-          </a:xfrm>
-          <a:prstGeom prst="rect">
-            <a:avLst/>
-          </a:prstGeom>
-          <a:noFill/>
-        </p:spPr>
-        <p:txBody>
-          <a:bodyPr wrap="square" rtlCol="0">
-            <a:spAutoFit/>
-          </a:bodyPr>
-          <a:lstStyle/>
-          <a:p>
-            <a:pPr algn="ctr"/>
-            <a:r>
-              <a:rPr lang="en-US" dirty="0" err="1"/>
-              <a:t>Excavata</a:t>
-            </a:r>
-            <a:endParaRPr lang="en-US" dirty="0"/>
-          </a:p>
-        </p:txBody>
-      </p:sp>
-      <p:cxnSp>
-        <p:nvCxnSpPr>
-          <p:cNvPr id="59" name="Straight Arrow Connector 58">
-            <a:extLst>
-              <a:ext uri="{FF2B5EF4-FFF2-40B4-BE49-F238E27FC236}">
-                <a16:creationId xmlns:a16="http://schemas.microsoft.com/office/drawing/2014/main" id="{F7C1CEC9-22D5-7906-4986-27EB4D75944C}"/>
-              </a:ext>
-            </a:extLst>
-          </p:cNvPr>
-          <p:cNvCxnSpPr>
-            <a:cxnSpLocks/>
-          </p:cNvCxnSpPr>
-          <p:nvPr/>
-        </p:nvCxnSpPr>
-        <p:spPr>
-          <a:xfrm flipV="1">
-            <a:off x="2047996" y="4487545"/>
-            <a:ext cx="7900" cy="1201412"/>
-          </a:xfrm>
-          <a:prstGeom prst="straightConnector1">
-            <a:avLst/>
-          </a:prstGeom>
-          <a:ln>
-            <a:tailEnd type="triangle"/>
-          </a:ln>
-        </p:spPr>
-        <p:style>
-          <a:lnRef idx="2">
-            <a:schemeClr val="dk1"/>
-          </a:lnRef>
-          <a:fillRef idx="0">
-            <a:schemeClr val="dk1"/>
-          </a:fillRef>
-          <a:effectRef idx="1">
-            <a:schemeClr val="dk1"/>
-          </a:effectRef>
-          <a:fontRef idx="minor">
-            <a:schemeClr val="tx1"/>
-          </a:fontRef>
-        </p:style>
-      </p:cxnSp>
-      <p:sp>
-        <p:nvSpPr>
-          <p:cNvPr id="61" name="TextBox 60">
-            <a:extLst>
-              <a:ext uri="{FF2B5EF4-FFF2-40B4-BE49-F238E27FC236}">
-                <a16:creationId xmlns:a16="http://schemas.microsoft.com/office/drawing/2014/main" id="{32F918D0-9A74-158A-0654-2F40ADB4C191}"/>
-              </a:ext>
-            </a:extLst>
-          </p:cNvPr>
-          <p:cNvSpPr txBox="1"/>
-          <p:nvPr/>
-        </p:nvSpPr>
-        <p:spPr>
-          <a:xfrm>
-            <a:off x="1337418" y="5685077"/>
-            <a:ext cx="1559327" cy="400110"/>
-          </a:xfrm>
-          <a:prstGeom prst="rect">
-            <a:avLst/>
-          </a:prstGeom>
-          <a:noFill/>
-          <a:ln>
-            <a:solidFill>
-              <a:schemeClr val="accent3">
-                <a:lumMod val="75000"/>
-              </a:schemeClr>
-            </a:solidFill>
-          </a:ln>
-        </p:spPr>
-        <p:txBody>
-          <a:bodyPr wrap="square" rtlCol="0">
-            <a:spAutoFit/>
-          </a:bodyPr>
-          <a:lstStyle/>
-          <a:p>
-            <a:r>
-              <a:rPr lang="en-US" sz="1000" dirty="0"/>
-              <a:t>Primary Endosymbiosis</a:t>
-            </a:r>
-          </a:p>
-          <a:p>
-            <a:pPr algn="ctr"/>
-            <a:r>
-              <a:rPr lang="en-US" sz="1000" dirty="0"/>
-              <a:t>Event</a:t>
-            </a:r>
-          </a:p>
-        </p:txBody>
-      </p:sp>
-      <p:cxnSp>
-        <p:nvCxnSpPr>
-          <p:cNvPr id="62" name="Straight Arrow Connector 61">
-            <a:extLst>
-              <a:ext uri="{FF2B5EF4-FFF2-40B4-BE49-F238E27FC236}">
-                <a16:creationId xmlns:a16="http://schemas.microsoft.com/office/drawing/2014/main" id="{3263FC4B-11FB-AE11-94D0-C56410F6B5D9}"/>
-              </a:ext>
-            </a:extLst>
-          </p:cNvPr>
-          <p:cNvCxnSpPr>
-            <a:cxnSpLocks/>
-            <a:stCxn id="64" idx="3"/>
-          </p:cNvCxnSpPr>
-          <p:nvPr/>
-        </p:nvCxnSpPr>
-        <p:spPr>
-          <a:xfrm>
-            <a:off x="4426799" y="387693"/>
-            <a:ext cx="1208943" cy="1292567"/>
-          </a:xfrm>
-          <a:prstGeom prst="straightConnector1">
-            <a:avLst/>
-          </a:prstGeom>
-          <a:ln>
-            <a:tailEnd type="triangle"/>
-          </a:ln>
-        </p:spPr>
-        <p:style>
-          <a:lnRef idx="2">
-            <a:schemeClr val="dk1"/>
-          </a:lnRef>
-          <a:fillRef idx="0">
-            <a:schemeClr val="dk1"/>
-          </a:fillRef>
-          <a:effectRef idx="1">
-            <a:schemeClr val="dk1"/>
-          </a:effectRef>
-          <a:fontRef idx="minor">
-            <a:schemeClr val="tx1"/>
-          </a:fontRef>
-        </p:style>
-      </p:cxnSp>
-      <p:sp>
-        <p:nvSpPr>
-          <p:cNvPr id="64" name="TextBox 63">
-            <a:extLst>
-              <a:ext uri="{FF2B5EF4-FFF2-40B4-BE49-F238E27FC236}">
-                <a16:creationId xmlns:a16="http://schemas.microsoft.com/office/drawing/2014/main" id="{58D79DB5-79B7-7287-8E67-9E20E671C247}"/>
-              </a:ext>
-            </a:extLst>
-          </p:cNvPr>
-          <p:cNvSpPr txBox="1"/>
-          <p:nvPr/>
-        </p:nvSpPr>
-        <p:spPr>
-          <a:xfrm>
-            <a:off x="2709042" y="187638"/>
-            <a:ext cx="1717757" cy="400110"/>
-          </a:xfrm>
-          <a:prstGeom prst="rect">
-            <a:avLst/>
-          </a:prstGeom>
-          <a:noFill/>
-          <a:ln>
-            <a:solidFill>
-              <a:schemeClr val="accent2">
-                <a:lumMod val="75000"/>
-              </a:schemeClr>
-            </a:solidFill>
-          </a:ln>
-        </p:spPr>
-        <p:txBody>
-          <a:bodyPr wrap="square" rtlCol="0">
-            <a:spAutoFit/>
-          </a:bodyPr>
-          <a:lstStyle/>
-          <a:p>
-            <a:pPr algn="ctr"/>
-            <a:r>
-              <a:rPr lang="en-US" sz="1000" dirty="0"/>
-              <a:t>Secondary Endosymbiosis Event</a:t>
-            </a:r>
-          </a:p>
-        </p:txBody>
-      </p:sp>
-      <p:cxnSp>
-        <p:nvCxnSpPr>
-          <p:cNvPr id="69" name="Straight Arrow Connector 68">
-            <a:extLst>
-              <a:ext uri="{FF2B5EF4-FFF2-40B4-BE49-F238E27FC236}">
-                <a16:creationId xmlns:a16="http://schemas.microsoft.com/office/drawing/2014/main" id="{7DA35436-5D6C-6CC7-3984-4E3E8E8DB21A}"/>
-              </a:ext>
-            </a:extLst>
-          </p:cNvPr>
-          <p:cNvCxnSpPr>
-            <a:cxnSpLocks/>
-            <a:stCxn id="64" idx="3"/>
-          </p:cNvCxnSpPr>
-          <p:nvPr/>
-        </p:nvCxnSpPr>
-        <p:spPr>
-          <a:xfrm>
-            <a:off x="4426799" y="387693"/>
-            <a:ext cx="522281" cy="1292567"/>
-          </a:xfrm>
-          <a:prstGeom prst="straightConnector1">
-            <a:avLst/>
-          </a:prstGeom>
-          <a:ln>
-            <a:tailEnd type="triangle"/>
-          </a:ln>
-        </p:spPr>
-        <p:style>
-          <a:lnRef idx="2">
-            <a:schemeClr val="dk1"/>
-          </a:lnRef>
-          <a:fillRef idx="0">
-            <a:schemeClr val="dk1"/>
-          </a:fillRef>
-          <a:effectRef idx="1">
-            <a:schemeClr val="dk1"/>
-          </a:effectRef>
-          <a:fontRef idx="minor">
-            <a:schemeClr val="tx1"/>
-          </a:fontRef>
-        </p:style>
-      </p:cxnSp>
-      <p:cxnSp>
-        <p:nvCxnSpPr>
-          <p:cNvPr id="73" name="Straight Arrow Connector 72">
-            <a:extLst>
-              <a:ext uri="{FF2B5EF4-FFF2-40B4-BE49-F238E27FC236}">
-                <a16:creationId xmlns:a16="http://schemas.microsoft.com/office/drawing/2014/main" id="{40183B61-BEF5-40E3-78FB-F86D5DEE990A}"/>
-              </a:ext>
-            </a:extLst>
-          </p:cNvPr>
-          <p:cNvCxnSpPr>
-            <a:cxnSpLocks/>
-          </p:cNvCxnSpPr>
-          <p:nvPr/>
-        </p:nvCxnSpPr>
-        <p:spPr>
-          <a:xfrm flipH="1">
-            <a:off x="5604615" y="4718441"/>
-            <a:ext cx="1418050" cy="325564"/>
-          </a:xfrm>
-          <a:prstGeom prst="straightConnector1">
-            <a:avLst/>
-          </a:prstGeom>
-          <a:ln>
-            <a:solidFill>
-              <a:schemeClr val="tx1"/>
-            </a:solidFill>
-            <a:tailEnd type="triangle"/>
-          </a:ln>
-        </p:spPr>
-        <p:style>
-          <a:lnRef idx="2">
-            <a:schemeClr val="accent1"/>
-          </a:lnRef>
-          <a:fillRef idx="0">
-            <a:schemeClr val="accent1"/>
-          </a:fillRef>
-          <a:effectRef idx="1">
-            <a:schemeClr val="accent1"/>
-          </a:effectRef>
-          <a:fontRef idx="minor">
-            <a:schemeClr val="tx1"/>
-          </a:fontRef>
-        </p:style>
-      </p:cxnSp>
-      <p:sp>
-        <p:nvSpPr>
-          <p:cNvPr id="81" name="TextBox 80">
-            <a:extLst>
-              <a:ext uri="{FF2B5EF4-FFF2-40B4-BE49-F238E27FC236}">
-                <a16:creationId xmlns:a16="http://schemas.microsoft.com/office/drawing/2014/main" id="{742E1DD4-8213-3370-6D14-1CED41C2A339}"/>
-              </a:ext>
-            </a:extLst>
-          </p:cNvPr>
-          <p:cNvSpPr txBox="1"/>
-          <p:nvPr/>
-        </p:nvSpPr>
-        <p:spPr>
-          <a:xfrm>
-            <a:off x="7027640" y="4412379"/>
-            <a:ext cx="1717757" cy="400110"/>
-          </a:xfrm>
-          <a:prstGeom prst="rect">
-            <a:avLst/>
-          </a:prstGeom>
-          <a:noFill/>
-          <a:ln>
-            <a:solidFill>
-              <a:schemeClr val="accent2">
-                <a:lumMod val="75000"/>
-              </a:schemeClr>
-            </a:solidFill>
-          </a:ln>
-        </p:spPr>
-        <p:txBody>
-          <a:bodyPr wrap="square" rtlCol="0">
-            <a:spAutoFit/>
-          </a:bodyPr>
-          <a:lstStyle/>
-          <a:p>
-            <a:pPr algn="ctr"/>
-            <a:r>
-              <a:rPr lang="en-US" sz="1000" dirty="0"/>
-              <a:t>Secondary Endosymbiosis Event</a:t>
-            </a:r>
-          </a:p>
-        </p:txBody>
-      </p:sp>
-      <p:cxnSp>
-        <p:nvCxnSpPr>
-          <p:cNvPr id="11" name="Straight Connector 10">
-            <a:extLst>
-              <a:ext uri="{FF2B5EF4-FFF2-40B4-BE49-F238E27FC236}">
-                <a16:creationId xmlns:a16="http://schemas.microsoft.com/office/drawing/2014/main" id="{E8709B0C-E3BF-673D-7A02-B29DD8D457BD}"/>
-              </a:ext>
-            </a:extLst>
-          </p:cNvPr>
-          <p:cNvCxnSpPr/>
-          <p:nvPr/>
-        </p:nvCxnSpPr>
-        <p:spPr>
-          <a:xfrm>
-            <a:off x="5505207" y="4831588"/>
-            <a:ext cx="122676" cy="428893"/>
-          </a:xfrm>
-          <a:prstGeom prst="line">
-            <a:avLst/>
-          </a:prstGeom>
-        </p:spPr>
-        <p:style>
-          <a:lnRef idx="2">
-            <a:schemeClr val="accent1"/>
-          </a:lnRef>
-          <a:fillRef idx="0">
-            <a:schemeClr val="accent1"/>
-          </a:fillRef>
-          <a:effectRef idx="1">
-            <a:schemeClr val="accent1"/>
-          </a:effectRef>
-          <a:fontRef idx="minor">
-            <a:schemeClr val="tx1"/>
-          </a:fontRef>
-        </p:style>
-      </p:cxnSp>
-      <p:sp>
-        <p:nvSpPr>
-          <p:cNvPr id="23" name="TextBox 22">
-            <a:extLst>
-              <a:ext uri="{FF2B5EF4-FFF2-40B4-BE49-F238E27FC236}">
-                <a16:creationId xmlns:a16="http://schemas.microsoft.com/office/drawing/2014/main" id="{40839AEC-4941-814F-B53B-5AF3D37489C3}"/>
-              </a:ext>
-            </a:extLst>
-          </p:cNvPr>
-          <p:cNvSpPr txBox="1"/>
-          <p:nvPr/>
-        </p:nvSpPr>
-        <p:spPr>
-          <a:xfrm>
-            <a:off x="5571083" y="5127767"/>
-            <a:ext cx="889630" cy="400110"/>
-          </a:xfrm>
-          <a:prstGeom prst="rect">
-            <a:avLst/>
-          </a:prstGeom>
-          <a:noFill/>
-        </p:spPr>
-        <p:txBody>
-          <a:bodyPr wrap="square" rtlCol="0">
-            <a:spAutoFit/>
-          </a:bodyPr>
-          <a:lstStyle/>
-          <a:p>
-            <a:r>
-              <a:rPr lang="en-US" sz="1000" i="1" dirty="0"/>
-              <a:t>Euglena </a:t>
-            </a:r>
-            <a:r>
-              <a:rPr lang="en-US" sz="1000" i="1" dirty="0" err="1"/>
-              <a:t>gracilis</a:t>
-            </a:r>
-            <a:endParaRPr lang="en-US" sz="1000" i="1" dirty="0"/>
-          </a:p>
-        </p:txBody>
-      </p:sp>
-      <p:cxnSp>
-        <p:nvCxnSpPr>
-          <p:cNvPr id="28" name="Straight Connector 27">
-            <a:extLst>
-              <a:ext uri="{FF2B5EF4-FFF2-40B4-BE49-F238E27FC236}">
-                <a16:creationId xmlns:a16="http://schemas.microsoft.com/office/drawing/2014/main" id="{22072B39-108E-1C4C-F778-868EB6594EB0}"/>
-              </a:ext>
-            </a:extLst>
-          </p:cNvPr>
-          <p:cNvCxnSpPr>
-            <a:cxnSpLocks/>
-          </p:cNvCxnSpPr>
-          <p:nvPr/>
-        </p:nvCxnSpPr>
-        <p:spPr>
-          <a:xfrm flipV="1">
-            <a:off x="5059694" y="1456969"/>
-            <a:ext cx="235361" cy="359736"/>
-          </a:xfrm>
-          <a:prstGeom prst="line">
-            <a:avLst/>
-          </a:prstGeom>
-        </p:spPr>
-        <p:style>
-          <a:lnRef idx="2">
-            <a:schemeClr val="accent1"/>
-          </a:lnRef>
-          <a:fillRef idx="0">
-            <a:schemeClr val="accent1"/>
-          </a:fillRef>
-          <a:effectRef idx="1">
-            <a:schemeClr val="accent1"/>
-          </a:effectRef>
-          <a:fontRef idx="minor">
-            <a:schemeClr val="tx1"/>
-          </a:fontRef>
-        </p:style>
-      </p:cxnSp>
-      <p:cxnSp>
-        <p:nvCxnSpPr>
-          <p:cNvPr id="31" name="Straight Connector 30">
-            <a:extLst>
-              <a:ext uri="{FF2B5EF4-FFF2-40B4-BE49-F238E27FC236}">
-                <a16:creationId xmlns:a16="http://schemas.microsoft.com/office/drawing/2014/main" id="{ED908F6D-DF17-29FA-6A67-F88FC550665C}"/>
-              </a:ext>
-            </a:extLst>
-          </p:cNvPr>
-          <p:cNvCxnSpPr>
-            <a:cxnSpLocks/>
-          </p:cNvCxnSpPr>
-          <p:nvPr/>
-        </p:nvCxnSpPr>
-        <p:spPr>
-          <a:xfrm flipH="1" flipV="1">
-            <a:off x="4674636" y="1371358"/>
-            <a:ext cx="189626" cy="223054"/>
-          </a:xfrm>
-          <a:prstGeom prst="line">
-            <a:avLst/>
-          </a:prstGeom>
-        </p:spPr>
-        <p:style>
-          <a:lnRef idx="2">
-            <a:schemeClr val="accent1"/>
-          </a:lnRef>
-          <a:fillRef idx="0">
-            <a:schemeClr val="accent1"/>
-          </a:fillRef>
-          <a:effectRef idx="1">
-            <a:schemeClr val="accent1"/>
-          </a:effectRef>
-          <a:fontRef idx="minor">
-            <a:schemeClr val="tx1"/>
-          </a:fontRef>
-        </p:style>
-      </p:cxnSp>
-      <p:sp>
-        <p:nvSpPr>
-          <p:cNvPr id="45" name="TextBox 44">
-            <a:extLst>
-              <a:ext uri="{FF2B5EF4-FFF2-40B4-BE49-F238E27FC236}">
-                <a16:creationId xmlns:a16="http://schemas.microsoft.com/office/drawing/2014/main" id="{CF3222DB-5B07-8159-07E2-BE543CD2384E}"/>
-              </a:ext>
-            </a:extLst>
-          </p:cNvPr>
-          <p:cNvSpPr txBox="1"/>
-          <p:nvPr/>
-        </p:nvSpPr>
-        <p:spPr>
-          <a:xfrm>
-            <a:off x="4822125" y="1269802"/>
-            <a:ext cx="664095" cy="246221"/>
-          </a:xfrm>
-          <a:prstGeom prst="rect">
-            <a:avLst/>
-          </a:prstGeom>
-          <a:noFill/>
-        </p:spPr>
-        <p:txBody>
-          <a:bodyPr wrap="square" rtlCol="0">
-            <a:spAutoFit/>
-          </a:bodyPr>
-          <a:lstStyle/>
-          <a:p>
-            <a:r>
-              <a:rPr lang="en-US" sz="1000" i="1" dirty="0"/>
-              <a:t>Ciliates</a:t>
-            </a:r>
-          </a:p>
-        </p:txBody>
-      </p:sp>
-      <p:cxnSp>
-        <p:nvCxnSpPr>
-          <p:cNvPr id="71" name="Straight Connector 70">
-            <a:extLst>
-              <a:ext uri="{FF2B5EF4-FFF2-40B4-BE49-F238E27FC236}">
-                <a16:creationId xmlns:a16="http://schemas.microsoft.com/office/drawing/2014/main" id="{7E048B31-E4BD-CCC5-80B9-01E0AF5B079B}"/>
-              </a:ext>
-            </a:extLst>
-          </p:cNvPr>
-          <p:cNvCxnSpPr/>
-          <p:nvPr/>
-        </p:nvCxnSpPr>
-        <p:spPr>
-          <a:xfrm flipV="1">
-            <a:off x="5527064" y="1483064"/>
-            <a:ext cx="534363" cy="272456"/>
-          </a:xfrm>
-          <a:prstGeom prst="line">
-            <a:avLst/>
-          </a:prstGeom>
-        </p:spPr>
-        <p:style>
-          <a:lnRef idx="2">
-            <a:schemeClr val="accent1"/>
-          </a:lnRef>
-          <a:fillRef idx="0">
-            <a:schemeClr val="accent1"/>
-          </a:fillRef>
-          <a:effectRef idx="1">
-            <a:schemeClr val="accent1"/>
-          </a:effectRef>
-          <a:fontRef idx="minor">
-            <a:schemeClr val="tx1"/>
-          </a:fontRef>
-        </p:style>
-      </p:cxnSp>
-      <p:sp>
-        <p:nvSpPr>
-          <p:cNvPr id="75" name="TextBox 74">
-            <a:extLst>
-              <a:ext uri="{FF2B5EF4-FFF2-40B4-BE49-F238E27FC236}">
-                <a16:creationId xmlns:a16="http://schemas.microsoft.com/office/drawing/2014/main" id="{34745E5F-8204-2FA4-BFA1-FAB2645BD84F}"/>
-              </a:ext>
-            </a:extLst>
-          </p:cNvPr>
-          <p:cNvSpPr txBox="1"/>
-          <p:nvPr/>
-        </p:nvSpPr>
-        <p:spPr>
-          <a:xfrm>
-            <a:off x="5734844" y="1279642"/>
-            <a:ext cx="833905" cy="246221"/>
-          </a:xfrm>
-          <a:prstGeom prst="rect">
-            <a:avLst/>
-          </a:prstGeom>
-          <a:noFill/>
-        </p:spPr>
-        <p:txBody>
-          <a:bodyPr wrap="square" rtlCol="0">
-            <a:spAutoFit/>
-          </a:bodyPr>
-          <a:lstStyle/>
-          <a:p>
-            <a:r>
-              <a:rPr lang="en-US" sz="1000" i="1" dirty="0" err="1"/>
-              <a:t>Ochrophyta</a:t>
-            </a:r>
-            <a:endParaRPr lang="en-US" sz="1000" i="1" dirty="0"/>
-          </a:p>
-        </p:txBody>
-      </p:sp>
-      <p:sp>
-        <p:nvSpPr>
-          <p:cNvPr id="84" name="TextBox 83">
-            <a:extLst>
-              <a:ext uri="{FF2B5EF4-FFF2-40B4-BE49-F238E27FC236}">
-                <a16:creationId xmlns:a16="http://schemas.microsoft.com/office/drawing/2014/main" id="{8F3CC3FF-C442-F47B-76B2-E1C765990FD6}"/>
-              </a:ext>
-            </a:extLst>
-          </p:cNvPr>
-          <p:cNvSpPr txBox="1"/>
-          <p:nvPr/>
-        </p:nvSpPr>
-        <p:spPr>
-          <a:xfrm>
-            <a:off x="7627725" y="2503901"/>
-            <a:ext cx="1062875" cy="246221"/>
-          </a:xfrm>
-          <a:prstGeom prst="rect">
-            <a:avLst/>
-          </a:prstGeom>
-          <a:noFill/>
-        </p:spPr>
-        <p:txBody>
-          <a:bodyPr wrap="square" rtlCol="0">
-            <a:spAutoFit/>
-          </a:bodyPr>
-          <a:lstStyle/>
-          <a:p>
-            <a:r>
-              <a:rPr lang="en-US" sz="1000" dirty="0" err="1"/>
-              <a:t>Opisthokonta</a:t>
-            </a:r>
-            <a:endParaRPr lang="en-US" sz="1000" dirty="0"/>
-          </a:p>
-        </p:txBody>
-      </p:sp>
-      <p:sp>
-        <p:nvSpPr>
-          <p:cNvPr id="89" name="TextBox 88">
-            <a:extLst>
-              <a:ext uri="{FF2B5EF4-FFF2-40B4-BE49-F238E27FC236}">
-                <a16:creationId xmlns:a16="http://schemas.microsoft.com/office/drawing/2014/main" id="{22ECF741-7774-753C-42F7-3551A5D8CDD0}"/>
-              </a:ext>
-            </a:extLst>
-          </p:cNvPr>
-          <p:cNvSpPr txBox="1"/>
-          <p:nvPr/>
-        </p:nvSpPr>
-        <p:spPr>
-          <a:xfrm>
-            <a:off x="8287213" y="1946454"/>
-            <a:ext cx="1062875" cy="246221"/>
-          </a:xfrm>
-          <a:prstGeom prst="rect">
-            <a:avLst/>
-          </a:prstGeom>
-          <a:noFill/>
-        </p:spPr>
-        <p:txBody>
-          <a:bodyPr wrap="square" rtlCol="0">
-            <a:spAutoFit/>
-          </a:bodyPr>
-          <a:lstStyle/>
-          <a:p>
-            <a:r>
-              <a:rPr lang="en-US" sz="1000" dirty="0"/>
-              <a:t>Breviates</a:t>
-            </a:r>
-          </a:p>
-        </p:txBody>
-      </p:sp>
-      <p:sp>
-        <p:nvSpPr>
-          <p:cNvPr id="90" name="TextBox 89">
-            <a:extLst>
-              <a:ext uri="{FF2B5EF4-FFF2-40B4-BE49-F238E27FC236}">
-                <a16:creationId xmlns:a16="http://schemas.microsoft.com/office/drawing/2014/main" id="{8DEF4A3A-B4CB-7BB2-6B61-ABA2F61241C6}"/>
-              </a:ext>
-            </a:extLst>
-          </p:cNvPr>
-          <p:cNvSpPr txBox="1"/>
-          <p:nvPr/>
-        </p:nvSpPr>
-        <p:spPr>
-          <a:xfrm>
-            <a:off x="7044192" y="1591267"/>
-            <a:ext cx="1062875" cy="246221"/>
-          </a:xfrm>
-          <a:prstGeom prst="rect">
-            <a:avLst/>
-          </a:prstGeom>
-          <a:noFill/>
-        </p:spPr>
-        <p:txBody>
-          <a:bodyPr wrap="square" rtlCol="0">
-            <a:spAutoFit/>
-          </a:bodyPr>
-          <a:lstStyle/>
-          <a:p>
-            <a:r>
-              <a:rPr lang="en-US" sz="1000" dirty="0" err="1"/>
-              <a:t>Apusomonada</a:t>
-            </a:r>
-            <a:endParaRPr lang="en-US" sz="1000" dirty="0"/>
-          </a:p>
-        </p:txBody>
-      </p:sp>
-      <p:cxnSp>
-        <p:nvCxnSpPr>
-          <p:cNvPr id="97" name="Straight Connector 96">
-            <a:extLst>
-              <a:ext uri="{FF2B5EF4-FFF2-40B4-BE49-F238E27FC236}">
-                <a16:creationId xmlns:a16="http://schemas.microsoft.com/office/drawing/2014/main" id="{51D777A7-C7C0-DF09-95F0-191014BB451F}"/>
-              </a:ext>
-            </a:extLst>
-          </p:cNvPr>
-          <p:cNvCxnSpPr/>
-          <p:nvPr/>
-        </p:nvCxnSpPr>
-        <p:spPr>
-          <a:xfrm>
-            <a:off x="6767229" y="2616288"/>
-            <a:ext cx="2238577" cy="922696"/>
-          </a:xfrm>
-          <a:prstGeom prst="line">
-            <a:avLst/>
-          </a:prstGeom>
-        </p:spPr>
-        <p:style>
-          <a:lnRef idx="2">
-            <a:schemeClr val="accent1"/>
-          </a:lnRef>
-          <a:fillRef idx="0">
-            <a:schemeClr val="accent1"/>
-          </a:fillRef>
-          <a:effectRef idx="1">
-            <a:schemeClr val="accent1"/>
-          </a:effectRef>
-          <a:fontRef idx="minor">
-            <a:schemeClr val="tx1"/>
-          </a:fontRef>
-        </p:style>
-      </p:cxnSp>
-      <p:sp>
-        <p:nvSpPr>
-          <p:cNvPr id="98" name="TextBox 97">
-            <a:extLst>
-              <a:ext uri="{FF2B5EF4-FFF2-40B4-BE49-F238E27FC236}">
-                <a16:creationId xmlns:a16="http://schemas.microsoft.com/office/drawing/2014/main" id="{20F8CCC3-791C-A50E-CA00-652B564E6445}"/>
-              </a:ext>
-            </a:extLst>
-          </p:cNvPr>
-          <p:cNvSpPr txBox="1"/>
-          <p:nvPr/>
-        </p:nvSpPr>
-        <p:spPr>
-          <a:xfrm>
-            <a:off x="8128343" y="3444666"/>
-            <a:ext cx="1877661" cy="246221"/>
-          </a:xfrm>
-          <a:prstGeom prst="rect">
-            <a:avLst/>
-          </a:prstGeom>
-          <a:noFill/>
-        </p:spPr>
-        <p:txBody>
-          <a:bodyPr wrap="square" rtlCol="0">
-            <a:spAutoFit/>
-          </a:bodyPr>
-          <a:lstStyle/>
-          <a:p>
-            <a:r>
-              <a:rPr lang="en-US" sz="1000" dirty="0"/>
-              <a:t>Amoebozoa</a:t>
-            </a:r>
-          </a:p>
-        </p:txBody>
-      </p:sp>
+        </p:spPr>
+      </p:pic>
     </p:spTree>
     <p:extLst>
       <p:ext uri="{BB962C8B-B14F-4D97-AF65-F5344CB8AC3E}">
-        <p14:creationId xmlns:p14="http://schemas.microsoft.com/office/powerpoint/2010/main" val="3186843952"/>
+        <p14:creationId xmlns:p14="http://schemas.microsoft.com/office/powerpoint/2010/main" val="2415811972"/>
       </p:ext>
     </p:extLst>
   </p:cSld>
@@ -8445,10 +8038,10 @@
       </p:grpSpPr>
       <p:pic>
         <p:nvPicPr>
-          <p:cNvPr id="4" name="Picture 3" descr="A colorful circular chart with different colored circles&#10;&#10;AI-generated content may be incorrect.">
-            <a:extLst>
-              <a:ext uri="{FF2B5EF4-FFF2-40B4-BE49-F238E27FC236}">
-                <a16:creationId xmlns:a16="http://schemas.microsoft.com/office/drawing/2014/main" id="{46897D59-7357-2988-530A-CBE5DDEF19E7}"/>
+          <p:cNvPr id="3" name="Picture 2" descr="A close up of a screen&#10;&#10;AI-generated content may be incorrect.">
+            <a:extLst>
+              <a:ext uri="{FF2B5EF4-FFF2-40B4-BE49-F238E27FC236}">
+                <a16:creationId xmlns:a16="http://schemas.microsoft.com/office/drawing/2014/main" id="{1ADE7048-3C8A-D3F2-3B55-04C99F20430F}"/>
               </a:ext>
             </a:extLst>
           </p:cNvPr>
@@ -8471,7 +8064,7 @@
         </p:blipFill>
         <p:spPr>
           <a:xfrm>
-            <a:off x="58292" y="0"/>
+            <a:off x="609415" y="342796"/>
             <a:ext cx="10973170" cy="6172408"/>
           </a:xfrm>
           <a:prstGeom prst="rect">
@@ -8481,10 +8074,215 @@
       </p:pic>
       <p:sp>
         <p:nvSpPr>
-          <p:cNvPr id="5" name="Rectangle 4">
-            <a:extLst>
-              <a:ext uri="{FF2B5EF4-FFF2-40B4-BE49-F238E27FC236}">
-                <a16:creationId xmlns:a16="http://schemas.microsoft.com/office/drawing/2014/main" id="{F4276BF4-7D0C-DB30-F52C-C90636FFE344}"/>
+          <p:cNvPr id="4" name="TextBox 3">
+            <a:extLst>
+              <a:ext uri="{FF2B5EF4-FFF2-40B4-BE49-F238E27FC236}">
+                <a16:creationId xmlns:a16="http://schemas.microsoft.com/office/drawing/2014/main" id="{DECF7910-6947-9FFB-71F7-7441A57F7FFD}"/>
+              </a:ext>
+            </a:extLst>
+          </p:cNvPr>
+          <p:cNvSpPr txBox="1"/>
+          <p:nvPr/>
+        </p:nvSpPr>
+        <p:spPr>
+          <a:xfrm>
+            <a:off x="7619999" y="512982"/>
+            <a:ext cx="572429" cy="246221"/>
+          </a:xfrm>
+          <a:prstGeom prst="rect">
+            <a:avLst/>
+          </a:prstGeom>
+          <a:noFill/>
+        </p:spPr>
+        <p:txBody>
+          <a:bodyPr wrap="square" rtlCol="0">
+            <a:spAutoFit/>
+          </a:bodyPr>
+          <a:lstStyle/>
+          <a:p>
+            <a:r>
+              <a:rPr lang="en-US" sz="1000" dirty="0"/>
+              <a:t>SIN1</a:t>
+            </a:r>
+          </a:p>
+        </p:txBody>
+      </p:sp>
+      <p:sp>
+        <p:nvSpPr>
+          <p:cNvPr id="5" name="TextBox 4">
+            <a:extLst>
+              <a:ext uri="{FF2B5EF4-FFF2-40B4-BE49-F238E27FC236}">
+                <a16:creationId xmlns:a16="http://schemas.microsoft.com/office/drawing/2014/main" id="{6CAC4D07-2688-7DFA-1540-0E72CA9BE7CC}"/>
+              </a:ext>
+            </a:extLst>
+          </p:cNvPr>
+          <p:cNvSpPr txBox="1"/>
+          <p:nvPr/>
+        </p:nvSpPr>
+        <p:spPr>
+          <a:xfrm>
+            <a:off x="8192428" y="512982"/>
+            <a:ext cx="631904" cy="246221"/>
+          </a:xfrm>
+          <a:prstGeom prst="rect">
+            <a:avLst/>
+          </a:prstGeom>
+          <a:noFill/>
+        </p:spPr>
+        <p:txBody>
+          <a:bodyPr wrap="square" rtlCol="0">
+            <a:spAutoFit/>
+          </a:bodyPr>
+          <a:lstStyle/>
+          <a:p>
+            <a:r>
+              <a:rPr lang="en-US" sz="1000" dirty="0"/>
+              <a:t>RICTOR</a:t>
+            </a:r>
+          </a:p>
+        </p:txBody>
+      </p:sp>
+      <p:sp>
+        <p:nvSpPr>
+          <p:cNvPr id="6" name="TextBox 5">
+            <a:extLst>
+              <a:ext uri="{FF2B5EF4-FFF2-40B4-BE49-F238E27FC236}">
+                <a16:creationId xmlns:a16="http://schemas.microsoft.com/office/drawing/2014/main" id="{A8902974-A3A6-BED8-A20B-E0E8EAB7713A}"/>
+              </a:ext>
+            </a:extLst>
+          </p:cNvPr>
+          <p:cNvSpPr txBox="1"/>
+          <p:nvPr/>
+        </p:nvSpPr>
+        <p:spPr>
+          <a:xfrm>
+            <a:off x="8764857" y="512981"/>
+            <a:ext cx="713680" cy="246221"/>
+          </a:xfrm>
+          <a:prstGeom prst="rect">
+            <a:avLst/>
+          </a:prstGeom>
+          <a:noFill/>
+        </p:spPr>
+        <p:txBody>
+          <a:bodyPr wrap="square" rtlCol="0">
+            <a:spAutoFit/>
+          </a:bodyPr>
+          <a:lstStyle/>
+          <a:p>
+            <a:r>
+              <a:rPr lang="en-US" sz="1000" dirty="0"/>
+              <a:t>RAPTOR</a:t>
+            </a:r>
+          </a:p>
+        </p:txBody>
+      </p:sp>
+      <p:sp>
+        <p:nvSpPr>
+          <p:cNvPr id="7" name="TextBox 6">
+            <a:extLst>
+              <a:ext uri="{FF2B5EF4-FFF2-40B4-BE49-F238E27FC236}">
+                <a16:creationId xmlns:a16="http://schemas.microsoft.com/office/drawing/2014/main" id="{E4FD3BAE-5A5B-A99E-E915-E9ECE0B72AD9}"/>
+              </a:ext>
+            </a:extLst>
+          </p:cNvPr>
+          <p:cNvSpPr txBox="1"/>
+          <p:nvPr/>
+        </p:nvSpPr>
+        <p:spPr>
+          <a:xfrm>
+            <a:off x="9337286" y="512981"/>
+            <a:ext cx="713680" cy="246221"/>
+          </a:xfrm>
+          <a:prstGeom prst="rect">
+            <a:avLst/>
+          </a:prstGeom>
+          <a:noFill/>
+        </p:spPr>
+        <p:txBody>
+          <a:bodyPr wrap="square" rtlCol="0">
+            <a:spAutoFit/>
+          </a:bodyPr>
+          <a:lstStyle/>
+          <a:p>
+            <a:r>
+              <a:rPr lang="en-US" sz="1000" dirty="0"/>
+              <a:t>LST8</a:t>
+            </a:r>
+          </a:p>
+        </p:txBody>
+      </p:sp>
+      <p:sp>
+        <p:nvSpPr>
+          <p:cNvPr id="8" name="TextBox 7">
+            <a:extLst>
+              <a:ext uri="{FF2B5EF4-FFF2-40B4-BE49-F238E27FC236}">
+                <a16:creationId xmlns:a16="http://schemas.microsoft.com/office/drawing/2014/main" id="{851DA86A-87DD-7451-61EB-7166436E53E1}"/>
+              </a:ext>
+            </a:extLst>
+          </p:cNvPr>
+          <p:cNvSpPr txBox="1"/>
+          <p:nvPr/>
+        </p:nvSpPr>
+        <p:spPr>
+          <a:xfrm>
+            <a:off x="9909715" y="512980"/>
+            <a:ext cx="713680" cy="246221"/>
+          </a:xfrm>
+          <a:prstGeom prst="rect">
+            <a:avLst/>
+          </a:prstGeom>
+          <a:noFill/>
+        </p:spPr>
+        <p:txBody>
+          <a:bodyPr wrap="square" rtlCol="0">
+            <a:spAutoFit/>
+          </a:bodyPr>
+          <a:lstStyle/>
+          <a:p>
+            <a:r>
+              <a:rPr lang="en-US" sz="1000" dirty="0"/>
+              <a:t>TOR</a:t>
+            </a:r>
+          </a:p>
+        </p:txBody>
+      </p:sp>
+    </p:spTree>
+    <p:extLst>
+      <p:ext uri="{BB962C8B-B14F-4D97-AF65-F5344CB8AC3E}">
+        <p14:creationId xmlns:p14="http://schemas.microsoft.com/office/powerpoint/2010/main" val="866608619"/>
+      </p:ext>
+    </p:extLst>
+  </p:cSld>
+  <p:clrMapOvr>
+    <a:masterClrMapping/>
+  </p:clrMapOvr>
+</p:sld>
+</file>
+
+<file path=ppt/slides/slide7.xml><?xml version="1.0" encoding="utf-8"?>
+<p:sld xmlns:a="http://schemas.openxmlformats.org/drawingml/2006/main" xmlns:r="http://schemas.openxmlformats.org/officeDocument/2006/relationships" xmlns:p="http://schemas.openxmlformats.org/presentationml/2006/main">
+  <p:cSld>
+    <p:spTree>
+      <p:nvGrpSpPr>
+        <p:cNvPr id="1" name=""/>
+        <p:cNvGrpSpPr/>
+        <p:nvPr/>
+      </p:nvGrpSpPr>
+      <p:grpSpPr>
+        <a:xfrm>
+          <a:off x="0" y="0"/>
+          <a:ext cx="0" cy="0"/>
+          <a:chOff x="0" y="0"/>
+          <a:chExt cx="0" cy="0"/>
+        </a:xfrm>
+      </p:grpSpPr>
+      <p:sp>
+        <p:nvSpPr>
+          <p:cNvPr id="2" name="Oval 1">
+            <a:extLst>
+              <a:ext uri="{FF2B5EF4-FFF2-40B4-BE49-F238E27FC236}">
+                <a16:creationId xmlns:a16="http://schemas.microsoft.com/office/drawing/2014/main" id="{8578029F-46CE-4134-F414-0EF3C38549E9}"/>
               </a:ext>
             </a:extLst>
           </p:cNvPr>
@@ -8493,17 +8291,20 @@
         </p:nvSpPr>
         <p:spPr>
           <a:xfrm>
-            <a:off x="9607510" y="155293"/>
-            <a:ext cx="2395699" cy="3891463"/>
-          </a:xfrm>
-          <a:prstGeom prst="rect">
+            <a:off x="7686910" y="1691275"/>
+            <a:ext cx="3999571" cy="2616820"/>
+          </a:xfrm>
+          <a:prstGeom prst="ellipse">
             <a:avLst/>
           </a:prstGeom>
           <a:solidFill>
-            <a:srgbClr val="156082">
-              <a:alpha val="0"/>
-            </a:srgbClr>
+            <a:srgbClr val="879BA0"/>
           </a:solidFill>
+          <a:ln>
+            <a:solidFill>
+              <a:schemeClr val="tx1"/>
+            </a:solidFill>
+          </a:ln>
         </p:spPr>
         <p:style>
           <a:lnRef idx="2">
@@ -8526,16 +8327,16 @@
           <a:lstStyle/>
           <a:p>
             <a:pPr algn="ctr"/>
-            <a:endParaRPr lang="en-US" dirty="0"/>
-          </a:p>
-        </p:txBody>
-      </p:sp>
-      <p:sp>
-        <p:nvSpPr>
-          <p:cNvPr id="6" name="Rectangle 5">
-            <a:extLst>
-              <a:ext uri="{FF2B5EF4-FFF2-40B4-BE49-F238E27FC236}">
-                <a16:creationId xmlns:a16="http://schemas.microsoft.com/office/drawing/2014/main" id="{00DC16B8-7B97-4489-0CE3-DA51D3B950C4}"/>
+            <a:endParaRPr lang="en-US"/>
+          </a:p>
+        </p:txBody>
+      </p:sp>
+      <p:sp>
+        <p:nvSpPr>
+          <p:cNvPr id="3" name="Oval 2">
+            <a:extLst>
+              <a:ext uri="{FF2B5EF4-FFF2-40B4-BE49-F238E27FC236}">
+                <a16:creationId xmlns:a16="http://schemas.microsoft.com/office/drawing/2014/main" id="{3500FA91-B64F-7FCD-3667-964BF2912CD5}"/>
               </a:ext>
             </a:extLst>
           </p:cNvPr>
@@ -8544,12 +8345,20 @@
         </p:nvSpPr>
         <p:spPr>
           <a:xfrm>
-            <a:off x="9607509" y="153563"/>
-            <a:ext cx="2395699" cy="644102"/>
-          </a:xfrm>
-          <a:prstGeom prst="rect">
-            <a:avLst/>
-          </a:prstGeom>
+            <a:off x="7025270" y="1179104"/>
+            <a:ext cx="2297151" cy="1553737"/>
+          </a:xfrm>
+          <a:prstGeom prst="ellipse">
+            <a:avLst/>
+          </a:prstGeom>
+          <a:solidFill>
+            <a:srgbClr val="A58537"/>
+          </a:solidFill>
+          <a:ln>
+            <a:solidFill>
+              <a:schemeClr val="tx1"/>
+            </a:solidFill>
+          </a:ln>
         </p:spPr>
         <p:style>
           <a:lnRef idx="2">
@@ -8572,10 +8381,115 @@
           <a:lstStyle/>
           <a:p>
             <a:pPr algn="ctr"/>
-            <a:r>
-              <a:rPr lang="en-US" dirty="0"/>
-              <a:t>Super Groups</a:t>
-            </a:r>
+            <a:endParaRPr lang="en-US"/>
+          </a:p>
+        </p:txBody>
+      </p:sp>
+      <p:sp>
+        <p:nvSpPr>
+          <p:cNvPr id="4" name="Oval 3">
+            <a:extLst>
+              <a:ext uri="{FF2B5EF4-FFF2-40B4-BE49-F238E27FC236}">
+                <a16:creationId xmlns:a16="http://schemas.microsoft.com/office/drawing/2014/main" id="{8DD5173A-E163-8175-6D2F-9BF893C7EDA6}"/>
+              </a:ext>
+            </a:extLst>
+          </p:cNvPr>
+          <p:cNvSpPr/>
+          <p:nvPr/>
+        </p:nvSpPr>
+        <p:spPr>
+          <a:xfrm>
+            <a:off x="7040156" y="2302428"/>
+            <a:ext cx="1457093" cy="988741"/>
+          </a:xfrm>
+          <a:prstGeom prst="ellipse">
+            <a:avLst/>
+          </a:prstGeom>
+          <a:solidFill>
+            <a:srgbClr val="8C6F8D"/>
+          </a:solidFill>
+          <a:ln>
+            <a:solidFill>
+              <a:schemeClr val="tx1"/>
+            </a:solidFill>
+          </a:ln>
+        </p:spPr>
+        <p:style>
+          <a:lnRef idx="2">
+            <a:schemeClr val="accent1">
+              <a:shade val="15000"/>
+            </a:schemeClr>
+          </a:lnRef>
+          <a:fillRef idx="1">
+            <a:schemeClr val="accent1"/>
+          </a:fillRef>
+          <a:effectRef idx="0">
+            <a:schemeClr val="accent1"/>
+          </a:effectRef>
+          <a:fontRef idx="minor">
+            <a:schemeClr val="lt1"/>
+          </a:fontRef>
+        </p:style>
+        <p:txBody>
+          <a:bodyPr rtlCol="0" anchor="ctr"/>
+          <a:lstStyle/>
+          <a:p>
+            <a:pPr algn="ctr"/>
+            <a:endParaRPr lang="en-US"/>
+          </a:p>
+        </p:txBody>
+      </p:sp>
+      <p:sp>
+        <p:nvSpPr>
+          <p:cNvPr id="6" name="Oval 5">
+            <a:extLst>
+              <a:ext uri="{FF2B5EF4-FFF2-40B4-BE49-F238E27FC236}">
+                <a16:creationId xmlns:a16="http://schemas.microsoft.com/office/drawing/2014/main" id="{C292D2D0-E69B-CE3C-0852-B23EB9DE5AD6}"/>
+              </a:ext>
+            </a:extLst>
+          </p:cNvPr>
+          <p:cNvSpPr/>
+          <p:nvPr/>
+        </p:nvSpPr>
+        <p:spPr>
+          <a:xfrm>
+            <a:off x="8471212" y="3910368"/>
+            <a:ext cx="1457093" cy="988741"/>
+          </a:xfrm>
+          <a:prstGeom prst="ellipse">
+            <a:avLst/>
+          </a:prstGeom>
+          <a:solidFill>
+            <a:srgbClr val="B13607"/>
+          </a:solidFill>
+          <a:ln>
+            <a:solidFill>
+              <a:schemeClr val="tx1"/>
+            </a:solidFill>
+          </a:ln>
+        </p:spPr>
+        <p:style>
+          <a:lnRef idx="2">
+            <a:schemeClr val="accent1">
+              <a:shade val="15000"/>
+            </a:schemeClr>
+          </a:lnRef>
+          <a:fillRef idx="1">
+            <a:schemeClr val="accent1"/>
+          </a:fillRef>
+          <a:effectRef idx="0">
+            <a:schemeClr val="accent1"/>
+          </a:effectRef>
+          <a:fontRef idx="minor">
+            <a:schemeClr val="lt1"/>
+          </a:fontRef>
+        </p:style>
+        <p:txBody>
+          <a:bodyPr rtlCol="0" anchor="ctr"/>
+          <a:lstStyle/>
+          <a:p>
+            <a:pPr algn="ctr"/>
+            <a:endParaRPr lang="en-US"/>
           </a:p>
         </p:txBody>
       </p:sp>
@@ -8584,7 +8498,7 @@
           <p:cNvPr id="7" name="TextBox 6">
             <a:extLst>
               <a:ext uri="{FF2B5EF4-FFF2-40B4-BE49-F238E27FC236}">
-                <a16:creationId xmlns:a16="http://schemas.microsoft.com/office/drawing/2014/main" id="{7791FD38-E6FE-2949-2E66-91AFA0BEAA66}"/>
+                <a16:creationId xmlns:a16="http://schemas.microsoft.com/office/drawing/2014/main" id="{A5D20698-87CA-5D89-B734-F59B0F8DF079}"/>
               </a:ext>
             </a:extLst>
           </p:cNvPr>
@@ -8593,8 +8507,8 @@
         </p:nvSpPr>
         <p:spPr>
           <a:xfrm>
-            <a:off x="10547011" y="1033063"/>
-            <a:ext cx="1411497" cy="276999"/>
+            <a:off x="7389543" y="1610285"/>
+            <a:ext cx="1457093" cy="461665"/>
           </a:xfrm>
           <a:prstGeom prst="rect">
             <a:avLst/>
@@ -8607,11 +8521,14 @@
           </a:bodyPr>
           <a:lstStyle/>
           <a:p>
-            <a:r>
-              <a:rPr lang="en-US" sz="1200" dirty="0" err="1"/>
-              <a:t>Alveolata</a:t>
-            </a:r>
-            <a:endParaRPr lang="en-US" sz="1200" dirty="0"/>
+            <a:pPr algn="ctr"/>
+            <a:r>
+              <a:rPr lang="en-US" sz="2400" dirty="0">
+                <a:latin typeface="Times New Roman" panose="02020603050405020304" pitchFamily="18" charset="0"/>
+                <a:cs typeface="Times New Roman" panose="02020603050405020304" pitchFamily="18" charset="0"/>
+              </a:rPr>
+              <a:t>RICTOR</a:t>
+            </a:r>
           </a:p>
         </p:txBody>
       </p:sp>
@@ -8620,7 +8537,7 @@
           <p:cNvPr id="8" name="TextBox 7">
             <a:extLst>
               <a:ext uri="{FF2B5EF4-FFF2-40B4-BE49-F238E27FC236}">
-                <a16:creationId xmlns:a16="http://schemas.microsoft.com/office/drawing/2014/main" id="{7AF30E07-103F-A34B-B6F4-F7585FC201D9}"/>
+                <a16:creationId xmlns:a16="http://schemas.microsoft.com/office/drawing/2014/main" id="{DC0BE2F1-0071-CB85-1D29-04995EE4AB48}"/>
               </a:ext>
             </a:extLst>
           </p:cNvPr>
@@ -8629,8 +8546,8 @@
         </p:nvSpPr>
         <p:spPr>
           <a:xfrm>
-            <a:off x="10547010" y="1268461"/>
-            <a:ext cx="1411497" cy="276999"/>
+            <a:off x="7040155" y="2561876"/>
+            <a:ext cx="1457093" cy="461665"/>
           </a:xfrm>
           <a:prstGeom prst="rect">
             <a:avLst/>
@@ -8643,19 +8560,23 @@
           </a:bodyPr>
           <a:lstStyle/>
           <a:p>
-            <a:r>
-              <a:rPr lang="en-US" sz="1200" dirty="0"/>
-              <a:t>Chlorophyta</a:t>
-            </a:r>
-          </a:p>
-        </p:txBody>
-      </p:sp>
-      <p:sp>
-        <p:nvSpPr>
-          <p:cNvPr id="11" name="TextBox 10">
-            <a:extLst>
-              <a:ext uri="{FF2B5EF4-FFF2-40B4-BE49-F238E27FC236}">
-                <a16:creationId xmlns:a16="http://schemas.microsoft.com/office/drawing/2014/main" id="{F459CCE6-5E39-27C5-BB29-4CD23FECF9D0}"/>
+            <a:pPr algn="ctr"/>
+            <a:r>
+              <a:rPr lang="en-US" sz="2400" dirty="0">
+                <a:latin typeface="Times New Roman" panose="02020603050405020304" pitchFamily="18" charset="0"/>
+                <a:cs typeface="Times New Roman" panose="02020603050405020304" pitchFamily="18" charset="0"/>
+              </a:rPr>
+              <a:t>SIN1</a:t>
+            </a:r>
+          </a:p>
+        </p:txBody>
+      </p:sp>
+      <p:sp>
+        <p:nvSpPr>
+          <p:cNvPr id="12" name="TextBox 11">
+            <a:extLst>
+              <a:ext uri="{FF2B5EF4-FFF2-40B4-BE49-F238E27FC236}">
+                <a16:creationId xmlns:a16="http://schemas.microsoft.com/office/drawing/2014/main" id="{8DB8D4E9-71D3-C9A9-75D9-94E8EEAD1DD4}"/>
               </a:ext>
             </a:extLst>
           </p:cNvPr>
@@ -8664,8 +8585,8 @@
         </p:nvSpPr>
         <p:spPr>
           <a:xfrm>
-            <a:off x="10547010" y="1545460"/>
-            <a:ext cx="1411497" cy="276999"/>
+            <a:off x="8471212" y="4122979"/>
+            <a:ext cx="1457093" cy="461665"/>
           </a:xfrm>
           <a:prstGeom prst="rect">
             <a:avLst/>
@@ -8678,20 +8599,23 @@
           </a:bodyPr>
           <a:lstStyle/>
           <a:p>
-            <a:r>
-              <a:rPr lang="en-US" sz="1200" dirty="0" err="1"/>
-              <a:t>Discoba</a:t>
-            </a:r>
-            <a:endParaRPr lang="en-US" sz="1200" dirty="0"/>
-          </a:p>
-        </p:txBody>
-      </p:sp>
-      <p:sp>
-        <p:nvSpPr>
-          <p:cNvPr id="12" name="TextBox 11">
-            <a:extLst>
-              <a:ext uri="{FF2B5EF4-FFF2-40B4-BE49-F238E27FC236}">
-                <a16:creationId xmlns:a16="http://schemas.microsoft.com/office/drawing/2014/main" id="{6C9E6AB9-ABB6-7C69-8C77-A41A5856C6E8}"/>
+            <a:pPr algn="ctr"/>
+            <a:r>
+              <a:rPr lang="en-US" sz="2400" dirty="0">
+                <a:latin typeface="Times New Roman" panose="02020603050405020304" pitchFamily="18" charset="0"/>
+                <a:cs typeface="Times New Roman" panose="02020603050405020304" pitchFamily="18" charset="0"/>
+              </a:rPr>
+              <a:t>LST8</a:t>
+            </a:r>
+          </a:p>
+        </p:txBody>
+      </p:sp>
+      <p:sp>
+        <p:nvSpPr>
+          <p:cNvPr id="13" name="TextBox 12">
+            <a:extLst>
+              <a:ext uri="{FF2B5EF4-FFF2-40B4-BE49-F238E27FC236}">
+                <a16:creationId xmlns:a16="http://schemas.microsoft.com/office/drawing/2014/main" id="{3E6C7CB2-BFFD-D669-5041-D1946E9325F2}"/>
               </a:ext>
             </a:extLst>
           </p:cNvPr>
@@ -8700,8 +8624,8 @@
         </p:nvSpPr>
         <p:spPr>
           <a:xfrm>
-            <a:off x="10547009" y="1818889"/>
-            <a:ext cx="1411497" cy="276999"/>
+            <a:off x="8958148" y="2460172"/>
+            <a:ext cx="1457093" cy="830997"/>
           </a:xfrm>
           <a:prstGeom prst="rect">
             <a:avLst/>
@@ -8714,20 +8638,131 @@
           </a:bodyPr>
           <a:lstStyle/>
           <a:p>
-            <a:r>
-              <a:rPr lang="en-US" sz="1200" dirty="0" err="1"/>
-              <a:t>Rhizaria</a:t>
-            </a:r>
-            <a:endParaRPr lang="en-US" sz="1200" dirty="0"/>
-          </a:p>
-        </p:txBody>
-      </p:sp>
-      <p:sp>
-        <p:nvSpPr>
-          <p:cNvPr id="13" name="TextBox 12">
-            <a:extLst>
-              <a:ext uri="{FF2B5EF4-FFF2-40B4-BE49-F238E27FC236}">
-                <a16:creationId xmlns:a16="http://schemas.microsoft.com/office/drawing/2014/main" id="{A3B1A6F5-C3D6-7702-329F-7BD1034688AD}"/>
+            <a:pPr algn="ctr"/>
+            <a:r>
+              <a:rPr lang="en-US" sz="4800" dirty="0">
+                <a:latin typeface="Times New Roman" panose="02020603050405020304" pitchFamily="18" charset="0"/>
+                <a:cs typeface="Times New Roman" panose="02020603050405020304" pitchFamily="18" charset="0"/>
+              </a:rPr>
+              <a:t>TOR</a:t>
+            </a:r>
+          </a:p>
+        </p:txBody>
+      </p:sp>
+      <p:sp>
+        <p:nvSpPr>
+          <p:cNvPr id="14" name="Oval 13">
+            <a:extLst>
+              <a:ext uri="{FF2B5EF4-FFF2-40B4-BE49-F238E27FC236}">
+                <a16:creationId xmlns:a16="http://schemas.microsoft.com/office/drawing/2014/main" id="{715D1F11-0B88-5EE2-65B8-AE213E500FA7}"/>
+              </a:ext>
+            </a:extLst>
+          </p:cNvPr>
+          <p:cNvSpPr/>
+          <p:nvPr/>
+        </p:nvSpPr>
+        <p:spPr>
+          <a:xfrm>
+            <a:off x="1033381" y="1665249"/>
+            <a:ext cx="3999571" cy="2616820"/>
+          </a:xfrm>
+          <a:prstGeom prst="ellipse">
+            <a:avLst/>
+          </a:prstGeom>
+          <a:solidFill>
+            <a:srgbClr val="879BA0"/>
+          </a:solidFill>
+          <a:ln>
+            <a:solidFill>
+              <a:schemeClr val="tx1"/>
+            </a:solidFill>
+          </a:ln>
+        </p:spPr>
+        <p:style>
+          <a:lnRef idx="2">
+            <a:schemeClr val="accent1">
+              <a:shade val="15000"/>
+            </a:schemeClr>
+          </a:lnRef>
+          <a:fillRef idx="1">
+            <a:schemeClr val="accent1"/>
+          </a:fillRef>
+          <a:effectRef idx="0">
+            <a:schemeClr val="accent1"/>
+          </a:effectRef>
+          <a:fontRef idx="minor">
+            <a:schemeClr val="lt1"/>
+          </a:fontRef>
+        </p:style>
+        <p:txBody>
+          <a:bodyPr rtlCol="0" anchor="ctr"/>
+          <a:lstStyle/>
+          <a:p>
+            <a:pPr algn="ctr"/>
+            <a:endParaRPr lang="en-US"/>
+          </a:p>
+        </p:txBody>
+      </p:sp>
+      <p:sp>
+        <p:nvSpPr>
+          <p:cNvPr id="15" name="Oval 14">
+            <a:extLst>
+              <a:ext uri="{FF2B5EF4-FFF2-40B4-BE49-F238E27FC236}">
+                <a16:creationId xmlns:a16="http://schemas.microsoft.com/office/drawing/2014/main" id="{FE886213-4823-451D-B7B8-2090F423473E}"/>
+              </a:ext>
+            </a:extLst>
+          </p:cNvPr>
+          <p:cNvSpPr/>
+          <p:nvPr/>
+        </p:nvSpPr>
+        <p:spPr>
+          <a:xfrm>
+            <a:off x="1817683" y="3884342"/>
+            <a:ext cx="1457093" cy="988741"/>
+          </a:xfrm>
+          <a:prstGeom prst="ellipse">
+            <a:avLst/>
+          </a:prstGeom>
+          <a:solidFill>
+            <a:srgbClr val="B13607"/>
+          </a:solidFill>
+          <a:ln>
+            <a:solidFill>
+              <a:schemeClr val="tx1"/>
+            </a:solidFill>
+          </a:ln>
+        </p:spPr>
+        <p:style>
+          <a:lnRef idx="2">
+            <a:schemeClr val="accent1">
+              <a:shade val="15000"/>
+            </a:schemeClr>
+          </a:lnRef>
+          <a:fillRef idx="1">
+            <a:schemeClr val="accent1"/>
+          </a:fillRef>
+          <a:effectRef idx="0">
+            <a:schemeClr val="accent1"/>
+          </a:effectRef>
+          <a:fontRef idx="minor">
+            <a:schemeClr val="lt1"/>
+          </a:fontRef>
+        </p:style>
+        <p:txBody>
+          <a:bodyPr rtlCol="0" anchor="ctr"/>
+          <a:lstStyle/>
+          <a:p>
+            <a:pPr algn="ctr"/>
+            <a:endParaRPr lang="en-US"/>
+          </a:p>
+        </p:txBody>
+      </p:sp>
+      <p:sp>
+        <p:nvSpPr>
+          <p:cNvPr id="16" name="TextBox 15">
+            <a:extLst>
+              <a:ext uri="{FF2B5EF4-FFF2-40B4-BE49-F238E27FC236}">
+                <a16:creationId xmlns:a16="http://schemas.microsoft.com/office/drawing/2014/main" id="{6FEBE99D-011B-76E6-99D3-D2997FA61C74}"/>
               </a:ext>
             </a:extLst>
           </p:cNvPr>
@@ -8736,8 +8771,8 @@
         </p:nvSpPr>
         <p:spPr>
           <a:xfrm>
-            <a:off x="10547009" y="2124411"/>
-            <a:ext cx="1411497" cy="276999"/>
+            <a:off x="1817683" y="4096953"/>
+            <a:ext cx="1457093" cy="461665"/>
           </a:xfrm>
           <a:prstGeom prst="rect">
             <a:avLst/>
@@ -8750,19 +8785,23 @@
           </a:bodyPr>
           <a:lstStyle/>
           <a:p>
-            <a:r>
-              <a:rPr lang="en-US" sz="1200" dirty="0"/>
-              <a:t>Rhodophyta</a:t>
-            </a:r>
-          </a:p>
-        </p:txBody>
-      </p:sp>
-      <p:sp>
-        <p:nvSpPr>
-          <p:cNvPr id="14" name="TextBox 13">
-            <a:extLst>
-              <a:ext uri="{FF2B5EF4-FFF2-40B4-BE49-F238E27FC236}">
-                <a16:creationId xmlns:a16="http://schemas.microsoft.com/office/drawing/2014/main" id="{2BFC6F80-3568-CD6C-095F-75D30E7FD2CA}"/>
+            <a:pPr algn="ctr"/>
+            <a:r>
+              <a:rPr lang="en-US" sz="2400" dirty="0">
+                <a:latin typeface="Times New Roman" panose="02020603050405020304" pitchFamily="18" charset="0"/>
+                <a:cs typeface="Times New Roman" panose="02020603050405020304" pitchFamily="18" charset="0"/>
+              </a:rPr>
+              <a:t>LST8</a:t>
+            </a:r>
+          </a:p>
+        </p:txBody>
+      </p:sp>
+      <p:sp>
+        <p:nvSpPr>
+          <p:cNvPr id="17" name="TextBox 16">
+            <a:extLst>
+              <a:ext uri="{FF2B5EF4-FFF2-40B4-BE49-F238E27FC236}">
+                <a16:creationId xmlns:a16="http://schemas.microsoft.com/office/drawing/2014/main" id="{43BE3EA0-30DF-303B-7F01-2D2C0C0A8427}"/>
               </a:ext>
             </a:extLst>
           </p:cNvPr>
@@ -8771,8 +8810,8 @@
         </p:nvSpPr>
         <p:spPr>
           <a:xfrm>
-            <a:off x="10547009" y="2429933"/>
-            <a:ext cx="1411497" cy="276999"/>
+            <a:off x="2304619" y="2434146"/>
+            <a:ext cx="1457093" cy="830997"/>
           </a:xfrm>
           <a:prstGeom prst="rect">
             <a:avLst/>
@@ -8785,18 +8824,591 @@
           </a:bodyPr>
           <a:lstStyle/>
           <a:p>
-            <a:r>
-              <a:rPr lang="en-US" sz="1200" dirty="0" err="1"/>
-              <a:t>Stramenopiles</a:t>
-            </a:r>
-            <a:endParaRPr lang="en-US" sz="1200" dirty="0"/>
+            <a:pPr algn="ctr"/>
+            <a:r>
+              <a:rPr lang="en-US" sz="4800" dirty="0">
+                <a:latin typeface="Times New Roman" panose="02020603050405020304" pitchFamily="18" charset="0"/>
+                <a:cs typeface="Times New Roman" panose="02020603050405020304" pitchFamily="18" charset="0"/>
+              </a:rPr>
+              <a:t>TOR</a:t>
+            </a:r>
+          </a:p>
+        </p:txBody>
+      </p:sp>
+      <p:sp>
+        <p:nvSpPr>
+          <p:cNvPr id="18" name="Oval 17">
+            <a:extLst>
+              <a:ext uri="{FF2B5EF4-FFF2-40B4-BE49-F238E27FC236}">
+                <a16:creationId xmlns:a16="http://schemas.microsoft.com/office/drawing/2014/main" id="{D648B234-C83C-E6A4-DBD6-A0E043C80128}"/>
+              </a:ext>
+            </a:extLst>
+          </p:cNvPr>
+          <p:cNvSpPr/>
+          <p:nvPr/>
+        </p:nvSpPr>
+        <p:spPr>
+          <a:xfrm>
+            <a:off x="7468" y="1326124"/>
+            <a:ext cx="2297151" cy="1553737"/>
+          </a:xfrm>
+          <a:prstGeom prst="ellipse">
+            <a:avLst/>
+          </a:prstGeom>
+          <a:solidFill>
+            <a:srgbClr val="586D3D"/>
+          </a:solidFill>
+          <a:ln>
+            <a:solidFill>
+              <a:schemeClr val="tx1"/>
+            </a:solidFill>
+          </a:ln>
+        </p:spPr>
+        <p:style>
+          <a:lnRef idx="2">
+            <a:schemeClr val="accent1">
+              <a:shade val="15000"/>
+            </a:schemeClr>
+          </a:lnRef>
+          <a:fillRef idx="1">
+            <a:schemeClr val="accent1"/>
+          </a:fillRef>
+          <a:effectRef idx="0">
+            <a:schemeClr val="accent1"/>
+          </a:effectRef>
+          <a:fontRef idx="minor">
+            <a:schemeClr val="lt1"/>
+          </a:fontRef>
+        </p:style>
+        <p:txBody>
+          <a:bodyPr rtlCol="0" anchor="ctr"/>
+          <a:lstStyle/>
+          <a:p>
+            <a:pPr algn="ctr"/>
+            <a:endParaRPr lang="en-US"/>
+          </a:p>
+        </p:txBody>
+      </p:sp>
+      <p:sp>
+        <p:nvSpPr>
+          <p:cNvPr id="19" name="TextBox 18">
+            <a:extLst>
+              <a:ext uri="{FF2B5EF4-FFF2-40B4-BE49-F238E27FC236}">
+                <a16:creationId xmlns:a16="http://schemas.microsoft.com/office/drawing/2014/main" id="{8F472347-4D6C-B860-16F3-9D3420643693}"/>
+              </a:ext>
+            </a:extLst>
+          </p:cNvPr>
+          <p:cNvSpPr txBox="1"/>
+          <p:nvPr/>
+        </p:nvSpPr>
+        <p:spPr>
+          <a:xfrm>
+            <a:off x="412629" y="1782701"/>
+            <a:ext cx="1457093" cy="461665"/>
+          </a:xfrm>
+          <a:prstGeom prst="rect">
+            <a:avLst/>
+          </a:prstGeom>
+          <a:noFill/>
+        </p:spPr>
+        <p:txBody>
+          <a:bodyPr wrap="square" rtlCol="0">
+            <a:spAutoFit/>
+          </a:bodyPr>
+          <a:lstStyle/>
+          <a:p>
+            <a:pPr algn="ctr"/>
+            <a:r>
+              <a:rPr lang="en-US" sz="2400" dirty="0">
+                <a:latin typeface="Times New Roman" panose="02020603050405020304" pitchFamily="18" charset="0"/>
+                <a:cs typeface="Times New Roman" panose="02020603050405020304" pitchFamily="18" charset="0"/>
+              </a:rPr>
+              <a:t>RAPTOR</a:t>
+            </a:r>
+          </a:p>
+        </p:txBody>
+      </p:sp>
+      <p:sp>
+        <p:nvSpPr>
+          <p:cNvPr id="20" name="TextBox 19">
+            <a:extLst>
+              <a:ext uri="{FF2B5EF4-FFF2-40B4-BE49-F238E27FC236}">
+                <a16:creationId xmlns:a16="http://schemas.microsoft.com/office/drawing/2014/main" id="{50DF4047-5565-39EC-C11F-E8D16E1BDA02}"/>
+              </a:ext>
+            </a:extLst>
+          </p:cNvPr>
+          <p:cNvSpPr txBox="1"/>
+          <p:nvPr/>
+        </p:nvSpPr>
+        <p:spPr>
+          <a:xfrm>
+            <a:off x="349405" y="89210"/>
+            <a:ext cx="4519961" cy="769441"/>
+          </a:xfrm>
+          <a:prstGeom prst="rect">
+            <a:avLst/>
+          </a:prstGeom>
+          <a:noFill/>
+        </p:spPr>
+        <p:txBody>
+          <a:bodyPr wrap="square" rtlCol="0">
+            <a:spAutoFit/>
+          </a:bodyPr>
+          <a:lstStyle/>
+          <a:p>
+            <a:pPr algn="ctr"/>
+            <a:r>
+              <a:rPr lang="en-US" sz="4400" dirty="0">
+                <a:latin typeface="Times New Roman" panose="02020603050405020304" pitchFamily="18" charset="0"/>
+                <a:cs typeface="Times New Roman" panose="02020603050405020304" pitchFamily="18" charset="0"/>
+              </a:rPr>
+              <a:t>TOR Complex 1</a:t>
+            </a:r>
+          </a:p>
+        </p:txBody>
+      </p:sp>
+      <p:sp>
+        <p:nvSpPr>
+          <p:cNvPr id="21" name="TextBox 20">
+            <a:extLst>
+              <a:ext uri="{FF2B5EF4-FFF2-40B4-BE49-F238E27FC236}">
+                <a16:creationId xmlns:a16="http://schemas.microsoft.com/office/drawing/2014/main" id="{A3D7C9D7-10C9-5B90-FF84-BCD566915580}"/>
+              </a:ext>
+            </a:extLst>
+          </p:cNvPr>
+          <p:cNvSpPr txBox="1"/>
+          <p:nvPr/>
+        </p:nvSpPr>
+        <p:spPr>
+          <a:xfrm>
+            <a:off x="7166520" y="89209"/>
+            <a:ext cx="4519961" cy="769441"/>
+          </a:xfrm>
+          <a:prstGeom prst="rect">
+            <a:avLst/>
+          </a:prstGeom>
+          <a:noFill/>
+        </p:spPr>
+        <p:txBody>
+          <a:bodyPr wrap="square" rtlCol="0">
+            <a:spAutoFit/>
+          </a:bodyPr>
+          <a:lstStyle/>
+          <a:p>
+            <a:pPr algn="ctr"/>
+            <a:r>
+              <a:rPr lang="en-US" sz="4400" dirty="0">
+                <a:latin typeface="Times New Roman" panose="02020603050405020304" pitchFamily="18" charset="0"/>
+                <a:cs typeface="Times New Roman" panose="02020603050405020304" pitchFamily="18" charset="0"/>
+              </a:rPr>
+              <a:t>TOR Complex 2</a:t>
+            </a:r>
           </a:p>
         </p:txBody>
       </p:sp>
     </p:spTree>
     <p:extLst>
       <p:ext uri="{BB962C8B-B14F-4D97-AF65-F5344CB8AC3E}">
-        <p14:creationId xmlns:p14="http://schemas.microsoft.com/office/powerpoint/2010/main" val="2415811972"/>
+        <p14:creationId xmlns:p14="http://schemas.microsoft.com/office/powerpoint/2010/main" val="243083477"/>
+      </p:ext>
+    </p:extLst>
+  </p:cSld>
+  <p:clrMapOvr>
+    <a:masterClrMapping/>
+  </p:clrMapOvr>
+</p:sld>
+</file>
+
+<file path=ppt/slides/slide8.xml><?xml version="1.0" encoding="utf-8"?>
+<p:sld xmlns:a="http://schemas.openxmlformats.org/drawingml/2006/main" xmlns:r="http://schemas.openxmlformats.org/officeDocument/2006/relationships" xmlns:p="http://schemas.openxmlformats.org/presentationml/2006/main">
+  <p:cSld>
+    <p:spTree>
+      <p:nvGrpSpPr>
+        <p:cNvPr id="1" name=""/>
+        <p:cNvGrpSpPr/>
+        <p:nvPr/>
+      </p:nvGrpSpPr>
+      <p:grpSpPr>
+        <a:xfrm>
+          <a:off x="0" y="0"/>
+          <a:ext cx="0" cy="0"/>
+          <a:chOff x="0" y="0"/>
+          <a:chExt cx="0" cy="0"/>
+        </a:xfrm>
+      </p:grpSpPr>
+      <p:sp>
+        <p:nvSpPr>
+          <p:cNvPr id="2" name="Rectangle 1">
+            <a:extLst>
+              <a:ext uri="{FF2B5EF4-FFF2-40B4-BE49-F238E27FC236}">
+                <a16:creationId xmlns:a16="http://schemas.microsoft.com/office/drawing/2014/main" id="{771D9AC8-F16E-678A-CBAC-628FC69C9749}"/>
+              </a:ext>
+            </a:extLst>
+          </p:cNvPr>
+          <p:cNvSpPr/>
+          <p:nvPr/>
+        </p:nvSpPr>
+        <p:spPr>
+          <a:xfrm>
+            <a:off x="126380" y="676507"/>
+            <a:ext cx="2163337" cy="661639"/>
+          </a:xfrm>
+          <a:prstGeom prst="rect">
+            <a:avLst/>
+          </a:prstGeom>
+          <a:solidFill>
+            <a:srgbClr val="929AA9"/>
+          </a:solidFill>
+        </p:spPr>
+        <p:style>
+          <a:lnRef idx="2">
+            <a:schemeClr val="accent1">
+              <a:shade val="15000"/>
+            </a:schemeClr>
+          </a:lnRef>
+          <a:fillRef idx="1">
+            <a:schemeClr val="accent1"/>
+          </a:fillRef>
+          <a:effectRef idx="0">
+            <a:schemeClr val="accent1"/>
+          </a:effectRef>
+          <a:fontRef idx="minor">
+            <a:schemeClr val="lt1"/>
+          </a:fontRef>
+        </p:style>
+        <p:txBody>
+          <a:bodyPr rtlCol="0" anchor="ctr"/>
+          <a:lstStyle/>
+          <a:p>
+            <a:pPr algn="ctr"/>
+            <a:r>
+              <a:rPr lang="en-US" dirty="0">
+                <a:latin typeface="Times New Roman" panose="02020603050405020304" pitchFamily="18" charset="0"/>
+                <a:cs typeface="Times New Roman" panose="02020603050405020304" pitchFamily="18" charset="0"/>
+              </a:rPr>
+              <a:t>RICTORN</a:t>
+            </a:r>
+          </a:p>
+        </p:txBody>
+      </p:sp>
+      <p:sp>
+        <p:nvSpPr>
+          <p:cNvPr id="3" name="Rectangle 2">
+            <a:extLst>
+              <a:ext uri="{FF2B5EF4-FFF2-40B4-BE49-F238E27FC236}">
+                <a16:creationId xmlns:a16="http://schemas.microsoft.com/office/drawing/2014/main" id="{12F3864C-1BB2-206A-A3EA-46E36C705E97}"/>
+              </a:ext>
+            </a:extLst>
+          </p:cNvPr>
+          <p:cNvSpPr/>
+          <p:nvPr/>
+        </p:nvSpPr>
+        <p:spPr>
+          <a:xfrm>
+            <a:off x="2289717" y="676507"/>
+            <a:ext cx="2371493" cy="661639"/>
+          </a:xfrm>
+          <a:prstGeom prst="rect">
+            <a:avLst/>
+          </a:prstGeom>
+          <a:solidFill>
+            <a:srgbClr val="929AA9"/>
+          </a:solidFill>
+        </p:spPr>
+        <p:style>
+          <a:lnRef idx="2">
+            <a:schemeClr val="accent1">
+              <a:shade val="15000"/>
+            </a:schemeClr>
+          </a:lnRef>
+          <a:fillRef idx="1">
+            <a:schemeClr val="accent1"/>
+          </a:fillRef>
+          <a:effectRef idx="0">
+            <a:schemeClr val="accent1"/>
+          </a:effectRef>
+          <a:fontRef idx="minor">
+            <a:schemeClr val="lt1"/>
+          </a:fontRef>
+        </p:style>
+        <p:txBody>
+          <a:bodyPr rtlCol="0" anchor="ctr"/>
+          <a:lstStyle/>
+          <a:p>
+            <a:pPr algn="ctr"/>
+            <a:r>
+              <a:rPr lang="en-US" dirty="0">
+                <a:latin typeface="Times New Roman" panose="02020603050405020304" pitchFamily="18" charset="0"/>
+                <a:cs typeface="Times New Roman" panose="02020603050405020304" pitchFamily="18" charset="0"/>
+              </a:rPr>
+              <a:t>RICTORM</a:t>
+            </a:r>
+          </a:p>
+        </p:txBody>
+      </p:sp>
+      <p:sp>
+        <p:nvSpPr>
+          <p:cNvPr id="5" name="Rectangle 4">
+            <a:extLst>
+              <a:ext uri="{FF2B5EF4-FFF2-40B4-BE49-F238E27FC236}">
+                <a16:creationId xmlns:a16="http://schemas.microsoft.com/office/drawing/2014/main" id="{249D0AD3-45D5-D923-1D0E-E3E172DF30F2}"/>
+              </a:ext>
+            </a:extLst>
+          </p:cNvPr>
+          <p:cNvSpPr/>
+          <p:nvPr/>
+        </p:nvSpPr>
+        <p:spPr>
+          <a:xfrm>
+            <a:off x="4661210" y="676506"/>
+            <a:ext cx="1888272" cy="661639"/>
+          </a:xfrm>
+          <a:prstGeom prst="rect">
+            <a:avLst/>
+          </a:prstGeom>
+          <a:solidFill>
+            <a:srgbClr val="929AA9"/>
+          </a:solidFill>
+        </p:spPr>
+        <p:style>
+          <a:lnRef idx="2">
+            <a:schemeClr val="accent1">
+              <a:shade val="15000"/>
+            </a:schemeClr>
+          </a:lnRef>
+          <a:fillRef idx="1">
+            <a:schemeClr val="accent1"/>
+          </a:fillRef>
+          <a:effectRef idx="0">
+            <a:schemeClr val="accent1"/>
+          </a:effectRef>
+          <a:fontRef idx="minor">
+            <a:schemeClr val="lt1"/>
+          </a:fontRef>
+        </p:style>
+        <p:txBody>
+          <a:bodyPr rtlCol="0" anchor="ctr"/>
+          <a:lstStyle/>
+          <a:p>
+            <a:pPr algn="ctr"/>
+            <a:r>
+              <a:rPr lang="en-US" dirty="0" err="1">
+                <a:latin typeface="Times New Roman" panose="02020603050405020304" pitchFamily="18" charset="0"/>
+                <a:cs typeface="Times New Roman" panose="02020603050405020304" pitchFamily="18" charset="0"/>
+              </a:rPr>
+              <a:t>RasGEF</a:t>
+            </a:r>
+            <a:r>
+              <a:rPr lang="en-US" dirty="0"/>
+              <a:t> </a:t>
+            </a:r>
+          </a:p>
+        </p:txBody>
+      </p:sp>
+      <p:sp>
+        <p:nvSpPr>
+          <p:cNvPr id="6" name="Rectangle 5">
+            <a:extLst>
+              <a:ext uri="{FF2B5EF4-FFF2-40B4-BE49-F238E27FC236}">
+                <a16:creationId xmlns:a16="http://schemas.microsoft.com/office/drawing/2014/main" id="{185EC7E2-69D1-4E88-B01E-F06FB2480F9E}"/>
+              </a:ext>
+            </a:extLst>
+          </p:cNvPr>
+          <p:cNvSpPr/>
+          <p:nvPr/>
+        </p:nvSpPr>
+        <p:spPr>
+          <a:xfrm>
+            <a:off x="8712819" y="676507"/>
+            <a:ext cx="3479182" cy="661639"/>
+          </a:xfrm>
+          <a:prstGeom prst="rect">
+            <a:avLst/>
+          </a:prstGeom>
+          <a:solidFill>
+            <a:srgbClr val="929AA9"/>
+          </a:solidFill>
+        </p:spPr>
+        <p:style>
+          <a:lnRef idx="2">
+            <a:schemeClr val="accent1">
+              <a:shade val="15000"/>
+            </a:schemeClr>
+          </a:lnRef>
+          <a:fillRef idx="1">
+            <a:schemeClr val="accent1"/>
+          </a:fillRef>
+          <a:effectRef idx="0">
+            <a:schemeClr val="accent1"/>
+          </a:effectRef>
+          <a:fontRef idx="minor">
+            <a:schemeClr val="lt1"/>
+          </a:fontRef>
+        </p:style>
+        <p:txBody>
+          <a:bodyPr rtlCol="0" anchor="ctr"/>
+          <a:lstStyle/>
+          <a:p>
+            <a:pPr algn="ctr"/>
+            <a:r>
+              <a:rPr lang="en-US" dirty="0">
+                <a:latin typeface="Times New Roman" panose="02020603050405020304" pitchFamily="18" charset="0"/>
+                <a:cs typeface="Times New Roman" panose="02020603050405020304" pitchFamily="18" charset="0"/>
+              </a:rPr>
+              <a:t>RICTOR Phosphorylation</a:t>
+            </a:r>
+          </a:p>
+        </p:txBody>
+      </p:sp>
+      <p:sp>
+        <p:nvSpPr>
+          <p:cNvPr id="7" name="Rectangle 6">
+            <a:extLst>
+              <a:ext uri="{FF2B5EF4-FFF2-40B4-BE49-F238E27FC236}">
+                <a16:creationId xmlns:a16="http://schemas.microsoft.com/office/drawing/2014/main" id="{819623C3-7683-F64D-0AD5-EA733284BC4B}"/>
+              </a:ext>
+            </a:extLst>
+          </p:cNvPr>
+          <p:cNvSpPr/>
+          <p:nvPr/>
+        </p:nvSpPr>
+        <p:spPr>
+          <a:xfrm>
+            <a:off x="6549481" y="676505"/>
+            <a:ext cx="2163337" cy="661639"/>
+          </a:xfrm>
+          <a:prstGeom prst="rect">
+            <a:avLst/>
+          </a:prstGeom>
+          <a:solidFill>
+            <a:srgbClr val="929AA9"/>
+          </a:solidFill>
+        </p:spPr>
+        <p:style>
+          <a:lnRef idx="2">
+            <a:schemeClr val="accent1">
+              <a:shade val="15000"/>
+            </a:schemeClr>
+          </a:lnRef>
+          <a:fillRef idx="1">
+            <a:schemeClr val="accent1"/>
+          </a:fillRef>
+          <a:effectRef idx="0">
+            <a:schemeClr val="accent1"/>
+          </a:effectRef>
+          <a:fontRef idx="minor">
+            <a:schemeClr val="lt1"/>
+          </a:fontRef>
+        </p:style>
+        <p:txBody>
+          <a:bodyPr rtlCol="0" anchor="ctr"/>
+          <a:lstStyle/>
+          <a:p>
+            <a:pPr algn="ctr"/>
+            <a:r>
+              <a:rPr lang="en-US" dirty="0">
+                <a:latin typeface="Times New Roman" panose="02020603050405020304" pitchFamily="18" charset="0"/>
+                <a:cs typeface="Times New Roman" panose="02020603050405020304" pitchFamily="18" charset="0"/>
+              </a:rPr>
+              <a:t>Domain5</a:t>
+            </a:r>
+            <a:r>
+              <a:rPr lang="en-US" dirty="0"/>
+              <a:t> </a:t>
+            </a:r>
+          </a:p>
+        </p:txBody>
+      </p:sp>
+      <p:sp>
+        <p:nvSpPr>
+          <p:cNvPr id="9" name="Rectangle 8">
+            <a:extLst>
+              <a:ext uri="{FF2B5EF4-FFF2-40B4-BE49-F238E27FC236}">
+                <a16:creationId xmlns:a16="http://schemas.microsoft.com/office/drawing/2014/main" id="{BFB3C3B7-5E76-1EA1-A8C9-5E779DE47910}"/>
+              </a:ext>
+            </a:extLst>
+          </p:cNvPr>
+          <p:cNvSpPr/>
+          <p:nvPr/>
+        </p:nvSpPr>
+        <p:spPr>
+          <a:xfrm>
+            <a:off x="126380" y="1988630"/>
+            <a:ext cx="8597586" cy="661639"/>
+          </a:xfrm>
+          <a:prstGeom prst="rect">
+            <a:avLst/>
+          </a:prstGeom>
+          <a:solidFill>
+            <a:srgbClr val="C2C11E"/>
+          </a:solidFill>
+        </p:spPr>
+        <p:style>
+          <a:lnRef idx="2">
+            <a:schemeClr val="accent1">
+              <a:shade val="15000"/>
+            </a:schemeClr>
+          </a:lnRef>
+          <a:fillRef idx="1">
+            <a:schemeClr val="accent1"/>
+          </a:fillRef>
+          <a:effectRef idx="0">
+            <a:schemeClr val="accent1"/>
+          </a:effectRef>
+          <a:fontRef idx="minor">
+            <a:schemeClr val="lt1"/>
+          </a:fontRef>
+        </p:style>
+        <p:txBody>
+          <a:bodyPr rtlCol="0" anchor="ctr"/>
+          <a:lstStyle/>
+          <a:p>
+            <a:pPr algn="ctr"/>
+            <a:r>
+              <a:rPr lang="en-US" dirty="0">
+                <a:solidFill>
+                  <a:schemeClr val="tx1"/>
+                </a:solidFill>
+              </a:rPr>
+              <a:t>ARM Repeats</a:t>
+            </a:r>
+          </a:p>
+        </p:txBody>
+      </p:sp>
+    </p:spTree>
+    <p:extLst>
+      <p:ext uri="{BB962C8B-B14F-4D97-AF65-F5344CB8AC3E}">
+        <p14:creationId xmlns:p14="http://schemas.microsoft.com/office/powerpoint/2010/main" val="3658140424"/>
+      </p:ext>
+    </p:extLst>
+  </p:cSld>
+  <p:clrMapOvr>
+    <a:masterClrMapping/>
+  </p:clrMapOvr>
+</p:sld>
+</file>
+
+<file path=ppt/slides/slide9.xml><?xml version="1.0" encoding="utf-8"?>
+<p:sld xmlns:a="http://schemas.openxmlformats.org/drawingml/2006/main" xmlns:r="http://schemas.openxmlformats.org/officeDocument/2006/relationships" xmlns:p="http://schemas.openxmlformats.org/presentationml/2006/main">
+  <p:cSld>
+    <p:spTree>
+      <p:nvGrpSpPr>
+        <p:cNvPr id="1" name=""/>
+        <p:cNvGrpSpPr/>
+        <p:nvPr/>
+      </p:nvGrpSpPr>
+      <p:grpSpPr>
+        <a:xfrm>
+          <a:off x="0" y="0"/>
+          <a:ext cx="0" cy="0"/>
+          <a:chOff x="0" y="0"/>
+          <a:chExt cx="0" cy="0"/>
+        </a:xfrm>
+      </p:grpSpPr>
+    </p:spTree>
+    <p:extLst>
+      <p:ext uri="{BB962C8B-B14F-4D97-AF65-F5344CB8AC3E}">
+        <p14:creationId xmlns:p14="http://schemas.microsoft.com/office/powerpoint/2010/main" val="2941384763"/>
       </p:ext>
     </p:extLst>
   </p:cSld>

--- a/Images/Figures_PPT/Prototype_Rictor_Diagram_Stramenopiles.pptx
+++ b/Images/Figures_PPT/Prototype_Rictor_Diagram_Stramenopiles.pptx
@@ -3,20 +3,22 @@
 <p:presentation xmlns:a="http://schemas.openxmlformats.org/drawingml/2006/main" xmlns:r="http://schemas.openxmlformats.org/officeDocument/2006/relationships" xmlns:p="http://schemas.openxmlformats.org/presentationml/2006/main" saveSubsetFonts="1">
   <p:sldMasterIdLst>
     <p:sldMasterId id="2147483648" r:id="rId1"/>
+    <p:sldMasterId id="2147483660" r:id="rId2"/>
   </p:sldMasterIdLst>
   <p:notesMasterIdLst>
-    <p:notesMasterId r:id="rId11"/>
+    <p:notesMasterId r:id="rId13"/>
   </p:notesMasterIdLst>
   <p:sldIdLst>
-    <p:sldId id="256" r:id="rId2"/>
-    <p:sldId id="262" r:id="rId3"/>
-    <p:sldId id="260" r:id="rId4"/>
-    <p:sldId id="258" r:id="rId5"/>
-    <p:sldId id="261" r:id="rId6"/>
-    <p:sldId id="263" r:id="rId7"/>
-    <p:sldId id="264" r:id="rId8"/>
-    <p:sldId id="265" r:id="rId9"/>
-    <p:sldId id="266" r:id="rId10"/>
+    <p:sldId id="256" r:id="rId3"/>
+    <p:sldId id="262" r:id="rId4"/>
+    <p:sldId id="260" r:id="rId5"/>
+    <p:sldId id="258" r:id="rId6"/>
+    <p:sldId id="261" r:id="rId7"/>
+    <p:sldId id="263" r:id="rId8"/>
+    <p:sldId id="264" r:id="rId9"/>
+    <p:sldId id="265" r:id="rId10"/>
+    <p:sldId id="266" r:id="rId11"/>
+    <p:sldId id="267" r:id="rId12"/>
   </p:sldIdLst>
   <p:sldSz cx="12192000" cy="6858000"/>
   <p:notesSz cx="6858000" cy="9144000"/>
@@ -205,7 +207,7 @@
           <a:p>
             <a:fld id="{A9CD932A-8F3F-445A-BB98-0784D76FA3A3}" type="datetimeFigureOut">
               <a:rPr lang="en-US" smtClean="0"/>
-              <a:t>4/2/2025</a:t>
+              <a:t>4/9/2025</a:t>
             </a:fld>
             <a:endParaRPr lang="en-US"/>
           </a:p>
@@ -472,6 +474,110 @@
 </p:notesMaster>
 </file>
 
+<file path=ppt/notesSlides/notesSlide1.xml><?xml version="1.0" encoding="utf-8"?>
+<p:notes xmlns:a="http://schemas.openxmlformats.org/drawingml/2006/main" xmlns:r="http://schemas.openxmlformats.org/officeDocument/2006/relationships" xmlns:p="http://schemas.openxmlformats.org/presentationml/2006/main" showMasterSp="0" showMasterPhAnim="0">
+  <p:cSld>
+    <p:spTree>
+      <p:nvGrpSpPr>
+        <p:cNvPr id="1" name="Shape 99"/>
+        <p:cNvGrpSpPr/>
+        <p:nvPr/>
+      </p:nvGrpSpPr>
+      <p:grpSpPr>
+        <a:xfrm>
+          <a:off x="0" y="0"/>
+          <a:ext cx="0" cy="0"/>
+          <a:chOff x="0" y="0"/>
+          <a:chExt cx="0" cy="0"/>
+        </a:xfrm>
+      </p:grpSpPr>
+      <p:sp>
+        <p:nvSpPr>
+          <p:cNvPr id="100" name="Google Shape;100;g32ae8308912_2_0:notes"/>
+          <p:cNvSpPr>
+            <a:spLocks noGrp="1" noRot="1" noChangeAspect="1"/>
+          </p:cNvSpPr>
+          <p:nvPr>
+            <p:ph type="sldImg" idx="2"/>
+          </p:nvPr>
+        </p:nvSpPr>
+        <p:spPr>
+          <a:xfrm>
+            <a:off x="381000" y="685800"/>
+            <a:ext cx="6096000" cy="3429000"/>
+          </a:xfrm>
+          <a:custGeom>
+            <a:avLst/>
+            <a:gdLst/>
+            <a:ahLst/>
+            <a:cxnLst/>
+            <a:rect l="l" t="t" r="r" b="b"/>
+            <a:pathLst>
+              <a:path w="120000" h="120000" extrusionOk="0">
+                <a:moveTo>
+                  <a:pt x="0" y="0"/>
+                </a:moveTo>
+                <a:lnTo>
+                  <a:pt x="120000" y="0"/>
+                </a:lnTo>
+                <a:lnTo>
+                  <a:pt x="120000" y="120000"/>
+                </a:lnTo>
+                <a:lnTo>
+                  <a:pt x="0" y="120000"/>
+                </a:lnTo>
+                <a:close/>
+              </a:path>
+            </a:pathLst>
+          </a:custGeom>
+        </p:spPr>
+      </p:sp>
+      <p:sp>
+        <p:nvSpPr>
+          <p:cNvPr id="101" name="Google Shape;101;g32ae8308912_2_0:notes"/>
+          <p:cNvSpPr txBox="1">
+            <a:spLocks noGrp="1"/>
+          </p:cNvSpPr>
+          <p:nvPr>
+            <p:ph type="body" idx="1"/>
+          </p:nvPr>
+        </p:nvSpPr>
+        <p:spPr>
+          <a:xfrm>
+            <a:off x="685800" y="4343400"/>
+            <a:ext cx="5486400" cy="4114800"/>
+          </a:xfrm>
+          <a:prstGeom prst="rect">
+            <a:avLst/>
+          </a:prstGeom>
+        </p:spPr>
+        <p:txBody>
+          <a:bodyPr spcFirstLastPara="1" wrap="square" lIns="91425" tIns="91425" rIns="91425" bIns="91425" anchor="t" anchorCtr="0">
+            <a:noAutofit/>
+          </a:bodyPr>
+          <a:lstStyle/>
+          <a:p>
+            <a:pPr marL="0" lvl="0" indent="0" algn="l" rtl="0">
+              <a:spcBef>
+                <a:spcPts val="0"/>
+              </a:spcBef>
+              <a:spcAft>
+                <a:spcPts val="0"/>
+              </a:spcAft>
+              <a:buNone/>
+            </a:pPr>
+            <a:endParaRPr/>
+          </a:p>
+        </p:txBody>
+      </p:sp>
+    </p:spTree>
+  </p:cSld>
+  <p:clrMapOvr>
+    <a:masterClrMapping/>
+  </p:clrMapOvr>
+</p:notes>
+</file>
+
 <file path=ppt/slideLayouts/slideLayout1.xml><?xml version="1.0" encoding="utf-8"?>
 <p:sldLayout xmlns:a="http://schemas.openxmlformats.org/drawingml/2006/main" xmlns:r="http://schemas.openxmlformats.org/officeDocument/2006/relationships" xmlns:p="http://schemas.openxmlformats.org/presentationml/2006/main" type="title" preserve="1">
   <p:cSld name="Title Slide">
@@ -619,7 +725,7 @@
           <a:p>
             <a:fld id="{DEA3E70D-7777-4D36-8DA1-3B2457C715AC}" type="datetimeFigureOut">
               <a:rPr lang="en-US" smtClean="0"/>
-              <a:t>4/2/2025</a:t>
+              <a:t>4/9/2025</a:t>
             </a:fld>
             <a:endParaRPr lang="en-US"/>
           </a:p>
@@ -817,7 +923,7 @@
           <a:p>
             <a:fld id="{DEA3E70D-7777-4D36-8DA1-3B2457C715AC}" type="datetimeFigureOut">
               <a:rPr lang="en-US" smtClean="0"/>
-              <a:t>4/2/2025</a:t>
+              <a:t>4/9/2025</a:t>
             </a:fld>
             <a:endParaRPr lang="en-US"/>
           </a:p>
@@ -1025,7 +1131,7 @@
           <a:p>
             <a:fld id="{DEA3E70D-7777-4D36-8DA1-3B2457C715AC}" type="datetimeFigureOut">
               <a:rPr lang="en-US" smtClean="0"/>
-              <a:t>4/2/2025</a:t>
+              <a:t>4/9/2025</a:t>
             </a:fld>
             <a:endParaRPr lang="en-US"/>
           </a:p>
@@ -1089,6 +1195,2843 @@
     <p:extLst>
       <p:ext uri="{BB962C8B-B14F-4D97-AF65-F5344CB8AC3E}">
         <p14:creationId xmlns:p14="http://schemas.microsoft.com/office/powerpoint/2010/main" val="1026384163"/>
+      </p:ext>
+    </p:extLst>
+  </p:cSld>
+  <p:clrMapOvr>
+    <a:masterClrMapping/>
+  </p:clrMapOvr>
+</p:sldLayout>
+</file>
+
+<file path=ppt/slideLayouts/slideLayout12.xml><?xml version="1.0" encoding="utf-8"?>
+<p:sldLayout xmlns:a="http://schemas.openxmlformats.org/drawingml/2006/main" xmlns:r="http://schemas.openxmlformats.org/officeDocument/2006/relationships" xmlns:p="http://schemas.openxmlformats.org/presentationml/2006/main" matchingName="Title slide" type="title">
+  <p:cSld name="Title slide">
+    <p:spTree>
+      <p:nvGrpSpPr>
+        <p:cNvPr id="1" name="Shape 9"/>
+        <p:cNvGrpSpPr/>
+        <p:nvPr/>
+      </p:nvGrpSpPr>
+      <p:grpSpPr>
+        <a:xfrm>
+          <a:off x="0" y="0"/>
+          <a:ext cx="0" cy="0"/>
+          <a:chOff x="0" y="0"/>
+          <a:chExt cx="0" cy="0"/>
+        </a:xfrm>
+      </p:grpSpPr>
+      <p:sp>
+        <p:nvSpPr>
+          <p:cNvPr id="10" name="Google Shape;10;p2"/>
+          <p:cNvSpPr txBox="1">
+            <a:spLocks noGrp="1"/>
+          </p:cNvSpPr>
+          <p:nvPr>
+            <p:ph type="ctrTitle"/>
+          </p:nvPr>
+        </p:nvSpPr>
+        <p:spPr>
+          <a:xfrm>
+            <a:off x="415611" y="992767"/>
+            <a:ext cx="11360800" cy="2736800"/>
+          </a:xfrm>
+          <a:prstGeom prst="rect">
+            <a:avLst/>
+          </a:prstGeom>
+        </p:spPr>
+        <p:txBody>
+          <a:bodyPr spcFirstLastPara="1" wrap="square" lIns="91425" tIns="91425" rIns="91425" bIns="91425" anchor="b" anchorCtr="0">
+            <a:normAutofit/>
+          </a:bodyPr>
+          <a:lstStyle>
+            <a:lvl1pPr lvl="0" algn="ctr">
+              <a:spcBef>
+                <a:spcPts val="0"/>
+              </a:spcBef>
+              <a:spcAft>
+                <a:spcPts val="0"/>
+              </a:spcAft>
+              <a:buSzPts val="5200"/>
+              <a:buNone/>
+              <a:defRPr sz="6933"/>
+            </a:lvl1pPr>
+            <a:lvl2pPr lvl="1" algn="ctr">
+              <a:spcBef>
+                <a:spcPts val="0"/>
+              </a:spcBef>
+              <a:spcAft>
+                <a:spcPts val="0"/>
+              </a:spcAft>
+              <a:buSzPts val="5200"/>
+              <a:buNone/>
+              <a:defRPr sz="6933"/>
+            </a:lvl2pPr>
+            <a:lvl3pPr lvl="2" algn="ctr">
+              <a:spcBef>
+                <a:spcPts val="0"/>
+              </a:spcBef>
+              <a:spcAft>
+                <a:spcPts val="0"/>
+              </a:spcAft>
+              <a:buSzPts val="5200"/>
+              <a:buNone/>
+              <a:defRPr sz="6933"/>
+            </a:lvl3pPr>
+            <a:lvl4pPr lvl="3" algn="ctr">
+              <a:spcBef>
+                <a:spcPts val="0"/>
+              </a:spcBef>
+              <a:spcAft>
+                <a:spcPts val="0"/>
+              </a:spcAft>
+              <a:buSzPts val="5200"/>
+              <a:buNone/>
+              <a:defRPr sz="6933"/>
+            </a:lvl4pPr>
+            <a:lvl5pPr lvl="4" algn="ctr">
+              <a:spcBef>
+                <a:spcPts val="0"/>
+              </a:spcBef>
+              <a:spcAft>
+                <a:spcPts val="0"/>
+              </a:spcAft>
+              <a:buSzPts val="5200"/>
+              <a:buNone/>
+              <a:defRPr sz="6933"/>
+            </a:lvl5pPr>
+            <a:lvl6pPr lvl="5" algn="ctr">
+              <a:spcBef>
+                <a:spcPts val="0"/>
+              </a:spcBef>
+              <a:spcAft>
+                <a:spcPts val="0"/>
+              </a:spcAft>
+              <a:buSzPts val="5200"/>
+              <a:buNone/>
+              <a:defRPr sz="6933"/>
+            </a:lvl6pPr>
+            <a:lvl7pPr lvl="6" algn="ctr">
+              <a:spcBef>
+                <a:spcPts val="0"/>
+              </a:spcBef>
+              <a:spcAft>
+                <a:spcPts val="0"/>
+              </a:spcAft>
+              <a:buSzPts val="5200"/>
+              <a:buNone/>
+              <a:defRPr sz="6933"/>
+            </a:lvl7pPr>
+            <a:lvl8pPr lvl="7" algn="ctr">
+              <a:spcBef>
+                <a:spcPts val="0"/>
+              </a:spcBef>
+              <a:spcAft>
+                <a:spcPts val="0"/>
+              </a:spcAft>
+              <a:buSzPts val="5200"/>
+              <a:buNone/>
+              <a:defRPr sz="6933"/>
+            </a:lvl8pPr>
+            <a:lvl9pPr lvl="8" algn="ctr">
+              <a:spcBef>
+                <a:spcPts val="0"/>
+              </a:spcBef>
+              <a:spcAft>
+                <a:spcPts val="0"/>
+              </a:spcAft>
+              <a:buSzPts val="5200"/>
+              <a:buNone/>
+              <a:defRPr sz="6933"/>
+            </a:lvl9pPr>
+          </a:lstStyle>
+          <a:p>
+            <a:endParaRPr/>
+          </a:p>
+        </p:txBody>
+      </p:sp>
+      <p:sp>
+        <p:nvSpPr>
+          <p:cNvPr id="11" name="Google Shape;11;p2"/>
+          <p:cNvSpPr txBox="1">
+            <a:spLocks noGrp="1"/>
+          </p:cNvSpPr>
+          <p:nvPr>
+            <p:ph type="subTitle" idx="1"/>
+          </p:nvPr>
+        </p:nvSpPr>
+        <p:spPr>
+          <a:xfrm>
+            <a:off x="415600" y="3778833"/>
+            <a:ext cx="11360800" cy="1056800"/>
+          </a:xfrm>
+          <a:prstGeom prst="rect">
+            <a:avLst/>
+          </a:prstGeom>
+        </p:spPr>
+        <p:txBody>
+          <a:bodyPr spcFirstLastPara="1" wrap="square" lIns="91425" tIns="91425" rIns="91425" bIns="91425" anchor="t" anchorCtr="0">
+            <a:normAutofit/>
+          </a:bodyPr>
+          <a:lstStyle>
+            <a:lvl1pPr lvl="0" algn="ctr">
+              <a:lnSpc>
+                <a:spcPct val="100000"/>
+              </a:lnSpc>
+              <a:spcBef>
+                <a:spcPts val="0"/>
+              </a:spcBef>
+              <a:spcAft>
+                <a:spcPts val="0"/>
+              </a:spcAft>
+              <a:buSzPts val="2800"/>
+              <a:buNone/>
+              <a:defRPr sz="3733"/>
+            </a:lvl1pPr>
+            <a:lvl2pPr lvl="1" algn="ctr">
+              <a:lnSpc>
+                <a:spcPct val="100000"/>
+              </a:lnSpc>
+              <a:spcBef>
+                <a:spcPts val="0"/>
+              </a:spcBef>
+              <a:spcAft>
+                <a:spcPts val="0"/>
+              </a:spcAft>
+              <a:buSzPts val="2800"/>
+              <a:buNone/>
+              <a:defRPr sz="3733"/>
+            </a:lvl2pPr>
+            <a:lvl3pPr lvl="2" algn="ctr">
+              <a:lnSpc>
+                <a:spcPct val="100000"/>
+              </a:lnSpc>
+              <a:spcBef>
+                <a:spcPts val="0"/>
+              </a:spcBef>
+              <a:spcAft>
+                <a:spcPts val="0"/>
+              </a:spcAft>
+              <a:buSzPts val="2800"/>
+              <a:buNone/>
+              <a:defRPr sz="3733"/>
+            </a:lvl3pPr>
+            <a:lvl4pPr lvl="3" algn="ctr">
+              <a:lnSpc>
+                <a:spcPct val="100000"/>
+              </a:lnSpc>
+              <a:spcBef>
+                <a:spcPts val="0"/>
+              </a:spcBef>
+              <a:spcAft>
+                <a:spcPts val="0"/>
+              </a:spcAft>
+              <a:buSzPts val="2800"/>
+              <a:buNone/>
+              <a:defRPr sz="3733"/>
+            </a:lvl4pPr>
+            <a:lvl5pPr lvl="4" algn="ctr">
+              <a:lnSpc>
+                <a:spcPct val="100000"/>
+              </a:lnSpc>
+              <a:spcBef>
+                <a:spcPts val="0"/>
+              </a:spcBef>
+              <a:spcAft>
+                <a:spcPts val="0"/>
+              </a:spcAft>
+              <a:buSzPts val="2800"/>
+              <a:buNone/>
+              <a:defRPr sz="3733"/>
+            </a:lvl5pPr>
+            <a:lvl6pPr lvl="5" algn="ctr">
+              <a:lnSpc>
+                <a:spcPct val="100000"/>
+              </a:lnSpc>
+              <a:spcBef>
+                <a:spcPts val="0"/>
+              </a:spcBef>
+              <a:spcAft>
+                <a:spcPts val="0"/>
+              </a:spcAft>
+              <a:buSzPts val="2800"/>
+              <a:buNone/>
+              <a:defRPr sz="3733"/>
+            </a:lvl6pPr>
+            <a:lvl7pPr lvl="6" algn="ctr">
+              <a:lnSpc>
+                <a:spcPct val="100000"/>
+              </a:lnSpc>
+              <a:spcBef>
+                <a:spcPts val="0"/>
+              </a:spcBef>
+              <a:spcAft>
+                <a:spcPts val="0"/>
+              </a:spcAft>
+              <a:buSzPts val="2800"/>
+              <a:buNone/>
+              <a:defRPr sz="3733"/>
+            </a:lvl7pPr>
+            <a:lvl8pPr lvl="7" algn="ctr">
+              <a:lnSpc>
+                <a:spcPct val="100000"/>
+              </a:lnSpc>
+              <a:spcBef>
+                <a:spcPts val="0"/>
+              </a:spcBef>
+              <a:spcAft>
+                <a:spcPts val="0"/>
+              </a:spcAft>
+              <a:buSzPts val="2800"/>
+              <a:buNone/>
+              <a:defRPr sz="3733"/>
+            </a:lvl8pPr>
+            <a:lvl9pPr lvl="8" algn="ctr">
+              <a:lnSpc>
+                <a:spcPct val="100000"/>
+              </a:lnSpc>
+              <a:spcBef>
+                <a:spcPts val="0"/>
+              </a:spcBef>
+              <a:spcAft>
+                <a:spcPts val="0"/>
+              </a:spcAft>
+              <a:buSzPts val="2800"/>
+              <a:buNone/>
+              <a:defRPr sz="3733"/>
+            </a:lvl9pPr>
+          </a:lstStyle>
+          <a:p>
+            <a:endParaRPr/>
+          </a:p>
+        </p:txBody>
+      </p:sp>
+      <p:sp>
+        <p:nvSpPr>
+          <p:cNvPr id="12" name="Google Shape;12;p2"/>
+          <p:cNvSpPr txBox="1">
+            <a:spLocks noGrp="1"/>
+          </p:cNvSpPr>
+          <p:nvPr>
+            <p:ph type="sldNum" idx="12"/>
+          </p:nvPr>
+        </p:nvSpPr>
+        <p:spPr>
+          <a:xfrm>
+            <a:off x="11296611" y="6217623"/>
+            <a:ext cx="731600" cy="524800"/>
+          </a:xfrm>
+          <a:prstGeom prst="rect">
+            <a:avLst/>
+          </a:prstGeom>
+        </p:spPr>
+        <p:txBody>
+          <a:bodyPr spcFirstLastPara="1" wrap="square" lIns="91425" tIns="91425" rIns="91425" bIns="91425" anchor="ctr" anchorCtr="0">
+            <a:normAutofit/>
+          </a:bodyPr>
+          <a:lstStyle>
+            <a:lvl1pPr lvl="0">
+              <a:buNone/>
+              <a:defRPr/>
+            </a:lvl1pPr>
+            <a:lvl2pPr lvl="1">
+              <a:buNone/>
+              <a:defRPr/>
+            </a:lvl2pPr>
+            <a:lvl3pPr lvl="2">
+              <a:buNone/>
+              <a:defRPr/>
+            </a:lvl3pPr>
+            <a:lvl4pPr lvl="3">
+              <a:buNone/>
+              <a:defRPr/>
+            </a:lvl4pPr>
+            <a:lvl5pPr lvl="4">
+              <a:buNone/>
+              <a:defRPr/>
+            </a:lvl5pPr>
+            <a:lvl6pPr lvl="5">
+              <a:buNone/>
+              <a:defRPr/>
+            </a:lvl6pPr>
+            <a:lvl7pPr lvl="6">
+              <a:buNone/>
+              <a:defRPr/>
+            </a:lvl7pPr>
+            <a:lvl8pPr lvl="7">
+              <a:buNone/>
+              <a:defRPr/>
+            </a:lvl8pPr>
+            <a:lvl9pPr lvl="8">
+              <a:buNone/>
+              <a:defRPr/>
+            </a:lvl9pPr>
+          </a:lstStyle>
+          <a:p>
+            <a:fld id="{00000000-1234-1234-1234-123412341234}" type="slidenum">
+              <a:rPr lang="en" smtClean="0"/>
+              <a:pPr/>
+              <a:t>‹#›</a:t>
+            </a:fld>
+            <a:endParaRPr lang="en"/>
+          </a:p>
+        </p:txBody>
+      </p:sp>
+    </p:spTree>
+    <p:extLst>
+      <p:ext uri="{BB962C8B-B14F-4D97-AF65-F5344CB8AC3E}">
+        <p14:creationId xmlns:p14="http://schemas.microsoft.com/office/powerpoint/2010/main" val="3281779359"/>
+      </p:ext>
+    </p:extLst>
+  </p:cSld>
+  <p:clrMapOvr>
+    <a:masterClrMapping/>
+  </p:clrMapOvr>
+</p:sldLayout>
+</file>
+
+<file path=ppt/slideLayouts/slideLayout13.xml><?xml version="1.0" encoding="utf-8"?>
+<p:sldLayout xmlns:a="http://schemas.openxmlformats.org/drawingml/2006/main" xmlns:r="http://schemas.openxmlformats.org/officeDocument/2006/relationships" xmlns:p="http://schemas.openxmlformats.org/presentationml/2006/main" matchingName="Section header" type="secHead">
+  <p:cSld name="Section header">
+    <p:spTree>
+      <p:nvGrpSpPr>
+        <p:cNvPr id="1" name="Shape 13"/>
+        <p:cNvGrpSpPr/>
+        <p:nvPr/>
+      </p:nvGrpSpPr>
+      <p:grpSpPr>
+        <a:xfrm>
+          <a:off x="0" y="0"/>
+          <a:ext cx="0" cy="0"/>
+          <a:chOff x="0" y="0"/>
+          <a:chExt cx="0" cy="0"/>
+        </a:xfrm>
+      </p:grpSpPr>
+      <p:sp>
+        <p:nvSpPr>
+          <p:cNvPr id="14" name="Google Shape;14;p3"/>
+          <p:cNvSpPr txBox="1">
+            <a:spLocks noGrp="1"/>
+          </p:cNvSpPr>
+          <p:nvPr>
+            <p:ph type="title"/>
+          </p:nvPr>
+        </p:nvSpPr>
+        <p:spPr>
+          <a:xfrm>
+            <a:off x="415600" y="2867800"/>
+            <a:ext cx="11360800" cy="1122400"/>
+          </a:xfrm>
+          <a:prstGeom prst="rect">
+            <a:avLst/>
+          </a:prstGeom>
+        </p:spPr>
+        <p:txBody>
+          <a:bodyPr spcFirstLastPara="1" wrap="square" lIns="91425" tIns="91425" rIns="91425" bIns="91425" anchor="ctr" anchorCtr="0">
+            <a:normAutofit/>
+          </a:bodyPr>
+          <a:lstStyle>
+            <a:lvl1pPr lvl="0" algn="ctr">
+              <a:spcBef>
+                <a:spcPts val="0"/>
+              </a:spcBef>
+              <a:spcAft>
+                <a:spcPts val="0"/>
+              </a:spcAft>
+              <a:buSzPts val="3600"/>
+              <a:buNone/>
+              <a:defRPr sz="4800"/>
+            </a:lvl1pPr>
+            <a:lvl2pPr lvl="1" algn="ctr">
+              <a:spcBef>
+                <a:spcPts val="0"/>
+              </a:spcBef>
+              <a:spcAft>
+                <a:spcPts val="0"/>
+              </a:spcAft>
+              <a:buSzPts val="3600"/>
+              <a:buNone/>
+              <a:defRPr sz="4800"/>
+            </a:lvl2pPr>
+            <a:lvl3pPr lvl="2" algn="ctr">
+              <a:spcBef>
+                <a:spcPts val="0"/>
+              </a:spcBef>
+              <a:spcAft>
+                <a:spcPts val="0"/>
+              </a:spcAft>
+              <a:buSzPts val="3600"/>
+              <a:buNone/>
+              <a:defRPr sz="4800"/>
+            </a:lvl3pPr>
+            <a:lvl4pPr lvl="3" algn="ctr">
+              <a:spcBef>
+                <a:spcPts val="0"/>
+              </a:spcBef>
+              <a:spcAft>
+                <a:spcPts val="0"/>
+              </a:spcAft>
+              <a:buSzPts val="3600"/>
+              <a:buNone/>
+              <a:defRPr sz="4800"/>
+            </a:lvl4pPr>
+            <a:lvl5pPr lvl="4" algn="ctr">
+              <a:spcBef>
+                <a:spcPts val="0"/>
+              </a:spcBef>
+              <a:spcAft>
+                <a:spcPts val="0"/>
+              </a:spcAft>
+              <a:buSzPts val="3600"/>
+              <a:buNone/>
+              <a:defRPr sz="4800"/>
+            </a:lvl5pPr>
+            <a:lvl6pPr lvl="5" algn="ctr">
+              <a:spcBef>
+                <a:spcPts val="0"/>
+              </a:spcBef>
+              <a:spcAft>
+                <a:spcPts val="0"/>
+              </a:spcAft>
+              <a:buSzPts val="3600"/>
+              <a:buNone/>
+              <a:defRPr sz="4800"/>
+            </a:lvl6pPr>
+            <a:lvl7pPr lvl="6" algn="ctr">
+              <a:spcBef>
+                <a:spcPts val="0"/>
+              </a:spcBef>
+              <a:spcAft>
+                <a:spcPts val="0"/>
+              </a:spcAft>
+              <a:buSzPts val="3600"/>
+              <a:buNone/>
+              <a:defRPr sz="4800"/>
+            </a:lvl7pPr>
+            <a:lvl8pPr lvl="7" algn="ctr">
+              <a:spcBef>
+                <a:spcPts val="0"/>
+              </a:spcBef>
+              <a:spcAft>
+                <a:spcPts val="0"/>
+              </a:spcAft>
+              <a:buSzPts val="3600"/>
+              <a:buNone/>
+              <a:defRPr sz="4800"/>
+            </a:lvl8pPr>
+            <a:lvl9pPr lvl="8" algn="ctr">
+              <a:spcBef>
+                <a:spcPts val="0"/>
+              </a:spcBef>
+              <a:spcAft>
+                <a:spcPts val="0"/>
+              </a:spcAft>
+              <a:buSzPts val="3600"/>
+              <a:buNone/>
+              <a:defRPr sz="4800"/>
+            </a:lvl9pPr>
+          </a:lstStyle>
+          <a:p>
+            <a:endParaRPr/>
+          </a:p>
+        </p:txBody>
+      </p:sp>
+      <p:sp>
+        <p:nvSpPr>
+          <p:cNvPr id="15" name="Google Shape;15;p3"/>
+          <p:cNvSpPr txBox="1">
+            <a:spLocks noGrp="1"/>
+          </p:cNvSpPr>
+          <p:nvPr>
+            <p:ph type="sldNum" idx="12"/>
+          </p:nvPr>
+        </p:nvSpPr>
+        <p:spPr>
+          <a:xfrm>
+            <a:off x="11296611" y="6217623"/>
+            <a:ext cx="731600" cy="524800"/>
+          </a:xfrm>
+          <a:prstGeom prst="rect">
+            <a:avLst/>
+          </a:prstGeom>
+        </p:spPr>
+        <p:txBody>
+          <a:bodyPr spcFirstLastPara="1" wrap="square" lIns="91425" tIns="91425" rIns="91425" bIns="91425" anchor="ctr" anchorCtr="0">
+            <a:normAutofit/>
+          </a:bodyPr>
+          <a:lstStyle>
+            <a:lvl1pPr lvl="0">
+              <a:buNone/>
+              <a:defRPr/>
+            </a:lvl1pPr>
+            <a:lvl2pPr lvl="1">
+              <a:buNone/>
+              <a:defRPr/>
+            </a:lvl2pPr>
+            <a:lvl3pPr lvl="2">
+              <a:buNone/>
+              <a:defRPr/>
+            </a:lvl3pPr>
+            <a:lvl4pPr lvl="3">
+              <a:buNone/>
+              <a:defRPr/>
+            </a:lvl4pPr>
+            <a:lvl5pPr lvl="4">
+              <a:buNone/>
+              <a:defRPr/>
+            </a:lvl5pPr>
+            <a:lvl6pPr lvl="5">
+              <a:buNone/>
+              <a:defRPr/>
+            </a:lvl6pPr>
+            <a:lvl7pPr lvl="6">
+              <a:buNone/>
+              <a:defRPr/>
+            </a:lvl7pPr>
+            <a:lvl8pPr lvl="7">
+              <a:buNone/>
+              <a:defRPr/>
+            </a:lvl8pPr>
+            <a:lvl9pPr lvl="8">
+              <a:buNone/>
+              <a:defRPr/>
+            </a:lvl9pPr>
+          </a:lstStyle>
+          <a:p>
+            <a:fld id="{00000000-1234-1234-1234-123412341234}" type="slidenum">
+              <a:rPr lang="en" smtClean="0"/>
+              <a:pPr/>
+              <a:t>‹#›</a:t>
+            </a:fld>
+            <a:endParaRPr lang="en"/>
+          </a:p>
+        </p:txBody>
+      </p:sp>
+    </p:spTree>
+    <p:extLst>
+      <p:ext uri="{BB962C8B-B14F-4D97-AF65-F5344CB8AC3E}">
+        <p14:creationId xmlns:p14="http://schemas.microsoft.com/office/powerpoint/2010/main" val="2920905923"/>
+      </p:ext>
+    </p:extLst>
+  </p:cSld>
+  <p:clrMapOvr>
+    <a:masterClrMapping/>
+  </p:clrMapOvr>
+</p:sldLayout>
+</file>
+
+<file path=ppt/slideLayouts/slideLayout14.xml><?xml version="1.0" encoding="utf-8"?>
+<p:sldLayout xmlns:a="http://schemas.openxmlformats.org/drawingml/2006/main" xmlns:r="http://schemas.openxmlformats.org/officeDocument/2006/relationships" xmlns:p="http://schemas.openxmlformats.org/presentationml/2006/main" matchingName="Title and body" type="tx">
+  <p:cSld name="Title and body">
+    <p:spTree>
+      <p:nvGrpSpPr>
+        <p:cNvPr id="1" name="Shape 16"/>
+        <p:cNvGrpSpPr/>
+        <p:nvPr/>
+      </p:nvGrpSpPr>
+      <p:grpSpPr>
+        <a:xfrm>
+          <a:off x="0" y="0"/>
+          <a:ext cx="0" cy="0"/>
+          <a:chOff x="0" y="0"/>
+          <a:chExt cx="0" cy="0"/>
+        </a:xfrm>
+      </p:grpSpPr>
+      <p:sp>
+        <p:nvSpPr>
+          <p:cNvPr id="17" name="Google Shape;17;p4"/>
+          <p:cNvSpPr txBox="1">
+            <a:spLocks noGrp="1"/>
+          </p:cNvSpPr>
+          <p:nvPr>
+            <p:ph type="title"/>
+          </p:nvPr>
+        </p:nvSpPr>
+        <p:spPr>
+          <a:xfrm>
+            <a:off x="415600" y="593367"/>
+            <a:ext cx="11360800" cy="763600"/>
+          </a:xfrm>
+          <a:prstGeom prst="rect">
+            <a:avLst/>
+          </a:prstGeom>
+        </p:spPr>
+        <p:txBody>
+          <a:bodyPr spcFirstLastPara="1" wrap="square" lIns="91425" tIns="91425" rIns="91425" bIns="91425" anchor="t" anchorCtr="0">
+            <a:normAutofit/>
+          </a:bodyPr>
+          <a:lstStyle>
+            <a:lvl1pPr lvl="0">
+              <a:spcBef>
+                <a:spcPts val="0"/>
+              </a:spcBef>
+              <a:spcAft>
+                <a:spcPts val="0"/>
+              </a:spcAft>
+              <a:buSzPts val="2800"/>
+              <a:buNone/>
+              <a:defRPr/>
+            </a:lvl1pPr>
+            <a:lvl2pPr lvl="1">
+              <a:spcBef>
+                <a:spcPts val="0"/>
+              </a:spcBef>
+              <a:spcAft>
+                <a:spcPts val="0"/>
+              </a:spcAft>
+              <a:buSzPts val="2800"/>
+              <a:buNone/>
+              <a:defRPr/>
+            </a:lvl2pPr>
+            <a:lvl3pPr lvl="2">
+              <a:spcBef>
+                <a:spcPts val="0"/>
+              </a:spcBef>
+              <a:spcAft>
+                <a:spcPts val="0"/>
+              </a:spcAft>
+              <a:buSzPts val="2800"/>
+              <a:buNone/>
+              <a:defRPr/>
+            </a:lvl3pPr>
+            <a:lvl4pPr lvl="3">
+              <a:spcBef>
+                <a:spcPts val="0"/>
+              </a:spcBef>
+              <a:spcAft>
+                <a:spcPts val="0"/>
+              </a:spcAft>
+              <a:buSzPts val="2800"/>
+              <a:buNone/>
+              <a:defRPr/>
+            </a:lvl4pPr>
+            <a:lvl5pPr lvl="4">
+              <a:spcBef>
+                <a:spcPts val="0"/>
+              </a:spcBef>
+              <a:spcAft>
+                <a:spcPts val="0"/>
+              </a:spcAft>
+              <a:buSzPts val="2800"/>
+              <a:buNone/>
+              <a:defRPr/>
+            </a:lvl5pPr>
+            <a:lvl6pPr lvl="5">
+              <a:spcBef>
+                <a:spcPts val="0"/>
+              </a:spcBef>
+              <a:spcAft>
+                <a:spcPts val="0"/>
+              </a:spcAft>
+              <a:buSzPts val="2800"/>
+              <a:buNone/>
+              <a:defRPr/>
+            </a:lvl6pPr>
+            <a:lvl7pPr lvl="6">
+              <a:spcBef>
+                <a:spcPts val="0"/>
+              </a:spcBef>
+              <a:spcAft>
+                <a:spcPts val="0"/>
+              </a:spcAft>
+              <a:buSzPts val="2800"/>
+              <a:buNone/>
+              <a:defRPr/>
+            </a:lvl7pPr>
+            <a:lvl8pPr lvl="7">
+              <a:spcBef>
+                <a:spcPts val="0"/>
+              </a:spcBef>
+              <a:spcAft>
+                <a:spcPts val="0"/>
+              </a:spcAft>
+              <a:buSzPts val="2800"/>
+              <a:buNone/>
+              <a:defRPr/>
+            </a:lvl8pPr>
+            <a:lvl9pPr lvl="8">
+              <a:spcBef>
+                <a:spcPts val="0"/>
+              </a:spcBef>
+              <a:spcAft>
+                <a:spcPts val="0"/>
+              </a:spcAft>
+              <a:buSzPts val="2800"/>
+              <a:buNone/>
+              <a:defRPr/>
+            </a:lvl9pPr>
+          </a:lstStyle>
+          <a:p>
+            <a:endParaRPr/>
+          </a:p>
+        </p:txBody>
+      </p:sp>
+      <p:sp>
+        <p:nvSpPr>
+          <p:cNvPr id="18" name="Google Shape;18;p4"/>
+          <p:cNvSpPr txBox="1">
+            <a:spLocks noGrp="1"/>
+          </p:cNvSpPr>
+          <p:nvPr>
+            <p:ph type="body" idx="1"/>
+          </p:nvPr>
+        </p:nvSpPr>
+        <p:spPr>
+          <a:xfrm>
+            <a:off x="415600" y="1536633"/>
+            <a:ext cx="11360800" cy="4555200"/>
+          </a:xfrm>
+          <a:prstGeom prst="rect">
+            <a:avLst/>
+          </a:prstGeom>
+        </p:spPr>
+        <p:txBody>
+          <a:bodyPr spcFirstLastPara="1" wrap="square" lIns="91425" tIns="91425" rIns="91425" bIns="91425" anchor="t" anchorCtr="0">
+            <a:normAutofit/>
+          </a:bodyPr>
+          <a:lstStyle>
+            <a:lvl1pPr marL="609585" lvl="0" indent="-457189">
+              <a:spcBef>
+                <a:spcPts val="0"/>
+              </a:spcBef>
+              <a:spcAft>
+                <a:spcPts val="0"/>
+              </a:spcAft>
+              <a:buSzPts val="1800"/>
+              <a:buChar char="●"/>
+              <a:defRPr/>
+            </a:lvl1pPr>
+            <a:lvl2pPr marL="1219170" lvl="1" indent="-423323">
+              <a:spcBef>
+                <a:spcPts val="0"/>
+              </a:spcBef>
+              <a:spcAft>
+                <a:spcPts val="0"/>
+              </a:spcAft>
+              <a:buSzPts val="1400"/>
+              <a:buChar char="○"/>
+              <a:defRPr/>
+            </a:lvl2pPr>
+            <a:lvl3pPr marL="1828754" lvl="2" indent="-423323">
+              <a:spcBef>
+                <a:spcPts val="0"/>
+              </a:spcBef>
+              <a:spcAft>
+                <a:spcPts val="0"/>
+              </a:spcAft>
+              <a:buSzPts val="1400"/>
+              <a:buChar char="■"/>
+              <a:defRPr/>
+            </a:lvl3pPr>
+            <a:lvl4pPr marL="2438339" lvl="3" indent="-423323">
+              <a:spcBef>
+                <a:spcPts val="0"/>
+              </a:spcBef>
+              <a:spcAft>
+                <a:spcPts val="0"/>
+              </a:spcAft>
+              <a:buSzPts val="1400"/>
+              <a:buChar char="●"/>
+              <a:defRPr/>
+            </a:lvl4pPr>
+            <a:lvl5pPr marL="3047924" lvl="4" indent="-423323">
+              <a:spcBef>
+                <a:spcPts val="0"/>
+              </a:spcBef>
+              <a:spcAft>
+                <a:spcPts val="0"/>
+              </a:spcAft>
+              <a:buSzPts val="1400"/>
+              <a:buChar char="○"/>
+              <a:defRPr/>
+            </a:lvl5pPr>
+            <a:lvl6pPr marL="3657509" lvl="5" indent="-423323">
+              <a:spcBef>
+                <a:spcPts val="0"/>
+              </a:spcBef>
+              <a:spcAft>
+                <a:spcPts val="0"/>
+              </a:spcAft>
+              <a:buSzPts val="1400"/>
+              <a:buChar char="■"/>
+              <a:defRPr/>
+            </a:lvl6pPr>
+            <a:lvl7pPr marL="4267093" lvl="6" indent="-423323">
+              <a:spcBef>
+                <a:spcPts val="0"/>
+              </a:spcBef>
+              <a:spcAft>
+                <a:spcPts val="0"/>
+              </a:spcAft>
+              <a:buSzPts val="1400"/>
+              <a:buChar char="●"/>
+              <a:defRPr/>
+            </a:lvl7pPr>
+            <a:lvl8pPr marL="4876678" lvl="7" indent="-423323">
+              <a:spcBef>
+                <a:spcPts val="0"/>
+              </a:spcBef>
+              <a:spcAft>
+                <a:spcPts val="0"/>
+              </a:spcAft>
+              <a:buSzPts val="1400"/>
+              <a:buChar char="○"/>
+              <a:defRPr/>
+            </a:lvl8pPr>
+            <a:lvl9pPr marL="5486263" lvl="8" indent="-423323">
+              <a:spcBef>
+                <a:spcPts val="0"/>
+              </a:spcBef>
+              <a:spcAft>
+                <a:spcPts val="0"/>
+              </a:spcAft>
+              <a:buSzPts val="1400"/>
+              <a:buChar char="■"/>
+              <a:defRPr/>
+            </a:lvl9pPr>
+          </a:lstStyle>
+          <a:p>
+            <a:endParaRPr/>
+          </a:p>
+        </p:txBody>
+      </p:sp>
+      <p:sp>
+        <p:nvSpPr>
+          <p:cNvPr id="19" name="Google Shape;19;p4"/>
+          <p:cNvSpPr txBox="1">
+            <a:spLocks noGrp="1"/>
+          </p:cNvSpPr>
+          <p:nvPr>
+            <p:ph type="sldNum" idx="12"/>
+          </p:nvPr>
+        </p:nvSpPr>
+        <p:spPr>
+          <a:xfrm>
+            <a:off x="11296611" y="6217623"/>
+            <a:ext cx="731600" cy="524800"/>
+          </a:xfrm>
+          <a:prstGeom prst="rect">
+            <a:avLst/>
+          </a:prstGeom>
+        </p:spPr>
+        <p:txBody>
+          <a:bodyPr spcFirstLastPara="1" wrap="square" lIns="91425" tIns="91425" rIns="91425" bIns="91425" anchor="ctr" anchorCtr="0">
+            <a:normAutofit/>
+          </a:bodyPr>
+          <a:lstStyle>
+            <a:lvl1pPr lvl="0">
+              <a:buNone/>
+              <a:defRPr/>
+            </a:lvl1pPr>
+            <a:lvl2pPr lvl="1">
+              <a:buNone/>
+              <a:defRPr/>
+            </a:lvl2pPr>
+            <a:lvl3pPr lvl="2">
+              <a:buNone/>
+              <a:defRPr/>
+            </a:lvl3pPr>
+            <a:lvl4pPr lvl="3">
+              <a:buNone/>
+              <a:defRPr/>
+            </a:lvl4pPr>
+            <a:lvl5pPr lvl="4">
+              <a:buNone/>
+              <a:defRPr/>
+            </a:lvl5pPr>
+            <a:lvl6pPr lvl="5">
+              <a:buNone/>
+              <a:defRPr/>
+            </a:lvl6pPr>
+            <a:lvl7pPr lvl="6">
+              <a:buNone/>
+              <a:defRPr/>
+            </a:lvl7pPr>
+            <a:lvl8pPr lvl="7">
+              <a:buNone/>
+              <a:defRPr/>
+            </a:lvl8pPr>
+            <a:lvl9pPr lvl="8">
+              <a:buNone/>
+              <a:defRPr/>
+            </a:lvl9pPr>
+          </a:lstStyle>
+          <a:p>
+            <a:fld id="{00000000-1234-1234-1234-123412341234}" type="slidenum">
+              <a:rPr lang="en" smtClean="0"/>
+              <a:pPr/>
+              <a:t>‹#›</a:t>
+            </a:fld>
+            <a:endParaRPr lang="en"/>
+          </a:p>
+        </p:txBody>
+      </p:sp>
+    </p:spTree>
+    <p:extLst>
+      <p:ext uri="{BB962C8B-B14F-4D97-AF65-F5344CB8AC3E}">
+        <p14:creationId xmlns:p14="http://schemas.microsoft.com/office/powerpoint/2010/main" val="3275336546"/>
+      </p:ext>
+    </p:extLst>
+  </p:cSld>
+  <p:clrMapOvr>
+    <a:masterClrMapping/>
+  </p:clrMapOvr>
+</p:sldLayout>
+</file>
+
+<file path=ppt/slideLayouts/slideLayout15.xml><?xml version="1.0" encoding="utf-8"?>
+<p:sldLayout xmlns:a="http://schemas.openxmlformats.org/drawingml/2006/main" xmlns:r="http://schemas.openxmlformats.org/officeDocument/2006/relationships" xmlns:p="http://schemas.openxmlformats.org/presentationml/2006/main" matchingName="Title and two columns" type="twoColTx">
+  <p:cSld name="Title and two columns">
+    <p:spTree>
+      <p:nvGrpSpPr>
+        <p:cNvPr id="1" name="Shape 20"/>
+        <p:cNvGrpSpPr/>
+        <p:nvPr/>
+      </p:nvGrpSpPr>
+      <p:grpSpPr>
+        <a:xfrm>
+          <a:off x="0" y="0"/>
+          <a:ext cx="0" cy="0"/>
+          <a:chOff x="0" y="0"/>
+          <a:chExt cx="0" cy="0"/>
+        </a:xfrm>
+      </p:grpSpPr>
+      <p:sp>
+        <p:nvSpPr>
+          <p:cNvPr id="21" name="Google Shape;21;p5"/>
+          <p:cNvSpPr txBox="1">
+            <a:spLocks noGrp="1"/>
+          </p:cNvSpPr>
+          <p:nvPr>
+            <p:ph type="title"/>
+          </p:nvPr>
+        </p:nvSpPr>
+        <p:spPr>
+          <a:xfrm>
+            <a:off x="415600" y="593367"/>
+            <a:ext cx="11360800" cy="763600"/>
+          </a:xfrm>
+          <a:prstGeom prst="rect">
+            <a:avLst/>
+          </a:prstGeom>
+        </p:spPr>
+        <p:txBody>
+          <a:bodyPr spcFirstLastPara="1" wrap="square" lIns="91425" tIns="91425" rIns="91425" bIns="91425" anchor="t" anchorCtr="0">
+            <a:normAutofit/>
+          </a:bodyPr>
+          <a:lstStyle>
+            <a:lvl1pPr lvl="0">
+              <a:spcBef>
+                <a:spcPts val="0"/>
+              </a:spcBef>
+              <a:spcAft>
+                <a:spcPts val="0"/>
+              </a:spcAft>
+              <a:buSzPts val="2800"/>
+              <a:buNone/>
+              <a:defRPr/>
+            </a:lvl1pPr>
+            <a:lvl2pPr lvl="1">
+              <a:spcBef>
+                <a:spcPts val="0"/>
+              </a:spcBef>
+              <a:spcAft>
+                <a:spcPts val="0"/>
+              </a:spcAft>
+              <a:buSzPts val="2800"/>
+              <a:buNone/>
+              <a:defRPr/>
+            </a:lvl2pPr>
+            <a:lvl3pPr lvl="2">
+              <a:spcBef>
+                <a:spcPts val="0"/>
+              </a:spcBef>
+              <a:spcAft>
+                <a:spcPts val="0"/>
+              </a:spcAft>
+              <a:buSzPts val="2800"/>
+              <a:buNone/>
+              <a:defRPr/>
+            </a:lvl3pPr>
+            <a:lvl4pPr lvl="3">
+              <a:spcBef>
+                <a:spcPts val="0"/>
+              </a:spcBef>
+              <a:spcAft>
+                <a:spcPts val="0"/>
+              </a:spcAft>
+              <a:buSzPts val="2800"/>
+              <a:buNone/>
+              <a:defRPr/>
+            </a:lvl4pPr>
+            <a:lvl5pPr lvl="4">
+              <a:spcBef>
+                <a:spcPts val="0"/>
+              </a:spcBef>
+              <a:spcAft>
+                <a:spcPts val="0"/>
+              </a:spcAft>
+              <a:buSzPts val="2800"/>
+              <a:buNone/>
+              <a:defRPr/>
+            </a:lvl5pPr>
+            <a:lvl6pPr lvl="5">
+              <a:spcBef>
+                <a:spcPts val="0"/>
+              </a:spcBef>
+              <a:spcAft>
+                <a:spcPts val="0"/>
+              </a:spcAft>
+              <a:buSzPts val="2800"/>
+              <a:buNone/>
+              <a:defRPr/>
+            </a:lvl6pPr>
+            <a:lvl7pPr lvl="6">
+              <a:spcBef>
+                <a:spcPts val="0"/>
+              </a:spcBef>
+              <a:spcAft>
+                <a:spcPts val="0"/>
+              </a:spcAft>
+              <a:buSzPts val="2800"/>
+              <a:buNone/>
+              <a:defRPr/>
+            </a:lvl7pPr>
+            <a:lvl8pPr lvl="7">
+              <a:spcBef>
+                <a:spcPts val="0"/>
+              </a:spcBef>
+              <a:spcAft>
+                <a:spcPts val="0"/>
+              </a:spcAft>
+              <a:buSzPts val="2800"/>
+              <a:buNone/>
+              <a:defRPr/>
+            </a:lvl8pPr>
+            <a:lvl9pPr lvl="8">
+              <a:spcBef>
+                <a:spcPts val="0"/>
+              </a:spcBef>
+              <a:spcAft>
+                <a:spcPts val="0"/>
+              </a:spcAft>
+              <a:buSzPts val="2800"/>
+              <a:buNone/>
+              <a:defRPr/>
+            </a:lvl9pPr>
+          </a:lstStyle>
+          <a:p>
+            <a:endParaRPr/>
+          </a:p>
+        </p:txBody>
+      </p:sp>
+      <p:sp>
+        <p:nvSpPr>
+          <p:cNvPr id="22" name="Google Shape;22;p5"/>
+          <p:cNvSpPr txBox="1">
+            <a:spLocks noGrp="1"/>
+          </p:cNvSpPr>
+          <p:nvPr>
+            <p:ph type="body" idx="1"/>
+          </p:nvPr>
+        </p:nvSpPr>
+        <p:spPr>
+          <a:xfrm>
+            <a:off x="415600" y="1536633"/>
+            <a:ext cx="5333200" cy="4555200"/>
+          </a:xfrm>
+          <a:prstGeom prst="rect">
+            <a:avLst/>
+          </a:prstGeom>
+        </p:spPr>
+        <p:txBody>
+          <a:bodyPr spcFirstLastPara="1" wrap="square" lIns="91425" tIns="91425" rIns="91425" bIns="91425" anchor="t" anchorCtr="0">
+            <a:normAutofit/>
+          </a:bodyPr>
+          <a:lstStyle>
+            <a:lvl1pPr marL="609585" lvl="0" indent="-423323">
+              <a:spcBef>
+                <a:spcPts val="0"/>
+              </a:spcBef>
+              <a:spcAft>
+                <a:spcPts val="0"/>
+              </a:spcAft>
+              <a:buSzPts val="1400"/>
+              <a:buChar char="●"/>
+              <a:defRPr sz="1867"/>
+            </a:lvl1pPr>
+            <a:lvl2pPr marL="1219170" lvl="1" indent="-406390">
+              <a:spcBef>
+                <a:spcPts val="0"/>
+              </a:spcBef>
+              <a:spcAft>
+                <a:spcPts val="0"/>
+              </a:spcAft>
+              <a:buSzPts val="1200"/>
+              <a:buChar char="○"/>
+              <a:defRPr sz="1600"/>
+            </a:lvl2pPr>
+            <a:lvl3pPr marL="1828754" lvl="2" indent="-406390">
+              <a:spcBef>
+                <a:spcPts val="0"/>
+              </a:spcBef>
+              <a:spcAft>
+                <a:spcPts val="0"/>
+              </a:spcAft>
+              <a:buSzPts val="1200"/>
+              <a:buChar char="■"/>
+              <a:defRPr sz="1600"/>
+            </a:lvl3pPr>
+            <a:lvl4pPr marL="2438339" lvl="3" indent="-406390">
+              <a:spcBef>
+                <a:spcPts val="0"/>
+              </a:spcBef>
+              <a:spcAft>
+                <a:spcPts val="0"/>
+              </a:spcAft>
+              <a:buSzPts val="1200"/>
+              <a:buChar char="●"/>
+              <a:defRPr sz="1600"/>
+            </a:lvl4pPr>
+            <a:lvl5pPr marL="3047924" lvl="4" indent="-406390">
+              <a:spcBef>
+                <a:spcPts val="0"/>
+              </a:spcBef>
+              <a:spcAft>
+                <a:spcPts val="0"/>
+              </a:spcAft>
+              <a:buSzPts val="1200"/>
+              <a:buChar char="○"/>
+              <a:defRPr sz="1600"/>
+            </a:lvl5pPr>
+            <a:lvl6pPr marL="3657509" lvl="5" indent="-406390">
+              <a:spcBef>
+                <a:spcPts val="0"/>
+              </a:spcBef>
+              <a:spcAft>
+                <a:spcPts val="0"/>
+              </a:spcAft>
+              <a:buSzPts val="1200"/>
+              <a:buChar char="■"/>
+              <a:defRPr sz="1600"/>
+            </a:lvl6pPr>
+            <a:lvl7pPr marL="4267093" lvl="6" indent="-406390">
+              <a:spcBef>
+                <a:spcPts val="0"/>
+              </a:spcBef>
+              <a:spcAft>
+                <a:spcPts val="0"/>
+              </a:spcAft>
+              <a:buSzPts val="1200"/>
+              <a:buChar char="●"/>
+              <a:defRPr sz="1600"/>
+            </a:lvl7pPr>
+            <a:lvl8pPr marL="4876678" lvl="7" indent="-406390">
+              <a:spcBef>
+                <a:spcPts val="0"/>
+              </a:spcBef>
+              <a:spcAft>
+                <a:spcPts val="0"/>
+              </a:spcAft>
+              <a:buSzPts val="1200"/>
+              <a:buChar char="○"/>
+              <a:defRPr sz="1600"/>
+            </a:lvl8pPr>
+            <a:lvl9pPr marL="5486263" lvl="8" indent="-406390">
+              <a:spcBef>
+                <a:spcPts val="0"/>
+              </a:spcBef>
+              <a:spcAft>
+                <a:spcPts val="0"/>
+              </a:spcAft>
+              <a:buSzPts val="1200"/>
+              <a:buChar char="■"/>
+              <a:defRPr sz="1600"/>
+            </a:lvl9pPr>
+          </a:lstStyle>
+          <a:p>
+            <a:endParaRPr/>
+          </a:p>
+        </p:txBody>
+      </p:sp>
+      <p:sp>
+        <p:nvSpPr>
+          <p:cNvPr id="23" name="Google Shape;23;p5"/>
+          <p:cNvSpPr txBox="1">
+            <a:spLocks noGrp="1"/>
+          </p:cNvSpPr>
+          <p:nvPr>
+            <p:ph type="body" idx="2"/>
+          </p:nvPr>
+        </p:nvSpPr>
+        <p:spPr>
+          <a:xfrm>
+            <a:off x="6443200" y="1536633"/>
+            <a:ext cx="5333200" cy="4555200"/>
+          </a:xfrm>
+          <a:prstGeom prst="rect">
+            <a:avLst/>
+          </a:prstGeom>
+        </p:spPr>
+        <p:txBody>
+          <a:bodyPr spcFirstLastPara="1" wrap="square" lIns="91425" tIns="91425" rIns="91425" bIns="91425" anchor="t" anchorCtr="0">
+            <a:normAutofit/>
+          </a:bodyPr>
+          <a:lstStyle>
+            <a:lvl1pPr marL="609585" lvl="0" indent="-423323">
+              <a:spcBef>
+                <a:spcPts val="0"/>
+              </a:spcBef>
+              <a:spcAft>
+                <a:spcPts val="0"/>
+              </a:spcAft>
+              <a:buSzPts val="1400"/>
+              <a:buChar char="●"/>
+              <a:defRPr sz="1867"/>
+            </a:lvl1pPr>
+            <a:lvl2pPr marL="1219170" lvl="1" indent="-406390">
+              <a:spcBef>
+                <a:spcPts val="0"/>
+              </a:spcBef>
+              <a:spcAft>
+                <a:spcPts val="0"/>
+              </a:spcAft>
+              <a:buSzPts val="1200"/>
+              <a:buChar char="○"/>
+              <a:defRPr sz="1600"/>
+            </a:lvl2pPr>
+            <a:lvl3pPr marL="1828754" lvl="2" indent="-406390">
+              <a:spcBef>
+                <a:spcPts val="0"/>
+              </a:spcBef>
+              <a:spcAft>
+                <a:spcPts val="0"/>
+              </a:spcAft>
+              <a:buSzPts val="1200"/>
+              <a:buChar char="■"/>
+              <a:defRPr sz="1600"/>
+            </a:lvl3pPr>
+            <a:lvl4pPr marL="2438339" lvl="3" indent="-406390">
+              <a:spcBef>
+                <a:spcPts val="0"/>
+              </a:spcBef>
+              <a:spcAft>
+                <a:spcPts val="0"/>
+              </a:spcAft>
+              <a:buSzPts val="1200"/>
+              <a:buChar char="●"/>
+              <a:defRPr sz="1600"/>
+            </a:lvl4pPr>
+            <a:lvl5pPr marL="3047924" lvl="4" indent="-406390">
+              <a:spcBef>
+                <a:spcPts val="0"/>
+              </a:spcBef>
+              <a:spcAft>
+                <a:spcPts val="0"/>
+              </a:spcAft>
+              <a:buSzPts val="1200"/>
+              <a:buChar char="○"/>
+              <a:defRPr sz="1600"/>
+            </a:lvl5pPr>
+            <a:lvl6pPr marL="3657509" lvl="5" indent="-406390">
+              <a:spcBef>
+                <a:spcPts val="0"/>
+              </a:spcBef>
+              <a:spcAft>
+                <a:spcPts val="0"/>
+              </a:spcAft>
+              <a:buSzPts val="1200"/>
+              <a:buChar char="■"/>
+              <a:defRPr sz="1600"/>
+            </a:lvl6pPr>
+            <a:lvl7pPr marL="4267093" lvl="6" indent="-406390">
+              <a:spcBef>
+                <a:spcPts val="0"/>
+              </a:spcBef>
+              <a:spcAft>
+                <a:spcPts val="0"/>
+              </a:spcAft>
+              <a:buSzPts val="1200"/>
+              <a:buChar char="●"/>
+              <a:defRPr sz="1600"/>
+            </a:lvl7pPr>
+            <a:lvl8pPr marL="4876678" lvl="7" indent="-406390">
+              <a:spcBef>
+                <a:spcPts val="0"/>
+              </a:spcBef>
+              <a:spcAft>
+                <a:spcPts val="0"/>
+              </a:spcAft>
+              <a:buSzPts val="1200"/>
+              <a:buChar char="○"/>
+              <a:defRPr sz="1600"/>
+            </a:lvl8pPr>
+            <a:lvl9pPr marL="5486263" lvl="8" indent="-406390">
+              <a:spcBef>
+                <a:spcPts val="0"/>
+              </a:spcBef>
+              <a:spcAft>
+                <a:spcPts val="0"/>
+              </a:spcAft>
+              <a:buSzPts val="1200"/>
+              <a:buChar char="■"/>
+              <a:defRPr sz="1600"/>
+            </a:lvl9pPr>
+          </a:lstStyle>
+          <a:p>
+            <a:endParaRPr/>
+          </a:p>
+        </p:txBody>
+      </p:sp>
+      <p:sp>
+        <p:nvSpPr>
+          <p:cNvPr id="24" name="Google Shape;24;p5"/>
+          <p:cNvSpPr txBox="1">
+            <a:spLocks noGrp="1"/>
+          </p:cNvSpPr>
+          <p:nvPr>
+            <p:ph type="sldNum" idx="12"/>
+          </p:nvPr>
+        </p:nvSpPr>
+        <p:spPr>
+          <a:xfrm>
+            <a:off x="11296611" y="6217623"/>
+            <a:ext cx="731600" cy="524800"/>
+          </a:xfrm>
+          <a:prstGeom prst="rect">
+            <a:avLst/>
+          </a:prstGeom>
+        </p:spPr>
+        <p:txBody>
+          <a:bodyPr spcFirstLastPara="1" wrap="square" lIns="91425" tIns="91425" rIns="91425" bIns="91425" anchor="ctr" anchorCtr="0">
+            <a:normAutofit/>
+          </a:bodyPr>
+          <a:lstStyle>
+            <a:lvl1pPr lvl="0">
+              <a:buNone/>
+              <a:defRPr/>
+            </a:lvl1pPr>
+            <a:lvl2pPr lvl="1">
+              <a:buNone/>
+              <a:defRPr/>
+            </a:lvl2pPr>
+            <a:lvl3pPr lvl="2">
+              <a:buNone/>
+              <a:defRPr/>
+            </a:lvl3pPr>
+            <a:lvl4pPr lvl="3">
+              <a:buNone/>
+              <a:defRPr/>
+            </a:lvl4pPr>
+            <a:lvl5pPr lvl="4">
+              <a:buNone/>
+              <a:defRPr/>
+            </a:lvl5pPr>
+            <a:lvl6pPr lvl="5">
+              <a:buNone/>
+              <a:defRPr/>
+            </a:lvl6pPr>
+            <a:lvl7pPr lvl="6">
+              <a:buNone/>
+              <a:defRPr/>
+            </a:lvl7pPr>
+            <a:lvl8pPr lvl="7">
+              <a:buNone/>
+              <a:defRPr/>
+            </a:lvl8pPr>
+            <a:lvl9pPr lvl="8">
+              <a:buNone/>
+              <a:defRPr/>
+            </a:lvl9pPr>
+          </a:lstStyle>
+          <a:p>
+            <a:fld id="{00000000-1234-1234-1234-123412341234}" type="slidenum">
+              <a:rPr lang="en" smtClean="0"/>
+              <a:pPr/>
+              <a:t>‹#›</a:t>
+            </a:fld>
+            <a:endParaRPr lang="en"/>
+          </a:p>
+        </p:txBody>
+      </p:sp>
+    </p:spTree>
+    <p:extLst>
+      <p:ext uri="{BB962C8B-B14F-4D97-AF65-F5344CB8AC3E}">
+        <p14:creationId xmlns:p14="http://schemas.microsoft.com/office/powerpoint/2010/main" val="2229309217"/>
+      </p:ext>
+    </p:extLst>
+  </p:cSld>
+  <p:clrMapOvr>
+    <a:masterClrMapping/>
+  </p:clrMapOvr>
+</p:sldLayout>
+</file>
+
+<file path=ppt/slideLayouts/slideLayout16.xml><?xml version="1.0" encoding="utf-8"?>
+<p:sldLayout xmlns:a="http://schemas.openxmlformats.org/drawingml/2006/main" xmlns:r="http://schemas.openxmlformats.org/officeDocument/2006/relationships" xmlns:p="http://schemas.openxmlformats.org/presentationml/2006/main" matchingName="Title only" type="titleOnly">
+  <p:cSld name="Title only">
+    <p:spTree>
+      <p:nvGrpSpPr>
+        <p:cNvPr id="1" name="Shape 25"/>
+        <p:cNvGrpSpPr/>
+        <p:nvPr/>
+      </p:nvGrpSpPr>
+      <p:grpSpPr>
+        <a:xfrm>
+          <a:off x="0" y="0"/>
+          <a:ext cx="0" cy="0"/>
+          <a:chOff x="0" y="0"/>
+          <a:chExt cx="0" cy="0"/>
+        </a:xfrm>
+      </p:grpSpPr>
+      <p:sp>
+        <p:nvSpPr>
+          <p:cNvPr id="26" name="Google Shape;26;p6"/>
+          <p:cNvSpPr txBox="1">
+            <a:spLocks noGrp="1"/>
+          </p:cNvSpPr>
+          <p:nvPr>
+            <p:ph type="title"/>
+          </p:nvPr>
+        </p:nvSpPr>
+        <p:spPr>
+          <a:xfrm>
+            <a:off x="415600" y="593367"/>
+            <a:ext cx="11360800" cy="763600"/>
+          </a:xfrm>
+          <a:prstGeom prst="rect">
+            <a:avLst/>
+          </a:prstGeom>
+        </p:spPr>
+        <p:txBody>
+          <a:bodyPr spcFirstLastPara="1" wrap="square" lIns="91425" tIns="91425" rIns="91425" bIns="91425" anchor="t" anchorCtr="0">
+            <a:normAutofit/>
+          </a:bodyPr>
+          <a:lstStyle>
+            <a:lvl1pPr lvl="0">
+              <a:spcBef>
+                <a:spcPts val="0"/>
+              </a:spcBef>
+              <a:spcAft>
+                <a:spcPts val="0"/>
+              </a:spcAft>
+              <a:buSzPts val="2800"/>
+              <a:buNone/>
+              <a:defRPr/>
+            </a:lvl1pPr>
+            <a:lvl2pPr lvl="1">
+              <a:spcBef>
+                <a:spcPts val="0"/>
+              </a:spcBef>
+              <a:spcAft>
+                <a:spcPts val="0"/>
+              </a:spcAft>
+              <a:buSzPts val="2800"/>
+              <a:buNone/>
+              <a:defRPr/>
+            </a:lvl2pPr>
+            <a:lvl3pPr lvl="2">
+              <a:spcBef>
+                <a:spcPts val="0"/>
+              </a:spcBef>
+              <a:spcAft>
+                <a:spcPts val="0"/>
+              </a:spcAft>
+              <a:buSzPts val="2800"/>
+              <a:buNone/>
+              <a:defRPr/>
+            </a:lvl3pPr>
+            <a:lvl4pPr lvl="3">
+              <a:spcBef>
+                <a:spcPts val="0"/>
+              </a:spcBef>
+              <a:spcAft>
+                <a:spcPts val="0"/>
+              </a:spcAft>
+              <a:buSzPts val="2800"/>
+              <a:buNone/>
+              <a:defRPr/>
+            </a:lvl4pPr>
+            <a:lvl5pPr lvl="4">
+              <a:spcBef>
+                <a:spcPts val="0"/>
+              </a:spcBef>
+              <a:spcAft>
+                <a:spcPts val="0"/>
+              </a:spcAft>
+              <a:buSzPts val="2800"/>
+              <a:buNone/>
+              <a:defRPr/>
+            </a:lvl5pPr>
+            <a:lvl6pPr lvl="5">
+              <a:spcBef>
+                <a:spcPts val="0"/>
+              </a:spcBef>
+              <a:spcAft>
+                <a:spcPts val="0"/>
+              </a:spcAft>
+              <a:buSzPts val="2800"/>
+              <a:buNone/>
+              <a:defRPr/>
+            </a:lvl6pPr>
+            <a:lvl7pPr lvl="6">
+              <a:spcBef>
+                <a:spcPts val="0"/>
+              </a:spcBef>
+              <a:spcAft>
+                <a:spcPts val="0"/>
+              </a:spcAft>
+              <a:buSzPts val="2800"/>
+              <a:buNone/>
+              <a:defRPr/>
+            </a:lvl7pPr>
+            <a:lvl8pPr lvl="7">
+              <a:spcBef>
+                <a:spcPts val="0"/>
+              </a:spcBef>
+              <a:spcAft>
+                <a:spcPts val="0"/>
+              </a:spcAft>
+              <a:buSzPts val="2800"/>
+              <a:buNone/>
+              <a:defRPr/>
+            </a:lvl8pPr>
+            <a:lvl9pPr lvl="8">
+              <a:spcBef>
+                <a:spcPts val="0"/>
+              </a:spcBef>
+              <a:spcAft>
+                <a:spcPts val="0"/>
+              </a:spcAft>
+              <a:buSzPts val="2800"/>
+              <a:buNone/>
+              <a:defRPr/>
+            </a:lvl9pPr>
+          </a:lstStyle>
+          <a:p>
+            <a:endParaRPr/>
+          </a:p>
+        </p:txBody>
+      </p:sp>
+      <p:sp>
+        <p:nvSpPr>
+          <p:cNvPr id="27" name="Google Shape;27;p6"/>
+          <p:cNvSpPr txBox="1">
+            <a:spLocks noGrp="1"/>
+          </p:cNvSpPr>
+          <p:nvPr>
+            <p:ph type="sldNum" idx="12"/>
+          </p:nvPr>
+        </p:nvSpPr>
+        <p:spPr>
+          <a:xfrm>
+            <a:off x="11296611" y="6217623"/>
+            <a:ext cx="731600" cy="524800"/>
+          </a:xfrm>
+          <a:prstGeom prst="rect">
+            <a:avLst/>
+          </a:prstGeom>
+        </p:spPr>
+        <p:txBody>
+          <a:bodyPr spcFirstLastPara="1" wrap="square" lIns="91425" tIns="91425" rIns="91425" bIns="91425" anchor="ctr" anchorCtr="0">
+            <a:normAutofit/>
+          </a:bodyPr>
+          <a:lstStyle>
+            <a:lvl1pPr lvl="0">
+              <a:buNone/>
+              <a:defRPr/>
+            </a:lvl1pPr>
+            <a:lvl2pPr lvl="1">
+              <a:buNone/>
+              <a:defRPr/>
+            </a:lvl2pPr>
+            <a:lvl3pPr lvl="2">
+              <a:buNone/>
+              <a:defRPr/>
+            </a:lvl3pPr>
+            <a:lvl4pPr lvl="3">
+              <a:buNone/>
+              <a:defRPr/>
+            </a:lvl4pPr>
+            <a:lvl5pPr lvl="4">
+              <a:buNone/>
+              <a:defRPr/>
+            </a:lvl5pPr>
+            <a:lvl6pPr lvl="5">
+              <a:buNone/>
+              <a:defRPr/>
+            </a:lvl6pPr>
+            <a:lvl7pPr lvl="6">
+              <a:buNone/>
+              <a:defRPr/>
+            </a:lvl7pPr>
+            <a:lvl8pPr lvl="7">
+              <a:buNone/>
+              <a:defRPr/>
+            </a:lvl8pPr>
+            <a:lvl9pPr lvl="8">
+              <a:buNone/>
+              <a:defRPr/>
+            </a:lvl9pPr>
+          </a:lstStyle>
+          <a:p>
+            <a:fld id="{00000000-1234-1234-1234-123412341234}" type="slidenum">
+              <a:rPr lang="en" smtClean="0"/>
+              <a:pPr/>
+              <a:t>‹#›</a:t>
+            </a:fld>
+            <a:endParaRPr lang="en"/>
+          </a:p>
+        </p:txBody>
+      </p:sp>
+    </p:spTree>
+    <p:extLst>
+      <p:ext uri="{BB962C8B-B14F-4D97-AF65-F5344CB8AC3E}">
+        <p14:creationId xmlns:p14="http://schemas.microsoft.com/office/powerpoint/2010/main" val="2052558194"/>
+      </p:ext>
+    </p:extLst>
+  </p:cSld>
+  <p:clrMapOvr>
+    <a:masterClrMapping/>
+  </p:clrMapOvr>
+</p:sldLayout>
+</file>
+
+<file path=ppt/slideLayouts/slideLayout17.xml><?xml version="1.0" encoding="utf-8"?>
+<p:sldLayout xmlns:a="http://schemas.openxmlformats.org/drawingml/2006/main" xmlns:r="http://schemas.openxmlformats.org/officeDocument/2006/relationships" xmlns:p="http://schemas.openxmlformats.org/presentationml/2006/main" matchingName="One column text">
+  <p:cSld name="One column text">
+    <p:spTree>
+      <p:nvGrpSpPr>
+        <p:cNvPr id="1" name="Shape 28"/>
+        <p:cNvGrpSpPr/>
+        <p:nvPr/>
+      </p:nvGrpSpPr>
+      <p:grpSpPr>
+        <a:xfrm>
+          <a:off x="0" y="0"/>
+          <a:ext cx="0" cy="0"/>
+          <a:chOff x="0" y="0"/>
+          <a:chExt cx="0" cy="0"/>
+        </a:xfrm>
+      </p:grpSpPr>
+      <p:sp>
+        <p:nvSpPr>
+          <p:cNvPr id="29" name="Google Shape;29;p7"/>
+          <p:cNvSpPr txBox="1">
+            <a:spLocks noGrp="1"/>
+          </p:cNvSpPr>
+          <p:nvPr>
+            <p:ph type="title"/>
+          </p:nvPr>
+        </p:nvSpPr>
+        <p:spPr>
+          <a:xfrm>
+            <a:off x="415600" y="740800"/>
+            <a:ext cx="3744000" cy="1007600"/>
+          </a:xfrm>
+          <a:prstGeom prst="rect">
+            <a:avLst/>
+          </a:prstGeom>
+        </p:spPr>
+        <p:txBody>
+          <a:bodyPr spcFirstLastPara="1" wrap="square" lIns="91425" tIns="91425" rIns="91425" bIns="91425" anchor="b" anchorCtr="0">
+            <a:normAutofit/>
+          </a:bodyPr>
+          <a:lstStyle>
+            <a:lvl1pPr lvl="0">
+              <a:spcBef>
+                <a:spcPts val="0"/>
+              </a:spcBef>
+              <a:spcAft>
+                <a:spcPts val="0"/>
+              </a:spcAft>
+              <a:buSzPts val="2400"/>
+              <a:buNone/>
+              <a:defRPr sz="3200"/>
+            </a:lvl1pPr>
+            <a:lvl2pPr lvl="1">
+              <a:spcBef>
+                <a:spcPts val="0"/>
+              </a:spcBef>
+              <a:spcAft>
+                <a:spcPts val="0"/>
+              </a:spcAft>
+              <a:buSzPts val="2400"/>
+              <a:buNone/>
+              <a:defRPr sz="3200"/>
+            </a:lvl2pPr>
+            <a:lvl3pPr lvl="2">
+              <a:spcBef>
+                <a:spcPts val="0"/>
+              </a:spcBef>
+              <a:spcAft>
+                <a:spcPts val="0"/>
+              </a:spcAft>
+              <a:buSzPts val="2400"/>
+              <a:buNone/>
+              <a:defRPr sz="3200"/>
+            </a:lvl3pPr>
+            <a:lvl4pPr lvl="3">
+              <a:spcBef>
+                <a:spcPts val="0"/>
+              </a:spcBef>
+              <a:spcAft>
+                <a:spcPts val="0"/>
+              </a:spcAft>
+              <a:buSzPts val="2400"/>
+              <a:buNone/>
+              <a:defRPr sz="3200"/>
+            </a:lvl4pPr>
+            <a:lvl5pPr lvl="4">
+              <a:spcBef>
+                <a:spcPts val="0"/>
+              </a:spcBef>
+              <a:spcAft>
+                <a:spcPts val="0"/>
+              </a:spcAft>
+              <a:buSzPts val="2400"/>
+              <a:buNone/>
+              <a:defRPr sz="3200"/>
+            </a:lvl5pPr>
+            <a:lvl6pPr lvl="5">
+              <a:spcBef>
+                <a:spcPts val="0"/>
+              </a:spcBef>
+              <a:spcAft>
+                <a:spcPts val="0"/>
+              </a:spcAft>
+              <a:buSzPts val="2400"/>
+              <a:buNone/>
+              <a:defRPr sz="3200"/>
+            </a:lvl6pPr>
+            <a:lvl7pPr lvl="6">
+              <a:spcBef>
+                <a:spcPts val="0"/>
+              </a:spcBef>
+              <a:spcAft>
+                <a:spcPts val="0"/>
+              </a:spcAft>
+              <a:buSzPts val="2400"/>
+              <a:buNone/>
+              <a:defRPr sz="3200"/>
+            </a:lvl7pPr>
+            <a:lvl8pPr lvl="7">
+              <a:spcBef>
+                <a:spcPts val="0"/>
+              </a:spcBef>
+              <a:spcAft>
+                <a:spcPts val="0"/>
+              </a:spcAft>
+              <a:buSzPts val="2400"/>
+              <a:buNone/>
+              <a:defRPr sz="3200"/>
+            </a:lvl8pPr>
+            <a:lvl9pPr lvl="8">
+              <a:spcBef>
+                <a:spcPts val="0"/>
+              </a:spcBef>
+              <a:spcAft>
+                <a:spcPts val="0"/>
+              </a:spcAft>
+              <a:buSzPts val="2400"/>
+              <a:buNone/>
+              <a:defRPr sz="3200"/>
+            </a:lvl9pPr>
+          </a:lstStyle>
+          <a:p>
+            <a:endParaRPr/>
+          </a:p>
+        </p:txBody>
+      </p:sp>
+      <p:sp>
+        <p:nvSpPr>
+          <p:cNvPr id="30" name="Google Shape;30;p7"/>
+          <p:cNvSpPr txBox="1">
+            <a:spLocks noGrp="1"/>
+          </p:cNvSpPr>
+          <p:nvPr>
+            <p:ph type="body" idx="1"/>
+          </p:nvPr>
+        </p:nvSpPr>
+        <p:spPr>
+          <a:xfrm>
+            <a:off x="415600" y="1852800"/>
+            <a:ext cx="3744000" cy="4239200"/>
+          </a:xfrm>
+          <a:prstGeom prst="rect">
+            <a:avLst/>
+          </a:prstGeom>
+        </p:spPr>
+        <p:txBody>
+          <a:bodyPr spcFirstLastPara="1" wrap="square" lIns="91425" tIns="91425" rIns="91425" bIns="91425" anchor="t" anchorCtr="0">
+            <a:normAutofit/>
+          </a:bodyPr>
+          <a:lstStyle>
+            <a:lvl1pPr marL="609585" lvl="0" indent="-406390">
+              <a:spcBef>
+                <a:spcPts val="0"/>
+              </a:spcBef>
+              <a:spcAft>
+                <a:spcPts val="0"/>
+              </a:spcAft>
+              <a:buSzPts val="1200"/>
+              <a:buChar char="●"/>
+              <a:defRPr sz="1600"/>
+            </a:lvl1pPr>
+            <a:lvl2pPr marL="1219170" lvl="1" indent="-406390">
+              <a:spcBef>
+                <a:spcPts val="0"/>
+              </a:spcBef>
+              <a:spcAft>
+                <a:spcPts val="0"/>
+              </a:spcAft>
+              <a:buSzPts val="1200"/>
+              <a:buChar char="○"/>
+              <a:defRPr sz="1600"/>
+            </a:lvl2pPr>
+            <a:lvl3pPr marL="1828754" lvl="2" indent="-406390">
+              <a:spcBef>
+                <a:spcPts val="0"/>
+              </a:spcBef>
+              <a:spcAft>
+                <a:spcPts val="0"/>
+              </a:spcAft>
+              <a:buSzPts val="1200"/>
+              <a:buChar char="■"/>
+              <a:defRPr sz="1600"/>
+            </a:lvl3pPr>
+            <a:lvl4pPr marL="2438339" lvl="3" indent="-406390">
+              <a:spcBef>
+                <a:spcPts val="0"/>
+              </a:spcBef>
+              <a:spcAft>
+                <a:spcPts val="0"/>
+              </a:spcAft>
+              <a:buSzPts val="1200"/>
+              <a:buChar char="●"/>
+              <a:defRPr sz="1600"/>
+            </a:lvl4pPr>
+            <a:lvl5pPr marL="3047924" lvl="4" indent="-406390">
+              <a:spcBef>
+                <a:spcPts val="0"/>
+              </a:spcBef>
+              <a:spcAft>
+                <a:spcPts val="0"/>
+              </a:spcAft>
+              <a:buSzPts val="1200"/>
+              <a:buChar char="○"/>
+              <a:defRPr sz="1600"/>
+            </a:lvl5pPr>
+            <a:lvl6pPr marL="3657509" lvl="5" indent="-406390">
+              <a:spcBef>
+                <a:spcPts val="0"/>
+              </a:spcBef>
+              <a:spcAft>
+                <a:spcPts val="0"/>
+              </a:spcAft>
+              <a:buSzPts val="1200"/>
+              <a:buChar char="■"/>
+              <a:defRPr sz="1600"/>
+            </a:lvl6pPr>
+            <a:lvl7pPr marL="4267093" lvl="6" indent="-406390">
+              <a:spcBef>
+                <a:spcPts val="0"/>
+              </a:spcBef>
+              <a:spcAft>
+                <a:spcPts val="0"/>
+              </a:spcAft>
+              <a:buSzPts val="1200"/>
+              <a:buChar char="●"/>
+              <a:defRPr sz="1600"/>
+            </a:lvl7pPr>
+            <a:lvl8pPr marL="4876678" lvl="7" indent="-406390">
+              <a:spcBef>
+                <a:spcPts val="0"/>
+              </a:spcBef>
+              <a:spcAft>
+                <a:spcPts val="0"/>
+              </a:spcAft>
+              <a:buSzPts val="1200"/>
+              <a:buChar char="○"/>
+              <a:defRPr sz="1600"/>
+            </a:lvl8pPr>
+            <a:lvl9pPr marL="5486263" lvl="8" indent="-406390">
+              <a:spcBef>
+                <a:spcPts val="0"/>
+              </a:spcBef>
+              <a:spcAft>
+                <a:spcPts val="0"/>
+              </a:spcAft>
+              <a:buSzPts val="1200"/>
+              <a:buChar char="■"/>
+              <a:defRPr sz="1600"/>
+            </a:lvl9pPr>
+          </a:lstStyle>
+          <a:p>
+            <a:endParaRPr/>
+          </a:p>
+        </p:txBody>
+      </p:sp>
+      <p:sp>
+        <p:nvSpPr>
+          <p:cNvPr id="31" name="Google Shape;31;p7"/>
+          <p:cNvSpPr txBox="1">
+            <a:spLocks noGrp="1"/>
+          </p:cNvSpPr>
+          <p:nvPr>
+            <p:ph type="sldNum" idx="12"/>
+          </p:nvPr>
+        </p:nvSpPr>
+        <p:spPr>
+          <a:xfrm>
+            <a:off x="11296611" y="6217623"/>
+            <a:ext cx="731600" cy="524800"/>
+          </a:xfrm>
+          <a:prstGeom prst="rect">
+            <a:avLst/>
+          </a:prstGeom>
+        </p:spPr>
+        <p:txBody>
+          <a:bodyPr spcFirstLastPara="1" wrap="square" lIns="91425" tIns="91425" rIns="91425" bIns="91425" anchor="ctr" anchorCtr="0">
+            <a:normAutofit/>
+          </a:bodyPr>
+          <a:lstStyle>
+            <a:lvl1pPr lvl="0">
+              <a:buNone/>
+              <a:defRPr/>
+            </a:lvl1pPr>
+            <a:lvl2pPr lvl="1">
+              <a:buNone/>
+              <a:defRPr/>
+            </a:lvl2pPr>
+            <a:lvl3pPr lvl="2">
+              <a:buNone/>
+              <a:defRPr/>
+            </a:lvl3pPr>
+            <a:lvl4pPr lvl="3">
+              <a:buNone/>
+              <a:defRPr/>
+            </a:lvl4pPr>
+            <a:lvl5pPr lvl="4">
+              <a:buNone/>
+              <a:defRPr/>
+            </a:lvl5pPr>
+            <a:lvl6pPr lvl="5">
+              <a:buNone/>
+              <a:defRPr/>
+            </a:lvl6pPr>
+            <a:lvl7pPr lvl="6">
+              <a:buNone/>
+              <a:defRPr/>
+            </a:lvl7pPr>
+            <a:lvl8pPr lvl="7">
+              <a:buNone/>
+              <a:defRPr/>
+            </a:lvl8pPr>
+            <a:lvl9pPr lvl="8">
+              <a:buNone/>
+              <a:defRPr/>
+            </a:lvl9pPr>
+          </a:lstStyle>
+          <a:p>
+            <a:fld id="{00000000-1234-1234-1234-123412341234}" type="slidenum">
+              <a:rPr lang="en" smtClean="0"/>
+              <a:pPr/>
+              <a:t>‹#›</a:t>
+            </a:fld>
+            <a:endParaRPr lang="en"/>
+          </a:p>
+        </p:txBody>
+      </p:sp>
+    </p:spTree>
+    <p:extLst>
+      <p:ext uri="{BB962C8B-B14F-4D97-AF65-F5344CB8AC3E}">
+        <p14:creationId xmlns:p14="http://schemas.microsoft.com/office/powerpoint/2010/main" val="966492417"/>
+      </p:ext>
+    </p:extLst>
+  </p:cSld>
+  <p:clrMapOvr>
+    <a:masterClrMapping/>
+  </p:clrMapOvr>
+</p:sldLayout>
+</file>
+
+<file path=ppt/slideLayouts/slideLayout18.xml><?xml version="1.0" encoding="utf-8"?>
+<p:sldLayout xmlns:a="http://schemas.openxmlformats.org/drawingml/2006/main" xmlns:r="http://schemas.openxmlformats.org/officeDocument/2006/relationships" xmlns:p="http://schemas.openxmlformats.org/presentationml/2006/main" matchingName="Main point">
+  <p:cSld name="Main point">
+    <p:spTree>
+      <p:nvGrpSpPr>
+        <p:cNvPr id="1" name="Shape 32"/>
+        <p:cNvGrpSpPr/>
+        <p:nvPr/>
+      </p:nvGrpSpPr>
+      <p:grpSpPr>
+        <a:xfrm>
+          <a:off x="0" y="0"/>
+          <a:ext cx="0" cy="0"/>
+          <a:chOff x="0" y="0"/>
+          <a:chExt cx="0" cy="0"/>
+        </a:xfrm>
+      </p:grpSpPr>
+      <p:sp>
+        <p:nvSpPr>
+          <p:cNvPr id="33" name="Google Shape;33;p8"/>
+          <p:cNvSpPr txBox="1">
+            <a:spLocks noGrp="1"/>
+          </p:cNvSpPr>
+          <p:nvPr>
+            <p:ph type="title"/>
+          </p:nvPr>
+        </p:nvSpPr>
+        <p:spPr>
+          <a:xfrm>
+            <a:off x="653667" y="600200"/>
+            <a:ext cx="8490400" cy="5454400"/>
+          </a:xfrm>
+          <a:prstGeom prst="rect">
+            <a:avLst/>
+          </a:prstGeom>
+        </p:spPr>
+        <p:txBody>
+          <a:bodyPr spcFirstLastPara="1" wrap="square" lIns="91425" tIns="91425" rIns="91425" bIns="91425" anchor="ctr" anchorCtr="0">
+            <a:normAutofit/>
+          </a:bodyPr>
+          <a:lstStyle>
+            <a:lvl1pPr lvl="0">
+              <a:spcBef>
+                <a:spcPts val="0"/>
+              </a:spcBef>
+              <a:spcAft>
+                <a:spcPts val="0"/>
+              </a:spcAft>
+              <a:buSzPts val="4800"/>
+              <a:buNone/>
+              <a:defRPr sz="6400"/>
+            </a:lvl1pPr>
+            <a:lvl2pPr lvl="1">
+              <a:spcBef>
+                <a:spcPts val="0"/>
+              </a:spcBef>
+              <a:spcAft>
+                <a:spcPts val="0"/>
+              </a:spcAft>
+              <a:buSzPts val="4800"/>
+              <a:buNone/>
+              <a:defRPr sz="6400"/>
+            </a:lvl2pPr>
+            <a:lvl3pPr lvl="2">
+              <a:spcBef>
+                <a:spcPts val="0"/>
+              </a:spcBef>
+              <a:spcAft>
+                <a:spcPts val="0"/>
+              </a:spcAft>
+              <a:buSzPts val="4800"/>
+              <a:buNone/>
+              <a:defRPr sz="6400"/>
+            </a:lvl3pPr>
+            <a:lvl4pPr lvl="3">
+              <a:spcBef>
+                <a:spcPts val="0"/>
+              </a:spcBef>
+              <a:spcAft>
+                <a:spcPts val="0"/>
+              </a:spcAft>
+              <a:buSzPts val="4800"/>
+              <a:buNone/>
+              <a:defRPr sz="6400"/>
+            </a:lvl4pPr>
+            <a:lvl5pPr lvl="4">
+              <a:spcBef>
+                <a:spcPts val="0"/>
+              </a:spcBef>
+              <a:spcAft>
+                <a:spcPts val="0"/>
+              </a:spcAft>
+              <a:buSzPts val="4800"/>
+              <a:buNone/>
+              <a:defRPr sz="6400"/>
+            </a:lvl5pPr>
+            <a:lvl6pPr lvl="5">
+              <a:spcBef>
+                <a:spcPts val="0"/>
+              </a:spcBef>
+              <a:spcAft>
+                <a:spcPts val="0"/>
+              </a:spcAft>
+              <a:buSzPts val="4800"/>
+              <a:buNone/>
+              <a:defRPr sz="6400"/>
+            </a:lvl6pPr>
+            <a:lvl7pPr lvl="6">
+              <a:spcBef>
+                <a:spcPts val="0"/>
+              </a:spcBef>
+              <a:spcAft>
+                <a:spcPts val="0"/>
+              </a:spcAft>
+              <a:buSzPts val="4800"/>
+              <a:buNone/>
+              <a:defRPr sz="6400"/>
+            </a:lvl7pPr>
+            <a:lvl8pPr lvl="7">
+              <a:spcBef>
+                <a:spcPts val="0"/>
+              </a:spcBef>
+              <a:spcAft>
+                <a:spcPts val="0"/>
+              </a:spcAft>
+              <a:buSzPts val="4800"/>
+              <a:buNone/>
+              <a:defRPr sz="6400"/>
+            </a:lvl8pPr>
+            <a:lvl9pPr lvl="8">
+              <a:spcBef>
+                <a:spcPts val="0"/>
+              </a:spcBef>
+              <a:spcAft>
+                <a:spcPts val="0"/>
+              </a:spcAft>
+              <a:buSzPts val="4800"/>
+              <a:buNone/>
+              <a:defRPr sz="6400"/>
+            </a:lvl9pPr>
+          </a:lstStyle>
+          <a:p>
+            <a:endParaRPr/>
+          </a:p>
+        </p:txBody>
+      </p:sp>
+      <p:sp>
+        <p:nvSpPr>
+          <p:cNvPr id="34" name="Google Shape;34;p8"/>
+          <p:cNvSpPr txBox="1">
+            <a:spLocks noGrp="1"/>
+          </p:cNvSpPr>
+          <p:nvPr>
+            <p:ph type="sldNum" idx="12"/>
+          </p:nvPr>
+        </p:nvSpPr>
+        <p:spPr>
+          <a:xfrm>
+            <a:off x="11296611" y="6217623"/>
+            <a:ext cx="731600" cy="524800"/>
+          </a:xfrm>
+          <a:prstGeom prst="rect">
+            <a:avLst/>
+          </a:prstGeom>
+        </p:spPr>
+        <p:txBody>
+          <a:bodyPr spcFirstLastPara="1" wrap="square" lIns="91425" tIns="91425" rIns="91425" bIns="91425" anchor="ctr" anchorCtr="0">
+            <a:normAutofit/>
+          </a:bodyPr>
+          <a:lstStyle>
+            <a:lvl1pPr lvl="0">
+              <a:buNone/>
+              <a:defRPr/>
+            </a:lvl1pPr>
+            <a:lvl2pPr lvl="1">
+              <a:buNone/>
+              <a:defRPr/>
+            </a:lvl2pPr>
+            <a:lvl3pPr lvl="2">
+              <a:buNone/>
+              <a:defRPr/>
+            </a:lvl3pPr>
+            <a:lvl4pPr lvl="3">
+              <a:buNone/>
+              <a:defRPr/>
+            </a:lvl4pPr>
+            <a:lvl5pPr lvl="4">
+              <a:buNone/>
+              <a:defRPr/>
+            </a:lvl5pPr>
+            <a:lvl6pPr lvl="5">
+              <a:buNone/>
+              <a:defRPr/>
+            </a:lvl6pPr>
+            <a:lvl7pPr lvl="6">
+              <a:buNone/>
+              <a:defRPr/>
+            </a:lvl7pPr>
+            <a:lvl8pPr lvl="7">
+              <a:buNone/>
+              <a:defRPr/>
+            </a:lvl8pPr>
+            <a:lvl9pPr lvl="8">
+              <a:buNone/>
+              <a:defRPr/>
+            </a:lvl9pPr>
+          </a:lstStyle>
+          <a:p>
+            <a:fld id="{00000000-1234-1234-1234-123412341234}" type="slidenum">
+              <a:rPr lang="en" smtClean="0"/>
+              <a:pPr/>
+              <a:t>‹#›</a:t>
+            </a:fld>
+            <a:endParaRPr lang="en"/>
+          </a:p>
+        </p:txBody>
+      </p:sp>
+    </p:spTree>
+    <p:extLst>
+      <p:ext uri="{BB962C8B-B14F-4D97-AF65-F5344CB8AC3E}">
+        <p14:creationId xmlns:p14="http://schemas.microsoft.com/office/powerpoint/2010/main" val="2597161270"/>
+      </p:ext>
+    </p:extLst>
+  </p:cSld>
+  <p:clrMapOvr>
+    <a:masterClrMapping/>
+  </p:clrMapOvr>
+</p:sldLayout>
+</file>
+
+<file path=ppt/slideLayouts/slideLayout19.xml><?xml version="1.0" encoding="utf-8"?>
+<p:sldLayout xmlns:a="http://schemas.openxmlformats.org/drawingml/2006/main" xmlns:r="http://schemas.openxmlformats.org/officeDocument/2006/relationships" xmlns:p="http://schemas.openxmlformats.org/presentationml/2006/main" matchingName="Section title and description">
+  <p:cSld name="Section title and description">
+    <p:spTree>
+      <p:nvGrpSpPr>
+        <p:cNvPr id="1" name="Shape 35"/>
+        <p:cNvGrpSpPr/>
+        <p:nvPr/>
+      </p:nvGrpSpPr>
+      <p:grpSpPr>
+        <a:xfrm>
+          <a:off x="0" y="0"/>
+          <a:ext cx="0" cy="0"/>
+          <a:chOff x="0" y="0"/>
+          <a:chExt cx="0" cy="0"/>
+        </a:xfrm>
+      </p:grpSpPr>
+      <p:sp>
+        <p:nvSpPr>
+          <p:cNvPr id="36" name="Google Shape;36;p9"/>
+          <p:cNvSpPr/>
+          <p:nvPr/>
+        </p:nvSpPr>
+        <p:spPr>
+          <a:xfrm>
+            <a:off x="6096000" y="-167"/>
+            <a:ext cx="6096000" cy="6858000"/>
+          </a:xfrm>
+          <a:prstGeom prst="rect">
+            <a:avLst/>
+          </a:prstGeom>
+          <a:solidFill>
+            <a:schemeClr val="lt2"/>
+          </a:solidFill>
+          <a:ln>
+            <a:noFill/>
+          </a:ln>
+        </p:spPr>
+        <p:txBody>
+          <a:bodyPr spcFirstLastPara="1" wrap="square" lIns="121900" tIns="121900" rIns="121900" bIns="121900" anchor="ctr" anchorCtr="0">
+            <a:noAutofit/>
+          </a:bodyPr>
+          <a:lstStyle/>
+          <a:p>
+            <a:pPr marL="0" lvl="0" indent="0" algn="l" rtl="0">
+              <a:spcBef>
+                <a:spcPts val="0"/>
+              </a:spcBef>
+              <a:spcAft>
+                <a:spcPts val="0"/>
+              </a:spcAft>
+              <a:buNone/>
+            </a:pPr>
+            <a:endParaRPr sz="2400"/>
+          </a:p>
+        </p:txBody>
+      </p:sp>
+      <p:sp>
+        <p:nvSpPr>
+          <p:cNvPr id="37" name="Google Shape;37;p9"/>
+          <p:cNvSpPr txBox="1">
+            <a:spLocks noGrp="1"/>
+          </p:cNvSpPr>
+          <p:nvPr>
+            <p:ph type="title"/>
+          </p:nvPr>
+        </p:nvSpPr>
+        <p:spPr>
+          <a:xfrm>
+            <a:off x="354000" y="1644233"/>
+            <a:ext cx="5393600" cy="1976400"/>
+          </a:xfrm>
+          <a:prstGeom prst="rect">
+            <a:avLst/>
+          </a:prstGeom>
+        </p:spPr>
+        <p:txBody>
+          <a:bodyPr spcFirstLastPara="1" wrap="square" lIns="91425" tIns="91425" rIns="91425" bIns="91425" anchor="b" anchorCtr="0">
+            <a:normAutofit/>
+          </a:bodyPr>
+          <a:lstStyle>
+            <a:lvl1pPr lvl="0" algn="ctr">
+              <a:spcBef>
+                <a:spcPts val="0"/>
+              </a:spcBef>
+              <a:spcAft>
+                <a:spcPts val="0"/>
+              </a:spcAft>
+              <a:buSzPts val="4200"/>
+              <a:buNone/>
+              <a:defRPr sz="5600"/>
+            </a:lvl1pPr>
+            <a:lvl2pPr lvl="1" algn="ctr">
+              <a:spcBef>
+                <a:spcPts val="0"/>
+              </a:spcBef>
+              <a:spcAft>
+                <a:spcPts val="0"/>
+              </a:spcAft>
+              <a:buSzPts val="4200"/>
+              <a:buNone/>
+              <a:defRPr sz="5600"/>
+            </a:lvl2pPr>
+            <a:lvl3pPr lvl="2" algn="ctr">
+              <a:spcBef>
+                <a:spcPts val="0"/>
+              </a:spcBef>
+              <a:spcAft>
+                <a:spcPts val="0"/>
+              </a:spcAft>
+              <a:buSzPts val="4200"/>
+              <a:buNone/>
+              <a:defRPr sz="5600"/>
+            </a:lvl3pPr>
+            <a:lvl4pPr lvl="3" algn="ctr">
+              <a:spcBef>
+                <a:spcPts val="0"/>
+              </a:spcBef>
+              <a:spcAft>
+                <a:spcPts val="0"/>
+              </a:spcAft>
+              <a:buSzPts val="4200"/>
+              <a:buNone/>
+              <a:defRPr sz="5600"/>
+            </a:lvl4pPr>
+            <a:lvl5pPr lvl="4" algn="ctr">
+              <a:spcBef>
+                <a:spcPts val="0"/>
+              </a:spcBef>
+              <a:spcAft>
+                <a:spcPts val="0"/>
+              </a:spcAft>
+              <a:buSzPts val="4200"/>
+              <a:buNone/>
+              <a:defRPr sz="5600"/>
+            </a:lvl5pPr>
+            <a:lvl6pPr lvl="5" algn="ctr">
+              <a:spcBef>
+                <a:spcPts val="0"/>
+              </a:spcBef>
+              <a:spcAft>
+                <a:spcPts val="0"/>
+              </a:spcAft>
+              <a:buSzPts val="4200"/>
+              <a:buNone/>
+              <a:defRPr sz="5600"/>
+            </a:lvl6pPr>
+            <a:lvl7pPr lvl="6" algn="ctr">
+              <a:spcBef>
+                <a:spcPts val="0"/>
+              </a:spcBef>
+              <a:spcAft>
+                <a:spcPts val="0"/>
+              </a:spcAft>
+              <a:buSzPts val="4200"/>
+              <a:buNone/>
+              <a:defRPr sz="5600"/>
+            </a:lvl7pPr>
+            <a:lvl8pPr lvl="7" algn="ctr">
+              <a:spcBef>
+                <a:spcPts val="0"/>
+              </a:spcBef>
+              <a:spcAft>
+                <a:spcPts val="0"/>
+              </a:spcAft>
+              <a:buSzPts val="4200"/>
+              <a:buNone/>
+              <a:defRPr sz="5600"/>
+            </a:lvl8pPr>
+            <a:lvl9pPr lvl="8" algn="ctr">
+              <a:spcBef>
+                <a:spcPts val="0"/>
+              </a:spcBef>
+              <a:spcAft>
+                <a:spcPts val="0"/>
+              </a:spcAft>
+              <a:buSzPts val="4200"/>
+              <a:buNone/>
+              <a:defRPr sz="5600"/>
+            </a:lvl9pPr>
+          </a:lstStyle>
+          <a:p>
+            <a:endParaRPr/>
+          </a:p>
+        </p:txBody>
+      </p:sp>
+      <p:sp>
+        <p:nvSpPr>
+          <p:cNvPr id="38" name="Google Shape;38;p9"/>
+          <p:cNvSpPr txBox="1">
+            <a:spLocks noGrp="1"/>
+          </p:cNvSpPr>
+          <p:nvPr>
+            <p:ph type="subTitle" idx="1"/>
+          </p:nvPr>
+        </p:nvSpPr>
+        <p:spPr>
+          <a:xfrm>
+            <a:off x="354000" y="3737433"/>
+            <a:ext cx="5393600" cy="1646800"/>
+          </a:xfrm>
+          <a:prstGeom prst="rect">
+            <a:avLst/>
+          </a:prstGeom>
+        </p:spPr>
+        <p:txBody>
+          <a:bodyPr spcFirstLastPara="1" wrap="square" lIns="91425" tIns="91425" rIns="91425" bIns="91425" anchor="t" anchorCtr="0">
+            <a:normAutofit/>
+          </a:bodyPr>
+          <a:lstStyle>
+            <a:lvl1pPr lvl="0" algn="ctr">
+              <a:lnSpc>
+                <a:spcPct val="100000"/>
+              </a:lnSpc>
+              <a:spcBef>
+                <a:spcPts val="0"/>
+              </a:spcBef>
+              <a:spcAft>
+                <a:spcPts val="0"/>
+              </a:spcAft>
+              <a:buSzPts val="2100"/>
+              <a:buNone/>
+              <a:defRPr sz="2800"/>
+            </a:lvl1pPr>
+            <a:lvl2pPr lvl="1" algn="ctr">
+              <a:lnSpc>
+                <a:spcPct val="100000"/>
+              </a:lnSpc>
+              <a:spcBef>
+                <a:spcPts val="0"/>
+              </a:spcBef>
+              <a:spcAft>
+                <a:spcPts val="0"/>
+              </a:spcAft>
+              <a:buSzPts val="2100"/>
+              <a:buNone/>
+              <a:defRPr sz="2800"/>
+            </a:lvl2pPr>
+            <a:lvl3pPr lvl="2" algn="ctr">
+              <a:lnSpc>
+                <a:spcPct val="100000"/>
+              </a:lnSpc>
+              <a:spcBef>
+                <a:spcPts val="0"/>
+              </a:spcBef>
+              <a:spcAft>
+                <a:spcPts val="0"/>
+              </a:spcAft>
+              <a:buSzPts val="2100"/>
+              <a:buNone/>
+              <a:defRPr sz="2800"/>
+            </a:lvl3pPr>
+            <a:lvl4pPr lvl="3" algn="ctr">
+              <a:lnSpc>
+                <a:spcPct val="100000"/>
+              </a:lnSpc>
+              <a:spcBef>
+                <a:spcPts val="0"/>
+              </a:spcBef>
+              <a:spcAft>
+                <a:spcPts val="0"/>
+              </a:spcAft>
+              <a:buSzPts val="2100"/>
+              <a:buNone/>
+              <a:defRPr sz="2800"/>
+            </a:lvl4pPr>
+            <a:lvl5pPr lvl="4" algn="ctr">
+              <a:lnSpc>
+                <a:spcPct val="100000"/>
+              </a:lnSpc>
+              <a:spcBef>
+                <a:spcPts val="0"/>
+              </a:spcBef>
+              <a:spcAft>
+                <a:spcPts val="0"/>
+              </a:spcAft>
+              <a:buSzPts val="2100"/>
+              <a:buNone/>
+              <a:defRPr sz="2800"/>
+            </a:lvl5pPr>
+            <a:lvl6pPr lvl="5" algn="ctr">
+              <a:lnSpc>
+                <a:spcPct val="100000"/>
+              </a:lnSpc>
+              <a:spcBef>
+                <a:spcPts val="0"/>
+              </a:spcBef>
+              <a:spcAft>
+                <a:spcPts val="0"/>
+              </a:spcAft>
+              <a:buSzPts val="2100"/>
+              <a:buNone/>
+              <a:defRPr sz="2800"/>
+            </a:lvl6pPr>
+            <a:lvl7pPr lvl="6" algn="ctr">
+              <a:lnSpc>
+                <a:spcPct val="100000"/>
+              </a:lnSpc>
+              <a:spcBef>
+                <a:spcPts val="0"/>
+              </a:spcBef>
+              <a:spcAft>
+                <a:spcPts val="0"/>
+              </a:spcAft>
+              <a:buSzPts val="2100"/>
+              <a:buNone/>
+              <a:defRPr sz="2800"/>
+            </a:lvl7pPr>
+            <a:lvl8pPr lvl="7" algn="ctr">
+              <a:lnSpc>
+                <a:spcPct val="100000"/>
+              </a:lnSpc>
+              <a:spcBef>
+                <a:spcPts val="0"/>
+              </a:spcBef>
+              <a:spcAft>
+                <a:spcPts val="0"/>
+              </a:spcAft>
+              <a:buSzPts val="2100"/>
+              <a:buNone/>
+              <a:defRPr sz="2800"/>
+            </a:lvl8pPr>
+            <a:lvl9pPr lvl="8" algn="ctr">
+              <a:lnSpc>
+                <a:spcPct val="100000"/>
+              </a:lnSpc>
+              <a:spcBef>
+                <a:spcPts val="0"/>
+              </a:spcBef>
+              <a:spcAft>
+                <a:spcPts val="0"/>
+              </a:spcAft>
+              <a:buSzPts val="2100"/>
+              <a:buNone/>
+              <a:defRPr sz="2800"/>
+            </a:lvl9pPr>
+          </a:lstStyle>
+          <a:p>
+            <a:endParaRPr/>
+          </a:p>
+        </p:txBody>
+      </p:sp>
+      <p:sp>
+        <p:nvSpPr>
+          <p:cNvPr id="39" name="Google Shape;39;p9"/>
+          <p:cNvSpPr txBox="1">
+            <a:spLocks noGrp="1"/>
+          </p:cNvSpPr>
+          <p:nvPr>
+            <p:ph type="body" idx="2"/>
+          </p:nvPr>
+        </p:nvSpPr>
+        <p:spPr>
+          <a:xfrm>
+            <a:off x="6586000" y="965433"/>
+            <a:ext cx="5116000" cy="4926800"/>
+          </a:xfrm>
+          <a:prstGeom prst="rect">
+            <a:avLst/>
+          </a:prstGeom>
+        </p:spPr>
+        <p:txBody>
+          <a:bodyPr spcFirstLastPara="1" wrap="square" lIns="91425" tIns="91425" rIns="91425" bIns="91425" anchor="ctr" anchorCtr="0">
+            <a:normAutofit/>
+          </a:bodyPr>
+          <a:lstStyle>
+            <a:lvl1pPr marL="609585" lvl="0" indent="-457189">
+              <a:spcBef>
+                <a:spcPts val="0"/>
+              </a:spcBef>
+              <a:spcAft>
+                <a:spcPts val="0"/>
+              </a:spcAft>
+              <a:buSzPts val="1800"/>
+              <a:buChar char="●"/>
+              <a:defRPr/>
+            </a:lvl1pPr>
+            <a:lvl2pPr marL="1219170" lvl="1" indent="-423323">
+              <a:spcBef>
+                <a:spcPts val="0"/>
+              </a:spcBef>
+              <a:spcAft>
+                <a:spcPts val="0"/>
+              </a:spcAft>
+              <a:buSzPts val="1400"/>
+              <a:buChar char="○"/>
+              <a:defRPr/>
+            </a:lvl2pPr>
+            <a:lvl3pPr marL="1828754" lvl="2" indent="-423323">
+              <a:spcBef>
+                <a:spcPts val="0"/>
+              </a:spcBef>
+              <a:spcAft>
+                <a:spcPts val="0"/>
+              </a:spcAft>
+              <a:buSzPts val="1400"/>
+              <a:buChar char="■"/>
+              <a:defRPr/>
+            </a:lvl3pPr>
+            <a:lvl4pPr marL="2438339" lvl="3" indent="-423323">
+              <a:spcBef>
+                <a:spcPts val="0"/>
+              </a:spcBef>
+              <a:spcAft>
+                <a:spcPts val="0"/>
+              </a:spcAft>
+              <a:buSzPts val="1400"/>
+              <a:buChar char="●"/>
+              <a:defRPr/>
+            </a:lvl4pPr>
+            <a:lvl5pPr marL="3047924" lvl="4" indent="-423323">
+              <a:spcBef>
+                <a:spcPts val="0"/>
+              </a:spcBef>
+              <a:spcAft>
+                <a:spcPts val="0"/>
+              </a:spcAft>
+              <a:buSzPts val="1400"/>
+              <a:buChar char="○"/>
+              <a:defRPr/>
+            </a:lvl5pPr>
+            <a:lvl6pPr marL="3657509" lvl="5" indent="-423323">
+              <a:spcBef>
+                <a:spcPts val="0"/>
+              </a:spcBef>
+              <a:spcAft>
+                <a:spcPts val="0"/>
+              </a:spcAft>
+              <a:buSzPts val="1400"/>
+              <a:buChar char="■"/>
+              <a:defRPr/>
+            </a:lvl6pPr>
+            <a:lvl7pPr marL="4267093" lvl="6" indent="-423323">
+              <a:spcBef>
+                <a:spcPts val="0"/>
+              </a:spcBef>
+              <a:spcAft>
+                <a:spcPts val="0"/>
+              </a:spcAft>
+              <a:buSzPts val="1400"/>
+              <a:buChar char="●"/>
+              <a:defRPr/>
+            </a:lvl7pPr>
+            <a:lvl8pPr marL="4876678" lvl="7" indent="-423323">
+              <a:spcBef>
+                <a:spcPts val="0"/>
+              </a:spcBef>
+              <a:spcAft>
+                <a:spcPts val="0"/>
+              </a:spcAft>
+              <a:buSzPts val="1400"/>
+              <a:buChar char="○"/>
+              <a:defRPr/>
+            </a:lvl8pPr>
+            <a:lvl9pPr marL="5486263" lvl="8" indent="-423323">
+              <a:spcBef>
+                <a:spcPts val="0"/>
+              </a:spcBef>
+              <a:spcAft>
+                <a:spcPts val="0"/>
+              </a:spcAft>
+              <a:buSzPts val="1400"/>
+              <a:buChar char="■"/>
+              <a:defRPr/>
+            </a:lvl9pPr>
+          </a:lstStyle>
+          <a:p>
+            <a:endParaRPr/>
+          </a:p>
+        </p:txBody>
+      </p:sp>
+      <p:sp>
+        <p:nvSpPr>
+          <p:cNvPr id="40" name="Google Shape;40;p9"/>
+          <p:cNvSpPr txBox="1">
+            <a:spLocks noGrp="1"/>
+          </p:cNvSpPr>
+          <p:nvPr>
+            <p:ph type="sldNum" idx="12"/>
+          </p:nvPr>
+        </p:nvSpPr>
+        <p:spPr>
+          <a:xfrm>
+            <a:off x="11296611" y="6217623"/>
+            <a:ext cx="731600" cy="524800"/>
+          </a:xfrm>
+          <a:prstGeom prst="rect">
+            <a:avLst/>
+          </a:prstGeom>
+        </p:spPr>
+        <p:txBody>
+          <a:bodyPr spcFirstLastPara="1" wrap="square" lIns="91425" tIns="91425" rIns="91425" bIns="91425" anchor="ctr" anchorCtr="0">
+            <a:normAutofit/>
+          </a:bodyPr>
+          <a:lstStyle>
+            <a:lvl1pPr lvl="0">
+              <a:buNone/>
+              <a:defRPr/>
+            </a:lvl1pPr>
+            <a:lvl2pPr lvl="1">
+              <a:buNone/>
+              <a:defRPr/>
+            </a:lvl2pPr>
+            <a:lvl3pPr lvl="2">
+              <a:buNone/>
+              <a:defRPr/>
+            </a:lvl3pPr>
+            <a:lvl4pPr lvl="3">
+              <a:buNone/>
+              <a:defRPr/>
+            </a:lvl4pPr>
+            <a:lvl5pPr lvl="4">
+              <a:buNone/>
+              <a:defRPr/>
+            </a:lvl5pPr>
+            <a:lvl6pPr lvl="5">
+              <a:buNone/>
+              <a:defRPr/>
+            </a:lvl6pPr>
+            <a:lvl7pPr lvl="6">
+              <a:buNone/>
+              <a:defRPr/>
+            </a:lvl7pPr>
+            <a:lvl8pPr lvl="7">
+              <a:buNone/>
+              <a:defRPr/>
+            </a:lvl8pPr>
+            <a:lvl9pPr lvl="8">
+              <a:buNone/>
+              <a:defRPr/>
+            </a:lvl9pPr>
+          </a:lstStyle>
+          <a:p>
+            <a:fld id="{00000000-1234-1234-1234-123412341234}" type="slidenum">
+              <a:rPr lang="en" smtClean="0"/>
+              <a:pPr/>
+              <a:t>‹#›</a:t>
+            </a:fld>
+            <a:endParaRPr lang="en"/>
+          </a:p>
+        </p:txBody>
+      </p:sp>
+    </p:spTree>
+    <p:extLst>
+      <p:ext uri="{BB962C8B-B14F-4D97-AF65-F5344CB8AC3E}">
+        <p14:creationId xmlns:p14="http://schemas.microsoft.com/office/powerpoint/2010/main" val="3210922808"/>
       </p:ext>
     </p:extLst>
   </p:cSld>
@@ -1223,7 +4166,7 @@
           <a:p>
             <a:fld id="{DEA3E70D-7777-4D36-8DA1-3B2457C715AC}" type="datetimeFigureOut">
               <a:rPr lang="en-US" smtClean="0"/>
-              <a:t>4/2/2025</a:t>
+              <a:t>4/9/2025</a:t>
             </a:fld>
             <a:endParaRPr lang="en-US"/>
           </a:p>
@@ -1287,6 +4230,613 @@
     <p:extLst>
       <p:ext uri="{BB962C8B-B14F-4D97-AF65-F5344CB8AC3E}">
         <p14:creationId xmlns:p14="http://schemas.microsoft.com/office/powerpoint/2010/main" val="1783987750"/>
+      </p:ext>
+    </p:extLst>
+  </p:cSld>
+  <p:clrMapOvr>
+    <a:masterClrMapping/>
+  </p:clrMapOvr>
+</p:sldLayout>
+</file>
+
+<file path=ppt/slideLayouts/slideLayout20.xml><?xml version="1.0" encoding="utf-8"?>
+<p:sldLayout xmlns:a="http://schemas.openxmlformats.org/drawingml/2006/main" xmlns:r="http://schemas.openxmlformats.org/officeDocument/2006/relationships" xmlns:p="http://schemas.openxmlformats.org/presentationml/2006/main" matchingName="Caption">
+  <p:cSld name="Caption">
+    <p:spTree>
+      <p:nvGrpSpPr>
+        <p:cNvPr id="1" name="Shape 41"/>
+        <p:cNvGrpSpPr/>
+        <p:nvPr/>
+      </p:nvGrpSpPr>
+      <p:grpSpPr>
+        <a:xfrm>
+          <a:off x="0" y="0"/>
+          <a:ext cx="0" cy="0"/>
+          <a:chOff x="0" y="0"/>
+          <a:chExt cx="0" cy="0"/>
+        </a:xfrm>
+      </p:grpSpPr>
+      <p:sp>
+        <p:nvSpPr>
+          <p:cNvPr id="42" name="Google Shape;42;p10"/>
+          <p:cNvSpPr txBox="1">
+            <a:spLocks noGrp="1"/>
+          </p:cNvSpPr>
+          <p:nvPr>
+            <p:ph type="body" idx="1"/>
+          </p:nvPr>
+        </p:nvSpPr>
+        <p:spPr>
+          <a:xfrm>
+            <a:off x="415600" y="5640767"/>
+            <a:ext cx="7998400" cy="806800"/>
+          </a:xfrm>
+          <a:prstGeom prst="rect">
+            <a:avLst/>
+          </a:prstGeom>
+        </p:spPr>
+        <p:txBody>
+          <a:bodyPr spcFirstLastPara="1" wrap="square" lIns="91425" tIns="91425" rIns="91425" bIns="91425" anchor="ctr" anchorCtr="0">
+            <a:normAutofit/>
+          </a:bodyPr>
+          <a:lstStyle>
+            <a:lvl1pPr marL="609585" lvl="0" indent="-304792">
+              <a:lnSpc>
+                <a:spcPct val="100000"/>
+              </a:lnSpc>
+              <a:spcBef>
+                <a:spcPts val="0"/>
+              </a:spcBef>
+              <a:spcAft>
+                <a:spcPts val="0"/>
+              </a:spcAft>
+              <a:buSzPts val="1800"/>
+              <a:buNone/>
+              <a:defRPr/>
+            </a:lvl1pPr>
+          </a:lstStyle>
+          <a:p>
+            <a:endParaRPr/>
+          </a:p>
+        </p:txBody>
+      </p:sp>
+      <p:sp>
+        <p:nvSpPr>
+          <p:cNvPr id="43" name="Google Shape;43;p10"/>
+          <p:cNvSpPr txBox="1">
+            <a:spLocks noGrp="1"/>
+          </p:cNvSpPr>
+          <p:nvPr>
+            <p:ph type="sldNum" idx="12"/>
+          </p:nvPr>
+        </p:nvSpPr>
+        <p:spPr>
+          <a:xfrm>
+            <a:off x="11296611" y="6217623"/>
+            <a:ext cx="731600" cy="524800"/>
+          </a:xfrm>
+          <a:prstGeom prst="rect">
+            <a:avLst/>
+          </a:prstGeom>
+        </p:spPr>
+        <p:txBody>
+          <a:bodyPr spcFirstLastPara="1" wrap="square" lIns="91425" tIns="91425" rIns="91425" bIns="91425" anchor="ctr" anchorCtr="0">
+            <a:normAutofit/>
+          </a:bodyPr>
+          <a:lstStyle>
+            <a:lvl1pPr lvl="0">
+              <a:buNone/>
+              <a:defRPr/>
+            </a:lvl1pPr>
+            <a:lvl2pPr lvl="1">
+              <a:buNone/>
+              <a:defRPr/>
+            </a:lvl2pPr>
+            <a:lvl3pPr lvl="2">
+              <a:buNone/>
+              <a:defRPr/>
+            </a:lvl3pPr>
+            <a:lvl4pPr lvl="3">
+              <a:buNone/>
+              <a:defRPr/>
+            </a:lvl4pPr>
+            <a:lvl5pPr lvl="4">
+              <a:buNone/>
+              <a:defRPr/>
+            </a:lvl5pPr>
+            <a:lvl6pPr lvl="5">
+              <a:buNone/>
+              <a:defRPr/>
+            </a:lvl6pPr>
+            <a:lvl7pPr lvl="6">
+              <a:buNone/>
+              <a:defRPr/>
+            </a:lvl7pPr>
+            <a:lvl8pPr lvl="7">
+              <a:buNone/>
+              <a:defRPr/>
+            </a:lvl8pPr>
+            <a:lvl9pPr lvl="8">
+              <a:buNone/>
+              <a:defRPr/>
+            </a:lvl9pPr>
+          </a:lstStyle>
+          <a:p>
+            <a:fld id="{00000000-1234-1234-1234-123412341234}" type="slidenum">
+              <a:rPr lang="en" smtClean="0"/>
+              <a:pPr/>
+              <a:t>‹#›</a:t>
+            </a:fld>
+            <a:endParaRPr lang="en"/>
+          </a:p>
+        </p:txBody>
+      </p:sp>
+    </p:spTree>
+    <p:extLst>
+      <p:ext uri="{BB962C8B-B14F-4D97-AF65-F5344CB8AC3E}">
+        <p14:creationId xmlns:p14="http://schemas.microsoft.com/office/powerpoint/2010/main" val="3212036040"/>
+      </p:ext>
+    </p:extLst>
+  </p:cSld>
+  <p:clrMapOvr>
+    <a:masterClrMapping/>
+  </p:clrMapOvr>
+</p:sldLayout>
+</file>
+
+<file path=ppt/slideLayouts/slideLayout21.xml><?xml version="1.0" encoding="utf-8"?>
+<p:sldLayout xmlns:a="http://schemas.openxmlformats.org/drawingml/2006/main" xmlns:r="http://schemas.openxmlformats.org/officeDocument/2006/relationships" xmlns:p="http://schemas.openxmlformats.org/presentationml/2006/main" matchingName="Big number">
+  <p:cSld name="Big number">
+    <p:spTree>
+      <p:nvGrpSpPr>
+        <p:cNvPr id="1" name="Shape 44"/>
+        <p:cNvGrpSpPr/>
+        <p:nvPr/>
+      </p:nvGrpSpPr>
+      <p:grpSpPr>
+        <a:xfrm>
+          <a:off x="0" y="0"/>
+          <a:ext cx="0" cy="0"/>
+          <a:chOff x="0" y="0"/>
+          <a:chExt cx="0" cy="0"/>
+        </a:xfrm>
+      </p:grpSpPr>
+      <p:sp>
+        <p:nvSpPr>
+          <p:cNvPr id="45" name="Google Shape;45;p11"/>
+          <p:cNvSpPr txBox="1">
+            <a:spLocks noGrp="1"/>
+          </p:cNvSpPr>
+          <p:nvPr>
+            <p:ph type="title" hasCustomPrompt="1"/>
+          </p:nvPr>
+        </p:nvSpPr>
+        <p:spPr>
+          <a:xfrm>
+            <a:off x="415600" y="1474833"/>
+            <a:ext cx="11360800" cy="2618000"/>
+          </a:xfrm>
+          <a:prstGeom prst="rect">
+            <a:avLst/>
+          </a:prstGeom>
+        </p:spPr>
+        <p:txBody>
+          <a:bodyPr spcFirstLastPara="1" wrap="square" lIns="91425" tIns="91425" rIns="91425" bIns="91425" anchor="b" anchorCtr="0">
+            <a:normAutofit/>
+          </a:bodyPr>
+          <a:lstStyle>
+            <a:lvl1pPr lvl="0" algn="ctr">
+              <a:spcBef>
+                <a:spcPts val="0"/>
+              </a:spcBef>
+              <a:spcAft>
+                <a:spcPts val="0"/>
+              </a:spcAft>
+              <a:buSzPts val="12000"/>
+              <a:buNone/>
+              <a:defRPr sz="16000"/>
+            </a:lvl1pPr>
+            <a:lvl2pPr lvl="1" algn="ctr">
+              <a:spcBef>
+                <a:spcPts val="0"/>
+              </a:spcBef>
+              <a:spcAft>
+                <a:spcPts val="0"/>
+              </a:spcAft>
+              <a:buSzPts val="12000"/>
+              <a:buNone/>
+              <a:defRPr sz="16000"/>
+            </a:lvl2pPr>
+            <a:lvl3pPr lvl="2" algn="ctr">
+              <a:spcBef>
+                <a:spcPts val="0"/>
+              </a:spcBef>
+              <a:spcAft>
+                <a:spcPts val="0"/>
+              </a:spcAft>
+              <a:buSzPts val="12000"/>
+              <a:buNone/>
+              <a:defRPr sz="16000"/>
+            </a:lvl3pPr>
+            <a:lvl4pPr lvl="3" algn="ctr">
+              <a:spcBef>
+                <a:spcPts val="0"/>
+              </a:spcBef>
+              <a:spcAft>
+                <a:spcPts val="0"/>
+              </a:spcAft>
+              <a:buSzPts val="12000"/>
+              <a:buNone/>
+              <a:defRPr sz="16000"/>
+            </a:lvl4pPr>
+            <a:lvl5pPr lvl="4" algn="ctr">
+              <a:spcBef>
+                <a:spcPts val="0"/>
+              </a:spcBef>
+              <a:spcAft>
+                <a:spcPts val="0"/>
+              </a:spcAft>
+              <a:buSzPts val="12000"/>
+              <a:buNone/>
+              <a:defRPr sz="16000"/>
+            </a:lvl5pPr>
+            <a:lvl6pPr lvl="5" algn="ctr">
+              <a:spcBef>
+                <a:spcPts val="0"/>
+              </a:spcBef>
+              <a:spcAft>
+                <a:spcPts val="0"/>
+              </a:spcAft>
+              <a:buSzPts val="12000"/>
+              <a:buNone/>
+              <a:defRPr sz="16000"/>
+            </a:lvl6pPr>
+            <a:lvl7pPr lvl="6" algn="ctr">
+              <a:spcBef>
+                <a:spcPts val="0"/>
+              </a:spcBef>
+              <a:spcAft>
+                <a:spcPts val="0"/>
+              </a:spcAft>
+              <a:buSzPts val="12000"/>
+              <a:buNone/>
+              <a:defRPr sz="16000"/>
+            </a:lvl7pPr>
+            <a:lvl8pPr lvl="7" algn="ctr">
+              <a:spcBef>
+                <a:spcPts val="0"/>
+              </a:spcBef>
+              <a:spcAft>
+                <a:spcPts val="0"/>
+              </a:spcAft>
+              <a:buSzPts val="12000"/>
+              <a:buNone/>
+              <a:defRPr sz="16000"/>
+            </a:lvl8pPr>
+            <a:lvl9pPr lvl="8" algn="ctr">
+              <a:spcBef>
+                <a:spcPts val="0"/>
+              </a:spcBef>
+              <a:spcAft>
+                <a:spcPts val="0"/>
+              </a:spcAft>
+              <a:buSzPts val="12000"/>
+              <a:buNone/>
+              <a:defRPr sz="16000"/>
+            </a:lvl9pPr>
+          </a:lstStyle>
+          <a:p>
+            <a:r>
+              <a:t>xx%</a:t>
+            </a:r>
+          </a:p>
+        </p:txBody>
+      </p:sp>
+      <p:sp>
+        <p:nvSpPr>
+          <p:cNvPr id="46" name="Google Shape;46;p11"/>
+          <p:cNvSpPr txBox="1">
+            <a:spLocks noGrp="1"/>
+          </p:cNvSpPr>
+          <p:nvPr>
+            <p:ph type="body" idx="1"/>
+          </p:nvPr>
+        </p:nvSpPr>
+        <p:spPr>
+          <a:xfrm>
+            <a:off x="415600" y="4202967"/>
+            <a:ext cx="11360800" cy="1734400"/>
+          </a:xfrm>
+          <a:prstGeom prst="rect">
+            <a:avLst/>
+          </a:prstGeom>
+        </p:spPr>
+        <p:txBody>
+          <a:bodyPr spcFirstLastPara="1" wrap="square" lIns="91425" tIns="91425" rIns="91425" bIns="91425" anchor="t" anchorCtr="0">
+            <a:normAutofit/>
+          </a:bodyPr>
+          <a:lstStyle>
+            <a:lvl1pPr marL="609585" lvl="0" indent="-457189" algn="ctr">
+              <a:spcBef>
+                <a:spcPts val="0"/>
+              </a:spcBef>
+              <a:spcAft>
+                <a:spcPts val="0"/>
+              </a:spcAft>
+              <a:buSzPts val="1800"/>
+              <a:buChar char="●"/>
+              <a:defRPr/>
+            </a:lvl1pPr>
+            <a:lvl2pPr marL="1219170" lvl="1" indent="-423323" algn="ctr">
+              <a:spcBef>
+                <a:spcPts val="0"/>
+              </a:spcBef>
+              <a:spcAft>
+                <a:spcPts val="0"/>
+              </a:spcAft>
+              <a:buSzPts val="1400"/>
+              <a:buChar char="○"/>
+              <a:defRPr/>
+            </a:lvl2pPr>
+            <a:lvl3pPr marL="1828754" lvl="2" indent="-423323" algn="ctr">
+              <a:spcBef>
+                <a:spcPts val="0"/>
+              </a:spcBef>
+              <a:spcAft>
+                <a:spcPts val="0"/>
+              </a:spcAft>
+              <a:buSzPts val="1400"/>
+              <a:buChar char="■"/>
+              <a:defRPr/>
+            </a:lvl3pPr>
+            <a:lvl4pPr marL="2438339" lvl="3" indent="-423323" algn="ctr">
+              <a:spcBef>
+                <a:spcPts val="0"/>
+              </a:spcBef>
+              <a:spcAft>
+                <a:spcPts val="0"/>
+              </a:spcAft>
+              <a:buSzPts val="1400"/>
+              <a:buChar char="●"/>
+              <a:defRPr/>
+            </a:lvl4pPr>
+            <a:lvl5pPr marL="3047924" lvl="4" indent="-423323" algn="ctr">
+              <a:spcBef>
+                <a:spcPts val="0"/>
+              </a:spcBef>
+              <a:spcAft>
+                <a:spcPts val="0"/>
+              </a:spcAft>
+              <a:buSzPts val="1400"/>
+              <a:buChar char="○"/>
+              <a:defRPr/>
+            </a:lvl5pPr>
+            <a:lvl6pPr marL="3657509" lvl="5" indent="-423323" algn="ctr">
+              <a:spcBef>
+                <a:spcPts val="0"/>
+              </a:spcBef>
+              <a:spcAft>
+                <a:spcPts val="0"/>
+              </a:spcAft>
+              <a:buSzPts val="1400"/>
+              <a:buChar char="■"/>
+              <a:defRPr/>
+            </a:lvl6pPr>
+            <a:lvl7pPr marL="4267093" lvl="6" indent="-423323" algn="ctr">
+              <a:spcBef>
+                <a:spcPts val="0"/>
+              </a:spcBef>
+              <a:spcAft>
+                <a:spcPts val="0"/>
+              </a:spcAft>
+              <a:buSzPts val="1400"/>
+              <a:buChar char="●"/>
+              <a:defRPr/>
+            </a:lvl7pPr>
+            <a:lvl8pPr marL="4876678" lvl="7" indent="-423323" algn="ctr">
+              <a:spcBef>
+                <a:spcPts val="0"/>
+              </a:spcBef>
+              <a:spcAft>
+                <a:spcPts val="0"/>
+              </a:spcAft>
+              <a:buSzPts val="1400"/>
+              <a:buChar char="○"/>
+              <a:defRPr/>
+            </a:lvl8pPr>
+            <a:lvl9pPr marL="5486263" lvl="8" indent="-423323" algn="ctr">
+              <a:spcBef>
+                <a:spcPts val="0"/>
+              </a:spcBef>
+              <a:spcAft>
+                <a:spcPts val="0"/>
+              </a:spcAft>
+              <a:buSzPts val="1400"/>
+              <a:buChar char="■"/>
+              <a:defRPr/>
+            </a:lvl9pPr>
+          </a:lstStyle>
+          <a:p>
+            <a:endParaRPr/>
+          </a:p>
+        </p:txBody>
+      </p:sp>
+      <p:sp>
+        <p:nvSpPr>
+          <p:cNvPr id="47" name="Google Shape;47;p11"/>
+          <p:cNvSpPr txBox="1">
+            <a:spLocks noGrp="1"/>
+          </p:cNvSpPr>
+          <p:nvPr>
+            <p:ph type="sldNum" idx="12"/>
+          </p:nvPr>
+        </p:nvSpPr>
+        <p:spPr>
+          <a:xfrm>
+            <a:off x="11296611" y="6217623"/>
+            <a:ext cx="731600" cy="524800"/>
+          </a:xfrm>
+          <a:prstGeom prst="rect">
+            <a:avLst/>
+          </a:prstGeom>
+        </p:spPr>
+        <p:txBody>
+          <a:bodyPr spcFirstLastPara="1" wrap="square" lIns="91425" tIns="91425" rIns="91425" bIns="91425" anchor="ctr" anchorCtr="0">
+            <a:normAutofit/>
+          </a:bodyPr>
+          <a:lstStyle>
+            <a:lvl1pPr lvl="0">
+              <a:buNone/>
+              <a:defRPr/>
+            </a:lvl1pPr>
+            <a:lvl2pPr lvl="1">
+              <a:buNone/>
+              <a:defRPr/>
+            </a:lvl2pPr>
+            <a:lvl3pPr lvl="2">
+              <a:buNone/>
+              <a:defRPr/>
+            </a:lvl3pPr>
+            <a:lvl4pPr lvl="3">
+              <a:buNone/>
+              <a:defRPr/>
+            </a:lvl4pPr>
+            <a:lvl5pPr lvl="4">
+              <a:buNone/>
+              <a:defRPr/>
+            </a:lvl5pPr>
+            <a:lvl6pPr lvl="5">
+              <a:buNone/>
+              <a:defRPr/>
+            </a:lvl6pPr>
+            <a:lvl7pPr lvl="6">
+              <a:buNone/>
+              <a:defRPr/>
+            </a:lvl7pPr>
+            <a:lvl8pPr lvl="7">
+              <a:buNone/>
+              <a:defRPr/>
+            </a:lvl8pPr>
+            <a:lvl9pPr lvl="8">
+              <a:buNone/>
+              <a:defRPr/>
+            </a:lvl9pPr>
+          </a:lstStyle>
+          <a:p>
+            <a:fld id="{00000000-1234-1234-1234-123412341234}" type="slidenum">
+              <a:rPr lang="en" smtClean="0"/>
+              <a:pPr/>
+              <a:t>‹#›</a:t>
+            </a:fld>
+            <a:endParaRPr lang="en"/>
+          </a:p>
+        </p:txBody>
+      </p:sp>
+    </p:spTree>
+    <p:extLst>
+      <p:ext uri="{BB962C8B-B14F-4D97-AF65-F5344CB8AC3E}">
+        <p14:creationId xmlns:p14="http://schemas.microsoft.com/office/powerpoint/2010/main" val="229724331"/>
+      </p:ext>
+    </p:extLst>
+  </p:cSld>
+  <p:clrMapOvr>
+    <a:masterClrMapping/>
+  </p:clrMapOvr>
+</p:sldLayout>
+</file>
+
+<file path=ppt/slideLayouts/slideLayout22.xml><?xml version="1.0" encoding="utf-8"?>
+<p:sldLayout xmlns:a="http://schemas.openxmlformats.org/drawingml/2006/main" xmlns:r="http://schemas.openxmlformats.org/officeDocument/2006/relationships" xmlns:p="http://schemas.openxmlformats.org/presentationml/2006/main" matchingName="Blank" type="blank">
+  <p:cSld name="Blank">
+    <p:spTree>
+      <p:nvGrpSpPr>
+        <p:cNvPr id="1" name="Shape 48"/>
+        <p:cNvGrpSpPr/>
+        <p:nvPr/>
+      </p:nvGrpSpPr>
+      <p:grpSpPr>
+        <a:xfrm>
+          <a:off x="0" y="0"/>
+          <a:ext cx="0" cy="0"/>
+          <a:chOff x="0" y="0"/>
+          <a:chExt cx="0" cy="0"/>
+        </a:xfrm>
+      </p:grpSpPr>
+      <p:sp>
+        <p:nvSpPr>
+          <p:cNvPr id="49" name="Google Shape;49;p12"/>
+          <p:cNvSpPr txBox="1">
+            <a:spLocks noGrp="1"/>
+          </p:cNvSpPr>
+          <p:nvPr>
+            <p:ph type="sldNum" idx="12"/>
+          </p:nvPr>
+        </p:nvSpPr>
+        <p:spPr>
+          <a:xfrm>
+            <a:off x="11296611" y="6217623"/>
+            <a:ext cx="731600" cy="524800"/>
+          </a:xfrm>
+          <a:prstGeom prst="rect">
+            <a:avLst/>
+          </a:prstGeom>
+        </p:spPr>
+        <p:txBody>
+          <a:bodyPr spcFirstLastPara="1" wrap="square" lIns="91425" tIns="91425" rIns="91425" bIns="91425" anchor="ctr" anchorCtr="0">
+            <a:normAutofit/>
+          </a:bodyPr>
+          <a:lstStyle>
+            <a:lvl1pPr lvl="0">
+              <a:buNone/>
+              <a:defRPr/>
+            </a:lvl1pPr>
+            <a:lvl2pPr lvl="1">
+              <a:buNone/>
+              <a:defRPr/>
+            </a:lvl2pPr>
+            <a:lvl3pPr lvl="2">
+              <a:buNone/>
+              <a:defRPr/>
+            </a:lvl3pPr>
+            <a:lvl4pPr lvl="3">
+              <a:buNone/>
+              <a:defRPr/>
+            </a:lvl4pPr>
+            <a:lvl5pPr lvl="4">
+              <a:buNone/>
+              <a:defRPr/>
+            </a:lvl5pPr>
+            <a:lvl6pPr lvl="5">
+              <a:buNone/>
+              <a:defRPr/>
+            </a:lvl6pPr>
+            <a:lvl7pPr lvl="6">
+              <a:buNone/>
+              <a:defRPr/>
+            </a:lvl7pPr>
+            <a:lvl8pPr lvl="7">
+              <a:buNone/>
+              <a:defRPr/>
+            </a:lvl8pPr>
+            <a:lvl9pPr lvl="8">
+              <a:buNone/>
+              <a:defRPr/>
+            </a:lvl9pPr>
+          </a:lstStyle>
+          <a:p>
+            <a:fld id="{00000000-1234-1234-1234-123412341234}" type="slidenum">
+              <a:rPr lang="en" smtClean="0"/>
+              <a:pPr/>
+              <a:t>‹#›</a:t>
+            </a:fld>
+            <a:endParaRPr lang="en"/>
+          </a:p>
+        </p:txBody>
+      </p:sp>
+    </p:spTree>
+    <p:extLst>
+      <p:ext uri="{BB962C8B-B14F-4D97-AF65-F5344CB8AC3E}">
+        <p14:creationId xmlns:p14="http://schemas.microsoft.com/office/powerpoint/2010/main" val="976036487"/>
       </p:ext>
     </p:extLst>
   </p:cSld>
@@ -1498,7 +5048,7 @@
           <a:p>
             <a:fld id="{DEA3E70D-7777-4D36-8DA1-3B2457C715AC}" type="datetimeFigureOut">
               <a:rPr lang="en-US" smtClean="0"/>
-              <a:t>4/2/2025</a:t>
+              <a:t>4/9/2025</a:t>
             </a:fld>
             <a:endParaRPr lang="en-US"/>
           </a:p>
@@ -1763,7 +5313,7 @@
           <a:p>
             <a:fld id="{DEA3E70D-7777-4D36-8DA1-3B2457C715AC}" type="datetimeFigureOut">
               <a:rPr lang="en-US" smtClean="0"/>
-              <a:t>4/2/2025</a:t>
+              <a:t>4/9/2025</a:t>
             </a:fld>
             <a:endParaRPr lang="en-US"/>
           </a:p>
@@ -2175,7 +5725,7 @@
           <a:p>
             <a:fld id="{DEA3E70D-7777-4D36-8DA1-3B2457C715AC}" type="datetimeFigureOut">
               <a:rPr lang="en-US" smtClean="0"/>
-              <a:t>4/2/2025</a:t>
+              <a:t>4/9/2025</a:t>
             </a:fld>
             <a:endParaRPr lang="en-US"/>
           </a:p>
@@ -2316,7 +5866,7 @@
           <a:p>
             <a:fld id="{DEA3E70D-7777-4D36-8DA1-3B2457C715AC}" type="datetimeFigureOut">
               <a:rPr lang="en-US" smtClean="0"/>
-              <a:t>4/2/2025</a:t>
+              <a:t>4/9/2025</a:t>
             </a:fld>
             <a:endParaRPr lang="en-US"/>
           </a:p>
@@ -2429,7 +5979,7 @@
           <a:p>
             <a:fld id="{DEA3E70D-7777-4D36-8DA1-3B2457C715AC}" type="datetimeFigureOut">
               <a:rPr lang="en-US" smtClean="0"/>
-              <a:t>4/2/2025</a:t>
+              <a:t>4/9/2025</a:t>
             </a:fld>
             <a:endParaRPr lang="en-US"/>
           </a:p>
@@ -2740,7 +6290,7 @@
           <a:p>
             <a:fld id="{DEA3E70D-7777-4D36-8DA1-3B2457C715AC}" type="datetimeFigureOut">
               <a:rPr lang="en-US" smtClean="0"/>
-              <a:t>4/2/2025</a:t>
+              <a:t>4/9/2025</a:t>
             </a:fld>
             <a:endParaRPr lang="en-US"/>
           </a:p>
@@ -3028,7 +6578,7 @@
           <a:p>
             <a:fld id="{DEA3E70D-7777-4D36-8DA1-3B2457C715AC}" type="datetimeFigureOut">
               <a:rPr lang="en-US" smtClean="0"/>
-              <a:t>4/2/2025</a:t>
+              <a:t>4/9/2025</a:t>
             </a:fld>
             <a:endParaRPr lang="en-US"/>
           </a:p>
@@ -3269,7 +6819,7 @@
           <a:p>
             <a:fld id="{DEA3E70D-7777-4D36-8DA1-3B2457C715AC}" type="datetimeFigureOut">
               <a:rPr lang="en-US" smtClean="0"/>
-              <a:t>4/2/2025</a:t>
+              <a:t>4/9/2025</a:t>
             </a:fld>
             <a:endParaRPr lang="en-US"/>
           </a:p>
@@ -3669,6 +7219,1275 @@
 </p:sldMaster>
 </file>
 
+<file path=ppt/slideMasters/slideMaster2.xml><?xml version="1.0" encoding="utf-8"?>
+<p:sldMaster xmlns:a="http://schemas.openxmlformats.org/drawingml/2006/main" xmlns:r="http://schemas.openxmlformats.org/officeDocument/2006/relationships" xmlns:p="http://schemas.openxmlformats.org/presentationml/2006/main">
+  <p:cSld>
+    <p:bg>
+      <p:bgPr>
+        <a:solidFill>
+          <a:schemeClr val="lt1"/>
+        </a:solidFill>
+        <a:effectLst/>
+      </p:bgPr>
+    </p:bg>
+    <p:spTree>
+      <p:nvGrpSpPr>
+        <p:cNvPr id="1" name="Shape 5"/>
+        <p:cNvGrpSpPr/>
+        <p:nvPr/>
+      </p:nvGrpSpPr>
+      <p:grpSpPr>
+        <a:xfrm>
+          <a:off x="0" y="0"/>
+          <a:ext cx="0" cy="0"/>
+          <a:chOff x="0" y="0"/>
+          <a:chExt cx="0" cy="0"/>
+        </a:xfrm>
+      </p:grpSpPr>
+      <p:sp>
+        <p:nvSpPr>
+          <p:cNvPr id="6" name="Google Shape;6;p1"/>
+          <p:cNvSpPr txBox="1">
+            <a:spLocks noGrp="1"/>
+          </p:cNvSpPr>
+          <p:nvPr>
+            <p:ph type="title"/>
+          </p:nvPr>
+        </p:nvSpPr>
+        <p:spPr>
+          <a:xfrm>
+            <a:off x="415600" y="593367"/>
+            <a:ext cx="11360800" cy="763600"/>
+          </a:xfrm>
+          <a:prstGeom prst="rect">
+            <a:avLst/>
+          </a:prstGeom>
+          <a:noFill/>
+          <a:ln>
+            <a:noFill/>
+          </a:ln>
+        </p:spPr>
+        <p:txBody>
+          <a:bodyPr spcFirstLastPara="1" wrap="square" lIns="91425" tIns="91425" rIns="91425" bIns="91425" anchor="t" anchorCtr="0">
+            <a:normAutofit/>
+          </a:bodyPr>
+          <a:lstStyle>
+            <a:lvl1pPr lvl="0">
+              <a:spcBef>
+                <a:spcPts val="0"/>
+              </a:spcBef>
+              <a:spcAft>
+                <a:spcPts val="0"/>
+              </a:spcAft>
+              <a:buClr>
+                <a:schemeClr val="dk1"/>
+              </a:buClr>
+              <a:buSzPts val="2800"/>
+              <a:buNone/>
+              <a:defRPr sz="2800">
+                <a:solidFill>
+                  <a:schemeClr val="dk1"/>
+                </a:solidFill>
+              </a:defRPr>
+            </a:lvl1pPr>
+            <a:lvl2pPr lvl="1">
+              <a:spcBef>
+                <a:spcPts val="0"/>
+              </a:spcBef>
+              <a:spcAft>
+                <a:spcPts val="0"/>
+              </a:spcAft>
+              <a:buClr>
+                <a:schemeClr val="dk1"/>
+              </a:buClr>
+              <a:buSzPts val="2800"/>
+              <a:buNone/>
+              <a:defRPr sz="2800">
+                <a:solidFill>
+                  <a:schemeClr val="dk1"/>
+                </a:solidFill>
+              </a:defRPr>
+            </a:lvl2pPr>
+            <a:lvl3pPr lvl="2">
+              <a:spcBef>
+                <a:spcPts val="0"/>
+              </a:spcBef>
+              <a:spcAft>
+                <a:spcPts val="0"/>
+              </a:spcAft>
+              <a:buClr>
+                <a:schemeClr val="dk1"/>
+              </a:buClr>
+              <a:buSzPts val="2800"/>
+              <a:buNone/>
+              <a:defRPr sz="2800">
+                <a:solidFill>
+                  <a:schemeClr val="dk1"/>
+                </a:solidFill>
+              </a:defRPr>
+            </a:lvl3pPr>
+            <a:lvl4pPr lvl="3">
+              <a:spcBef>
+                <a:spcPts val="0"/>
+              </a:spcBef>
+              <a:spcAft>
+                <a:spcPts val="0"/>
+              </a:spcAft>
+              <a:buClr>
+                <a:schemeClr val="dk1"/>
+              </a:buClr>
+              <a:buSzPts val="2800"/>
+              <a:buNone/>
+              <a:defRPr sz="2800">
+                <a:solidFill>
+                  <a:schemeClr val="dk1"/>
+                </a:solidFill>
+              </a:defRPr>
+            </a:lvl4pPr>
+            <a:lvl5pPr lvl="4">
+              <a:spcBef>
+                <a:spcPts val="0"/>
+              </a:spcBef>
+              <a:spcAft>
+                <a:spcPts val="0"/>
+              </a:spcAft>
+              <a:buClr>
+                <a:schemeClr val="dk1"/>
+              </a:buClr>
+              <a:buSzPts val="2800"/>
+              <a:buNone/>
+              <a:defRPr sz="2800">
+                <a:solidFill>
+                  <a:schemeClr val="dk1"/>
+                </a:solidFill>
+              </a:defRPr>
+            </a:lvl5pPr>
+            <a:lvl6pPr lvl="5">
+              <a:spcBef>
+                <a:spcPts val="0"/>
+              </a:spcBef>
+              <a:spcAft>
+                <a:spcPts val="0"/>
+              </a:spcAft>
+              <a:buClr>
+                <a:schemeClr val="dk1"/>
+              </a:buClr>
+              <a:buSzPts val="2800"/>
+              <a:buNone/>
+              <a:defRPr sz="2800">
+                <a:solidFill>
+                  <a:schemeClr val="dk1"/>
+                </a:solidFill>
+              </a:defRPr>
+            </a:lvl6pPr>
+            <a:lvl7pPr lvl="6">
+              <a:spcBef>
+                <a:spcPts val="0"/>
+              </a:spcBef>
+              <a:spcAft>
+                <a:spcPts val="0"/>
+              </a:spcAft>
+              <a:buClr>
+                <a:schemeClr val="dk1"/>
+              </a:buClr>
+              <a:buSzPts val="2800"/>
+              <a:buNone/>
+              <a:defRPr sz="2800">
+                <a:solidFill>
+                  <a:schemeClr val="dk1"/>
+                </a:solidFill>
+              </a:defRPr>
+            </a:lvl7pPr>
+            <a:lvl8pPr lvl="7">
+              <a:spcBef>
+                <a:spcPts val="0"/>
+              </a:spcBef>
+              <a:spcAft>
+                <a:spcPts val="0"/>
+              </a:spcAft>
+              <a:buClr>
+                <a:schemeClr val="dk1"/>
+              </a:buClr>
+              <a:buSzPts val="2800"/>
+              <a:buNone/>
+              <a:defRPr sz="2800">
+                <a:solidFill>
+                  <a:schemeClr val="dk1"/>
+                </a:solidFill>
+              </a:defRPr>
+            </a:lvl8pPr>
+            <a:lvl9pPr lvl="8">
+              <a:spcBef>
+                <a:spcPts val="0"/>
+              </a:spcBef>
+              <a:spcAft>
+                <a:spcPts val="0"/>
+              </a:spcAft>
+              <a:buClr>
+                <a:schemeClr val="dk1"/>
+              </a:buClr>
+              <a:buSzPts val="2800"/>
+              <a:buNone/>
+              <a:defRPr sz="2800">
+                <a:solidFill>
+                  <a:schemeClr val="dk1"/>
+                </a:solidFill>
+              </a:defRPr>
+            </a:lvl9pPr>
+          </a:lstStyle>
+          <a:p>
+            <a:endParaRPr/>
+          </a:p>
+        </p:txBody>
+      </p:sp>
+      <p:sp>
+        <p:nvSpPr>
+          <p:cNvPr id="7" name="Google Shape;7;p1"/>
+          <p:cNvSpPr txBox="1">
+            <a:spLocks noGrp="1"/>
+          </p:cNvSpPr>
+          <p:nvPr>
+            <p:ph type="body" idx="1"/>
+          </p:nvPr>
+        </p:nvSpPr>
+        <p:spPr>
+          <a:xfrm>
+            <a:off x="415600" y="1536633"/>
+            <a:ext cx="11360800" cy="4555200"/>
+          </a:xfrm>
+          <a:prstGeom prst="rect">
+            <a:avLst/>
+          </a:prstGeom>
+          <a:noFill/>
+          <a:ln>
+            <a:noFill/>
+          </a:ln>
+        </p:spPr>
+        <p:txBody>
+          <a:bodyPr spcFirstLastPara="1" wrap="square" lIns="91425" tIns="91425" rIns="91425" bIns="91425" anchor="t" anchorCtr="0">
+            <a:normAutofit/>
+          </a:bodyPr>
+          <a:lstStyle>
+            <a:lvl1pPr marL="457200" lvl="0" indent="-342900">
+              <a:lnSpc>
+                <a:spcPct val="115000"/>
+              </a:lnSpc>
+              <a:spcBef>
+                <a:spcPts val="0"/>
+              </a:spcBef>
+              <a:spcAft>
+                <a:spcPts val="0"/>
+              </a:spcAft>
+              <a:buClr>
+                <a:schemeClr val="dk2"/>
+              </a:buClr>
+              <a:buSzPts val="1800"/>
+              <a:buChar char="●"/>
+              <a:defRPr sz="1800">
+                <a:solidFill>
+                  <a:schemeClr val="dk2"/>
+                </a:solidFill>
+              </a:defRPr>
+            </a:lvl1pPr>
+            <a:lvl2pPr marL="914400" lvl="1" indent="-317500">
+              <a:lnSpc>
+                <a:spcPct val="115000"/>
+              </a:lnSpc>
+              <a:spcBef>
+                <a:spcPts val="0"/>
+              </a:spcBef>
+              <a:spcAft>
+                <a:spcPts val="0"/>
+              </a:spcAft>
+              <a:buClr>
+                <a:schemeClr val="dk2"/>
+              </a:buClr>
+              <a:buSzPts val="1400"/>
+              <a:buChar char="○"/>
+              <a:defRPr>
+                <a:solidFill>
+                  <a:schemeClr val="dk2"/>
+                </a:solidFill>
+              </a:defRPr>
+            </a:lvl2pPr>
+            <a:lvl3pPr marL="1371600" lvl="2" indent="-317500">
+              <a:lnSpc>
+                <a:spcPct val="115000"/>
+              </a:lnSpc>
+              <a:spcBef>
+                <a:spcPts val="0"/>
+              </a:spcBef>
+              <a:spcAft>
+                <a:spcPts val="0"/>
+              </a:spcAft>
+              <a:buClr>
+                <a:schemeClr val="dk2"/>
+              </a:buClr>
+              <a:buSzPts val="1400"/>
+              <a:buChar char="■"/>
+              <a:defRPr>
+                <a:solidFill>
+                  <a:schemeClr val="dk2"/>
+                </a:solidFill>
+              </a:defRPr>
+            </a:lvl3pPr>
+            <a:lvl4pPr marL="1828800" lvl="3" indent="-317500">
+              <a:lnSpc>
+                <a:spcPct val="115000"/>
+              </a:lnSpc>
+              <a:spcBef>
+                <a:spcPts val="0"/>
+              </a:spcBef>
+              <a:spcAft>
+                <a:spcPts val="0"/>
+              </a:spcAft>
+              <a:buClr>
+                <a:schemeClr val="dk2"/>
+              </a:buClr>
+              <a:buSzPts val="1400"/>
+              <a:buChar char="●"/>
+              <a:defRPr>
+                <a:solidFill>
+                  <a:schemeClr val="dk2"/>
+                </a:solidFill>
+              </a:defRPr>
+            </a:lvl4pPr>
+            <a:lvl5pPr marL="2286000" lvl="4" indent="-317500">
+              <a:lnSpc>
+                <a:spcPct val="115000"/>
+              </a:lnSpc>
+              <a:spcBef>
+                <a:spcPts val="0"/>
+              </a:spcBef>
+              <a:spcAft>
+                <a:spcPts val="0"/>
+              </a:spcAft>
+              <a:buClr>
+                <a:schemeClr val="dk2"/>
+              </a:buClr>
+              <a:buSzPts val="1400"/>
+              <a:buChar char="○"/>
+              <a:defRPr>
+                <a:solidFill>
+                  <a:schemeClr val="dk2"/>
+                </a:solidFill>
+              </a:defRPr>
+            </a:lvl5pPr>
+            <a:lvl6pPr marL="2743200" lvl="5" indent="-317500">
+              <a:lnSpc>
+                <a:spcPct val="115000"/>
+              </a:lnSpc>
+              <a:spcBef>
+                <a:spcPts val="0"/>
+              </a:spcBef>
+              <a:spcAft>
+                <a:spcPts val="0"/>
+              </a:spcAft>
+              <a:buClr>
+                <a:schemeClr val="dk2"/>
+              </a:buClr>
+              <a:buSzPts val="1400"/>
+              <a:buChar char="■"/>
+              <a:defRPr>
+                <a:solidFill>
+                  <a:schemeClr val="dk2"/>
+                </a:solidFill>
+              </a:defRPr>
+            </a:lvl6pPr>
+            <a:lvl7pPr marL="3200400" lvl="6" indent="-317500">
+              <a:lnSpc>
+                <a:spcPct val="115000"/>
+              </a:lnSpc>
+              <a:spcBef>
+                <a:spcPts val="0"/>
+              </a:spcBef>
+              <a:spcAft>
+                <a:spcPts val="0"/>
+              </a:spcAft>
+              <a:buClr>
+                <a:schemeClr val="dk2"/>
+              </a:buClr>
+              <a:buSzPts val="1400"/>
+              <a:buChar char="●"/>
+              <a:defRPr>
+                <a:solidFill>
+                  <a:schemeClr val="dk2"/>
+                </a:solidFill>
+              </a:defRPr>
+            </a:lvl7pPr>
+            <a:lvl8pPr marL="3657600" lvl="7" indent="-317500">
+              <a:lnSpc>
+                <a:spcPct val="115000"/>
+              </a:lnSpc>
+              <a:spcBef>
+                <a:spcPts val="0"/>
+              </a:spcBef>
+              <a:spcAft>
+                <a:spcPts val="0"/>
+              </a:spcAft>
+              <a:buClr>
+                <a:schemeClr val="dk2"/>
+              </a:buClr>
+              <a:buSzPts val="1400"/>
+              <a:buChar char="○"/>
+              <a:defRPr>
+                <a:solidFill>
+                  <a:schemeClr val="dk2"/>
+                </a:solidFill>
+              </a:defRPr>
+            </a:lvl8pPr>
+            <a:lvl9pPr marL="4114800" lvl="8" indent="-317500">
+              <a:lnSpc>
+                <a:spcPct val="115000"/>
+              </a:lnSpc>
+              <a:spcBef>
+                <a:spcPts val="0"/>
+              </a:spcBef>
+              <a:spcAft>
+                <a:spcPts val="0"/>
+              </a:spcAft>
+              <a:buClr>
+                <a:schemeClr val="dk2"/>
+              </a:buClr>
+              <a:buSzPts val="1400"/>
+              <a:buChar char="■"/>
+              <a:defRPr>
+                <a:solidFill>
+                  <a:schemeClr val="dk2"/>
+                </a:solidFill>
+              </a:defRPr>
+            </a:lvl9pPr>
+          </a:lstStyle>
+          <a:p>
+            <a:endParaRPr/>
+          </a:p>
+        </p:txBody>
+      </p:sp>
+      <p:sp>
+        <p:nvSpPr>
+          <p:cNvPr id="8" name="Google Shape;8;p1"/>
+          <p:cNvSpPr txBox="1">
+            <a:spLocks noGrp="1"/>
+          </p:cNvSpPr>
+          <p:nvPr>
+            <p:ph type="sldNum" idx="12"/>
+          </p:nvPr>
+        </p:nvSpPr>
+        <p:spPr>
+          <a:xfrm>
+            <a:off x="11296611" y="6217623"/>
+            <a:ext cx="731600" cy="524800"/>
+          </a:xfrm>
+          <a:prstGeom prst="rect">
+            <a:avLst/>
+          </a:prstGeom>
+          <a:noFill/>
+          <a:ln>
+            <a:noFill/>
+          </a:ln>
+        </p:spPr>
+        <p:txBody>
+          <a:bodyPr spcFirstLastPara="1" wrap="square" lIns="91425" tIns="91425" rIns="91425" bIns="91425" anchor="ctr" anchorCtr="0">
+            <a:normAutofit/>
+          </a:bodyPr>
+          <a:lstStyle>
+            <a:lvl1pPr lvl="0" algn="r">
+              <a:buNone/>
+              <a:defRPr sz="1333">
+                <a:solidFill>
+                  <a:schemeClr val="dk2"/>
+                </a:solidFill>
+              </a:defRPr>
+            </a:lvl1pPr>
+            <a:lvl2pPr lvl="1" algn="r">
+              <a:buNone/>
+              <a:defRPr sz="1333">
+                <a:solidFill>
+                  <a:schemeClr val="dk2"/>
+                </a:solidFill>
+              </a:defRPr>
+            </a:lvl2pPr>
+            <a:lvl3pPr lvl="2" algn="r">
+              <a:buNone/>
+              <a:defRPr sz="1333">
+                <a:solidFill>
+                  <a:schemeClr val="dk2"/>
+                </a:solidFill>
+              </a:defRPr>
+            </a:lvl3pPr>
+            <a:lvl4pPr lvl="3" algn="r">
+              <a:buNone/>
+              <a:defRPr sz="1333">
+                <a:solidFill>
+                  <a:schemeClr val="dk2"/>
+                </a:solidFill>
+              </a:defRPr>
+            </a:lvl4pPr>
+            <a:lvl5pPr lvl="4" algn="r">
+              <a:buNone/>
+              <a:defRPr sz="1333">
+                <a:solidFill>
+                  <a:schemeClr val="dk2"/>
+                </a:solidFill>
+              </a:defRPr>
+            </a:lvl5pPr>
+            <a:lvl6pPr lvl="5" algn="r">
+              <a:buNone/>
+              <a:defRPr sz="1333">
+                <a:solidFill>
+                  <a:schemeClr val="dk2"/>
+                </a:solidFill>
+              </a:defRPr>
+            </a:lvl6pPr>
+            <a:lvl7pPr lvl="6" algn="r">
+              <a:buNone/>
+              <a:defRPr sz="1333">
+                <a:solidFill>
+                  <a:schemeClr val="dk2"/>
+                </a:solidFill>
+              </a:defRPr>
+            </a:lvl7pPr>
+            <a:lvl8pPr lvl="7" algn="r">
+              <a:buNone/>
+              <a:defRPr sz="1333">
+                <a:solidFill>
+                  <a:schemeClr val="dk2"/>
+                </a:solidFill>
+              </a:defRPr>
+            </a:lvl8pPr>
+            <a:lvl9pPr lvl="8" algn="r">
+              <a:buNone/>
+              <a:defRPr sz="1333">
+                <a:solidFill>
+                  <a:schemeClr val="dk2"/>
+                </a:solidFill>
+              </a:defRPr>
+            </a:lvl9pPr>
+          </a:lstStyle>
+          <a:p>
+            <a:fld id="{00000000-1234-1234-1234-123412341234}" type="slidenum">
+              <a:rPr lang="en" smtClean="0"/>
+              <a:pPr/>
+              <a:t>‹#›</a:t>
+            </a:fld>
+            <a:endParaRPr lang="en"/>
+          </a:p>
+        </p:txBody>
+      </p:sp>
+    </p:spTree>
+    <p:extLst>
+      <p:ext uri="{BB962C8B-B14F-4D97-AF65-F5344CB8AC3E}">
+        <p14:creationId xmlns:p14="http://schemas.microsoft.com/office/powerpoint/2010/main" val="608656164"/>
+      </p:ext>
+    </p:extLst>
+  </p:cSld>
+  <p:clrMap bg1="lt1" tx1="dk1" bg2="dk2" tx2="lt2" accent1="accent1" accent2="accent2" accent3="accent3" accent4="accent4" accent5="accent5" accent6="accent6" hlink="hlink" folHlink="folHlink"/>
+  <p:sldLayoutIdLst>
+    <p:sldLayoutId id="2147483661" r:id="rId1"/>
+    <p:sldLayoutId id="2147483662" r:id="rId2"/>
+    <p:sldLayoutId id="2147483663" r:id="rId3"/>
+    <p:sldLayoutId id="2147483664" r:id="rId4"/>
+    <p:sldLayoutId id="2147483665" r:id="rId5"/>
+    <p:sldLayoutId id="2147483666" r:id="rId6"/>
+    <p:sldLayoutId id="2147483667" r:id="rId7"/>
+    <p:sldLayoutId id="2147483668" r:id="rId8"/>
+    <p:sldLayoutId id="2147483669" r:id="rId9"/>
+    <p:sldLayoutId id="2147483670" r:id="rId10"/>
+    <p:sldLayoutId id="2147483671" r:id="rId11"/>
+  </p:sldLayoutIdLst>
+  <p:hf sldNum="0" hdr="0" ftr="0" dt="0"/>
+  <p:txStyles>
+    <p:titleStyle>
+      <a:defPPr marR="0" lvl="0" algn="l" rtl="0">
+        <a:lnSpc>
+          <a:spcPct val="100000"/>
+        </a:lnSpc>
+        <a:spcBef>
+          <a:spcPts val="0"/>
+        </a:spcBef>
+        <a:spcAft>
+          <a:spcPts val="0"/>
+        </a:spcAft>
+      </a:defPPr>
+      <a:lvl1pPr marR="0" lvl="0" algn="l" rtl="0">
+        <a:lnSpc>
+          <a:spcPct val="100000"/>
+        </a:lnSpc>
+        <a:spcBef>
+          <a:spcPts val="0"/>
+        </a:spcBef>
+        <a:spcAft>
+          <a:spcPts val="0"/>
+        </a:spcAft>
+        <a:buClr>
+          <a:srgbClr val="000000"/>
+        </a:buClr>
+        <a:buFont typeface="Arial"/>
+        <a:defRPr sz="1867" b="0" i="0" u="none" strike="noStrike" cap="none">
+          <a:solidFill>
+            <a:srgbClr val="000000"/>
+          </a:solidFill>
+          <a:latin typeface="Arial"/>
+          <a:ea typeface="Arial"/>
+          <a:cs typeface="Arial"/>
+          <a:sym typeface="Arial"/>
+        </a:defRPr>
+      </a:lvl1pPr>
+      <a:lvl2pPr marR="0" lvl="1" algn="l" rtl="0">
+        <a:lnSpc>
+          <a:spcPct val="100000"/>
+        </a:lnSpc>
+        <a:spcBef>
+          <a:spcPts val="0"/>
+        </a:spcBef>
+        <a:spcAft>
+          <a:spcPts val="0"/>
+        </a:spcAft>
+        <a:buClr>
+          <a:srgbClr val="000000"/>
+        </a:buClr>
+        <a:buFont typeface="Arial"/>
+        <a:defRPr sz="1867" b="0" i="0" u="none" strike="noStrike" cap="none">
+          <a:solidFill>
+            <a:srgbClr val="000000"/>
+          </a:solidFill>
+          <a:latin typeface="Arial"/>
+          <a:ea typeface="Arial"/>
+          <a:cs typeface="Arial"/>
+          <a:sym typeface="Arial"/>
+        </a:defRPr>
+      </a:lvl2pPr>
+      <a:lvl3pPr marR="0" lvl="2" algn="l" rtl="0">
+        <a:lnSpc>
+          <a:spcPct val="100000"/>
+        </a:lnSpc>
+        <a:spcBef>
+          <a:spcPts val="0"/>
+        </a:spcBef>
+        <a:spcAft>
+          <a:spcPts val="0"/>
+        </a:spcAft>
+        <a:buClr>
+          <a:srgbClr val="000000"/>
+        </a:buClr>
+        <a:buFont typeface="Arial"/>
+        <a:defRPr sz="1867" b="0" i="0" u="none" strike="noStrike" cap="none">
+          <a:solidFill>
+            <a:srgbClr val="000000"/>
+          </a:solidFill>
+          <a:latin typeface="Arial"/>
+          <a:ea typeface="Arial"/>
+          <a:cs typeface="Arial"/>
+          <a:sym typeface="Arial"/>
+        </a:defRPr>
+      </a:lvl3pPr>
+      <a:lvl4pPr marR="0" lvl="3" algn="l" rtl="0">
+        <a:lnSpc>
+          <a:spcPct val="100000"/>
+        </a:lnSpc>
+        <a:spcBef>
+          <a:spcPts val="0"/>
+        </a:spcBef>
+        <a:spcAft>
+          <a:spcPts val="0"/>
+        </a:spcAft>
+        <a:buClr>
+          <a:srgbClr val="000000"/>
+        </a:buClr>
+        <a:buFont typeface="Arial"/>
+        <a:defRPr sz="1867" b="0" i="0" u="none" strike="noStrike" cap="none">
+          <a:solidFill>
+            <a:srgbClr val="000000"/>
+          </a:solidFill>
+          <a:latin typeface="Arial"/>
+          <a:ea typeface="Arial"/>
+          <a:cs typeface="Arial"/>
+          <a:sym typeface="Arial"/>
+        </a:defRPr>
+      </a:lvl4pPr>
+      <a:lvl5pPr marR="0" lvl="4" algn="l" rtl="0">
+        <a:lnSpc>
+          <a:spcPct val="100000"/>
+        </a:lnSpc>
+        <a:spcBef>
+          <a:spcPts val="0"/>
+        </a:spcBef>
+        <a:spcAft>
+          <a:spcPts val="0"/>
+        </a:spcAft>
+        <a:buClr>
+          <a:srgbClr val="000000"/>
+        </a:buClr>
+        <a:buFont typeface="Arial"/>
+        <a:defRPr sz="1867" b="0" i="0" u="none" strike="noStrike" cap="none">
+          <a:solidFill>
+            <a:srgbClr val="000000"/>
+          </a:solidFill>
+          <a:latin typeface="Arial"/>
+          <a:ea typeface="Arial"/>
+          <a:cs typeface="Arial"/>
+          <a:sym typeface="Arial"/>
+        </a:defRPr>
+      </a:lvl5pPr>
+      <a:lvl6pPr marR="0" lvl="5" algn="l" rtl="0">
+        <a:lnSpc>
+          <a:spcPct val="100000"/>
+        </a:lnSpc>
+        <a:spcBef>
+          <a:spcPts val="0"/>
+        </a:spcBef>
+        <a:spcAft>
+          <a:spcPts val="0"/>
+        </a:spcAft>
+        <a:buClr>
+          <a:srgbClr val="000000"/>
+        </a:buClr>
+        <a:buFont typeface="Arial"/>
+        <a:defRPr sz="1867" b="0" i="0" u="none" strike="noStrike" cap="none">
+          <a:solidFill>
+            <a:srgbClr val="000000"/>
+          </a:solidFill>
+          <a:latin typeface="Arial"/>
+          <a:ea typeface="Arial"/>
+          <a:cs typeface="Arial"/>
+          <a:sym typeface="Arial"/>
+        </a:defRPr>
+      </a:lvl6pPr>
+      <a:lvl7pPr marR="0" lvl="6" algn="l" rtl="0">
+        <a:lnSpc>
+          <a:spcPct val="100000"/>
+        </a:lnSpc>
+        <a:spcBef>
+          <a:spcPts val="0"/>
+        </a:spcBef>
+        <a:spcAft>
+          <a:spcPts val="0"/>
+        </a:spcAft>
+        <a:buClr>
+          <a:srgbClr val="000000"/>
+        </a:buClr>
+        <a:buFont typeface="Arial"/>
+        <a:defRPr sz="1867" b="0" i="0" u="none" strike="noStrike" cap="none">
+          <a:solidFill>
+            <a:srgbClr val="000000"/>
+          </a:solidFill>
+          <a:latin typeface="Arial"/>
+          <a:ea typeface="Arial"/>
+          <a:cs typeface="Arial"/>
+          <a:sym typeface="Arial"/>
+        </a:defRPr>
+      </a:lvl7pPr>
+      <a:lvl8pPr marR="0" lvl="7" algn="l" rtl="0">
+        <a:lnSpc>
+          <a:spcPct val="100000"/>
+        </a:lnSpc>
+        <a:spcBef>
+          <a:spcPts val="0"/>
+        </a:spcBef>
+        <a:spcAft>
+          <a:spcPts val="0"/>
+        </a:spcAft>
+        <a:buClr>
+          <a:srgbClr val="000000"/>
+        </a:buClr>
+        <a:buFont typeface="Arial"/>
+        <a:defRPr sz="1867" b="0" i="0" u="none" strike="noStrike" cap="none">
+          <a:solidFill>
+            <a:srgbClr val="000000"/>
+          </a:solidFill>
+          <a:latin typeface="Arial"/>
+          <a:ea typeface="Arial"/>
+          <a:cs typeface="Arial"/>
+          <a:sym typeface="Arial"/>
+        </a:defRPr>
+      </a:lvl8pPr>
+      <a:lvl9pPr marR="0" lvl="8" algn="l" rtl="0">
+        <a:lnSpc>
+          <a:spcPct val="100000"/>
+        </a:lnSpc>
+        <a:spcBef>
+          <a:spcPts val="0"/>
+        </a:spcBef>
+        <a:spcAft>
+          <a:spcPts val="0"/>
+        </a:spcAft>
+        <a:buClr>
+          <a:srgbClr val="000000"/>
+        </a:buClr>
+        <a:buFont typeface="Arial"/>
+        <a:defRPr sz="1867" b="0" i="0" u="none" strike="noStrike" cap="none">
+          <a:solidFill>
+            <a:srgbClr val="000000"/>
+          </a:solidFill>
+          <a:latin typeface="Arial"/>
+          <a:ea typeface="Arial"/>
+          <a:cs typeface="Arial"/>
+          <a:sym typeface="Arial"/>
+        </a:defRPr>
+      </a:lvl9pPr>
+    </p:titleStyle>
+    <p:bodyStyle>
+      <a:defPPr marR="0" lvl="0" algn="l" rtl="0">
+        <a:lnSpc>
+          <a:spcPct val="100000"/>
+        </a:lnSpc>
+        <a:spcBef>
+          <a:spcPts val="0"/>
+        </a:spcBef>
+        <a:spcAft>
+          <a:spcPts val="0"/>
+        </a:spcAft>
+      </a:defPPr>
+      <a:lvl1pPr marR="0" lvl="0" algn="l" rtl="0">
+        <a:lnSpc>
+          <a:spcPct val="100000"/>
+        </a:lnSpc>
+        <a:spcBef>
+          <a:spcPts val="0"/>
+        </a:spcBef>
+        <a:spcAft>
+          <a:spcPts val="0"/>
+        </a:spcAft>
+        <a:buClr>
+          <a:srgbClr val="000000"/>
+        </a:buClr>
+        <a:buFont typeface="Arial"/>
+        <a:defRPr sz="1867" b="0" i="0" u="none" strike="noStrike" cap="none">
+          <a:solidFill>
+            <a:srgbClr val="000000"/>
+          </a:solidFill>
+          <a:latin typeface="Arial"/>
+          <a:ea typeface="Arial"/>
+          <a:cs typeface="Arial"/>
+          <a:sym typeface="Arial"/>
+        </a:defRPr>
+      </a:lvl1pPr>
+      <a:lvl2pPr marR="0" lvl="1" algn="l" rtl="0">
+        <a:lnSpc>
+          <a:spcPct val="100000"/>
+        </a:lnSpc>
+        <a:spcBef>
+          <a:spcPts val="0"/>
+        </a:spcBef>
+        <a:spcAft>
+          <a:spcPts val="0"/>
+        </a:spcAft>
+        <a:buClr>
+          <a:srgbClr val="000000"/>
+        </a:buClr>
+        <a:buFont typeface="Arial"/>
+        <a:defRPr sz="1867" b="0" i="0" u="none" strike="noStrike" cap="none">
+          <a:solidFill>
+            <a:srgbClr val="000000"/>
+          </a:solidFill>
+          <a:latin typeface="Arial"/>
+          <a:ea typeface="Arial"/>
+          <a:cs typeface="Arial"/>
+          <a:sym typeface="Arial"/>
+        </a:defRPr>
+      </a:lvl2pPr>
+      <a:lvl3pPr marR="0" lvl="2" algn="l" rtl="0">
+        <a:lnSpc>
+          <a:spcPct val="100000"/>
+        </a:lnSpc>
+        <a:spcBef>
+          <a:spcPts val="0"/>
+        </a:spcBef>
+        <a:spcAft>
+          <a:spcPts val="0"/>
+        </a:spcAft>
+        <a:buClr>
+          <a:srgbClr val="000000"/>
+        </a:buClr>
+        <a:buFont typeface="Arial"/>
+        <a:defRPr sz="1867" b="0" i="0" u="none" strike="noStrike" cap="none">
+          <a:solidFill>
+            <a:srgbClr val="000000"/>
+          </a:solidFill>
+          <a:latin typeface="Arial"/>
+          <a:ea typeface="Arial"/>
+          <a:cs typeface="Arial"/>
+          <a:sym typeface="Arial"/>
+        </a:defRPr>
+      </a:lvl3pPr>
+      <a:lvl4pPr marR="0" lvl="3" algn="l" rtl="0">
+        <a:lnSpc>
+          <a:spcPct val="100000"/>
+        </a:lnSpc>
+        <a:spcBef>
+          <a:spcPts val="0"/>
+        </a:spcBef>
+        <a:spcAft>
+          <a:spcPts val="0"/>
+        </a:spcAft>
+        <a:buClr>
+          <a:srgbClr val="000000"/>
+        </a:buClr>
+        <a:buFont typeface="Arial"/>
+        <a:defRPr sz="1867" b="0" i="0" u="none" strike="noStrike" cap="none">
+          <a:solidFill>
+            <a:srgbClr val="000000"/>
+          </a:solidFill>
+          <a:latin typeface="Arial"/>
+          <a:ea typeface="Arial"/>
+          <a:cs typeface="Arial"/>
+          <a:sym typeface="Arial"/>
+        </a:defRPr>
+      </a:lvl4pPr>
+      <a:lvl5pPr marR="0" lvl="4" algn="l" rtl="0">
+        <a:lnSpc>
+          <a:spcPct val="100000"/>
+        </a:lnSpc>
+        <a:spcBef>
+          <a:spcPts val="0"/>
+        </a:spcBef>
+        <a:spcAft>
+          <a:spcPts val="0"/>
+        </a:spcAft>
+        <a:buClr>
+          <a:srgbClr val="000000"/>
+        </a:buClr>
+        <a:buFont typeface="Arial"/>
+        <a:defRPr sz="1867" b="0" i="0" u="none" strike="noStrike" cap="none">
+          <a:solidFill>
+            <a:srgbClr val="000000"/>
+          </a:solidFill>
+          <a:latin typeface="Arial"/>
+          <a:ea typeface="Arial"/>
+          <a:cs typeface="Arial"/>
+          <a:sym typeface="Arial"/>
+        </a:defRPr>
+      </a:lvl5pPr>
+      <a:lvl6pPr marR="0" lvl="5" algn="l" rtl="0">
+        <a:lnSpc>
+          <a:spcPct val="100000"/>
+        </a:lnSpc>
+        <a:spcBef>
+          <a:spcPts val="0"/>
+        </a:spcBef>
+        <a:spcAft>
+          <a:spcPts val="0"/>
+        </a:spcAft>
+        <a:buClr>
+          <a:srgbClr val="000000"/>
+        </a:buClr>
+        <a:buFont typeface="Arial"/>
+        <a:defRPr sz="1867" b="0" i="0" u="none" strike="noStrike" cap="none">
+          <a:solidFill>
+            <a:srgbClr val="000000"/>
+          </a:solidFill>
+          <a:latin typeface="Arial"/>
+          <a:ea typeface="Arial"/>
+          <a:cs typeface="Arial"/>
+          <a:sym typeface="Arial"/>
+        </a:defRPr>
+      </a:lvl6pPr>
+      <a:lvl7pPr marR="0" lvl="6" algn="l" rtl="0">
+        <a:lnSpc>
+          <a:spcPct val="100000"/>
+        </a:lnSpc>
+        <a:spcBef>
+          <a:spcPts val="0"/>
+        </a:spcBef>
+        <a:spcAft>
+          <a:spcPts val="0"/>
+        </a:spcAft>
+        <a:buClr>
+          <a:srgbClr val="000000"/>
+        </a:buClr>
+        <a:buFont typeface="Arial"/>
+        <a:defRPr sz="1867" b="0" i="0" u="none" strike="noStrike" cap="none">
+          <a:solidFill>
+            <a:srgbClr val="000000"/>
+          </a:solidFill>
+          <a:latin typeface="Arial"/>
+          <a:ea typeface="Arial"/>
+          <a:cs typeface="Arial"/>
+          <a:sym typeface="Arial"/>
+        </a:defRPr>
+      </a:lvl7pPr>
+      <a:lvl8pPr marR="0" lvl="7" algn="l" rtl="0">
+        <a:lnSpc>
+          <a:spcPct val="100000"/>
+        </a:lnSpc>
+        <a:spcBef>
+          <a:spcPts val="0"/>
+        </a:spcBef>
+        <a:spcAft>
+          <a:spcPts val="0"/>
+        </a:spcAft>
+        <a:buClr>
+          <a:srgbClr val="000000"/>
+        </a:buClr>
+        <a:buFont typeface="Arial"/>
+        <a:defRPr sz="1867" b="0" i="0" u="none" strike="noStrike" cap="none">
+          <a:solidFill>
+            <a:srgbClr val="000000"/>
+          </a:solidFill>
+          <a:latin typeface="Arial"/>
+          <a:ea typeface="Arial"/>
+          <a:cs typeface="Arial"/>
+          <a:sym typeface="Arial"/>
+        </a:defRPr>
+      </a:lvl8pPr>
+      <a:lvl9pPr marR="0" lvl="8" algn="l" rtl="0">
+        <a:lnSpc>
+          <a:spcPct val="100000"/>
+        </a:lnSpc>
+        <a:spcBef>
+          <a:spcPts val="0"/>
+        </a:spcBef>
+        <a:spcAft>
+          <a:spcPts val="0"/>
+        </a:spcAft>
+        <a:buClr>
+          <a:srgbClr val="000000"/>
+        </a:buClr>
+        <a:buFont typeface="Arial"/>
+        <a:defRPr sz="1867" b="0" i="0" u="none" strike="noStrike" cap="none">
+          <a:solidFill>
+            <a:srgbClr val="000000"/>
+          </a:solidFill>
+          <a:latin typeface="Arial"/>
+          <a:ea typeface="Arial"/>
+          <a:cs typeface="Arial"/>
+          <a:sym typeface="Arial"/>
+        </a:defRPr>
+      </a:lvl9pPr>
+    </p:bodyStyle>
+    <p:otherStyle>
+      <a:defPPr marR="0" lvl="0" algn="l" rtl="0">
+        <a:lnSpc>
+          <a:spcPct val="100000"/>
+        </a:lnSpc>
+        <a:spcBef>
+          <a:spcPts val="0"/>
+        </a:spcBef>
+        <a:spcAft>
+          <a:spcPts val="0"/>
+        </a:spcAft>
+      </a:defPPr>
+      <a:lvl1pPr marR="0" lvl="0" algn="l" rtl="0">
+        <a:lnSpc>
+          <a:spcPct val="100000"/>
+        </a:lnSpc>
+        <a:spcBef>
+          <a:spcPts val="0"/>
+        </a:spcBef>
+        <a:spcAft>
+          <a:spcPts val="0"/>
+        </a:spcAft>
+        <a:buClr>
+          <a:srgbClr val="000000"/>
+        </a:buClr>
+        <a:buFont typeface="Arial"/>
+        <a:defRPr sz="1867" b="0" i="0" u="none" strike="noStrike" cap="none">
+          <a:solidFill>
+            <a:srgbClr val="000000"/>
+          </a:solidFill>
+          <a:latin typeface="Arial"/>
+          <a:ea typeface="Arial"/>
+          <a:cs typeface="Arial"/>
+          <a:sym typeface="Arial"/>
+        </a:defRPr>
+      </a:lvl1pPr>
+      <a:lvl2pPr marR="0" lvl="1" algn="l" rtl="0">
+        <a:lnSpc>
+          <a:spcPct val="100000"/>
+        </a:lnSpc>
+        <a:spcBef>
+          <a:spcPts val="0"/>
+        </a:spcBef>
+        <a:spcAft>
+          <a:spcPts val="0"/>
+        </a:spcAft>
+        <a:buClr>
+          <a:srgbClr val="000000"/>
+        </a:buClr>
+        <a:buFont typeface="Arial"/>
+        <a:defRPr sz="1867" b="0" i="0" u="none" strike="noStrike" cap="none">
+          <a:solidFill>
+            <a:srgbClr val="000000"/>
+          </a:solidFill>
+          <a:latin typeface="Arial"/>
+          <a:ea typeface="Arial"/>
+          <a:cs typeface="Arial"/>
+          <a:sym typeface="Arial"/>
+        </a:defRPr>
+      </a:lvl2pPr>
+      <a:lvl3pPr marR="0" lvl="2" algn="l" rtl="0">
+        <a:lnSpc>
+          <a:spcPct val="100000"/>
+        </a:lnSpc>
+        <a:spcBef>
+          <a:spcPts val="0"/>
+        </a:spcBef>
+        <a:spcAft>
+          <a:spcPts val="0"/>
+        </a:spcAft>
+        <a:buClr>
+          <a:srgbClr val="000000"/>
+        </a:buClr>
+        <a:buFont typeface="Arial"/>
+        <a:defRPr sz="1867" b="0" i="0" u="none" strike="noStrike" cap="none">
+          <a:solidFill>
+            <a:srgbClr val="000000"/>
+          </a:solidFill>
+          <a:latin typeface="Arial"/>
+          <a:ea typeface="Arial"/>
+          <a:cs typeface="Arial"/>
+          <a:sym typeface="Arial"/>
+        </a:defRPr>
+      </a:lvl3pPr>
+      <a:lvl4pPr marR="0" lvl="3" algn="l" rtl="0">
+        <a:lnSpc>
+          <a:spcPct val="100000"/>
+        </a:lnSpc>
+        <a:spcBef>
+          <a:spcPts val="0"/>
+        </a:spcBef>
+        <a:spcAft>
+          <a:spcPts val="0"/>
+        </a:spcAft>
+        <a:buClr>
+          <a:srgbClr val="000000"/>
+        </a:buClr>
+        <a:buFont typeface="Arial"/>
+        <a:defRPr sz="1867" b="0" i="0" u="none" strike="noStrike" cap="none">
+          <a:solidFill>
+            <a:srgbClr val="000000"/>
+          </a:solidFill>
+          <a:latin typeface="Arial"/>
+          <a:ea typeface="Arial"/>
+          <a:cs typeface="Arial"/>
+          <a:sym typeface="Arial"/>
+        </a:defRPr>
+      </a:lvl4pPr>
+      <a:lvl5pPr marR="0" lvl="4" algn="l" rtl="0">
+        <a:lnSpc>
+          <a:spcPct val="100000"/>
+        </a:lnSpc>
+        <a:spcBef>
+          <a:spcPts val="0"/>
+        </a:spcBef>
+        <a:spcAft>
+          <a:spcPts val="0"/>
+        </a:spcAft>
+        <a:buClr>
+          <a:srgbClr val="000000"/>
+        </a:buClr>
+        <a:buFont typeface="Arial"/>
+        <a:defRPr sz="1867" b="0" i="0" u="none" strike="noStrike" cap="none">
+          <a:solidFill>
+            <a:srgbClr val="000000"/>
+          </a:solidFill>
+          <a:latin typeface="Arial"/>
+          <a:ea typeface="Arial"/>
+          <a:cs typeface="Arial"/>
+          <a:sym typeface="Arial"/>
+        </a:defRPr>
+      </a:lvl5pPr>
+      <a:lvl6pPr marR="0" lvl="5" algn="l" rtl="0">
+        <a:lnSpc>
+          <a:spcPct val="100000"/>
+        </a:lnSpc>
+        <a:spcBef>
+          <a:spcPts val="0"/>
+        </a:spcBef>
+        <a:spcAft>
+          <a:spcPts val="0"/>
+        </a:spcAft>
+        <a:buClr>
+          <a:srgbClr val="000000"/>
+        </a:buClr>
+        <a:buFont typeface="Arial"/>
+        <a:defRPr sz="1867" b="0" i="0" u="none" strike="noStrike" cap="none">
+          <a:solidFill>
+            <a:srgbClr val="000000"/>
+          </a:solidFill>
+          <a:latin typeface="Arial"/>
+          <a:ea typeface="Arial"/>
+          <a:cs typeface="Arial"/>
+          <a:sym typeface="Arial"/>
+        </a:defRPr>
+      </a:lvl6pPr>
+      <a:lvl7pPr marR="0" lvl="6" algn="l" rtl="0">
+        <a:lnSpc>
+          <a:spcPct val="100000"/>
+        </a:lnSpc>
+        <a:spcBef>
+          <a:spcPts val="0"/>
+        </a:spcBef>
+        <a:spcAft>
+          <a:spcPts val="0"/>
+        </a:spcAft>
+        <a:buClr>
+          <a:srgbClr val="000000"/>
+        </a:buClr>
+        <a:buFont typeface="Arial"/>
+        <a:defRPr sz="1867" b="0" i="0" u="none" strike="noStrike" cap="none">
+          <a:solidFill>
+            <a:srgbClr val="000000"/>
+          </a:solidFill>
+          <a:latin typeface="Arial"/>
+          <a:ea typeface="Arial"/>
+          <a:cs typeface="Arial"/>
+          <a:sym typeface="Arial"/>
+        </a:defRPr>
+      </a:lvl7pPr>
+      <a:lvl8pPr marR="0" lvl="7" algn="l" rtl="0">
+        <a:lnSpc>
+          <a:spcPct val="100000"/>
+        </a:lnSpc>
+        <a:spcBef>
+          <a:spcPts val="0"/>
+        </a:spcBef>
+        <a:spcAft>
+          <a:spcPts val="0"/>
+        </a:spcAft>
+        <a:buClr>
+          <a:srgbClr val="000000"/>
+        </a:buClr>
+        <a:buFont typeface="Arial"/>
+        <a:defRPr sz="1867" b="0" i="0" u="none" strike="noStrike" cap="none">
+          <a:solidFill>
+            <a:srgbClr val="000000"/>
+          </a:solidFill>
+          <a:latin typeface="Arial"/>
+          <a:ea typeface="Arial"/>
+          <a:cs typeface="Arial"/>
+          <a:sym typeface="Arial"/>
+        </a:defRPr>
+      </a:lvl8pPr>
+      <a:lvl9pPr marR="0" lvl="8" algn="l" rtl="0">
+        <a:lnSpc>
+          <a:spcPct val="100000"/>
+        </a:lnSpc>
+        <a:spcBef>
+          <a:spcPts val="0"/>
+        </a:spcBef>
+        <a:spcAft>
+          <a:spcPts val="0"/>
+        </a:spcAft>
+        <a:buClr>
+          <a:srgbClr val="000000"/>
+        </a:buClr>
+        <a:buFont typeface="Arial"/>
+        <a:defRPr sz="1867" b="0" i="0" u="none" strike="noStrike" cap="none">
+          <a:solidFill>
+            <a:srgbClr val="000000"/>
+          </a:solidFill>
+          <a:latin typeface="Arial"/>
+          <a:ea typeface="Arial"/>
+          <a:cs typeface="Arial"/>
+          <a:sym typeface="Arial"/>
+        </a:defRPr>
+      </a:lvl9pPr>
+    </p:otherStyle>
+  </p:txStyles>
+</p:sldMaster>
+</file>
+
 <file path=ppt/slides/slide1.xml><?xml version="1.0" encoding="utf-8"?>
 <p:sld xmlns:a="http://schemas.openxmlformats.org/drawingml/2006/main" xmlns:r="http://schemas.openxmlformats.org/officeDocument/2006/relationships" xmlns:p="http://schemas.openxmlformats.org/presentationml/2006/main">
   <p:cSld>
@@ -4742,6 +9561,898 @@
         <p14:creationId xmlns:p14="http://schemas.microsoft.com/office/powerpoint/2010/main" val="12631264"/>
       </p:ext>
     </p:extLst>
+  </p:cSld>
+  <p:clrMapOvr>
+    <a:masterClrMapping/>
+  </p:clrMapOvr>
+</p:sld>
+</file>
+
+<file path=ppt/slides/slide10.xml><?xml version="1.0" encoding="utf-8"?>
+<p:sld xmlns:a="http://schemas.openxmlformats.org/drawingml/2006/main" xmlns:r="http://schemas.openxmlformats.org/officeDocument/2006/relationships" xmlns:p="http://schemas.openxmlformats.org/presentationml/2006/main">
+  <p:cSld>
+    <p:spTree>
+      <p:nvGrpSpPr>
+        <p:cNvPr id="1" name="Shape 102"/>
+        <p:cNvGrpSpPr/>
+        <p:nvPr/>
+      </p:nvGrpSpPr>
+      <p:grpSpPr>
+        <a:xfrm>
+          <a:off x="0" y="0"/>
+          <a:ext cx="0" cy="0"/>
+          <a:chOff x="0" y="0"/>
+          <a:chExt cx="0" cy="0"/>
+        </a:xfrm>
+      </p:grpSpPr>
+      <p:sp>
+        <p:nvSpPr>
+          <p:cNvPr id="103" name="Google Shape;103;p22"/>
+          <p:cNvSpPr txBox="1">
+            <a:spLocks noGrp="1"/>
+          </p:cNvSpPr>
+          <p:nvPr>
+            <p:ph type="title"/>
+          </p:nvPr>
+        </p:nvSpPr>
+        <p:spPr>
+          <a:xfrm>
+            <a:off x="415600" y="553967"/>
+            <a:ext cx="11360800" cy="763600"/>
+          </a:xfrm>
+          <a:prstGeom prst="rect">
+            <a:avLst/>
+          </a:prstGeom>
+        </p:spPr>
+        <p:txBody>
+          <a:bodyPr spcFirstLastPara="1" wrap="square" lIns="121900" tIns="121900" rIns="121900" bIns="121900" anchor="t" anchorCtr="0">
+            <a:normAutofit/>
+          </a:bodyPr>
+          <a:lstStyle/>
+          <a:p>
+            <a:pPr algn="ctr"/>
+            <a:r>
+              <a:rPr lang="en"/>
+              <a:t>Workflow/Pipeline</a:t>
+            </a:r>
+            <a:endParaRPr/>
+          </a:p>
+        </p:txBody>
+      </p:sp>
+      <p:cxnSp>
+        <p:nvCxnSpPr>
+          <p:cNvPr id="104" name="Google Shape;104;p22"/>
+          <p:cNvCxnSpPr>
+            <a:stCxn id="105" idx="3"/>
+            <a:endCxn id="106" idx="0"/>
+          </p:cNvCxnSpPr>
+          <p:nvPr/>
+        </p:nvCxnSpPr>
+        <p:spPr>
+          <a:xfrm>
+            <a:off x="1280933" y="2726033"/>
+            <a:ext cx="0" cy="1002000"/>
+          </a:xfrm>
+          <a:prstGeom prst="straightConnector1">
+            <a:avLst/>
+          </a:prstGeom>
+          <a:noFill/>
+          <a:ln w="9525" cap="flat" cmpd="sng">
+            <a:solidFill>
+              <a:schemeClr val="dk2"/>
+            </a:solidFill>
+            <a:prstDash val="solid"/>
+            <a:round/>
+            <a:headEnd type="none" w="med" len="med"/>
+            <a:tailEnd type="triangle" w="med" len="med"/>
+          </a:ln>
+        </p:spPr>
+      </p:cxnSp>
+      <p:sp>
+        <p:nvSpPr>
+          <p:cNvPr id="106" name="Google Shape;106;p22"/>
+          <p:cNvSpPr/>
+          <p:nvPr/>
+        </p:nvSpPr>
+        <p:spPr>
+          <a:xfrm>
+            <a:off x="446733" y="3727933"/>
+            <a:ext cx="1668400" cy="1182400"/>
+          </a:xfrm>
+          <a:prstGeom prst="rect">
+            <a:avLst/>
+          </a:prstGeom>
+          <a:solidFill>
+            <a:schemeClr val="lt2"/>
+          </a:solidFill>
+          <a:ln w="9525" cap="flat" cmpd="sng">
+            <a:solidFill>
+              <a:schemeClr val="dk2"/>
+            </a:solidFill>
+            <a:prstDash val="solid"/>
+            <a:round/>
+            <a:headEnd type="none" w="sm" len="sm"/>
+            <a:tailEnd type="none" w="sm" len="sm"/>
+          </a:ln>
+        </p:spPr>
+        <p:txBody>
+          <a:bodyPr spcFirstLastPara="1" wrap="square" lIns="121900" tIns="121900" rIns="121900" bIns="121900" anchor="ctr" anchorCtr="0">
+            <a:noAutofit/>
+          </a:bodyPr>
+          <a:lstStyle/>
+          <a:p>
+            <a:pPr algn="ctr" defTabSz="1219170">
+              <a:buClr>
+                <a:srgbClr val="000000"/>
+              </a:buClr>
+            </a:pPr>
+            <a:r>
+              <a:rPr lang="en" sz="1467" kern="0">
+                <a:solidFill>
+                  <a:srgbClr val="000000"/>
+                </a:solidFill>
+                <a:latin typeface="Arial"/>
+                <a:cs typeface="Arial"/>
+                <a:sym typeface="Arial"/>
+              </a:rPr>
+              <a:t>BUSCO/HMMER/BLAST</a:t>
+            </a:r>
+            <a:endParaRPr sz="1467" kern="0">
+              <a:solidFill>
+                <a:srgbClr val="000000"/>
+              </a:solidFill>
+              <a:latin typeface="Arial"/>
+              <a:cs typeface="Arial"/>
+              <a:sym typeface="Arial"/>
+            </a:endParaRPr>
+          </a:p>
+        </p:txBody>
+      </p:sp>
+      <p:cxnSp>
+        <p:nvCxnSpPr>
+          <p:cNvPr id="107" name="Google Shape;107;p22"/>
+          <p:cNvCxnSpPr>
+            <a:stCxn id="106" idx="3"/>
+            <a:endCxn id="108" idx="2"/>
+          </p:cNvCxnSpPr>
+          <p:nvPr/>
+        </p:nvCxnSpPr>
+        <p:spPr>
+          <a:xfrm>
+            <a:off x="2115133" y="4319133"/>
+            <a:ext cx="1168000" cy="0"/>
+          </a:xfrm>
+          <a:prstGeom prst="straightConnector1">
+            <a:avLst/>
+          </a:prstGeom>
+          <a:noFill/>
+          <a:ln w="9525" cap="flat" cmpd="sng">
+            <a:solidFill>
+              <a:schemeClr val="dk2"/>
+            </a:solidFill>
+            <a:prstDash val="solid"/>
+            <a:round/>
+            <a:headEnd type="none" w="med" len="med"/>
+            <a:tailEnd type="triangle" w="med" len="med"/>
+          </a:ln>
+        </p:spPr>
+      </p:cxnSp>
+      <p:sp>
+        <p:nvSpPr>
+          <p:cNvPr id="109" name="Google Shape;109;p22"/>
+          <p:cNvSpPr/>
+          <p:nvPr/>
+        </p:nvSpPr>
+        <p:spPr>
+          <a:xfrm>
+            <a:off x="3423100" y="1583033"/>
+            <a:ext cx="1278000" cy="1195600"/>
+          </a:xfrm>
+          <a:prstGeom prst="rect">
+            <a:avLst/>
+          </a:prstGeom>
+          <a:solidFill>
+            <a:schemeClr val="lt2"/>
+          </a:solidFill>
+          <a:ln w="9525" cap="flat" cmpd="sng">
+            <a:solidFill>
+              <a:schemeClr val="dk2"/>
+            </a:solidFill>
+            <a:prstDash val="solid"/>
+            <a:round/>
+            <a:headEnd type="none" w="sm" len="sm"/>
+            <a:tailEnd type="none" w="sm" len="sm"/>
+          </a:ln>
+        </p:spPr>
+        <p:txBody>
+          <a:bodyPr spcFirstLastPara="1" wrap="square" lIns="121900" tIns="121900" rIns="121900" bIns="121900" anchor="ctr" anchorCtr="0">
+            <a:noAutofit/>
+          </a:bodyPr>
+          <a:lstStyle/>
+          <a:p>
+            <a:pPr algn="ctr" defTabSz="1219170">
+              <a:buClr>
+                <a:srgbClr val="000000"/>
+              </a:buClr>
+            </a:pPr>
+            <a:r>
+              <a:rPr lang="en" sz="1467" kern="0">
+                <a:solidFill>
+                  <a:srgbClr val="000000"/>
+                </a:solidFill>
+                <a:latin typeface="Arial"/>
+                <a:cs typeface="Arial"/>
+                <a:sym typeface="Arial"/>
+              </a:rPr>
+              <a:t>MSA</a:t>
+            </a:r>
+            <a:endParaRPr sz="1467" kern="0">
+              <a:solidFill>
+                <a:srgbClr val="000000"/>
+              </a:solidFill>
+              <a:latin typeface="Arial"/>
+              <a:cs typeface="Arial"/>
+              <a:sym typeface="Arial"/>
+            </a:endParaRPr>
+          </a:p>
+        </p:txBody>
+      </p:sp>
+      <p:sp>
+        <p:nvSpPr>
+          <p:cNvPr id="110" name="Google Shape;110;p22"/>
+          <p:cNvSpPr/>
+          <p:nvPr/>
+        </p:nvSpPr>
+        <p:spPr>
+          <a:xfrm>
+            <a:off x="6100868" y="1583033"/>
+            <a:ext cx="1598400" cy="1195632"/>
+          </a:xfrm>
+          <a:prstGeom prst="flowChartMultidocument">
+            <a:avLst/>
+          </a:prstGeom>
+          <a:solidFill>
+            <a:schemeClr val="lt2"/>
+          </a:solidFill>
+          <a:ln w="9525" cap="flat" cmpd="sng">
+            <a:solidFill>
+              <a:schemeClr val="dk2"/>
+            </a:solidFill>
+            <a:prstDash val="solid"/>
+            <a:round/>
+            <a:headEnd type="none" w="sm" len="sm"/>
+            <a:tailEnd type="none" w="sm" len="sm"/>
+          </a:ln>
+        </p:spPr>
+        <p:txBody>
+          <a:bodyPr spcFirstLastPara="1" wrap="square" lIns="121900" tIns="121900" rIns="121900" bIns="121900" anchor="ctr" anchorCtr="0">
+            <a:noAutofit/>
+          </a:bodyPr>
+          <a:lstStyle/>
+          <a:p>
+            <a:pPr algn="ctr" defTabSz="1219170">
+              <a:buClr>
+                <a:srgbClr val="000000"/>
+              </a:buClr>
+            </a:pPr>
+            <a:r>
+              <a:rPr lang="en" sz="1467" kern="0">
+                <a:solidFill>
+                  <a:srgbClr val="000000"/>
+                </a:solidFill>
+                <a:latin typeface="Arial"/>
+                <a:cs typeface="Arial"/>
+                <a:sym typeface="Arial"/>
+              </a:rPr>
+              <a:t>Phylogenetic Tree(s) </a:t>
+            </a:r>
+            <a:endParaRPr sz="1467" kern="0">
+              <a:solidFill>
+                <a:srgbClr val="000000"/>
+              </a:solidFill>
+              <a:latin typeface="Arial"/>
+              <a:cs typeface="Arial"/>
+              <a:sym typeface="Arial"/>
+            </a:endParaRPr>
+          </a:p>
+        </p:txBody>
+      </p:sp>
+      <p:cxnSp>
+        <p:nvCxnSpPr>
+          <p:cNvPr id="111" name="Google Shape;111;p22"/>
+          <p:cNvCxnSpPr>
+            <a:stCxn id="109" idx="2"/>
+            <a:endCxn id="108" idx="1"/>
+          </p:cNvCxnSpPr>
+          <p:nvPr/>
+        </p:nvCxnSpPr>
+        <p:spPr>
+          <a:xfrm flipH="1">
+            <a:off x="4052900" y="2778633"/>
+            <a:ext cx="9200" cy="949200"/>
+          </a:xfrm>
+          <a:prstGeom prst="straightConnector1">
+            <a:avLst/>
+          </a:prstGeom>
+          <a:noFill/>
+          <a:ln w="9525" cap="flat" cmpd="sng">
+            <a:solidFill>
+              <a:schemeClr val="dk2"/>
+            </a:solidFill>
+            <a:prstDash val="solid"/>
+            <a:round/>
+            <a:headEnd type="none" w="med" len="med"/>
+            <a:tailEnd type="triangle" w="med" len="med"/>
+          </a:ln>
+        </p:spPr>
+      </p:cxnSp>
+      <p:cxnSp>
+        <p:nvCxnSpPr>
+          <p:cNvPr id="112" name="Google Shape;112;p22"/>
+          <p:cNvCxnSpPr>
+            <a:stCxn id="110" idx="3"/>
+            <a:endCxn id="113" idx="1"/>
+          </p:cNvCxnSpPr>
+          <p:nvPr/>
+        </p:nvCxnSpPr>
+        <p:spPr>
+          <a:xfrm>
+            <a:off x="7699268" y="2180849"/>
+            <a:ext cx="1044000" cy="0"/>
+          </a:xfrm>
+          <a:prstGeom prst="straightConnector1">
+            <a:avLst/>
+          </a:prstGeom>
+          <a:noFill/>
+          <a:ln w="9525" cap="flat" cmpd="sng">
+            <a:solidFill>
+              <a:schemeClr val="dk2"/>
+            </a:solidFill>
+            <a:prstDash val="solid"/>
+            <a:round/>
+            <a:headEnd type="none" w="med" len="med"/>
+            <a:tailEnd type="triangle" w="med" len="med"/>
+          </a:ln>
+        </p:spPr>
+      </p:cxnSp>
+      <p:cxnSp>
+        <p:nvCxnSpPr>
+          <p:cNvPr id="114" name="Google Shape;114;p22"/>
+          <p:cNvCxnSpPr>
+            <a:endCxn id="115" idx="0"/>
+          </p:cNvCxnSpPr>
+          <p:nvPr/>
+        </p:nvCxnSpPr>
+        <p:spPr>
+          <a:xfrm>
+            <a:off x="4062133" y="4926400"/>
+            <a:ext cx="0" cy="709600"/>
+          </a:xfrm>
+          <a:prstGeom prst="straightConnector1">
+            <a:avLst/>
+          </a:prstGeom>
+          <a:noFill/>
+          <a:ln w="9525" cap="flat" cmpd="sng">
+            <a:solidFill>
+              <a:schemeClr val="dk2"/>
+            </a:solidFill>
+            <a:prstDash val="solid"/>
+            <a:round/>
+            <a:headEnd type="none" w="med" len="med"/>
+            <a:tailEnd type="triangle" w="med" len="med"/>
+          </a:ln>
+        </p:spPr>
+      </p:cxnSp>
+      <p:sp>
+        <p:nvSpPr>
+          <p:cNvPr id="115" name="Google Shape;115;p22"/>
+          <p:cNvSpPr/>
+          <p:nvPr/>
+        </p:nvSpPr>
+        <p:spPr>
+          <a:xfrm>
+            <a:off x="3162133" y="5636000"/>
+            <a:ext cx="1800000" cy="1222000"/>
+          </a:xfrm>
+          <a:prstGeom prst="rect">
+            <a:avLst/>
+          </a:prstGeom>
+          <a:solidFill>
+            <a:schemeClr val="lt2"/>
+          </a:solidFill>
+          <a:ln w="9525" cap="flat" cmpd="sng">
+            <a:solidFill>
+              <a:schemeClr val="dk2"/>
+            </a:solidFill>
+            <a:prstDash val="solid"/>
+            <a:round/>
+            <a:headEnd type="none" w="sm" len="sm"/>
+            <a:tailEnd type="none" w="sm" len="sm"/>
+          </a:ln>
+        </p:spPr>
+        <p:txBody>
+          <a:bodyPr spcFirstLastPara="1" wrap="square" lIns="121900" tIns="121900" rIns="121900" bIns="121900" anchor="ctr" anchorCtr="0">
+            <a:noAutofit/>
+          </a:bodyPr>
+          <a:lstStyle/>
+          <a:p>
+            <a:pPr algn="ctr" defTabSz="1219170">
+              <a:buClr>
+                <a:srgbClr val="000000"/>
+              </a:buClr>
+            </a:pPr>
+            <a:r>
+              <a:rPr lang="en" sz="1467" kern="0">
+                <a:solidFill>
+                  <a:srgbClr val="000000"/>
+                </a:solidFill>
+                <a:latin typeface="Arial"/>
+                <a:cs typeface="Arial"/>
+                <a:sym typeface="Arial"/>
+              </a:rPr>
+              <a:t>SRA /Diamond alignment for missing components with low c scores</a:t>
+            </a:r>
+            <a:endParaRPr sz="1467" kern="0">
+              <a:solidFill>
+                <a:srgbClr val="000000"/>
+              </a:solidFill>
+              <a:latin typeface="Arial"/>
+              <a:cs typeface="Arial"/>
+              <a:sym typeface="Arial"/>
+            </a:endParaRPr>
+          </a:p>
+        </p:txBody>
+      </p:sp>
+      <p:sp>
+        <p:nvSpPr>
+          <p:cNvPr id="113" name="Google Shape;113;p22"/>
+          <p:cNvSpPr/>
+          <p:nvPr/>
+        </p:nvSpPr>
+        <p:spPr>
+          <a:xfrm>
+            <a:off x="8743267" y="1635633"/>
+            <a:ext cx="2286000" cy="1090368"/>
+          </a:xfrm>
+          <a:prstGeom prst="flowChartTerminator">
+            <a:avLst/>
+          </a:prstGeom>
+          <a:solidFill>
+            <a:schemeClr val="lt2"/>
+          </a:solidFill>
+          <a:ln w="9525" cap="flat" cmpd="sng">
+            <a:solidFill>
+              <a:srgbClr val="FF0000"/>
+            </a:solidFill>
+            <a:prstDash val="solid"/>
+            <a:round/>
+            <a:headEnd type="none" w="sm" len="sm"/>
+            <a:tailEnd type="none" w="sm" len="sm"/>
+          </a:ln>
+        </p:spPr>
+        <p:txBody>
+          <a:bodyPr spcFirstLastPara="1" wrap="square" lIns="121900" tIns="121900" rIns="121900" bIns="121900" anchor="ctr" anchorCtr="0">
+            <a:noAutofit/>
+          </a:bodyPr>
+          <a:lstStyle/>
+          <a:p>
+            <a:pPr algn="ctr" defTabSz="1219170">
+              <a:buClr>
+                <a:srgbClr val="000000"/>
+              </a:buClr>
+            </a:pPr>
+            <a:endParaRPr sz="1333" kern="0">
+              <a:solidFill>
+                <a:srgbClr val="000000"/>
+              </a:solidFill>
+              <a:latin typeface="Arial"/>
+              <a:cs typeface="Arial"/>
+              <a:sym typeface="Arial"/>
+            </a:endParaRPr>
+          </a:p>
+          <a:p>
+            <a:pPr algn="ctr" defTabSz="1219170">
+              <a:buClr>
+                <a:srgbClr val="000000"/>
+              </a:buClr>
+              <a:buSzPts val="1100"/>
+            </a:pPr>
+            <a:r>
+              <a:rPr lang="en" sz="1467" kern="0">
+                <a:solidFill>
+                  <a:srgbClr val="000000"/>
+                </a:solidFill>
+                <a:latin typeface="Arial"/>
+                <a:cs typeface="Arial"/>
+                <a:sym typeface="Arial"/>
+              </a:rPr>
+              <a:t>Discern Patterns of component loss</a:t>
+            </a:r>
+            <a:endParaRPr sz="1467" kern="0">
+              <a:solidFill>
+                <a:srgbClr val="000000"/>
+              </a:solidFill>
+              <a:latin typeface="Arial"/>
+              <a:cs typeface="Arial"/>
+              <a:sym typeface="Arial"/>
+            </a:endParaRPr>
+          </a:p>
+          <a:p>
+            <a:pPr algn="ctr" defTabSz="1219170">
+              <a:buClr>
+                <a:srgbClr val="000000"/>
+              </a:buClr>
+            </a:pPr>
+            <a:endParaRPr sz="1867" kern="0">
+              <a:solidFill>
+                <a:srgbClr val="000000"/>
+              </a:solidFill>
+              <a:latin typeface="Arial"/>
+              <a:cs typeface="Arial"/>
+              <a:sym typeface="Arial"/>
+            </a:endParaRPr>
+          </a:p>
+        </p:txBody>
+      </p:sp>
+      <p:sp>
+        <p:nvSpPr>
+          <p:cNvPr id="105" name="Google Shape;105;p22"/>
+          <p:cNvSpPr/>
+          <p:nvPr/>
+        </p:nvSpPr>
+        <p:spPr>
+          <a:xfrm>
+            <a:off x="538533" y="1635633"/>
+            <a:ext cx="1484800" cy="1090400"/>
+          </a:xfrm>
+          <a:prstGeom prst="can">
+            <a:avLst>
+              <a:gd name="adj" fmla="val 25000"/>
+            </a:avLst>
+          </a:prstGeom>
+          <a:solidFill>
+            <a:schemeClr val="lt2"/>
+          </a:solidFill>
+          <a:ln w="9525" cap="flat" cmpd="sng">
+            <a:solidFill>
+              <a:schemeClr val="dk2"/>
+            </a:solidFill>
+            <a:prstDash val="solid"/>
+            <a:round/>
+            <a:headEnd type="none" w="sm" len="sm"/>
+            <a:tailEnd type="none" w="sm" len="sm"/>
+          </a:ln>
+        </p:spPr>
+        <p:txBody>
+          <a:bodyPr spcFirstLastPara="1" wrap="square" lIns="121900" tIns="121900" rIns="121900" bIns="121900" anchor="ctr" anchorCtr="0">
+            <a:noAutofit/>
+          </a:bodyPr>
+          <a:lstStyle/>
+          <a:p>
+            <a:pPr algn="ctr" defTabSz="1219170">
+              <a:buClr>
+                <a:srgbClr val="000000"/>
+              </a:buClr>
+              <a:buSzPts val="1100"/>
+            </a:pPr>
+            <a:r>
+              <a:rPr lang="en" sz="1467" kern="0">
+                <a:solidFill>
+                  <a:srgbClr val="000000"/>
+                </a:solidFill>
+                <a:latin typeface="Arial"/>
+                <a:cs typeface="Arial"/>
+                <a:sym typeface="Arial"/>
+              </a:rPr>
+              <a:t>Genome information from NCBI/JGI</a:t>
+            </a:r>
+            <a:endParaRPr sz="1867" kern="0">
+              <a:solidFill>
+                <a:srgbClr val="000000"/>
+              </a:solidFill>
+              <a:latin typeface="Arial"/>
+              <a:cs typeface="Arial"/>
+              <a:sym typeface="Arial"/>
+            </a:endParaRPr>
+          </a:p>
+        </p:txBody>
+      </p:sp>
+      <p:sp>
+        <p:nvSpPr>
+          <p:cNvPr id="108" name="Google Shape;108;p22"/>
+          <p:cNvSpPr/>
+          <p:nvPr/>
+        </p:nvSpPr>
+        <p:spPr>
+          <a:xfrm>
+            <a:off x="3090684" y="3727933"/>
+            <a:ext cx="1924633" cy="1182400"/>
+          </a:xfrm>
+          <a:prstGeom prst="flowChartInputOutput">
+            <a:avLst/>
+          </a:prstGeom>
+          <a:solidFill>
+            <a:schemeClr val="lt2"/>
+          </a:solidFill>
+          <a:ln w="9525" cap="flat" cmpd="sng">
+            <a:solidFill>
+              <a:schemeClr val="dk2"/>
+            </a:solidFill>
+            <a:prstDash val="solid"/>
+            <a:round/>
+            <a:headEnd type="none" w="sm" len="sm"/>
+            <a:tailEnd type="none" w="sm" len="sm"/>
+          </a:ln>
+        </p:spPr>
+        <p:txBody>
+          <a:bodyPr spcFirstLastPara="1" wrap="square" lIns="121900" tIns="121900" rIns="121900" bIns="121900" anchor="ctr" anchorCtr="0">
+            <a:noAutofit/>
+          </a:bodyPr>
+          <a:lstStyle/>
+          <a:p>
+            <a:pPr algn="ctr" defTabSz="1219170">
+              <a:buClr>
+                <a:srgbClr val="000000"/>
+              </a:buClr>
+              <a:buSzPts val="1100"/>
+            </a:pPr>
+            <a:r>
+              <a:rPr lang="en" sz="1467" kern="0">
+                <a:solidFill>
+                  <a:srgbClr val="000000"/>
+                </a:solidFill>
+                <a:latin typeface="Arial"/>
+                <a:cs typeface="Arial"/>
+                <a:sym typeface="Arial"/>
+              </a:rPr>
+              <a:t>R tables + Taxonomy tables</a:t>
+            </a:r>
+            <a:endParaRPr sz="1867" kern="0">
+              <a:solidFill>
+                <a:srgbClr val="000000"/>
+              </a:solidFill>
+              <a:latin typeface="Arial"/>
+              <a:cs typeface="Arial"/>
+              <a:sym typeface="Arial"/>
+            </a:endParaRPr>
+          </a:p>
+        </p:txBody>
+      </p:sp>
+      <p:cxnSp>
+        <p:nvCxnSpPr>
+          <p:cNvPr id="116" name="Google Shape;116;p22"/>
+          <p:cNvCxnSpPr>
+            <a:stCxn id="105" idx="4"/>
+            <a:endCxn id="109" idx="1"/>
+          </p:cNvCxnSpPr>
+          <p:nvPr/>
+        </p:nvCxnSpPr>
+        <p:spPr>
+          <a:xfrm>
+            <a:off x="2023333" y="2180833"/>
+            <a:ext cx="1399600" cy="0"/>
+          </a:xfrm>
+          <a:prstGeom prst="straightConnector1">
+            <a:avLst/>
+          </a:prstGeom>
+          <a:noFill/>
+          <a:ln w="9525" cap="flat" cmpd="sng">
+            <a:solidFill>
+              <a:schemeClr val="dk2"/>
+            </a:solidFill>
+            <a:prstDash val="solid"/>
+            <a:round/>
+            <a:headEnd type="none" w="med" len="med"/>
+            <a:tailEnd type="triangle" w="med" len="med"/>
+          </a:ln>
+        </p:spPr>
+      </p:cxnSp>
+      <p:cxnSp>
+        <p:nvCxnSpPr>
+          <p:cNvPr id="117" name="Google Shape;117;p22"/>
+          <p:cNvCxnSpPr>
+            <a:stCxn id="108" idx="5"/>
+            <a:endCxn id="110" idx="1"/>
+          </p:cNvCxnSpPr>
+          <p:nvPr/>
+        </p:nvCxnSpPr>
+        <p:spPr>
+          <a:xfrm rot="10800000" flipH="1">
+            <a:off x="4822853" y="2180733"/>
+            <a:ext cx="1278000" cy="2138400"/>
+          </a:xfrm>
+          <a:prstGeom prst="straightConnector1">
+            <a:avLst/>
+          </a:prstGeom>
+          <a:noFill/>
+          <a:ln w="9525" cap="flat" cmpd="sng">
+            <a:solidFill>
+              <a:schemeClr val="dk2"/>
+            </a:solidFill>
+            <a:prstDash val="solid"/>
+            <a:round/>
+            <a:headEnd type="none" w="med" len="med"/>
+            <a:tailEnd type="triangle" w="med" len="med"/>
+          </a:ln>
+        </p:spPr>
+      </p:cxnSp>
+      <p:cxnSp>
+        <p:nvCxnSpPr>
+          <p:cNvPr id="118" name="Google Shape;118;p22"/>
+          <p:cNvCxnSpPr>
+            <a:stCxn id="108" idx="1"/>
+            <a:endCxn id="109" idx="2"/>
+          </p:cNvCxnSpPr>
+          <p:nvPr/>
+        </p:nvCxnSpPr>
+        <p:spPr>
+          <a:xfrm rot="10800000" flipH="1">
+            <a:off x="4053000" y="2778733"/>
+            <a:ext cx="9200" cy="949200"/>
+          </a:xfrm>
+          <a:prstGeom prst="straightConnector1">
+            <a:avLst/>
+          </a:prstGeom>
+          <a:noFill/>
+          <a:ln w="9525" cap="flat" cmpd="sng">
+            <a:solidFill>
+              <a:schemeClr val="dk2"/>
+            </a:solidFill>
+            <a:prstDash val="solid"/>
+            <a:round/>
+            <a:headEnd type="none" w="med" len="med"/>
+            <a:tailEnd type="triangle" w="med" len="med"/>
+          </a:ln>
+        </p:spPr>
+      </p:cxnSp>
+      <p:cxnSp>
+        <p:nvCxnSpPr>
+          <p:cNvPr id="119" name="Google Shape;119;p22"/>
+          <p:cNvCxnSpPr>
+            <a:stCxn id="115" idx="0"/>
+            <a:endCxn id="108" idx="4"/>
+          </p:cNvCxnSpPr>
+          <p:nvPr/>
+        </p:nvCxnSpPr>
+        <p:spPr>
+          <a:xfrm rot="10800000">
+            <a:off x="4052933" y="4910400"/>
+            <a:ext cx="9200" cy="725600"/>
+          </a:xfrm>
+          <a:prstGeom prst="straightConnector1">
+            <a:avLst/>
+          </a:prstGeom>
+          <a:noFill/>
+          <a:ln w="9525" cap="flat" cmpd="sng">
+            <a:solidFill>
+              <a:schemeClr val="dk2"/>
+            </a:solidFill>
+            <a:prstDash val="solid"/>
+            <a:round/>
+            <a:headEnd type="none" w="med" len="med"/>
+            <a:tailEnd type="triangle" w="med" len="med"/>
+          </a:ln>
+        </p:spPr>
+      </p:cxnSp>
+      <p:cxnSp>
+        <p:nvCxnSpPr>
+          <p:cNvPr id="120" name="Google Shape;120;p22"/>
+          <p:cNvCxnSpPr>
+            <a:stCxn id="121" idx="5"/>
+            <a:endCxn id="113" idx="2"/>
+          </p:cNvCxnSpPr>
+          <p:nvPr/>
+        </p:nvCxnSpPr>
+        <p:spPr>
+          <a:xfrm rot="10800000" flipH="1">
+            <a:off x="7418827" y="2725933"/>
+            <a:ext cx="2467600" cy="1593200"/>
+          </a:xfrm>
+          <a:prstGeom prst="straightConnector1">
+            <a:avLst/>
+          </a:prstGeom>
+          <a:noFill/>
+          <a:ln w="9525" cap="flat" cmpd="sng">
+            <a:solidFill>
+              <a:schemeClr val="dk2"/>
+            </a:solidFill>
+            <a:prstDash val="solid"/>
+            <a:round/>
+            <a:headEnd type="none" w="med" len="med"/>
+            <a:tailEnd type="triangle" w="med" len="med"/>
+          </a:ln>
+        </p:spPr>
+      </p:cxnSp>
+      <p:sp>
+        <p:nvSpPr>
+          <p:cNvPr id="121" name="Google Shape;121;p22"/>
+          <p:cNvSpPr/>
+          <p:nvPr/>
+        </p:nvSpPr>
+        <p:spPr>
+          <a:xfrm>
+            <a:off x="5917267" y="3721333"/>
+            <a:ext cx="1668400" cy="1195600"/>
+          </a:xfrm>
+          <a:prstGeom prst="flowChartInputOutput">
+            <a:avLst/>
+          </a:prstGeom>
+          <a:solidFill>
+            <a:schemeClr val="lt2"/>
+          </a:solidFill>
+          <a:ln w="9525" cap="flat" cmpd="sng">
+            <a:solidFill>
+              <a:schemeClr val="dk2"/>
+            </a:solidFill>
+            <a:prstDash val="solid"/>
+            <a:round/>
+            <a:headEnd type="none" w="sm" len="sm"/>
+            <a:tailEnd type="none" w="sm" len="sm"/>
+          </a:ln>
+        </p:spPr>
+        <p:txBody>
+          <a:bodyPr spcFirstLastPara="1" wrap="square" lIns="121900" tIns="121900" rIns="121900" bIns="121900" anchor="ctr" anchorCtr="0">
+            <a:noAutofit/>
+          </a:bodyPr>
+          <a:lstStyle/>
+          <a:p>
+            <a:pPr algn="ctr" defTabSz="1219170">
+              <a:buClr>
+                <a:srgbClr val="000000"/>
+              </a:buClr>
+            </a:pPr>
+            <a:r>
+              <a:rPr lang="en" sz="1467" kern="0">
+                <a:solidFill>
+                  <a:srgbClr val="000000"/>
+                </a:solidFill>
+                <a:latin typeface="Arial"/>
+                <a:cs typeface="Arial"/>
+                <a:sym typeface="Arial"/>
+              </a:rPr>
+              <a:t>Graphs/Tables</a:t>
+            </a:r>
+            <a:endParaRPr sz="1467" kern="0">
+              <a:solidFill>
+                <a:srgbClr val="000000"/>
+              </a:solidFill>
+              <a:latin typeface="Arial"/>
+              <a:cs typeface="Arial"/>
+              <a:sym typeface="Arial"/>
+            </a:endParaRPr>
+          </a:p>
+        </p:txBody>
+      </p:sp>
+      <p:cxnSp>
+        <p:nvCxnSpPr>
+          <p:cNvPr id="122" name="Google Shape;122;p22"/>
+          <p:cNvCxnSpPr>
+            <a:stCxn id="108" idx="5"/>
+            <a:endCxn id="121" idx="2"/>
+          </p:cNvCxnSpPr>
+          <p:nvPr/>
+        </p:nvCxnSpPr>
+        <p:spPr>
+          <a:xfrm>
+            <a:off x="4822853" y="4319133"/>
+            <a:ext cx="1261200" cy="0"/>
+          </a:xfrm>
+          <a:prstGeom prst="straightConnector1">
+            <a:avLst/>
+          </a:prstGeom>
+          <a:noFill/>
+          <a:ln w="9525" cap="flat" cmpd="sng">
+            <a:solidFill>
+              <a:schemeClr val="dk2"/>
+            </a:solidFill>
+            <a:prstDash val="solid"/>
+            <a:round/>
+            <a:headEnd type="none" w="med" len="med"/>
+            <a:tailEnd type="triangle" w="med" len="med"/>
+          </a:ln>
+        </p:spPr>
+      </p:cxnSp>
+    </p:spTree>
   </p:cSld>
   <p:clrMapOvr>
     <a:masterClrMapping/>
@@ -9734,6 +15445,287 @@
 </file>
 
 <file path=ppt/theme/theme2.xml><?xml version="1.0" encoding="utf-8"?>
+<a:theme xmlns:a="http://schemas.openxmlformats.org/drawingml/2006/main" name="Simple Light">
+  <a:themeElements>
+    <a:clrScheme name="Simple Light">
+      <a:dk1>
+        <a:srgbClr val="000000"/>
+      </a:dk1>
+      <a:lt1>
+        <a:srgbClr val="FFFFFF"/>
+      </a:lt1>
+      <a:dk2>
+        <a:srgbClr val="595959"/>
+      </a:dk2>
+      <a:lt2>
+        <a:srgbClr val="EEEEEE"/>
+      </a:lt2>
+      <a:accent1>
+        <a:srgbClr val="4285F4"/>
+      </a:accent1>
+      <a:accent2>
+        <a:srgbClr val="212121"/>
+      </a:accent2>
+      <a:accent3>
+        <a:srgbClr val="78909C"/>
+      </a:accent3>
+      <a:accent4>
+        <a:srgbClr val="FFAB40"/>
+      </a:accent4>
+      <a:accent5>
+        <a:srgbClr val="0097A7"/>
+      </a:accent5>
+      <a:accent6>
+        <a:srgbClr val="EEFF41"/>
+      </a:accent6>
+      <a:hlink>
+        <a:srgbClr val="0097A7"/>
+      </a:hlink>
+      <a:folHlink>
+        <a:srgbClr val="0097A7"/>
+      </a:folHlink>
+    </a:clrScheme>
+    <a:fontScheme name="Office">
+      <a:majorFont>
+        <a:latin typeface="Arial"/>
+        <a:ea typeface=""/>
+        <a:cs typeface=""/>
+        <a:font script="Jpan" typeface="ＭＳ Ｐゴシック"/>
+        <a:font script="Hang" typeface="맑은 고딕"/>
+        <a:font script="Hans" typeface="宋体"/>
+        <a:font script="Hant" typeface="新細明體"/>
+        <a:font script="Arab" typeface="Times New Roman"/>
+        <a:font script="Hebr" typeface="Times New Roman"/>
+        <a:font script="Thai" typeface="Angsana New"/>
+        <a:font script="Ethi" typeface="Nyala"/>
+        <a:font script="Beng" typeface="Vrinda"/>
+        <a:font script="Gujr" typeface="Shruti"/>
+        <a:font script="Khmr" typeface="MoolBoran"/>
+        <a:font script="Knda" typeface="Tunga"/>
+        <a:font script="Guru" typeface="Raavi"/>
+        <a:font script="Cans" typeface="Euphemia"/>
+        <a:font script="Cher" typeface="Plantagenet Cherokee"/>
+        <a:font script="Yiii" typeface="Microsoft Yi Baiti"/>
+        <a:font script="Tibt" typeface="Microsoft Himalaya"/>
+        <a:font script="Thaa" typeface="MV Boli"/>
+        <a:font script="Deva" typeface="Mangal"/>
+        <a:font script="Telu" typeface="Gautami"/>
+        <a:font script="Taml" typeface="Latha"/>
+        <a:font script="Syrc" typeface="Estrangelo Edessa"/>
+        <a:font script="Orya" typeface="Kalinga"/>
+        <a:font script="Mlym" typeface="Kartika"/>
+        <a:font script="Laoo" typeface="DokChampa"/>
+        <a:font script="Sinh" typeface="Iskoola Pota"/>
+        <a:font script="Mong" typeface="Mongolian Baiti"/>
+        <a:font script="Viet" typeface="Times New Roman"/>
+        <a:font script="Uigh" typeface="Microsoft Uighur"/>
+        <a:font script="Geor" typeface="Sylfaen"/>
+      </a:majorFont>
+      <a:minorFont>
+        <a:latin typeface="Arial"/>
+        <a:ea typeface=""/>
+        <a:cs typeface=""/>
+        <a:font script="Jpan" typeface="ＭＳ Ｐゴシック"/>
+        <a:font script="Hang" typeface="맑은 고딕"/>
+        <a:font script="Hans" typeface="宋体"/>
+        <a:font script="Hant" typeface="新細明體"/>
+        <a:font script="Arab" typeface="Arial"/>
+        <a:font script="Hebr" typeface="Arial"/>
+        <a:font script="Thai" typeface="Cordia New"/>
+        <a:font script="Ethi" typeface="Nyala"/>
+        <a:font script="Beng" typeface="Vrinda"/>
+        <a:font script="Gujr" typeface="Shruti"/>
+        <a:font script="Khmr" typeface="DaunPenh"/>
+        <a:font script="Knda" typeface="Tunga"/>
+        <a:font script="Guru" typeface="Raavi"/>
+        <a:font script="Cans" typeface="Euphemia"/>
+        <a:font script="Cher" typeface="Plantagenet Cherokee"/>
+        <a:font script="Yiii" typeface="Microsoft Yi Baiti"/>
+        <a:font script="Tibt" typeface="Microsoft Himalaya"/>
+        <a:font script="Thaa" typeface="MV Boli"/>
+        <a:font script="Deva" typeface="Mangal"/>
+        <a:font script="Telu" typeface="Gautami"/>
+        <a:font script="Taml" typeface="Latha"/>
+        <a:font script="Syrc" typeface="Estrangelo Edessa"/>
+        <a:font script="Orya" typeface="Kalinga"/>
+        <a:font script="Mlym" typeface="Kartika"/>
+        <a:font script="Laoo" typeface="DokChampa"/>
+        <a:font script="Sinh" typeface="Iskoola Pota"/>
+        <a:font script="Mong" typeface="Mongolian Baiti"/>
+        <a:font script="Viet" typeface="Arial"/>
+        <a:font script="Uigh" typeface="Microsoft Uighur"/>
+        <a:font script="Geor" typeface="Sylfaen"/>
+      </a:minorFont>
+    </a:fontScheme>
+    <a:fmtScheme name="Office">
+      <a:fillStyleLst>
+        <a:solidFill>
+          <a:schemeClr val="phClr"/>
+        </a:solidFill>
+        <a:gradFill rotWithShape="1">
+          <a:gsLst>
+            <a:gs pos="0">
+              <a:schemeClr val="phClr">
+                <a:tint val="50000"/>
+                <a:satMod val="300000"/>
+              </a:schemeClr>
+            </a:gs>
+            <a:gs pos="35000">
+              <a:schemeClr val="phClr">
+                <a:tint val="37000"/>
+                <a:satMod val="300000"/>
+              </a:schemeClr>
+            </a:gs>
+            <a:gs pos="100000">
+              <a:schemeClr val="phClr">
+                <a:tint val="15000"/>
+                <a:satMod val="350000"/>
+              </a:schemeClr>
+            </a:gs>
+          </a:gsLst>
+          <a:lin ang="16200000" scaled="1"/>
+        </a:gradFill>
+        <a:gradFill rotWithShape="1">
+          <a:gsLst>
+            <a:gs pos="0">
+              <a:schemeClr val="phClr">
+                <a:tint val="100000"/>
+                <a:shade val="100000"/>
+                <a:satMod val="130000"/>
+              </a:schemeClr>
+            </a:gs>
+            <a:gs pos="100000">
+              <a:schemeClr val="phClr">
+                <a:tint val="50000"/>
+                <a:shade val="100000"/>
+                <a:satMod val="350000"/>
+              </a:schemeClr>
+            </a:gs>
+          </a:gsLst>
+          <a:lin ang="16200000" scaled="0"/>
+        </a:gradFill>
+      </a:fillStyleLst>
+      <a:lnStyleLst>
+        <a:ln w="9525" cap="flat" cmpd="sng" algn="ctr">
+          <a:solidFill>
+            <a:schemeClr val="phClr">
+              <a:shade val="95000"/>
+              <a:satMod val="105000"/>
+            </a:schemeClr>
+          </a:solidFill>
+          <a:prstDash val="solid"/>
+        </a:ln>
+        <a:ln w="25400" cap="flat" cmpd="sng" algn="ctr">
+          <a:solidFill>
+            <a:schemeClr val="phClr"/>
+          </a:solidFill>
+          <a:prstDash val="solid"/>
+        </a:ln>
+        <a:ln w="38100" cap="flat" cmpd="sng" algn="ctr">
+          <a:solidFill>
+            <a:schemeClr val="phClr"/>
+          </a:solidFill>
+          <a:prstDash val="solid"/>
+        </a:ln>
+      </a:lnStyleLst>
+      <a:effectStyleLst>
+        <a:effectStyle>
+          <a:effectLst>
+            <a:outerShdw blurRad="40000" dist="20000" dir="5400000" rotWithShape="0">
+              <a:srgbClr val="000000">
+                <a:alpha val="38000"/>
+              </a:srgbClr>
+            </a:outerShdw>
+          </a:effectLst>
+        </a:effectStyle>
+        <a:effectStyle>
+          <a:effectLst>
+            <a:outerShdw blurRad="40000" dist="23000" dir="5400000" rotWithShape="0">
+              <a:srgbClr val="000000">
+                <a:alpha val="35000"/>
+              </a:srgbClr>
+            </a:outerShdw>
+          </a:effectLst>
+        </a:effectStyle>
+        <a:effectStyle>
+          <a:effectLst>
+            <a:outerShdw blurRad="40000" dist="23000" dir="5400000" rotWithShape="0">
+              <a:srgbClr val="000000">
+                <a:alpha val="35000"/>
+              </a:srgbClr>
+            </a:outerShdw>
+          </a:effectLst>
+          <a:scene3d>
+            <a:camera prst="orthographicFront">
+              <a:rot lat="0" lon="0" rev="0"/>
+            </a:camera>
+            <a:lightRig rig="threePt" dir="t">
+              <a:rot lat="0" lon="0" rev="1200000"/>
+            </a:lightRig>
+          </a:scene3d>
+          <a:sp3d>
+            <a:bevelT w="63500" h="25400"/>
+          </a:sp3d>
+        </a:effectStyle>
+      </a:effectStyleLst>
+      <a:bgFillStyleLst>
+        <a:solidFill>
+          <a:schemeClr val="phClr"/>
+        </a:solidFill>
+        <a:gradFill rotWithShape="1">
+          <a:gsLst>
+            <a:gs pos="0">
+              <a:schemeClr val="phClr">
+                <a:tint val="40000"/>
+                <a:satMod val="350000"/>
+              </a:schemeClr>
+            </a:gs>
+            <a:gs pos="40000">
+              <a:schemeClr val="phClr">
+                <a:tint val="45000"/>
+                <a:shade val="99000"/>
+                <a:satMod val="350000"/>
+              </a:schemeClr>
+            </a:gs>
+            <a:gs pos="100000">
+              <a:schemeClr val="phClr">
+                <a:shade val="20000"/>
+                <a:satMod val="255000"/>
+              </a:schemeClr>
+            </a:gs>
+          </a:gsLst>
+          <a:path path="circle">
+            <a:fillToRect l="50000" t="-80000" r="50000" b="180000"/>
+          </a:path>
+        </a:gradFill>
+        <a:gradFill rotWithShape="1">
+          <a:gsLst>
+            <a:gs pos="0">
+              <a:schemeClr val="phClr">
+                <a:tint val="80000"/>
+                <a:satMod val="300000"/>
+              </a:schemeClr>
+            </a:gs>
+            <a:gs pos="100000">
+              <a:schemeClr val="phClr">
+                <a:shade val="30000"/>
+                <a:satMod val="200000"/>
+              </a:schemeClr>
+            </a:gs>
+          </a:gsLst>
+          <a:path path="circle">
+            <a:fillToRect l="50000" t="50000" r="50000" b="50000"/>
+          </a:path>
+        </a:gradFill>
+      </a:bgFillStyleLst>
+    </a:fmtScheme>
+  </a:themeElements>
+  <a:objectDefaults/>
+  <a:extraClrSchemeLst/>
+</a:theme>
+</file>
+
+<file path=ppt/theme/theme3.xml><?xml version="1.0" encoding="utf-8"?>
 <a:theme xmlns:a="http://schemas.openxmlformats.org/drawingml/2006/main" name="Office Theme">
   <a:themeElements>
     <a:clrScheme name="Office">
